--- a/발표/internProject(20191015).pptx
+++ b/발표/internProject(20191015).pptx
@@ -5,7 +5,7 @@
     <p:sldMasterId id="2147483648" r:id="rId1"/>
   </p:sldMasterIdLst>
   <p:notesMasterIdLst>
-    <p:notesMasterId r:id="rId23"/>
+    <p:notesMasterId r:id="rId26"/>
   </p:notesMasterIdLst>
   <p:sldIdLst>
     <p:sldId id="299" r:id="rId2"/>
@@ -22,13 +22,16 @@
     <p:sldId id="338" r:id="rId13"/>
     <p:sldId id="339" r:id="rId14"/>
     <p:sldId id="340" r:id="rId15"/>
-    <p:sldId id="348" r:id="rId16"/>
-    <p:sldId id="350" r:id="rId17"/>
+    <p:sldId id="350" r:id="rId16"/>
+    <p:sldId id="354" r:id="rId17"/>
     <p:sldId id="341" r:id="rId18"/>
-    <p:sldId id="345" r:id="rId19"/>
-    <p:sldId id="342" r:id="rId20"/>
-    <p:sldId id="351" r:id="rId21"/>
-    <p:sldId id="330" r:id="rId22"/>
+    <p:sldId id="355" r:id="rId19"/>
+    <p:sldId id="345" r:id="rId20"/>
+    <p:sldId id="353" r:id="rId21"/>
+    <p:sldId id="352" r:id="rId22"/>
+    <p:sldId id="342" r:id="rId23"/>
+    <p:sldId id="351" r:id="rId24"/>
+    <p:sldId id="330" r:id="rId25"/>
   </p:sldIdLst>
   <p:sldSz cx="12192000" cy="6858000"/>
   <p:notesSz cx="6858000" cy="9144000"/>
@@ -2357,19 +2360,7 @@
                 <a:ea typeface="+mn-ea"/>
                 <a:cs typeface="+mn-cs"/>
               </a:rPr>
-              <a:t> </a:t>
-            </a:r>
-            <a:r>
-              <a:rPr lang="ko-KR" altLang="en-US" sz="1200" b="1" i="0" kern="1200" dirty="0" smtClean="0">
-                <a:solidFill>
-                  <a:schemeClr val="tx1"/>
-                </a:solidFill>
-                <a:effectLst/>
-                <a:latin typeface="+mn-lt"/>
-                <a:ea typeface="+mn-ea"/>
-                <a:cs typeface="+mn-cs"/>
-              </a:rPr>
-              <a:t>계층분리 관심사 분리</a:t>
+              <a:t> 계층분리 관심사 분리</a:t>
             </a:r>
             <a:endParaRPr lang="en-US" altLang="ko-KR" sz="1200" b="1" i="0" kern="1200" dirty="0" smtClean="0">
               <a:solidFill>
@@ -3791,30 +3782,260 @@
           <a:lstStyle/>
           <a:p>
             <a:r>
+              <a:rPr lang="ko-KR" altLang="en-US" dirty="0" smtClean="0"/>
+              <a:t>스프링 </a:t>
+            </a:r>
+            <a:r>
               <a:rPr lang="en-US" altLang="ko-KR" dirty="0" smtClean="0"/>
-              <a:t>To</a:t>
-            </a:r>
-            <a:r>
-              <a:rPr lang="en-US" altLang="ko-KR" baseline="0" dirty="0" smtClean="0"/>
-              <a:t> string equals </a:t>
+              <a:t>security </a:t>
+            </a:r>
+            <a:r>
+              <a:rPr lang="ko-KR" altLang="en-US" dirty="0" smtClean="0"/>
+              <a:t>권한 인증 및</a:t>
             </a:r>
             <a:r>
               <a:rPr lang="ko-KR" altLang="en-US" baseline="0" dirty="0" smtClean="0"/>
-              <a:t>자바 </a:t>
-            </a:r>
-            <a:r>
-              <a:rPr lang="en-US" altLang="ko-KR" baseline="0" dirty="0" smtClean="0"/>
-              <a:t>reflection</a:t>
-            </a:r>
-            <a:r>
-              <a:rPr lang="ko-KR" altLang="en-US" baseline="0" dirty="0" smtClean="0"/>
-              <a:t>으로 작동해 성능 및 </a:t>
-            </a:r>
-            <a:r>
-              <a:rPr lang="en-US" altLang="ko-KR" baseline="0" dirty="0" smtClean="0"/>
-              <a:t>over flow</a:t>
-            </a:r>
-            <a:endParaRPr lang="ko-KR" altLang="en-US" dirty="0"/>
+              <a:t> 허가 절차</a:t>
+            </a:r>
+            <a:endParaRPr lang="en-US" altLang="ko-KR" baseline="0" dirty="0" smtClean="0"/>
+          </a:p>
+          <a:p>
+            <a:endParaRPr lang="en-US" altLang="ko-KR" baseline="0" dirty="0" smtClean="0"/>
+          </a:p>
+          <a:p>
+            <a:pPr marL="0" marR="0" indent="0" algn="l" defTabSz="914400" rtl="0" eaLnBrk="1" fontAlgn="auto" latinLnBrk="1" hangingPunct="1">
+              <a:lnSpc>
+                <a:spcPct val="100000"/>
+              </a:lnSpc>
+              <a:spcBef>
+                <a:spcPts val="0"/>
+              </a:spcBef>
+              <a:spcAft>
+                <a:spcPts val="0"/>
+              </a:spcAft>
+              <a:buClrTx/>
+              <a:buSzTx/>
+              <a:buFontTx/>
+              <a:buNone/>
+              <a:tabLst/>
+              <a:defRPr/>
+            </a:pPr>
+            <a:r>
+              <a:rPr lang="ko-KR" altLang="en-US" sz="1200" b="0" i="0" kern="1200" baseline="0" dirty="0" smtClean="0">
+                <a:solidFill>
+                  <a:schemeClr val="tx1"/>
+                </a:solidFill>
+                <a:effectLst/>
+                <a:latin typeface="+mn-lt"/>
+                <a:ea typeface="+mn-ea"/>
+                <a:cs typeface="+mn-cs"/>
+              </a:rPr>
+              <a:t>로그인은 최초에 스프링 </a:t>
+            </a:r>
+            <a:r>
+              <a:rPr lang="en-US" altLang="ko-KR" sz="1200" b="0" i="0" kern="1200" baseline="0" dirty="0" smtClean="0">
+                <a:solidFill>
+                  <a:schemeClr val="tx1"/>
+                </a:solidFill>
+                <a:effectLst/>
+                <a:latin typeface="+mn-lt"/>
+                <a:ea typeface="+mn-ea"/>
+                <a:cs typeface="+mn-cs"/>
+              </a:rPr>
+              <a:t>security </a:t>
+            </a:r>
+            <a:r>
+              <a:rPr lang="en-US" altLang="ko-KR" sz="1200" b="0" i="0" kern="1200" baseline="0" dirty="0" err="1" smtClean="0">
+                <a:solidFill>
+                  <a:schemeClr val="tx1"/>
+                </a:solidFill>
+                <a:effectLst/>
+                <a:latin typeface="+mn-lt"/>
+                <a:ea typeface="+mn-ea"/>
+                <a:cs typeface="+mn-cs"/>
+              </a:rPr>
+              <a:t>oauth</a:t>
+            </a:r>
+            <a:r>
+              <a:rPr lang="en-US" altLang="ko-KR" sz="1200" b="0" i="0" kern="1200" baseline="0" dirty="0" smtClean="0">
+                <a:solidFill>
+                  <a:schemeClr val="tx1"/>
+                </a:solidFill>
+                <a:effectLst/>
+                <a:latin typeface="+mn-lt"/>
+                <a:ea typeface="+mn-ea"/>
+                <a:cs typeface="+mn-cs"/>
+              </a:rPr>
+              <a:t> library </a:t>
+            </a:r>
+            <a:r>
+              <a:rPr lang="ko-KR" altLang="en-US" sz="1200" b="0" i="0" kern="1200" baseline="0" dirty="0" smtClean="0">
+                <a:solidFill>
+                  <a:schemeClr val="tx1"/>
+                </a:solidFill>
+                <a:effectLst/>
+                <a:latin typeface="+mn-lt"/>
+                <a:ea typeface="+mn-ea"/>
+                <a:cs typeface="+mn-cs"/>
+              </a:rPr>
+              <a:t>를 이용하려고 햇으나 하이웍스 </a:t>
+            </a:r>
+            <a:r>
+              <a:rPr lang="en-US" altLang="ko-KR" sz="1200" b="0" i="0" kern="1200" baseline="0" dirty="0" err="1" smtClean="0">
+                <a:solidFill>
+                  <a:schemeClr val="tx1"/>
+                </a:solidFill>
+                <a:effectLst/>
+                <a:latin typeface="+mn-lt"/>
+                <a:ea typeface="+mn-ea"/>
+                <a:cs typeface="+mn-cs"/>
+              </a:rPr>
+              <a:t>api</a:t>
+            </a:r>
+            <a:r>
+              <a:rPr lang="en-US" altLang="ko-KR" sz="1200" b="0" i="0" kern="1200" baseline="0" dirty="0" smtClean="0">
+                <a:solidFill>
+                  <a:schemeClr val="tx1"/>
+                </a:solidFill>
+                <a:effectLst/>
+                <a:latin typeface="+mn-lt"/>
+                <a:ea typeface="+mn-ea"/>
+                <a:cs typeface="+mn-cs"/>
+              </a:rPr>
+              <a:t> </a:t>
+            </a:r>
+            <a:r>
+              <a:rPr lang="ko-KR" altLang="en-US" sz="1200" b="0" i="0" kern="1200" baseline="0" dirty="0" smtClean="0">
+                <a:solidFill>
+                  <a:schemeClr val="tx1"/>
+                </a:solidFill>
+                <a:effectLst/>
+                <a:latin typeface="+mn-lt"/>
+                <a:ea typeface="+mn-ea"/>
+                <a:cs typeface="+mn-cs"/>
+              </a:rPr>
+              <a:t>기존 </a:t>
+            </a:r>
+            <a:r>
+              <a:rPr lang="en-US" altLang="ko-KR" sz="1200" b="0" i="0" kern="1200" baseline="0" dirty="0" err="1" smtClean="0">
+                <a:solidFill>
+                  <a:schemeClr val="tx1"/>
+                </a:solidFill>
+                <a:effectLst/>
+                <a:latin typeface="+mn-lt"/>
+                <a:ea typeface="+mn-ea"/>
+                <a:cs typeface="+mn-cs"/>
+              </a:rPr>
+              <a:t>aouth</a:t>
+            </a:r>
+            <a:r>
+              <a:rPr lang="en-US" altLang="ko-KR" sz="1200" b="0" i="0" kern="1200" baseline="0" dirty="0" smtClean="0">
+                <a:solidFill>
+                  <a:schemeClr val="tx1"/>
+                </a:solidFill>
+                <a:effectLst/>
+                <a:latin typeface="+mn-lt"/>
+                <a:ea typeface="+mn-ea"/>
+                <a:cs typeface="+mn-cs"/>
+              </a:rPr>
+              <a:t> 2 </a:t>
+            </a:r>
+            <a:r>
+              <a:rPr lang="ko-KR" altLang="en-US" sz="1200" b="0" i="0" kern="1200" baseline="0" dirty="0" smtClean="0">
+                <a:solidFill>
+                  <a:schemeClr val="tx1"/>
+                </a:solidFill>
+                <a:effectLst/>
+                <a:latin typeface="+mn-lt"/>
+                <a:ea typeface="+mn-ea"/>
+                <a:cs typeface="+mn-cs"/>
+              </a:rPr>
+              <a:t>인증방식이 다른 보편화 되어있는 로그인과 달라서 커스터 마이징을 해주어어야 할부분이 많았습니다</a:t>
+            </a:r>
+            <a:r>
+              <a:rPr lang="en-US" altLang="ko-KR" sz="1200" b="0" i="0" kern="1200" baseline="0" dirty="0" smtClean="0">
+                <a:solidFill>
+                  <a:schemeClr val="tx1"/>
+                </a:solidFill>
+                <a:effectLst/>
+                <a:latin typeface="+mn-lt"/>
+                <a:ea typeface="+mn-ea"/>
+                <a:cs typeface="+mn-cs"/>
+              </a:rPr>
+              <a:t>. </a:t>
+            </a:r>
+            <a:r>
+              <a:rPr lang="ko-KR" altLang="en-US" sz="1200" b="0" i="0" kern="1200" baseline="0" dirty="0" smtClean="0">
+                <a:solidFill>
+                  <a:schemeClr val="tx1"/>
+                </a:solidFill>
+                <a:effectLst/>
+                <a:latin typeface="+mn-lt"/>
+                <a:ea typeface="+mn-ea"/>
+                <a:cs typeface="+mn-cs"/>
+              </a:rPr>
+              <a:t>그래서 시간이 좀 오래걸리겟다고 판단해 상대적으로 커스터마이징이 간단한  </a:t>
+            </a:r>
+            <a:r>
+              <a:rPr lang="en-US" altLang="ko-KR" sz="1200" b="0" i="0" kern="1200" baseline="0" dirty="0" smtClean="0">
+                <a:solidFill>
+                  <a:schemeClr val="tx1"/>
+                </a:solidFill>
+                <a:effectLst/>
+                <a:latin typeface="+mn-lt"/>
+                <a:ea typeface="+mn-ea"/>
+                <a:cs typeface="+mn-cs"/>
+              </a:rPr>
+              <a:t>scribe </a:t>
+            </a:r>
+            <a:r>
+              <a:rPr lang="en-US" altLang="ko-KR" sz="1200" b="0" i="0" kern="1200" baseline="0" dirty="0" err="1" smtClean="0">
+                <a:solidFill>
+                  <a:schemeClr val="tx1"/>
+                </a:solidFill>
+                <a:effectLst/>
+                <a:latin typeface="+mn-lt"/>
+                <a:ea typeface="+mn-ea"/>
+                <a:cs typeface="+mn-cs"/>
+              </a:rPr>
+              <a:t>jav</a:t>
+            </a:r>
+            <a:r>
+              <a:rPr lang="en-US" altLang="ko-KR" sz="1200" b="0" i="0" kern="1200" baseline="0" dirty="0" smtClean="0">
+                <a:solidFill>
+                  <a:schemeClr val="tx1"/>
+                </a:solidFill>
+                <a:effectLst/>
+                <a:latin typeface="+mn-lt"/>
+                <a:ea typeface="+mn-ea"/>
+                <a:cs typeface="+mn-cs"/>
+              </a:rPr>
+              <a:t> </a:t>
+            </a:r>
+            <a:r>
+              <a:rPr lang="ko-KR" altLang="en-US" sz="1200" b="0" i="0" kern="1200" baseline="0" dirty="0" smtClean="0">
+                <a:solidFill>
+                  <a:schemeClr val="tx1"/>
+                </a:solidFill>
+                <a:effectLst/>
+                <a:latin typeface="+mn-lt"/>
+                <a:ea typeface="+mn-ea"/>
+                <a:cs typeface="+mn-cs"/>
+              </a:rPr>
+              <a:t>라이브럴리를 이용하여 진행하였습니다</a:t>
+            </a:r>
+            <a:r>
+              <a:rPr lang="en-US" altLang="ko-KR" sz="1200" b="0" i="0" kern="1200" baseline="0" dirty="0" smtClean="0">
+                <a:solidFill>
+                  <a:schemeClr val="tx1"/>
+                </a:solidFill>
+                <a:effectLst/>
+                <a:latin typeface="+mn-lt"/>
+                <a:ea typeface="+mn-ea"/>
+                <a:cs typeface="+mn-cs"/>
+              </a:rPr>
+              <a:t>.</a:t>
+            </a:r>
           </a:p>
         </p:txBody>
       </p:sp>
@@ -3844,7 +4065,7 @@
     </p:spTree>
     <p:extLst>
       <p:ext uri="{BB962C8B-B14F-4D97-AF65-F5344CB8AC3E}">
-        <p14:creationId xmlns:p14="http://schemas.microsoft.com/office/powerpoint/2010/main" val="3940529063"/>
+        <p14:creationId xmlns:p14="http://schemas.microsoft.com/office/powerpoint/2010/main" val="609146262"/>
       </p:ext>
     </p:extLst>
   </p:cSld>
@@ -4153,15 +4374,6 @@
               </a:rPr>
               <a:t>.</a:t>
             </a:r>
-            <a:endParaRPr lang="en-US" altLang="ko-KR" sz="1200" b="0" i="0" kern="1200" baseline="0" dirty="0" smtClean="0">
-              <a:solidFill>
-                <a:schemeClr val="tx1"/>
-              </a:solidFill>
-              <a:effectLst/>
-              <a:latin typeface="+mn-lt"/>
-              <a:ea typeface="+mn-ea"/>
-              <a:cs typeface="+mn-cs"/>
-            </a:endParaRPr>
           </a:p>
         </p:txBody>
       </p:sp>
@@ -4191,7 +4403,7 @@
     </p:spTree>
     <p:extLst>
       <p:ext uri="{BB962C8B-B14F-4D97-AF65-F5344CB8AC3E}">
-        <p14:creationId xmlns:p14="http://schemas.microsoft.com/office/powerpoint/2010/main" val="609146262"/>
+        <p14:creationId xmlns:p14="http://schemas.microsoft.com/office/powerpoint/2010/main" val="1161405647"/>
       </p:ext>
     </p:extLst>
   </p:cSld>
@@ -4246,78 +4458,21 @@
           <a:lstStyle/>
           <a:p>
             <a:r>
-              <a:rPr lang="en-US" altLang="ko-KR" dirty="0" err="1" smtClean="0"/>
+              <a:rPr lang="en-US" altLang="ko-KR" b="1" dirty="0" err="1" smtClean="0"/>
               <a:t>Jwt</a:t>
             </a:r>
             <a:r>
-              <a:rPr lang="en-US" altLang="ko-KR" dirty="0" smtClean="0"/>
+              <a:rPr lang="en-US" altLang="ko-KR" b="1" dirty="0" smtClean="0"/>
               <a:t> </a:t>
             </a:r>
             <a:r>
-              <a:rPr lang="ko-KR" altLang="en-US" dirty="0" smtClean="0"/>
+              <a:rPr lang="ko-KR" altLang="en-US" b="1" dirty="0" smtClean="0"/>
               <a:t>선정 이유  </a:t>
             </a:r>
             <a:r>
               <a:rPr lang="en-US" altLang="ko-KR" dirty="0" smtClean="0"/>
               <a:t>cookie http only</a:t>
             </a:r>
-          </a:p>
-          <a:p>
-            <a:endParaRPr lang="en-US" altLang="ko-KR" baseline="0" dirty="0" smtClean="0"/>
-          </a:p>
-          <a:p>
-            <a:r>
-              <a:rPr lang="en-US" altLang="ko-KR" dirty="0" err="1" smtClean="0"/>
-              <a:t>Xss</a:t>
-            </a:r>
-            <a:r>
-              <a:rPr lang="en-US" altLang="ko-KR" dirty="0" smtClean="0"/>
-              <a:t>(cross</a:t>
-            </a:r>
-            <a:r>
-              <a:rPr lang="en-US" altLang="ko-KR" baseline="0" dirty="0" smtClean="0"/>
-              <a:t> site scripting)</a:t>
-            </a:r>
-            <a:r>
-              <a:rPr lang="en-US" altLang="ko-KR" dirty="0" smtClean="0"/>
-              <a:t> </a:t>
-            </a:r>
-            <a:r>
-              <a:rPr lang="ko-KR" altLang="en-US" dirty="0" smtClean="0"/>
-              <a:t>보안 </a:t>
-            </a:r>
-            <a:r>
-              <a:rPr lang="en-US" altLang="ko-KR" dirty="0" smtClean="0"/>
-              <a:t>–</a:t>
-            </a:r>
-            <a:r>
-              <a:rPr lang="ko-KR" altLang="en-US" dirty="0" smtClean="0"/>
-              <a:t>사이트에 스크립트를 삽입해 민간 한 정볼르 탈취하는 등과 같은 공격방법</a:t>
-            </a:r>
-            <a:endParaRPr lang="en-US" altLang="ko-KR" dirty="0" smtClean="0"/>
-          </a:p>
-          <a:p>
-            <a:r>
-              <a:rPr lang="ko-KR" altLang="en-US" dirty="0" smtClean="0"/>
-              <a:t>변환해서 들어오냐 그리고 </a:t>
-            </a:r>
-            <a:r>
-              <a:rPr lang="en-US" altLang="ko-KR" dirty="0" smtClean="0"/>
-              <a:t>security </a:t>
-            </a:r>
-            <a:r>
-              <a:rPr lang="ko-KR" altLang="en-US" dirty="0" smtClean="0"/>
-              <a:t>보다 먼저 </a:t>
-            </a:r>
-            <a:r>
-              <a:rPr lang="en-US" altLang="ko-KR" dirty="0" smtClean="0"/>
-              <a:t>filter</a:t>
-            </a:r>
-            <a:r>
-              <a:rPr lang="ko-KR" altLang="en-US" dirty="0" smtClean="0"/>
-              <a:t>에</a:t>
-            </a:r>
-            <a:endParaRPr lang="en-US" altLang="ko-KR" dirty="0" smtClean="0"/>
           </a:p>
           <a:p>
             <a:pPr marL="0" marR="0" indent="0" algn="l" defTabSz="914400" rtl="0" eaLnBrk="1" fontAlgn="auto" latinLnBrk="1" hangingPunct="1">
@@ -4383,10 +4538,22 @@
                 <a:ea typeface="+mn-ea"/>
                 <a:cs typeface="+mn-cs"/>
               </a:rPr>
-              <a:t>사용해 확장성에 세션 유지나 </a:t>
-            </a:r>
-            <a:r>
-              <a:rPr lang="ko-KR" altLang="en-US" sz="1200" b="0" i="0" kern="1200" baseline="0" dirty="0" err="1" smtClean="0">
+              <a:t>사용해 확장성에 </a:t>
+            </a:r>
+            <a:r>
+              <a:rPr lang="ko-KR" altLang="en-US" sz="1200" b="1" i="0" kern="1200" baseline="0" dirty="0" smtClean="0">
+                <a:solidFill>
+                  <a:schemeClr val="tx1"/>
+                </a:solidFill>
+                <a:effectLst/>
+                <a:latin typeface="+mn-lt"/>
+                <a:ea typeface="+mn-ea"/>
+                <a:cs typeface="+mn-cs"/>
+              </a:rPr>
+              <a:t>세션 유지나 </a:t>
+            </a:r>
+            <a:r>
+              <a:rPr lang="ko-KR" altLang="en-US" sz="1200" b="1" i="0" kern="1200" baseline="0" dirty="0" err="1" smtClean="0">
                 <a:solidFill>
                   <a:schemeClr val="tx1"/>
                 </a:solidFill>
@@ -4398,7 +4565,7 @@
               <a:t>관리없이</a:t>
             </a:r>
             <a:r>
-              <a:rPr lang="ko-KR" altLang="en-US" sz="1200" b="0" i="0" kern="1200" baseline="0" dirty="0" smtClean="0">
+              <a:rPr lang="ko-KR" altLang="en-US" sz="1200" b="1" i="0" kern="1200" baseline="0" dirty="0" smtClean="0">
                 <a:solidFill>
                   <a:schemeClr val="tx1"/>
                 </a:solidFill>
@@ -4498,6 +4665,94 @@
               <a:defRPr/>
             </a:pPr>
             <a:r>
+              <a:rPr lang="ko-KR" altLang="en-US" sz="1200" b="1" i="0" kern="1200" dirty="0" smtClean="0">
+                <a:solidFill>
+                  <a:schemeClr val="tx1"/>
+                </a:solidFill>
+                <a:effectLst/>
+                <a:latin typeface="+mn-lt"/>
+                <a:ea typeface="+mn-ea"/>
+                <a:cs typeface="+mn-cs"/>
+              </a:rPr>
+              <a:t>토큰만 가지고 유효성 검사나 사용자 식별까지 할 수 있으므로 서버를 </a:t>
+            </a:r>
+            <a:r>
+              <a:rPr lang="ko-KR" altLang="en-US" sz="1200" b="1" i="0" kern="1200" dirty="0" err="1" smtClean="0">
+                <a:solidFill>
+                  <a:schemeClr val="tx1"/>
+                </a:solidFill>
+                <a:effectLst/>
+                <a:latin typeface="+mn-lt"/>
+                <a:ea typeface="+mn-ea"/>
+                <a:cs typeface="+mn-cs"/>
+              </a:rPr>
+              <a:t>무상태로</a:t>
+            </a:r>
+            <a:r>
+              <a:rPr lang="ko-KR" altLang="en-US" sz="1200" b="1" i="0" kern="1200" dirty="0" smtClean="0">
+                <a:solidFill>
+                  <a:schemeClr val="tx1"/>
+                </a:solidFill>
+                <a:effectLst/>
+                <a:latin typeface="+mn-lt"/>
+                <a:ea typeface="+mn-ea"/>
+                <a:cs typeface="+mn-cs"/>
+              </a:rPr>
+              <a:t> 유지할 수 있다는 점이다</a:t>
+            </a:r>
+            <a:r>
+              <a:rPr lang="en-US" altLang="ko-KR" sz="1200" b="1" i="0" kern="1200" dirty="0" smtClean="0">
+                <a:solidFill>
+                  <a:schemeClr val="tx1"/>
+                </a:solidFill>
+                <a:effectLst/>
+                <a:latin typeface="+mn-lt"/>
+                <a:ea typeface="+mn-ea"/>
+                <a:cs typeface="+mn-cs"/>
+              </a:rPr>
+              <a:t>.</a:t>
+            </a:r>
+            <a:r>
+              <a:rPr lang="ko-KR" altLang="en-US" sz="1200" b="1" i="0" kern="1200" dirty="0" smtClean="0">
+                <a:solidFill>
+                  <a:schemeClr val="tx1"/>
+                </a:solidFill>
+                <a:effectLst/>
+                <a:latin typeface="+mn-lt"/>
+                <a:ea typeface="+mn-ea"/>
+                <a:cs typeface="+mn-cs"/>
+              </a:rPr>
+              <a:t> </a:t>
+            </a:r>
+            <a:endParaRPr lang="en-US" altLang="ko-KR" sz="1200" b="1" i="0" kern="1200" dirty="0" smtClean="0">
+              <a:solidFill>
+                <a:schemeClr val="tx1"/>
+              </a:solidFill>
+              <a:effectLst/>
+              <a:latin typeface="+mn-lt"/>
+              <a:ea typeface="+mn-ea"/>
+              <a:cs typeface="+mn-cs"/>
+            </a:endParaRPr>
+          </a:p>
+          <a:p>
+            <a:pPr marL="0" marR="0" indent="0" algn="l" defTabSz="914400" rtl="0" eaLnBrk="1" fontAlgn="auto" latinLnBrk="1" hangingPunct="1">
+              <a:lnSpc>
+                <a:spcPct val="100000"/>
+              </a:lnSpc>
+              <a:spcBef>
+                <a:spcPts val="0"/>
+              </a:spcBef>
+              <a:spcAft>
+                <a:spcPts val="0"/>
+              </a:spcAft>
+              <a:buClrTx/>
+              <a:buSzTx/>
+              <a:buFontTx/>
+              <a:buNone/>
+              <a:tabLst/>
+              <a:defRPr/>
+            </a:pPr>
+            <a:r>
               <a:rPr lang="ko-KR" altLang="en-US" sz="1200" b="0" i="0" kern="1200" dirty="0" smtClean="0">
                 <a:solidFill>
                   <a:schemeClr val="tx1"/>
@@ -4507,19 +4762,7 @@
                 <a:ea typeface="+mn-ea"/>
                 <a:cs typeface="+mn-cs"/>
               </a:rPr>
-              <a:t>토큰만 가지고 유효성 검사나 사용자 식별까지 할 수 있으므로 서버를 </a:t>
-            </a:r>
-            <a:r>
-              <a:rPr lang="ko-KR" altLang="en-US" sz="1200" b="0" i="0" kern="1200" dirty="0" err="1" smtClean="0">
-                <a:solidFill>
-                  <a:schemeClr val="tx1"/>
-                </a:solidFill>
-                <a:effectLst/>
-                <a:latin typeface="+mn-lt"/>
-                <a:ea typeface="+mn-ea"/>
-                <a:cs typeface="+mn-cs"/>
-              </a:rPr>
-              <a:t>무상태로</a:t>
+              <a:t>토큰의 </a:t>
             </a:r>
             <a:r>
               <a:rPr lang="ko-KR" altLang="en-US" sz="1200" b="0" i="0" kern="1200" dirty="0" smtClean="0">
@@ -4531,31 +4774,7 @@
                 <a:ea typeface="+mn-ea"/>
                 <a:cs typeface="+mn-cs"/>
               </a:rPr>
-              <a:t> 유지할 수 있다는 점이다</a:t>
-            </a:r>
-            <a:r>
-              <a:rPr lang="en-US" altLang="ko-KR" sz="1200" b="0" i="0" kern="1200" dirty="0" smtClean="0">
-                <a:solidFill>
-                  <a:schemeClr val="tx1"/>
-                </a:solidFill>
-                <a:effectLst/>
-                <a:latin typeface="+mn-lt"/>
-                <a:ea typeface="+mn-ea"/>
-                <a:cs typeface="+mn-cs"/>
-              </a:rPr>
-              <a:t>.</a:t>
-            </a:r>
-            <a:r>
-              <a:rPr lang="ko-KR" altLang="en-US" sz="1200" b="0" i="0" kern="1200" dirty="0" smtClean="0">
-                <a:solidFill>
-                  <a:schemeClr val="tx1"/>
-                </a:solidFill>
-                <a:effectLst/>
-                <a:latin typeface="+mn-lt"/>
-                <a:ea typeface="+mn-ea"/>
-                <a:cs typeface="+mn-cs"/>
-              </a:rPr>
-              <a:t> 토큰의 사용자 아이디 등이 </a:t>
+              <a:t>사용자 아이디 등이 </a:t>
             </a:r>
             <a:r>
               <a:rPr lang="ko-KR" altLang="en-US" sz="1200" b="0" i="0" kern="1200" dirty="0" err="1" smtClean="0">
@@ -4769,7 +4988,7 @@
               <a:t>이후 </a:t>
             </a:r>
             <a:r>
-              <a:rPr lang="en-US" altLang="ko-KR" sz="1200" b="0" i="0" kern="1200" baseline="0" dirty="0" err="1" smtClean="0">
+              <a:rPr lang="en-US" altLang="ko-KR" sz="1200" b="1" i="0" kern="1200" baseline="0" dirty="0" err="1" smtClean="0">
                 <a:solidFill>
                   <a:schemeClr val="tx1"/>
                 </a:solidFill>
@@ -4781,7 +5000,7 @@
               <a:t>jwt</a:t>
             </a:r>
             <a:r>
-              <a:rPr lang="en-US" altLang="ko-KR" sz="1200" b="0" i="0" kern="1200" baseline="0" dirty="0" smtClean="0">
+              <a:rPr lang="en-US" altLang="ko-KR" sz="1200" b="1" i="0" kern="1200" baseline="0" dirty="0" smtClean="0">
                 <a:solidFill>
                   <a:schemeClr val="tx1"/>
                 </a:solidFill>
@@ -4793,7 +5012,7 @@
               <a:t> header </a:t>
             </a:r>
             <a:r>
-              <a:rPr lang="ko-KR" altLang="en-US" sz="1200" b="0" i="0" kern="1200" baseline="0" dirty="0" smtClean="0">
+              <a:rPr lang="ko-KR" altLang="en-US" sz="1200" b="1" i="0" kern="1200" baseline="0" dirty="0" smtClean="0">
                 <a:solidFill>
                   <a:schemeClr val="tx1"/>
                 </a:solidFill>
@@ -4805,7 +5024,7 @@
               <a:t>담을까 </a:t>
             </a:r>
             <a:r>
-              <a:rPr lang="en-US" altLang="ko-KR" sz="1200" b="0" i="0" kern="1200" baseline="0" dirty="0" err="1" smtClean="0">
+              <a:rPr lang="en-US" altLang="ko-KR" sz="1200" b="1" i="0" kern="1200" baseline="0" dirty="0" err="1" smtClean="0">
                 <a:solidFill>
                   <a:schemeClr val="tx1"/>
                 </a:solidFill>
@@ -4817,7 +5036,7 @@
               <a:t>cokie</a:t>
             </a:r>
             <a:r>
-              <a:rPr lang="en-US" altLang="ko-KR" sz="1200" b="0" i="0" kern="1200" baseline="0" dirty="0" smtClean="0">
+              <a:rPr lang="en-US" altLang="ko-KR" sz="1200" b="1" i="0" kern="1200" baseline="0" dirty="0" smtClean="0">
                 <a:solidFill>
                   <a:schemeClr val="tx1"/>
                 </a:solidFill>
@@ -4829,7 +5048,7 @@
               <a:t> </a:t>
             </a:r>
             <a:r>
-              <a:rPr lang="ko-KR" altLang="en-US" sz="1200" b="0" i="0" kern="1200" baseline="0" dirty="0" smtClean="0">
+              <a:rPr lang="ko-KR" altLang="en-US" sz="1200" b="1" i="0" kern="1200" baseline="0" dirty="0" smtClean="0">
                 <a:solidFill>
                   <a:schemeClr val="tx1"/>
                 </a:solidFill>
@@ -4841,7 +5060,7 @@
               <a:t>담아서 통신하는 </a:t>
             </a:r>
             <a:r>
-              <a:rPr lang="ko-KR" altLang="en-US" sz="1200" b="0" i="0" kern="1200" baseline="0" dirty="0" err="1" smtClean="0">
+              <a:rPr lang="ko-KR" altLang="en-US" sz="1200" b="1" i="0" kern="1200" baseline="0" dirty="0" err="1" smtClean="0">
                 <a:solidFill>
                   <a:schemeClr val="tx1"/>
                 </a:solidFill>
@@ -4853,7 +5072,7 @@
               <a:t>것또한</a:t>
             </a:r>
             <a:r>
-              <a:rPr lang="ko-KR" altLang="en-US" sz="1200" b="0" i="0" kern="1200" baseline="0" dirty="0" smtClean="0">
+              <a:rPr lang="ko-KR" altLang="en-US" sz="1200" b="1" i="0" kern="1200" baseline="0" dirty="0" smtClean="0">
                 <a:solidFill>
                   <a:schemeClr val="tx1"/>
                 </a:solidFill>
@@ -5142,10 +5361,22 @@
                 <a:ea typeface="+mn-ea"/>
                 <a:cs typeface="+mn-cs"/>
               </a:rPr>
-              <a:t>에서는 별도에 장소에 보관해서 매번 </a:t>
-            </a:r>
-            <a:r>
-              <a:rPr lang="en-US" altLang="ko-KR" sz="1200" b="0" i="0" kern="1200" baseline="0" dirty="0" err="1" smtClean="0">
+              <a:t>에서는 별도에 </a:t>
+            </a:r>
+            <a:r>
+              <a:rPr lang="ko-KR" altLang="en-US" sz="1200" b="1" i="0" kern="1200" baseline="0" dirty="0" smtClean="0">
+                <a:solidFill>
+                  <a:schemeClr val="tx1"/>
+                </a:solidFill>
+                <a:effectLst/>
+                <a:latin typeface="+mn-lt"/>
+                <a:ea typeface="+mn-ea"/>
+                <a:cs typeface="+mn-cs"/>
+              </a:rPr>
+              <a:t>장소에 보관해서 매번 </a:t>
+            </a:r>
+            <a:r>
+              <a:rPr lang="en-US" altLang="ko-KR" sz="1200" b="1" i="0" kern="1200" baseline="0" dirty="0" err="1" smtClean="0">
                 <a:solidFill>
                   <a:schemeClr val="tx1"/>
                 </a:solidFill>
@@ -5157,7 +5388,7 @@
               <a:t>api</a:t>
             </a:r>
             <a:r>
-              <a:rPr lang="en-US" altLang="ko-KR" sz="1200" b="0" i="0" kern="1200" baseline="0" dirty="0" smtClean="0">
+              <a:rPr lang="en-US" altLang="ko-KR" sz="1200" b="1" i="0" kern="1200" baseline="0" dirty="0" smtClean="0">
                 <a:solidFill>
                   <a:schemeClr val="tx1"/>
                 </a:solidFill>
@@ -5169,6 +5400,138 @@
               <a:t> </a:t>
             </a:r>
             <a:r>
+              <a:rPr lang="ko-KR" altLang="en-US" sz="1200" b="1" i="0" kern="1200" baseline="0" dirty="0" smtClean="0">
+                <a:solidFill>
+                  <a:schemeClr val="tx1"/>
+                </a:solidFill>
+                <a:effectLst/>
+                <a:latin typeface="+mn-lt"/>
+                <a:ea typeface="+mn-ea"/>
+                <a:cs typeface="+mn-cs"/>
+              </a:rPr>
+              <a:t>요청마다 </a:t>
+            </a:r>
+            <a:r>
+              <a:rPr lang="en-US" altLang="ko-KR" sz="1200" b="1" i="0" kern="1200" baseline="0" dirty="0" smtClean="0">
+                <a:solidFill>
+                  <a:schemeClr val="tx1"/>
+                </a:solidFill>
+                <a:effectLst/>
+                <a:latin typeface="+mn-lt"/>
+                <a:ea typeface="+mn-ea"/>
+                <a:cs typeface="+mn-cs"/>
+              </a:rPr>
+              <a:t>header </a:t>
+            </a:r>
+            <a:r>
+              <a:rPr lang="ko-KR" altLang="en-US" sz="1200" b="1" i="0" kern="1200" baseline="0" dirty="0" smtClean="0">
+                <a:solidFill>
+                  <a:schemeClr val="tx1"/>
+                </a:solidFill>
+                <a:effectLst/>
+                <a:latin typeface="+mn-lt"/>
+                <a:ea typeface="+mn-ea"/>
+                <a:cs typeface="+mn-cs"/>
+              </a:rPr>
+              <a:t>에 </a:t>
+            </a:r>
+            <a:r>
+              <a:rPr lang="ko-KR" altLang="en-US" sz="1200" b="1" i="0" kern="1200" baseline="0" dirty="0" err="1" smtClean="0">
+                <a:solidFill>
+                  <a:schemeClr val="tx1"/>
+                </a:solidFill>
+                <a:effectLst/>
+                <a:latin typeface="+mn-lt"/>
+                <a:ea typeface="+mn-ea"/>
+                <a:cs typeface="+mn-cs"/>
+              </a:rPr>
+              <a:t>붙어야되는데</a:t>
+            </a:r>
+            <a:r>
+              <a:rPr lang="ko-KR" altLang="en-US" sz="1200" b="1" i="0" kern="1200" baseline="0" dirty="0" smtClean="0">
+                <a:solidFill>
+                  <a:schemeClr val="tx1"/>
+                </a:solidFill>
+                <a:effectLst/>
+                <a:latin typeface="+mn-lt"/>
+                <a:ea typeface="+mn-ea"/>
+                <a:cs typeface="+mn-cs"/>
+              </a:rPr>
+              <a:t> </a:t>
+            </a:r>
+            <a:r>
+              <a:rPr lang="en-US" altLang="ko-KR" sz="1200" b="1" i="0" kern="1200" baseline="0" dirty="0" err="1" smtClean="0">
+                <a:solidFill>
+                  <a:schemeClr val="tx1"/>
+                </a:solidFill>
+                <a:effectLst/>
+                <a:latin typeface="+mn-lt"/>
+                <a:ea typeface="+mn-ea"/>
+                <a:cs typeface="+mn-cs"/>
+              </a:rPr>
+              <a:t>localstroage</a:t>
+            </a:r>
+            <a:r>
+              <a:rPr lang="ko-KR" altLang="en-US" sz="1200" b="1" i="0" kern="1200" baseline="0" dirty="0" smtClean="0">
+                <a:solidFill>
+                  <a:schemeClr val="tx1"/>
+                </a:solidFill>
+                <a:effectLst/>
+                <a:latin typeface="+mn-lt"/>
+                <a:ea typeface="+mn-ea"/>
+                <a:cs typeface="+mn-cs"/>
+              </a:rPr>
+              <a:t>는 보안에 </a:t>
+            </a:r>
+            <a:r>
+              <a:rPr lang="ko-KR" altLang="en-US" sz="1200" b="1" i="0" kern="1200" baseline="0" dirty="0" err="1" smtClean="0">
+                <a:solidFill>
+                  <a:schemeClr val="tx1"/>
+                </a:solidFill>
+                <a:effectLst/>
+                <a:latin typeface="+mn-lt"/>
+                <a:ea typeface="+mn-ea"/>
+                <a:cs typeface="+mn-cs"/>
+              </a:rPr>
+              <a:t>취약했기떄문에</a:t>
+            </a:r>
+            <a:r>
+              <a:rPr lang="ko-KR" altLang="en-US" sz="1200" b="1" i="0" kern="1200" baseline="0" dirty="0" smtClean="0">
+                <a:solidFill>
+                  <a:schemeClr val="tx1"/>
+                </a:solidFill>
+                <a:effectLst/>
+                <a:latin typeface="+mn-lt"/>
+                <a:ea typeface="+mn-ea"/>
+                <a:cs typeface="+mn-cs"/>
+              </a:rPr>
+              <a:t> </a:t>
+            </a:r>
+            <a:r>
+              <a:rPr lang="en-US" altLang="ko-KR" sz="1200" b="1" i="0" kern="1200" baseline="0" dirty="0" smtClean="0">
+                <a:solidFill>
+                  <a:schemeClr val="tx1"/>
+                </a:solidFill>
+                <a:effectLst/>
+                <a:latin typeface="+mn-lt"/>
+                <a:ea typeface="+mn-ea"/>
+                <a:cs typeface="+mn-cs"/>
+              </a:rPr>
+              <a:t>cookie</a:t>
+            </a:r>
+            <a:r>
+              <a:rPr lang="ko-KR" altLang="en-US" sz="1200" b="1" i="0" kern="1200" baseline="0" dirty="0" smtClean="0">
+                <a:solidFill>
+                  <a:schemeClr val="tx1"/>
+                </a:solidFill>
+                <a:effectLst/>
+                <a:latin typeface="+mn-lt"/>
+                <a:ea typeface="+mn-ea"/>
+                <a:cs typeface="+mn-cs"/>
+              </a:rPr>
+              <a:t>에 </a:t>
+            </a:r>
+            <a:r>
               <a:rPr lang="ko-KR" altLang="en-US" sz="1200" b="0" i="0" kern="1200" baseline="0" dirty="0" smtClean="0">
                 <a:solidFill>
                   <a:schemeClr val="tx1"/>
@@ -5178,127 +5541,7 @@
                 <a:ea typeface="+mn-ea"/>
                 <a:cs typeface="+mn-cs"/>
               </a:rPr>
-              <a:t>요청마다 </a:t>
-            </a:r>
-            <a:r>
-              <a:rPr lang="en-US" altLang="ko-KR" sz="1200" b="0" i="0" kern="1200" baseline="0" dirty="0" smtClean="0">
-                <a:solidFill>
-                  <a:schemeClr val="tx1"/>
-                </a:solidFill>
-                <a:effectLst/>
-                <a:latin typeface="+mn-lt"/>
-                <a:ea typeface="+mn-ea"/>
-                <a:cs typeface="+mn-cs"/>
-              </a:rPr>
-              <a:t>header </a:t>
-            </a:r>
-            <a:r>
-              <a:rPr lang="ko-KR" altLang="en-US" sz="1200" b="0" i="0" kern="1200" baseline="0" dirty="0" smtClean="0">
-                <a:solidFill>
-                  <a:schemeClr val="tx1"/>
-                </a:solidFill>
-                <a:effectLst/>
-                <a:latin typeface="+mn-lt"/>
-                <a:ea typeface="+mn-ea"/>
-                <a:cs typeface="+mn-cs"/>
-              </a:rPr>
-              <a:t>에 </a:t>
-            </a:r>
-            <a:r>
-              <a:rPr lang="ko-KR" altLang="en-US" sz="1200" b="0" i="0" kern="1200" baseline="0" dirty="0" err="1" smtClean="0">
-                <a:solidFill>
-                  <a:schemeClr val="tx1"/>
-                </a:solidFill>
-                <a:effectLst/>
-                <a:latin typeface="+mn-lt"/>
-                <a:ea typeface="+mn-ea"/>
-                <a:cs typeface="+mn-cs"/>
-              </a:rPr>
-              <a:t>붙어야되는데</a:t>
-            </a:r>
-            <a:r>
-              <a:rPr lang="ko-KR" altLang="en-US" sz="1200" b="0" i="0" kern="1200" baseline="0" dirty="0" smtClean="0">
-                <a:solidFill>
-                  <a:schemeClr val="tx1"/>
-                </a:solidFill>
-                <a:effectLst/>
-                <a:latin typeface="+mn-lt"/>
-                <a:ea typeface="+mn-ea"/>
-                <a:cs typeface="+mn-cs"/>
-              </a:rPr>
-              <a:t> </a:t>
-            </a:r>
-            <a:r>
-              <a:rPr lang="en-US" altLang="ko-KR" sz="1200" b="0" i="0" kern="1200" baseline="0" dirty="0" err="1" smtClean="0">
-                <a:solidFill>
-                  <a:schemeClr val="tx1"/>
-                </a:solidFill>
-                <a:effectLst/>
-                <a:latin typeface="+mn-lt"/>
-                <a:ea typeface="+mn-ea"/>
-                <a:cs typeface="+mn-cs"/>
-              </a:rPr>
-              <a:t>localstroage</a:t>
-            </a:r>
-            <a:r>
-              <a:rPr lang="ko-KR" altLang="en-US" sz="1200" b="0" i="0" kern="1200" baseline="0" dirty="0" smtClean="0">
-                <a:solidFill>
-                  <a:schemeClr val="tx1"/>
-                </a:solidFill>
-                <a:effectLst/>
-                <a:latin typeface="+mn-lt"/>
-                <a:ea typeface="+mn-ea"/>
-                <a:cs typeface="+mn-cs"/>
-              </a:rPr>
-              <a:t>는 보안에 </a:t>
-            </a:r>
-            <a:r>
-              <a:rPr lang="ko-KR" altLang="en-US" sz="1200" b="0" i="0" kern="1200" baseline="0" dirty="0" err="1" smtClean="0">
-                <a:solidFill>
-                  <a:schemeClr val="tx1"/>
-                </a:solidFill>
-                <a:effectLst/>
-                <a:latin typeface="+mn-lt"/>
-                <a:ea typeface="+mn-ea"/>
-                <a:cs typeface="+mn-cs"/>
-              </a:rPr>
-              <a:t>취약했기떄문에</a:t>
-            </a:r>
-            <a:r>
-              <a:rPr lang="ko-KR" altLang="en-US" sz="1200" b="0" i="0" kern="1200" baseline="0" dirty="0" smtClean="0">
-                <a:solidFill>
-                  <a:schemeClr val="tx1"/>
-                </a:solidFill>
-                <a:effectLst/>
-                <a:latin typeface="+mn-lt"/>
-                <a:ea typeface="+mn-ea"/>
-                <a:cs typeface="+mn-cs"/>
-              </a:rPr>
-              <a:t> </a:t>
-            </a:r>
-            <a:r>
-              <a:rPr lang="en-US" altLang="ko-KR" sz="1200" b="0" i="0" kern="1200" baseline="0" dirty="0" smtClean="0">
-                <a:solidFill>
-                  <a:schemeClr val="tx1"/>
-                </a:solidFill>
-                <a:effectLst/>
-                <a:latin typeface="+mn-lt"/>
-                <a:ea typeface="+mn-ea"/>
-                <a:cs typeface="+mn-cs"/>
-              </a:rPr>
-              <a:t>cookie</a:t>
-            </a:r>
-            <a:r>
-              <a:rPr lang="ko-KR" altLang="en-US" sz="1200" b="0" i="0" kern="1200" baseline="0" dirty="0" smtClean="0">
-                <a:solidFill>
-                  <a:schemeClr val="tx1"/>
-                </a:solidFill>
-                <a:effectLst/>
-                <a:latin typeface="+mn-lt"/>
-                <a:ea typeface="+mn-ea"/>
-                <a:cs typeface="+mn-cs"/>
-              </a:rPr>
-              <a:t>에 담기로 결정하였습니다</a:t>
+              <a:t>담기로 결정하였습니다</a:t>
             </a:r>
             <a:r>
               <a:rPr lang="en-US" altLang="ko-KR" sz="1200" b="0" i="0" kern="1200" baseline="0" dirty="0" smtClean="0">
@@ -5534,6 +5777,71 @@
             <a:endParaRPr lang="en-US" altLang="ko-KR" dirty="0" smtClean="0"/>
           </a:p>
           <a:p>
+            <a:endParaRPr lang="en-US" altLang="ko-KR" baseline="0" dirty="0" smtClean="0"/>
+          </a:p>
+          <a:p>
+            <a:r>
+              <a:rPr lang="en-US" altLang="ko-KR" dirty="0" err="1" smtClean="0"/>
+              <a:t>Xss</a:t>
+            </a:r>
+            <a:r>
+              <a:rPr lang="en-US" altLang="ko-KR" dirty="0" smtClean="0"/>
+              <a:t>(cross</a:t>
+            </a:r>
+            <a:r>
+              <a:rPr lang="en-US" altLang="ko-KR" baseline="0" dirty="0" smtClean="0"/>
+              <a:t> site scripting)</a:t>
+            </a:r>
+            <a:r>
+              <a:rPr lang="en-US" altLang="ko-KR" dirty="0" smtClean="0"/>
+              <a:t> </a:t>
+            </a:r>
+            <a:r>
+              <a:rPr lang="ko-KR" altLang="en-US" dirty="0" smtClean="0"/>
+              <a:t>보안 </a:t>
+            </a:r>
+            <a:r>
+              <a:rPr lang="en-US" altLang="ko-KR" dirty="0" smtClean="0"/>
+              <a:t>–</a:t>
+            </a:r>
+            <a:r>
+              <a:rPr lang="ko-KR" altLang="en-US" dirty="0" smtClean="0"/>
+              <a:t>사이트에 스크립트를 삽입해 민간 한 </a:t>
+            </a:r>
+            <a:r>
+              <a:rPr lang="ko-KR" altLang="en-US" dirty="0" err="1" smtClean="0"/>
+              <a:t>정볼르</a:t>
+            </a:r>
+            <a:r>
+              <a:rPr lang="ko-KR" altLang="en-US" dirty="0" smtClean="0"/>
+              <a:t> 탈취하는 등과 같은 공격방법</a:t>
+            </a:r>
+            <a:endParaRPr lang="en-US" altLang="ko-KR" dirty="0" smtClean="0"/>
+          </a:p>
+          <a:p>
+            <a:r>
+              <a:rPr lang="ko-KR" altLang="en-US" dirty="0" smtClean="0"/>
+              <a:t>변환해서 들어오냐 그리고 </a:t>
+            </a:r>
+            <a:r>
+              <a:rPr lang="en-US" altLang="ko-KR" dirty="0" smtClean="0"/>
+              <a:t>security </a:t>
+            </a:r>
+            <a:r>
+              <a:rPr lang="ko-KR" altLang="en-US" dirty="0" smtClean="0"/>
+              <a:t>보다 먼저 </a:t>
+            </a:r>
+            <a:r>
+              <a:rPr lang="en-US" altLang="ko-KR" dirty="0" smtClean="0"/>
+              <a:t>filter</a:t>
+            </a:r>
+            <a:r>
+              <a:rPr lang="ko-KR" altLang="en-US" dirty="0" smtClean="0"/>
+              <a:t>에</a:t>
+            </a:r>
+            <a:endParaRPr lang="en-US" altLang="ko-KR" dirty="0" smtClean="0"/>
+          </a:p>
+          <a:p>
             <a:pPr marL="0" marR="0" indent="0" algn="l" defTabSz="914400" rtl="0" eaLnBrk="1" fontAlgn="auto" latinLnBrk="1" hangingPunct="1">
               <a:lnSpc>
                 <a:spcPct val="100000"/>
@@ -5686,11 +5994,7 @@
           <a:p>
             <a:r>
               <a:rPr lang="ko-KR" altLang="en-US" dirty="0" smtClean="0"/>
-              <a:t> </a:t>
-            </a:r>
-            <a:r>
-              <a:rPr lang="ko-KR" altLang="en-US" dirty="0" smtClean="0"/>
-              <a:t>걸리냐</a:t>
+              <a:t> 걸리냐</a:t>
             </a:r>
             <a:r>
               <a:rPr lang="en-US" altLang="ko-KR" dirty="0" smtClean="0"/>
@@ -6109,7 +6413,1879 @@
           <a:bodyPr/>
           <a:lstStyle/>
           <a:p>
-            <a:endParaRPr lang="ko-KR" altLang="en-US" dirty="0"/>
+            <a:r>
+              <a:rPr lang="en-US" altLang="ko-KR" b="1" dirty="0" err="1" smtClean="0"/>
+              <a:t>Jwt</a:t>
+            </a:r>
+            <a:r>
+              <a:rPr lang="en-US" altLang="ko-KR" b="1" dirty="0" smtClean="0"/>
+              <a:t> </a:t>
+            </a:r>
+            <a:r>
+              <a:rPr lang="ko-KR" altLang="en-US" b="1" dirty="0" smtClean="0"/>
+              <a:t>선정 이유  </a:t>
+            </a:r>
+            <a:r>
+              <a:rPr lang="en-US" altLang="ko-KR" dirty="0" smtClean="0"/>
+              <a:t>cookie http only</a:t>
+            </a:r>
+          </a:p>
+          <a:p>
+            <a:pPr marL="0" marR="0" indent="0" algn="l" defTabSz="914400" rtl="0" eaLnBrk="1" fontAlgn="auto" latinLnBrk="1" hangingPunct="1">
+              <a:lnSpc>
+                <a:spcPct val="100000"/>
+              </a:lnSpc>
+              <a:spcBef>
+                <a:spcPts val="0"/>
+              </a:spcBef>
+              <a:spcAft>
+                <a:spcPts val="0"/>
+              </a:spcAft>
+              <a:buClrTx/>
+              <a:buSzTx/>
+              <a:buFontTx/>
+              <a:buNone/>
+              <a:tabLst/>
+              <a:defRPr/>
+            </a:pPr>
+            <a:r>
+              <a:rPr lang="ko-KR" altLang="en-US" sz="1200" b="0" i="0" kern="1200" dirty="0" smtClean="0">
+                <a:solidFill>
+                  <a:schemeClr val="tx1"/>
+                </a:solidFill>
+                <a:effectLst/>
+                <a:latin typeface="+mn-lt"/>
+                <a:ea typeface="+mn-ea"/>
+                <a:cs typeface="+mn-cs"/>
+              </a:rPr>
+              <a:t>세션보다는 </a:t>
+            </a:r>
+            <a:r>
+              <a:rPr lang="en-US" altLang="ko-KR" sz="1200" b="0" i="0" kern="1200" dirty="0" err="1" smtClean="0">
+                <a:solidFill>
+                  <a:schemeClr val="tx1"/>
+                </a:solidFill>
+                <a:effectLst/>
+                <a:latin typeface="+mn-lt"/>
+                <a:ea typeface="+mn-ea"/>
+                <a:cs typeface="+mn-cs"/>
+              </a:rPr>
+              <a:t>jwt</a:t>
+            </a:r>
+            <a:r>
+              <a:rPr lang="en-US" altLang="ko-KR" sz="1200" b="0" i="0" kern="1200" baseline="0" dirty="0" smtClean="0">
+                <a:solidFill>
+                  <a:schemeClr val="tx1"/>
+                </a:solidFill>
+                <a:effectLst/>
+                <a:latin typeface="+mn-lt"/>
+                <a:ea typeface="+mn-ea"/>
+                <a:cs typeface="+mn-cs"/>
+              </a:rPr>
+              <a:t> </a:t>
+            </a:r>
+            <a:r>
+              <a:rPr lang="ko-KR" altLang="en-US" sz="1200" b="0" i="0" kern="1200" baseline="0" dirty="0" smtClean="0">
+                <a:solidFill>
+                  <a:schemeClr val="tx1"/>
+                </a:solidFill>
+                <a:effectLst/>
+                <a:latin typeface="+mn-lt"/>
+                <a:ea typeface="+mn-ea"/>
+                <a:cs typeface="+mn-cs"/>
+              </a:rPr>
+              <a:t>사용해 확장성에 </a:t>
+            </a:r>
+            <a:r>
+              <a:rPr lang="ko-KR" altLang="en-US" sz="1200" b="1" i="0" kern="1200" baseline="0" dirty="0" smtClean="0">
+                <a:solidFill>
+                  <a:schemeClr val="tx1"/>
+                </a:solidFill>
+                <a:effectLst/>
+                <a:latin typeface="+mn-lt"/>
+                <a:ea typeface="+mn-ea"/>
+                <a:cs typeface="+mn-cs"/>
+              </a:rPr>
+              <a:t>세션 유지나 </a:t>
+            </a:r>
+            <a:r>
+              <a:rPr lang="ko-KR" altLang="en-US" sz="1200" b="1" i="0" kern="1200" baseline="0" dirty="0" err="1" smtClean="0">
+                <a:solidFill>
+                  <a:schemeClr val="tx1"/>
+                </a:solidFill>
+                <a:effectLst/>
+                <a:latin typeface="+mn-lt"/>
+                <a:ea typeface="+mn-ea"/>
+                <a:cs typeface="+mn-cs"/>
+              </a:rPr>
+              <a:t>관리없이</a:t>
+            </a:r>
+            <a:r>
+              <a:rPr lang="ko-KR" altLang="en-US" sz="1200" b="1" i="0" kern="1200" baseline="0" dirty="0" smtClean="0">
+                <a:solidFill>
+                  <a:schemeClr val="tx1"/>
+                </a:solidFill>
+                <a:effectLst/>
+                <a:latin typeface="+mn-lt"/>
+                <a:ea typeface="+mn-ea"/>
+                <a:cs typeface="+mn-cs"/>
+              </a:rPr>
+              <a:t> 편하게 </a:t>
+            </a:r>
+            <a:r>
+              <a:rPr lang="ko-KR" altLang="en-US" sz="1200" b="0" i="0" kern="1200" baseline="0" dirty="0" err="1" smtClean="0">
+                <a:solidFill>
+                  <a:schemeClr val="tx1"/>
+                </a:solidFill>
+                <a:effectLst/>
+                <a:latin typeface="+mn-lt"/>
+                <a:ea typeface="+mn-ea"/>
+                <a:cs typeface="+mn-cs"/>
+              </a:rPr>
+              <a:t>하기위해</a:t>
+            </a:r>
+            <a:r>
+              <a:rPr lang="ko-KR" altLang="en-US" sz="1200" b="0" i="0" kern="1200" baseline="0" dirty="0" smtClean="0">
+                <a:solidFill>
+                  <a:schemeClr val="tx1"/>
+                </a:solidFill>
+                <a:effectLst/>
+                <a:latin typeface="+mn-lt"/>
+                <a:ea typeface="+mn-ea"/>
+                <a:cs typeface="+mn-cs"/>
+              </a:rPr>
+              <a:t> </a:t>
+            </a:r>
+            <a:r>
+              <a:rPr lang="en-US" altLang="ko-KR" sz="1200" b="0" i="0" kern="1200" baseline="0" dirty="0" err="1" smtClean="0">
+                <a:solidFill>
+                  <a:schemeClr val="tx1"/>
+                </a:solidFill>
+                <a:effectLst/>
+                <a:latin typeface="+mn-lt"/>
+                <a:ea typeface="+mn-ea"/>
+                <a:cs typeface="+mn-cs"/>
+              </a:rPr>
+              <a:t>jwt</a:t>
+            </a:r>
+            <a:r>
+              <a:rPr lang="en-US" altLang="ko-KR" sz="1200" b="0" i="0" kern="1200" baseline="0" dirty="0" smtClean="0">
+                <a:solidFill>
+                  <a:schemeClr val="tx1"/>
+                </a:solidFill>
+                <a:effectLst/>
+                <a:latin typeface="+mn-lt"/>
+                <a:ea typeface="+mn-ea"/>
+                <a:cs typeface="+mn-cs"/>
+              </a:rPr>
+              <a:t> </a:t>
+            </a:r>
+            <a:r>
+              <a:rPr lang="ko-KR" altLang="en-US" sz="1200" b="0" i="0" kern="1200" baseline="0" dirty="0" smtClean="0">
+                <a:solidFill>
+                  <a:schemeClr val="tx1"/>
+                </a:solidFill>
+                <a:effectLst/>
+                <a:latin typeface="+mn-lt"/>
+                <a:ea typeface="+mn-ea"/>
+                <a:cs typeface="+mn-cs"/>
+              </a:rPr>
+              <a:t>선택</a:t>
+            </a:r>
+            <a:endParaRPr lang="en-US" altLang="ko-KR" sz="1200" b="0" i="0" kern="1200" dirty="0" smtClean="0">
+              <a:solidFill>
+                <a:schemeClr val="tx1"/>
+              </a:solidFill>
+              <a:effectLst/>
+              <a:latin typeface="+mn-lt"/>
+              <a:ea typeface="+mn-ea"/>
+              <a:cs typeface="+mn-cs"/>
+            </a:endParaRPr>
+          </a:p>
+          <a:p>
+            <a:pPr marL="0" marR="0" indent="0" algn="l" defTabSz="914400" rtl="0" eaLnBrk="1" fontAlgn="auto" latinLnBrk="1" hangingPunct="1">
+              <a:lnSpc>
+                <a:spcPct val="100000"/>
+              </a:lnSpc>
+              <a:spcBef>
+                <a:spcPts val="0"/>
+              </a:spcBef>
+              <a:spcAft>
+                <a:spcPts val="0"/>
+              </a:spcAft>
+              <a:buClrTx/>
+              <a:buSzTx/>
+              <a:buFontTx/>
+              <a:buNone/>
+              <a:tabLst/>
+              <a:defRPr/>
+            </a:pPr>
+            <a:r>
+              <a:rPr lang="ko-KR" altLang="en-US" sz="1200" b="1" i="0" kern="1200" dirty="0" smtClean="0">
+                <a:solidFill>
+                  <a:schemeClr val="tx1"/>
+                </a:solidFill>
+                <a:effectLst/>
+                <a:latin typeface="+mn-lt"/>
+                <a:ea typeface="+mn-ea"/>
+                <a:cs typeface="+mn-cs"/>
+              </a:rPr>
+              <a:t>토큰만 가지고 유효성 검사나 사용자 식별까지 할 수 있으므로 서버를 </a:t>
+            </a:r>
+            <a:r>
+              <a:rPr lang="ko-KR" altLang="en-US" sz="1200" b="1" i="0" kern="1200" dirty="0" err="1" smtClean="0">
+                <a:solidFill>
+                  <a:schemeClr val="tx1"/>
+                </a:solidFill>
+                <a:effectLst/>
+                <a:latin typeface="+mn-lt"/>
+                <a:ea typeface="+mn-ea"/>
+                <a:cs typeface="+mn-cs"/>
+              </a:rPr>
+              <a:t>무상태로</a:t>
+            </a:r>
+            <a:r>
+              <a:rPr lang="ko-KR" altLang="en-US" sz="1200" b="1" i="0" kern="1200" dirty="0" smtClean="0">
+                <a:solidFill>
+                  <a:schemeClr val="tx1"/>
+                </a:solidFill>
+                <a:effectLst/>
+                <a:latin typeface="+mn-lt"/>
+                <a:ea typeface="+mn-ea"/>
+                <a:cs typeface="+mn-cs"/>
+              </a:rPr>
+              <a:t> 유지할 수 있다는 점이다</a:t>
+            </a:r>
+            <a:r>
+              <a:rPr lang="en-US" altLang="ko-KR" sz="1200" b="1" i="0" kern="1200" dirty="0" smtClean="0">
+                <a:solidFill>
+                  <a:schemeClr val="tx1"/>
+                </a:solidFill>
+                <a:effectLst/>
+                <a:latin typeface="+mn-lt"/>
+                <a:ea typeface="+mn-ea"/>
+                <a:cs typeface="+mn-cs"/>
+              </a:rPr>
+              <a:t>.</a:t>
+            </a:r>
+            <a:r>
+              <a:rPr lang="ko-KR" altLang="en-US" sz="1200" b="1" i="0" kern="1200" dirty="0" smtClean="0">
+                <a:solidFill>
+                  <a:schemeClr val="tx1"/>
+                </a:solidFill>
+                <a:effectLst/>
+                <a:latin typeface="+mn-lt"/>
+                <a:ea typeface="+mn-ea"/>
+                <a:cs typeface="+mn-cs"/>
+              </a:rPr>
+              <a:t> </a:t>
+            </a:r>
+            <a:endParaRPr lang="en-US" altLang="ko-KR" sz="1200" b="1" i="0" kern="1200" dirty="0" smtClean="0">
+              <a:solidFill>
+                <a:schemeClr val="tx1"/>
+              </a:solidFill>
+              <a:effectLst/>
+              <a:latin typeface="+mn-lt"/>
+              <a:ea typeface="+mn-ea"/>
+              <a:cs typeface="+mn-cs"/>
+            </a:endParaRPr>
+          </a:p>
+          <a:p>
+            <a:pPr marL="0" marR="0" indent="0" algn="l" defTabSz="914400" rtl="0" eaLnBrk="1" fontAlgn="auto" latinLnBrk="1" hangingPunct="1">
+              <a:lnSpc>
+                <a:spcPct val="100000"/>
+              </a:lnSpc>
+              <a:spcBef>
+                <a:spcPts val="0"/>
+              </a:spcBef>
+              <a:spcAft>
+                <a:spcPts val="0"/>
+              </a:spcAft>
+              <a:buClrTx/>
+              <a:buSzTx/>
+              <a:buFontTx/>
+              <a:buNone/>
+              <a:tabLst/>
+              <a:defRPr/>
+            </a:pPr>
+            <a:r>
+              <a:rPr lang="ko-KR" altLang="en-US" sz="1200" b="0" i="0" kern="1200" dirty="0" smtClean="0">
+                <a:solidFill>
+                  <a:schemeClr val="tx1"/>
+                </a:solidFill>
+                <a:effectLst/>
+                <a:latin typeface="+mn-lt"/>
+                <a:ea typeface="+mn-ea"/>
+                <a:cs typeface="+mn-cs"/>
+              </a:rPr>
+              <a:t>토큰의 </a:t>
+            </a:r>
+            <a:r>
+              <a:rPr lang="ko-KR" altLang="en-US" sz="1200" b="0" i="0" kern="1200" dirty="0" smtClean="0">
+                <a:solidFill>
+                  <a:schemeClr val="tx1"/>
+                </a:solidFill>
+                <a:effectLst/>
+                <a:latin typeface="+mn-lt"/>
+                <a:ea typeface="+mn-ea"/>
+                <a:cs typeface="+mn-cs"/>
+              </a:rPr>
+              <a:t>사용자 아이디 등이 </a:t>
+            </a:r>
+            <a:r>
+              <a:rPr lang="ko-KR" altLang="en-US" sz="1200" b="0" i="0" kern="1200" dirty="0" err="1" smtClean="0">
+                <a:solidFill>
+                  <a:schemeClr val="tx1"/>
+                </a:solidFill>
+                <a:effectLst/>
+                <a:latin typeface="+mn-lt"/>
+                <a:ea typeface="+mn-ea"/>
+                <a:cs typeface="+mn-cs"/>
+              </a:rPr>
+              <a:t>클레임셋에</a:t>
+            </a:r>
+            <a:r>
+              <a:rPr lang="ko-KR" altLang="en-US" sz="1200" b="0" i="0" kern="1200" dirty="0" smtClean="0">
+                <a:solidFill>
+                  <a:schemeClr val="tx1"/>
+                </a:solidFill>
+                <a:effectLst/>
+                <a:latin typeface="+mn-lt"/>
+                <a:ea typeface="+mn-ea"/>
+                <a:cs typeface="+mn-cs"/>
+              </a:rPr>
+              <a:t> 담겨있다면 데이터베이스나 캐시를 조회할 </a:t>
+            </a:r>
+            <a:r>
+              <a:rPr lang="ko-KR" altLang="en-US" sz="1200" b="0" i="0" kern="1200" dirty="0" err="1" smtClean="0">
+                <a:solidFill>
+                  <a:schemeClr val="tx1"/>
+                </a:solidFill>
+                <a:effectLst/>
+                <a:latin typeface="+mn-lt"/>
+                <a:ea typeface="+mn-ea"/>
+                <a:cs typeface="+mn-cs"/>
+              </a:rPr>
+              <a:t>필요없이</a:t>
+            </a:r>
+            <a:r>
+              <a:rPr lang="ko-KR" altLang="en-US" sz="1200" b="0" i="0" kern="1200" dirty="0" smtClean="0">
+                <a:solidFill>
+                  <a:schemeClr val="tx1"/>
+                </a:solidFill>
+                <a:effectLst/>
+                <a:latin typeface="+mn-lt"/>
+                <a:ea typeface="+mn-ea"/>
+                <a:cs typeface="+mn-cs"/>
+              </a:rPr>
+              <a:t> 바로 </a:t>
+            </a:r>
+            <a:r>
+              <a:rPr lang="ko-KR" altLang="en-US" sz="1200" b="0" i="0" kern="1200" dirty="0" err="1" smtClean="0">
+                <a:solidFill>
+                  <a:schemeClr val="tx1"/>
+                </a:solidFill>
+                <a:effectLst/>
+                <a:latin typeface="+mn-lt"/>
+                <a:ea typeface="+mn-ea"/>
+                <a:cs typeface="+mn-cs"/>
+              </a:rPr>
+              <a:t>애플레이케션이서</a:t>
+            </a:r>
+            <a:r>
+              <a:rPr lang="ko-KR" altLang="en-US" sz="1200" b="0" i="0" kern="1200" dirty="0" smtClean="0">
+                <a:solidFill>
+                  <a:schemeClr val="tx1"/>
+                </a:solidFill>
+                <a:effectLst/>
+                <a:latin typeface="+mn-lt"/>
+                <a:ea typeface="+mn-ea"/>
+                <a:cs typeface="+mn-cs"/>
+              </a:rPr>
+              <a:t> 사용자를 확인하고 정보를 조회할 수 있다</a:t>
+            </a:r>
+            <a:endParaRPr lang="en-US" altLang="ko-KR" sz="1200" b="0" i="0" kern="1200" dirty="0" smtClean="0">
+              <a:solidFill>
+                <a:schemeClr val="tx1"/>
+              </a:solidFill>
+              <a:effectLst/>
+              <a:latin typeface="+mn-lt"/>
+              <a:ea typeface="+mn-ea"/>
+              <a:cs typeface="+mn-cs"/>
+            </a:endParaRPr>
+          </a:p>
+          <a:p>
+            <a:pPr marL="0" marR="0" indent="0" algn="l" defTabSz="914400" rtl="0" eaLnBrk="1" fontAlgn="auto" latinLnBrk="1" hangingPunct="1">
+              <a:lnSpc>
+                <a:spcPct val="100000"/>
+              </a:lnSpc>
+              <a:spcBef>
+                <a:spcPts val="0"/>
+              </a:spcBef>
+              <a:spcAft>
+                <a:spcPts val="0"/>
+              </a:spcAft>
+              <a:buClrTx/>
+              <a:buSzTx/>
+              <a:buFontTx/>
+              <a:buNone/>
+              <a:tabLst/>
+              <a:defRPr/>
+            </a:pPr>
+            <a:r>
+              <a:rPr lang="ko-KR" altLang="en-US" sz="1200" b="0" i="0" kern="1200" baseline="0" dirty="0" smtClean="0">
+                <a:solidFill>
+                  <a:schemeClr val="tx1"/>
+                </a:solidFill>
+                <a:effectLst/>
+                <a:latin typeface="+mn-lt"/>
+                <a:ea typeface="+mn-ea"/>
+                <a:cs typeface="+mn-cs"/>
+              </a:rPr>
+              <a:t>단점 길이가 길다</a:t>
+            </a:r>
+            <a:r>
+              <a:rPr lang="en-US" altLang="ko-KR" sz="1200" b="0" i="0" kern="1200" baseline="0" dirty="0" smtClean="0">
+                <a:solidFill>
+                  <a:schemeClr val="tx1"/>
+                </a:solidFill>
+                <a:effectLst/>
+                <a:latin typeface="+mn-lt"/>
+                <a:ea typeface="+mn-ea"/>
+                <a:cs typeface="+mn-cs"/>
+              </a:rPr>
+              <a:t>.</a:t>
+            </a:r>
+          </a:p>
+          <a:p>
+            <a:pPr marL="0" marR="0" indent="0" algn="l" defTabSz="914400" rtl="0" eaLnBrk="1" fontAlgn="auto" latinLnBrk="1" hangingPunct="1">
+              <a:lnSpc>
+                <a:spcPct val="100000"/>
+              </a:lnSpc>
+              <a:spcBef>
+                <a:spcPts val="0"/>
+              </a:spcBef>
+              <a:spcAft>
+                <a:spcPts val="0"/>
+              </a:spcAft>
+              <a:buClrTx/>
+              <a:buSzTx/>
+              <a:buFontTx/>
+              <a:buNone/>
+              <a:tabLst/>
+              <a:defRPr/>
+            </a:pPr>
+            <a:endParaRPr lang="en-US" altLang="ko-KR" sz="1200" b="0" i="0" kern="1200" baseline="0" dirty="0" smtClean="0">
+              <a:solidFill>
+                <a:schemeClr val="tx1"/>
+              </a:solidFill>
+              <a:effectLst/>
+              <a:latin typeface="+mn-lt"/>
+              <a:ea typeface="+mn-ea"/>
+              <a:cs typeface="+mn-cs"/>
+            </a:endParaRPr>
+          </a:p>
+          <a:p>
+            <a:pPr marL="0" marR="0" indent="0" algn="l" defTabSz="914400" rtl="0" eaLnBrk="1" fontAlgn="auto" latinLnBrk="1" hangingPunct="1">
+              <a:lnSpc>
+                <a:spcPct val="100000"/>
+              </a:lnSpc>
+              <a:spcBef>
+                <a:spcPts val="0"/>
+              </a:spcBef>
+              <a:spcAft>
+                <a:spcPts val="0"/>
+              </a:spcAft>
+              <a:buClrTx/>
+              <a:buSzTx/>
+              <a:buFontTx/>
+              <a:buNone/>
+              <a:tabLst/>
+              <a:defRPr/>
+            </a:pPr>
+            <a:endParaRPr lang="en-US" altLang="ko-KR" sz="1200" b="0" i="0" kern="1200" baseline="0" dirty="0" smtClean="0">
+              <a:solidFill>
+                <a:schemeClr val="tx1"/>
+              </a:solidFill>
+              <a:effectLst/>
+              <a:latin typeface="+mn-lt"/>
+              <a:ea typeface="+mn-ea"/>
+              <a:cs typeface="+mn-cs"/>
+            </a:endParaRPr>
+          </a:p>
+          <a:p>
+            <a:pPr marL="0" marR="0" indent="0" algn="l" defTabSz="914400" rtl="0" eaLnBrk="1" fontAlgn="auto" latinLnBrk="1" hangingPunct="1">
+              <a:lnSpc>
+                <a:spcPct val="100000"/>
+              </a:lnSpc>
+              <a:spcBef>
+                <a:spcPts val="0"/>
+              </a:spcBef>
+              <a:spcAft>
+                <a:spcPts val="0"/>
+              </a:spcAft>
+              <a:buClrTx/>
+              <a:buSzTx/>
+              <a:buFontTx/>
+              <a:buNone/>
+              <a:tabLst/>
+              <a:defRPr/>
+            </a:pPr>
+            <a:r>
+              <a:rPr lang="ko-KR" altLang="en-US" sz="1200" b="0" i="0" kern="1200" baseline="0" dirty="0" smtClean="0">
+                <a:solidFill>
+                  <a:schemeClr val="tx1"/>
+                </a:solidFill>
+                <a:effectLst/>
+                <a:latin typeface="+mn-lt"/>
+                <a:ea typeface="+mn-ea"/>
+                <a:cs typeface="+mn-cs"/>
+              </a:rPr>
+              <a:t>이후 </a:t>
+            </a:r>
+            <a:r>
+              <a:rPr lang="en-US" altLang="ko-KR" sz="1200" b="1" i="0" kern="1200" baseline="0" dirty="0" err="1" smtClean="0">
+                <a:solidFill>
+                  <a:schemeClr val="tx1"/>
+                </a:solidFill>
+                <a:effectLst/>
+                <a:latin typeface="+mn-lt"/>
+                <a:ea typeface="+mn-ea"/>
+                <a:cs typeface="+mn-cs"/>
+              </a:rPr>
+              <a:t>jwt</a:t>
+            </a:r>
+            <a:r>
+              <a:rPr lang="en-US" altLang="ko-KR" sz="1200" b="1" i="0" kern="1200" baseline="0" dirty="0" smtClean="0">
+                <a:solidFill>
+                  <a:schemeClr val="tx1"/>
+                </a:solidFill>
+                <a:effectLst/>
+                <a:latin typeface="+mn-lt"/>
+                <a:ea typeface="+mn-ea"/>
+                <a:cs typeface="+mn-cs"/>
+              </a:rPr>
+              <a:t> header </a:t>
+            </a:r>
+            <a:r>
+              <a:rPr lang="ko-KR" altLang="en-US" sz="1200" b="1" i="0" kern="1200" baseline="0" dirty="0" smtClean="0">
+                <a:solidFill>
+                  <a:schemeClr val="tx1"/>
+                </a:solidFill>
+                <a:effectLst/>
+                <a:latin typeface="+mn-lt"/>
+                <a:ea typeface="+mn-ea"/>
+                <a:cs typeface="+mn-cs"/>
+              </a:rPr>
+              <a:t>담을까 </a:t>
+            </a:r>
+            <a:r>
+              <a:rPr lang="en-US" altLang="ko-KR" sz="1200" b="1" i="0" kern="1200" baseline="0" dirty="0" err="1" smtClean="0">
+                <a:solidFill>
+                  <a:schemeClr val="tx1"/>
+                </a:solidFill>
+                <a:effectLst/>
+                <a:latin typeface="+mn-lt"/>
+                <a:ea typeface="+mn-ea"/>
+                <a:cs typeface="+mn-cs"/>
+              </a:rPr>
+              <a:t>cokie</a:t>
+            </a:r>
+            <a:r>
+              <a:rPr lang="en-US" altLang="ko-KR" sz="1200" b="1" i="0" kern="1200" baseline="0" dirty="0" smtClean="0">
+                <a:solidFill>
+                  <a:schemeClr val="tx1"/>
+                </a:solidFill>
+                <a:effectLst/>
+                <a:latin typeface="+mn-lt"/>
+                <a:ea typeface="+mn-ea"/>
+                <a:cs typeface="+mn-cs"/>
+              </a:rPr>
+              <a:t> </a:t>
+            </a:r>
+            <a:r>
+              <a:rPr lang="ko-KR" altLang="en-US" sz="1200" b="1" i="0" kern="1200" baseline="0" dirty="0" smtClean="0">
+                <a:solidFill>
+                  <a:schemeClr val="tx1"/>
+                </a:solidFill>
+                <a:effectLst/>
+                <a:latin typeface="+mn-lt"/>
+                <a:ea typeface="+mn-ea"/>
+                <a:cs typeface="+mn-cs"/>
+              </a:rPr>
+              <a:t>담아서 통신하는 </a:t>
+            </a:r>
+            <a:r>
+              <a:rPr lang="ko-KR" altLang="en-US" sz="1200" b="1" i="0" kern="1200" baseline="0" dirty="0" err="1" smtClean="0">
+                <a:solidFill>
+                  <a:schemeClr val="tx1"/>
+                </a:solidFill>
+                <a:effectLst/>
+                <a:latin typeface="+mn-lt"/>
+                <a:ea typeface="+mn-ea"/>
+                <a:cs typeface="+mn-cs"/>
+              </a:rPr>
+              <a:t>것또한</a:t>
+            </a:r>
+            <a:r>
+              <a:rPr lang="ko-KR" altLang="en-US" sz="1200" b="1" i="0" kern="1200" baseline="0" dirty="0" smtClean="0">
+                <a:solidFill>
+                  <a:schemeClr val="tx1"/>
+                </a:solidFill>
+                <a:effectLst/>
+                <a:latin typeface="+mn-lt"/>
+                <a:ea typeface="+mn-ea"/>
+                <a:cs typeface="+mn-cs"/>
+              </a:rPr>
+              <a:t> </a:t>
+            </a:r>
+            <a:r>
+              <a:rPr lang="en-US" altLang="ko-KR" sz="1200" b="0" i="0" kern="1200" baseline="0" dirty="0" err="1" smtClean="0">
+                <a:solidFill>
+                  <a:schemeClr val="tx1"/>
+                </a:solidFill>
+                <a:effectLst/>
+                <a:latin typeface="+mn-lt"/>
+                <a:ea typeface="+mn-ea"/>
+                <a:cs typeface="+mn-cs"/>
+              </a:rPr>
+              <a:t>api</a:t>
+            </a:r>
+            <a:r>
+              <a:rPr lang="en-US" altLang="ko-KR" sz="1200" b="0" i="0" kern="1200" baseline="0" dirty="0" smtClean="0">
+                <a:solidFill>
+                  <a:schemeClr val="tx1"/>
+                </a:solidFill>
+                <a:effectLst/>
+                <a:latin typeface="+mn-lt"/>
+                <a:ea typeface="+mn-ea"/>
+                <a:cs typeface="+mn-cs"/>
+              </a:rPr>
+              <a:t> sever</a:t>
+            </a:r>
+            <a:r>
+              <a:rPr lang="ko-KR" altLang="en-US" sz="1200" b="0" i="0" kern="1200" baseline="0" dirty="0" smtClean="0">
+                <a:solidFill>
+                  <a:schemeClr val="tx1"/>
+                </a:solidFill>
+                <a:effectLst/>
+                <a:latin typeface="+mn-lt"/>
+                <a:ea typeface="+mn-ea"/>
+                <a:cs typeface="+mn-cs"/>
+              </a:rPr>
+              <a:t>에서 </a:t>
+            </a:r>
+            <a:r>
+              <a:rPr lang="en-US" altLang="ko-KR" sz="1200" b="0" i="0" kern="1200" baseline="0" dirty="0" err="1" smtClean="0">
+                <a:solidFill>
+                  <a:schemeClr val="tx1"/>
+                </a:solidFill>
+                <a:effectLst/>
+                <a:latin typeface="+mn-lt"/>
+                <a:ea typeface="+mn-ea"/>
+                <a:cs typeface="+mn-cs"/>
+              </a:rPr>
+              <a:t>fornt</a:t>
+            </a:r>
+            <a:r>
+              <a:rPr lang="en-US" altLang="ko-KR" sz="1200" b="0" i="0" kern="1200" baseline="0" dirty="0" smtClean="0">
+                <a:solidFill>
+                  <a:schemeClr val="tx1"/>
+                </a:solidFill>
+                <a:effectLst/>
+                <a:latin typeface="+mn-lt"/>
+                <a:ea typeface="+mn-ea"/>
+                <a:cs typeface="+mn-cs"/>
+              </a:rPr>
+              <a:t> </a:t>
+            </a:r>
+            <a:r>
+              <a:rPr lang="en-US" altLang="ko-KR" sz="1200" b="0" i="0" kern="1200" baseline="0" dirty="0" err="1" smtClean="0">
+                <a:solidFill>
+                  <a:schemeClr val="tx1"/>
+                </a:solidFill>
+                <a:effectLst/>
+                <a:latin typeface="+mn-lt"/>
+                <a:ea typeface="+mn-ea"/>
+                <a:cs typeface="+mn-cs"/>
+              </a:rPr>
+              <a:t>maint</a:t>
+            </a:r>
+            <a:r>
+              <a:rPr lang="en-US" altLang="ko-KR" sz="1200" b="0" i="0" kern="1200" baseline="0" dirty="0" smtClean="0">
+                <a:solidFill>
+                  <a:schemeClr val="tx1"/>
+                </a:solidFill>
+                <a:effectLst/>
+                <a:latin typeface="+mn-lt"/>
+                <a:ea typeface="+mn-ea"/>
+                <a:cs typeface="+mn-cs"/>
+              </a:rPr>
+              <a:t> page redirect</a:t>
+            </a:r>
+            <a:r>
+              <a:rPr lang="ko-KR" altLang="en-US" sz="1200" b="0" i="0" kern="1200" baseline="0" dirty="0" smtClean="0">
+                <a:solidFill>
+                  <a:schemeClr val="tx1"/>
+                </a:solidFill>
+                <a:effectLst/>
+                <a:latin typeface="+mn-lt"/>
+                <a:ea typeface="+mn-ea"/>
+                <a:cs typeface="+mn-cs"/>
+              </a:rPr>
+              <a:t>와  함께 </a:t>
+            </a:r>
+            <a:r>
+              <a:rPr lang="en-US" altLang="ko-KR" sz="1200" b="0" i="0" kern="1200" baseline="0" dirty="0" err="1" smtClean="0">
+                <a:solidFill>
+                  <a:schemeClr val="tx1"/>
+                </a:solidFill>
+                <a:effectLst/>
+                <a:latin typeface="+mn-lt"/>
+                <a:ea typeface="+mn-ea"/>
+                <a:cs typeface="+mn-cs"/>
+              </a:rPr>
+              <a:t>jwt</a:t>
+            </a:r>
+            <a:r>
+              <a:rPr lang="en-US" altLang="ko-KR" sz="1200" b="0" i="0" kern="1200" baseline="0" dirty="0" smtClean="0">
+                <a:solidFill>
+                  <a:schemeClr val="tx1"/>
+                </a:solidFill>
+                <a:effectLst/>
+                <a:latin typeface="+mn-lt"/>
+                <a:ea typeface="+mn-ea"/>
+                <a:cs typeface="+mn-cs"/>
+              </a:rPr>
+              <a:t> </a:t>
+            </a:r>
+            <a:r>
+              <a:rPr lang="ko-KR" altLang="en-US" sz="1200" b="0" i="0" kern="1200" baseline="0" dirty="0" smtClean="0">
+                <a:solidFill>
+                  <a:schemeClr val="tx1"/>
+                </a:solidFill>
+                <a:effectLst/>
+                <a:latin typeface="+mn-lt"/>
+                <a:ea typeface="+mn-ea"/>
+                <a:cs typeface="+mn-cs"/>
+              </a:rPr>
+              <a:t>전달해야 하기 </a:t>
+            </a:r>
+            <a:r>
+              <a:rPr lang="ko-KR" altLang="en-US" sz="1200" b="0" i="0" kern="1200" baseline="0" dirty="0" err="1" smtClean="0">
+                <a:solidFill>
+                  <a:schemeClr val="tx1"/>
+                </a:solidFill>
+                <a:effectLst/>
+                <a:latin typeface="+mn-lt"/>
+                <a:ea typeface="+mn-ea"/>
+                <a:cs typeface="+mn-cs"/>
+              </a:rPr>
+              <a:t>떄문에</a:t>
+            </a:r>
+            <a:r>
+              <a:rPr lang="ko-KR" altLang="en-US" sz="1200" b="0" i="0" kern="1200" baseline="0" dirty="0" smtClean="0">
+                <a:solidFill>
+                  <a:schemeClr val="tx1"/>
+                </a:solidFill>
+                <a:effectLst/>
+                <a:latin typeface="+mn-lt"/>
+                <a:ea typeface="+mn-ea"/>
+                <a:cs typeface="+mn-cs"/>
+              </a:rPr>
+              <a:t> </a:t>
+            </a:r>
+            <a:r>
+              <a:rPr lang="en-US" altLang="ko-KR" sz="1200" b="0" i="0" kern="1200" baseline="0" dirty="0" smtClean="0">
+                <a:solidFill>
+                  <a:schemeClr val="tx1"/>
+                </a:solidFill>
+                <a:effectLst/>
+                <a:latin typeface="+mn-lt"/>
+                <a:ea typeface="+mn-ea"/>
+                <a:cs typeface="+mn-cs"/>
+              </a:rPr>
+              <a:t>cookie </a:t>
+            </a:r>
+            <a:r>
+              <a:rPr lang="ko-KR" altLang="en-US" sz="1200" b="0" i="0" kern="1200" baseline="0" dirty="0" smtClean="0">
+                <a:solidFill>
+                  <a:schemeClr val="tx1"/>
+                </a:solidFill>
+                <a:effectLst/>
+                <a:latin typeface="+mn-lt"/>
+                <a:ea typeface="+mn-ea"/>
+                <a:cs typeface="+mn-cs"/>
+              </a:rPr>
+              <a:t>담기로 했고</a:t>
+            </a:r>
+            <a:endParaRPr lang="en-US" altLang="ko-KR" sz="1200" b="0" i="0" kern="1200" baseline="0" dirty="0" smtClean="0">
+              <a:solidFill>
+                <a:schemeClr val="tx1"/>
+              </a:solidFill>
+              <a:effectLst/>
+              <a:latin typeface="+mn-lt"/>
+              <a:ea typeface="+mn-ea"/>
+              <a:cs typeface="+mn-cs"/>
+            </a:endParaRPr>
+          </a:p>
+          <a:p>
+            <a:pPr marL="0" marR="0" indent="0" algn="l" defTabSz="914400" rtl="0" eaLnBrk="1" fontAlgn="auto" latinLnBrk="1" hangingPunct="1">
+              <a:lnSpc>
+                <a:spcPct val="100000"/>
+              </a:lnSpc>
+              <a:spcBef>
+                <a:spcPts val="0"/>
+              </a:spcBef>
+              <a:spcAft>
+                <a:spcPts val="0"/>
+              </a:spcAft>
+              <a:buClrTx/>
+              <a:buSzTx/>
+              <a:buFontTx/>
+              <a:buNone/>
+              <a:tabLst/>
+              <a:defRPr/>
+            </a:pPr>
+            <a:r>
+              <a:rPr lang="en-US" altLang="ko-KR" sz="1200" b="0" i="0" kern="1200" baseline="0" dirty="0" smtClean="0">
+                <a:solidFill>
+                  <a:schemeClr val="tx1"/>
+                </a:solidFill>
+                <a:effectLst/>
+                <a:latin typeface="+mn-lt"/>
+                <a:ea typeface="+mn-ea"/>
+                <a:cs typeface="+mn-cs"/>
+              </a:rPr>
+              <a:t>Header </a:t>
+            </a:r>
+            <a:r>
+              <a:rPr lang="ko-KR" altLang="en-US" sz="1200" b="0" i="0" kern="1200" baseline="0" dirty="0" smtClean="0">
+                <a:solidFill>
+                  <a:schemeClr val="tx1"/>
+                </a:solidFill>
+                <a:effectLst/>
+                <a:latin typeface="+mn-lt"/>
+                <a:ea typeface="+mn-ea"/>
+                <a:cs typeface="+mn-cs"/>
+              </a:rPr>
+              <a:t>에 담아서 </a:t>
+            </a:r>
+            <a:r>
+              <a:rPr lang="ko-KR" altLang="en-US" sz="1200" b="0" i="0" kern="1200" baseline="0" dirty="0" err="1" smtClean="0">
+                <a:solidFill>
+                  <a:schemeClr val="tx1"/>
+                </a:solidFill>
+                <a:effectLst/>
+                <a:latin typeface="+mn-lt"/>
+                <a:ea typeface="+mn-ea"/>
+                <a:cs typeface="+mn-cs"/>
+              </a:rPr>
+              <a:t>줄경오</a:t>
+            </a:r>
+            <a:r>
+              <a:rPr lang="ko-KR" altLang="en-US" sz="1200" b="0" i="0" kern="1200" baseline="0" dirty="0" smtClean="0">
+                <a:solidFill>
+                  <a:schemeClr val="tx1"/>
+                </a:solidFill>
+                <a:effectLst/>
+                <a:latin typeface="+mn-lt"/>
+                <a:ea typeface="+mn-ea"/>
+                <a:cs typeface="+mn-cs"/>
+              </a:rPr>
+              <a:t> </a:t>
+            </a:r>
+            <a:r>
+              <a:rPr lang="en-US" altLang="ko-KR" sz="1200" b="0" i="0" kern="1200" baseline="0" dirty="0" smtClean="0">
+                <a:solidFill>
+                  <a:schemeClr val="tx1"/>
+                </a:solidFill>
+                <a:effectLst/>
+                <a:latin typeface="+mn-lt"/>
+                <a:ea typeface="+mn-ea"/>
+                <a:cs typeface="+mn-cs"/>
+              </a:rPr>
+              <a:t>front </a:t>
+            </a:r>
+            <a:r>
+              <a:rPr lang="ko-KR" altLang="en-US" sz="1200" b="0" i="0" kern="1200" baseline="0" dirty="0" smtClean="0">
+                <a:solidFill>
+                  <a:schemeClr val="tx1"/>
+                </a:solidFill>
+                <a:effectLst/>
+                <a:latin typeface="+mn-lt"/>
+                <a:ea typeface="+mn-ea"/>
+                <a:cs typeface="+mn-cs"/>
+              </a:rPr>
+              <a:t>에서는 별도에 </a:t>
+            </a:r>
+            <a:r>
+              <a:rPr lang="ko-KR" altLang="en-US" sz="1200" b="1" i="0" kern="1200" baseline="0" dirty="0" smtClean="0">
+                <a:solidFill>
+                  <a:schemeClr val="tx1"/>
+                </a:solidFill>
+                <a:effectLst/>
+                <a:latin typeface="+mn-lt"/>
+                <a:ea typeface="+mn-ea"/>
+                <a:cs typeface="+mn-cs"/>
+              </a:rPr>
+              <a:t>장소에 보관해서 매번 </a:t>
+            </a:r>
+            <a:r>
+              <a:rPr lang="en-US" altLang="ko-KR" sz="1200" b="1" i="0" kern="1200" baseline="0" dirty="0" err="1" smtClean="0">
+                <a:solidFill>
+                  <a:schemeClr val="tx1"/>
+                </a:solidFill>
+                <a:effectLst/>
+                <a:latin typeface="+mn-lt"/>
+                <a:ea typeface="+mn-ea"/>
+                <a:cs typeface="+mn-cs"/>
+              </a:rPr>
+              <a:t>api</a:t>
+            </a:r>
+            <a:r>
+              <a:rPr lang="en-US" altLang="ko-KR" sz="1200" b="1" i="0" kern="1200" baseline="0" dirty="0" smtClean="0">
+                <a:solidFill>
+                  <a:schemeClr val="tx1"/>
+                </a:solidFill>
+                <a:effectLst/>
+                <a:latin typeface="+mn-lt"/>
+                <a:ea typeface="+mn-ea"/>
+                <a:cs typeface="+mn-cs"/>
+              </a:rPr>
+              <a:t> </a:t>
+            </a:r>
+            <a:r>
+              <a:rPr lang="ko-KR" altLang="en-US" sz="1200" b="1" i="0" kern="1200" baseline="0" dirty="0" smtClean="0">
+                <a:solidFill>
+                  <a:schemeClr val="tx1"/>
+                </a:solidFill>
+                <a:effectLst/>
+                <a:latin typeface="+mn-lt"/>
+                <a:ea typeface="+mn-ea"/>
+                <a:cs typeface="+mn-cs"/>
+              </a:rPr>
+              <a:t>요청마다 </a:t>
+            </a:r>
+            <a:r>
+              <a:rPr lang="en-US" altLang="ko-KR" sz="1200" b="1" i="0" kern="1200" baseline="0" dirty="0" smtClean="0">
+                <a:solidFill>
+                  <a:schemeClr val="tx1"/>
+                </a:solidFill>
+                <a:effectLst/>
+                <a:latin typeface="+mn-lt"/>
+                <a:ea typeface="+mn-ea"/>
+                <a:cs typeface="+mn-cs"/>
+              </a:rPr>
+              <a:t>header </a:t>
+            </a:r>
+            <a:r>
+              <a:rPr lang="ko-KR" altLang="en-US" sz="1200" b="1" i="0" kern="1200" baseline="0" dirty="0" smtClean="0">
+                <a:solidFill>
+                  <a:schemeClr val="tx1"/>
+                </a:solidFill>
+                <a:effectLst/>
+                <a:latin typeface="+mn-lt"/>
+                <a:ea typeface="+mn-ea"/>
+                <a:cs typeface="+mn-cs"/>
+              </a:rPr>
+              <a:t>에 </a:t>
+            </a:r>
+            <a:r>
+              <a:rPr lang="ko-KR" altLang="en-US" sz="1200" b="1" i="0" kern="1200" baseline="0" dirty="0" err="1" smtClean="0">
+                <a:solidFill>
+                  <a:schemeClr val="tx1"/>
+                </a:solidFill>
+                <a:effectLst/>
+                <a:latin typeface="+mn-lt"/>
+                <a:ea typeface="+mn-ea"/>
+                <a:cs typeface="+mn-cs"/>
+              </a:rPr>
+              <a:t>붙어야되는데</a:t>
+            </a:r>
+            <a:r>
+              <a:rPr lang="ko-KR" altLang="en-US" sz="1200" b="1" i="0" kern="1200" baseline="0" dirty="0" smtClean="0">
+                <a:solidFill>
+                  <a:schemeClr val="tx1"/>
+                </a:solidFill>
+                <a:effectLst/>
+                <a:latin typeface="+mn-lt"/>
+                <a:ea typeface="+mn-ea"/>
+                <a:cs typeface="+mn-cs"/>
+              </a:rPr>
+              <a:t> </a:t>
+            </a:r>
+            <a:r>
+              <a:rPr lang="en-US" altLang="ko-KR" sz="1200" b="1" i="0" kern="1200" baseline="0" dirty="0" err="1" smtClean="0">
+                <a:solidFill>
+                  <a:schemeClr val="tx1"/>
+                </a:solidFill>
+                <a:effectLst/>
+                <a:latin typeface="+mn-lt"/>
+                <a:ea typeface="+mn-ea"/>
+                <a:cs typeface="+mn-cs"/>
+              </a:rPr>
+              <a:t>localstroage</a:t>
+            </a:r>
+            <a:r>
+              <a:rPr lang="ko-KR" altLang="en-US" sz="1200" b="1" i="0" kern="1200" baseline="0" dirty="0" smtClean="0">
+                <a:solidFill>
+                  <a:schemeClr val="tx1"/>
+                </a:solidFill>
+                <a:effectLst/>
+                <a:latin typeface="+mn-lt"/>
+                <a:ea typeface="+mn-ea"/>
+                <a:cs typeface="+mn-cs"/>
+              </a:rPr>
+              <a:t>는 보안에 </a:t>
+            </a:r>
+            <a:r>
+              <a:rPr lang="ko-KR" altLang="en-US" sz="1200" b="1" i="0" kern="1200" baseline="0" dirty="0" err="1" smtClean="0">
+                <a:solidFill>
+                  <a:schemeClr val="tx1"/>
+                </a:solidFill>
+                <a:effectLst/>
+                <a:latin typeface="+mn-lt"/>
+                <a:ea typeface="+mn-ea"/>
+                <a:cs typeface="+mn-cs"/>
+              </a:rPr>
+              <a:t>취약했기떄문에</a:t>
+            </a:r>
+            <a:r>
+              <a:rPr lang="ko-KR" altLang="en-US" sz="1200" b="1" i="0" kern="1200" baseline="0" dirty="0" smtClean="0">
+                <a:solidFill>
+                  <a:schemeClr val="tx1"/>
+                </a:solidFill>
+                <a:effectLst/>
+                <a:latin typeface="+mn-lt"/>
+                <a:ea typeface="+mn-ea"/>
+                <a:cs typeface="+mn-cs"/>
+              </a:rPr>
+              <a:t> </a:t>
+            </a:r>
+            <a:r>
+              <a:rPr lang="en-US" altLang="ko-KR" sz="1200" b="1" i="0" kern="1200" baseline="0" dirty="0" smtClean="0">
+                <a:solidFill>
+                  <a:schemeClr val="tx1"/>
+                </a:solidFill>
+                <a:effectLst/>
+                <a:latin typeface="+mn-lt"/>
+                <a:ea typeface="+mn-ea"/>
+                <a:cs typeface="+mn-cs"/>
+              </a:rPr>
+              <a:t>cookie</a:t>
+            </a:r>
+            <a:r>
+              <a:rPr lang="ko-KR" altLang="en-US" sz="1200" b="1" i="0" kern="1200" baseline="0" dirty="0" smtClean="0">
+                <a:solidFill>
+                  <a:schemeClr val="tx1"/>
+                </a:solidFill>
+                <a:effectLst/>
+                <a:latin typeface="+mn-lt"/>
+                <a:ea typeface="+mn-ea"/>
+                <a:cs typeface="+mn-cs"/>
+              </a:rPr>
+              <a:t>에 </a:t>
+            </a:r>
+            <a:r>
+              <a:rPr lang="ko-KR" altLang="en-US" sz="1200" b="0" i="0" kern="1200" baseline="0" dirty="0" smtClean="0">
+                <a:solidFill>
+                  <a:schemeClr val="tx1"/>
+                </a:solidFill>
+                <a:effectLst/>
+                <a:latin typeface="+mn-lt"/>
+                <a:ea typeface="+mn-ea"/>
+                <a:cs typeface="+mn-cs"/>
+              </a:rPr>
+              <a:t>담기로 결정하였습니다</a:t>
+            </a:r>
+            <a:r>
+              <a:rPr lang="en-US" altLang="ko-KR" sz="1200" b="0" i="0" kern="1200" baseline="0" dirty="0" smtClean="0">
+                <a:solidFill>
+                  <a:schemeClr val="tx1"/>
+                </a:solidFill>
+                <a:effectLst/>
+                <a:latin typeface="+mn-lt"/>
+                <a:ea typeface="+mn-ea"/>
+                <a:cs typeface="+mn-cs"/>
+              </a:rPr>
+              <a:t>.</a:t>
+            </a:r>
+          </a:p>
+          <a:p>
+            <a:pPr marL="0" marR="0" indent="0" algn="l" defTabSz="914400" rtl="0" eaLnBrk="1" fontAlgn="auto" latinLnBrk="1" hangingPunct="1">
+              <a:lnSpc>
+                <a:spcPct val="100000"/>
+              </a:lnSpc>
+              <a:spcBef>
+                <a:spcPts val="0"/>
+              </a:spcBef>
+              <a:spcAft>
+                <a:spcPts val="0"/>
+              </a:spcAft>
+              <a:buClrTx/>
+              <a:buSzTx/>
+              <a:buFontTx/>
+              <a:buNone/>
+              <a:tabLst/>
+              <a:defRPr/>
+            </a:pPr>
+            <a:endParaRPr lang="en-US" altLang="ko-KR" sz="1200" b="0" i="0" kern="1200" baseline="0" dirty="0" smtClean="0">
+              <a:solidFill>
+                <a:schemeClr val="tx1"/>
+              </a:solidFill>
+              <a:effectLst/>
+              <a:latin typeface="+mn-lt"/>
+              <a:ea typeface="+mn-ea"/>
+              <a:cs typeface="+mn-cs"/>
+            </a:endParaRPr>
+          </a:p>
+          <a:p>
+            <a:pPr marL="0" marR="0" indent="0" algn="l" defTabSz="914400" rtl="0" eaLnBrk="1" fontAlgn="auto" latinLnBrk="1" hangingPunct="1">
+              <a:lnSpc>
+                <a:spcPct val="100000"/>
+              </a:lnSpc>
+              <a:spcBef>
+                <a:spcPts val="0"/>
+              </a:spcBef>
+              <a:spcAft>
+                <a:spcPts val="0"/>
+              </a:spcAft>
+              <a:buClrTx/>
+              <a:buSzTx/>
+              <a:buFontTx/>
+              <a:buNone/>
+              <a:tabLst/>
+              <a:defRPr/>
+            </a:pPr>
+            <a:r>
+              <a:rPr lang="ko-KR" altLang="en-US" sz="1200" b="0" i="0" kern="1200" baseline="0" dirty="0" smtClean="0">
+                <a:solidFill>
+                  <a:schemeClr val="tx1"/>
+                </a:solidFill>
+                <a:effectLst/>
+                <a:latin typeface="+mn-lt"/>
+                <a:ea typeface="+mn-ea"/>
+                <a:cs typeface="+mn-cs"/>
+              </a:rPr>
+              <a:t>쿠키를 사용하면서도 보안부분에 있어 </a:t>
+            </a:r>
+            <a:r>
+              <a:rPr lang="en-US" altLang="ko-KR" sz="1200" b="0" i="0" kern="1200" baseline="0" dirty="0" smtClean="0">
+                <a:solidFill>
+                  <a:schemeClr val="tx1"/>
+                </a:solidFill>
+                <a:effectLst/>
+                <a:latin typeface="+mn-lt"/>
+                <a:ea typeface="+mn-ea"/>
+                <a:cs typeface="+mn-cs"/>
+              </a:rPr>
+              <a:t>http only </a:t>
+            </a:r>
+            <a:r>
+              <a:rPr lang="ko-KR" altLang="en-US" sz="1200" b="0" i="0" kern="1200" baseline="0" dirty="0" smtClean="0">
+                <a:solidFill>
+                  <a:schemeClr val="tx1"/>
+                </a:solidFill>
+                <a:effectLst/>
+                <a:latin typeface="+mn-lt"/>
+                <a:ea typeface="+mn-ea"/>
+                <a:cs typeface="+mn-cs"/>
+              </a:rPr>
+              <a:t>속성을 사용해주어서 </a:t>
+            </a:r>
+            <a:r>
+              <a:rPr lang="en-US" altLang="ko-KR" sz="1200" b="0" i="0" kern="1200" baseline="0" dirty="0" err="1" smtClean="0">
+                <a:solidFill>
+                  <a:schemeClr val="tx1"/>
+                </a:solidFill>
+                <a:effectLst/>
+                <a:latin typeface="+mn-lt"/>
+                <a:ea typeface="+mn-ea"/>
+                <a:cs typeface="+mn-cs"/>
+              </a:rPr>
+              <a:t>javascript</a:t>
+            </a:r>
+            <a:r>
+              <a:rPr lang="en-US" altLang="ko-KR" sz="1200" b="0" i="0" kern="1200" baseline="0" dirty="0" smtClean="0">
+                <a:solidFill>
+                  <a:schemeClr val="tx1"/>
+                </a:solidFill>
+                <a:effectLst/>
+                <a:latin typeface="+mn-lt"/>
+                <a:ea typeface="+mn-ea"/>
+                <a:cs typeface="+mn-cs"/>
+              </a:rPr>
+              <a:t> </a:t>
+            </a:r>
+            <a:r>
+              <a:rPr lang="ko-KR" altLang="en-US" sz="1200" b="0" i="0" kern="1200" baseline="0" dirty="0" smtClean="0">
+                <a:solidFill>
+                  <a:schemeClr val="tx1"/>
+                </a:solidFill>
+                <a:effectLst/>
+                <a:latin typeface="+mn-lt"/>
+                <a:ea typeface="+mn-ea"/>
+                <a:cs typeface="+mn-cs"/>
+              </a:rPr>
+              <a:t>로는 접근이 불가능하게 해 조금은 안전하게 </a:t>
+            </a:r>
+            <a:r>
+              <a:rPr lang="ko-KR" altLang="en-US" sz="1200" b="0" i="0" kern="1200" baseline="0" dirty="0" err="1" smtClean="0">
+                <a:solidFill>
+                  <a:schemeClr val="tx1"/>
+                </a:solidFill>
+                <a:effectLst/>
+                <a:latin typeface="+mn-lt"/>
+                <a:ea typeface="+mn-ea"/>
+                <a:cs typeface="+mn-cs"/>
+              </a:rPr>
+              <a:t>쓸수있또록</a:t>
+            </a:r>
+            <a:r>
+              <a:rPr lang="ko-KR" altLang="en-US" sz="1200" b="0" i="0" kern="1200" baseline="0" dirty="0" smtClean="0">
+                <a:solidFill>
+                  <a:schemeClr val="tx1"/>
+                </a:solidFill>
+                <a:effectLst/>
+                <a:latin typeface="+mn-lt"/>
+                <a:ea typeface="+mn-ea"/>
+                <a:cs typeface="+mn-cs"/>
+              </a:rPr>
+              <a:t> </a:t>
+            </a:r>
+            <a:r>
+              <a:rPr lang="ko-KR" altLang="en-US" sz="1200" b="0" i="0" kern="1200" baseline="0" dirty="0" err="1" smtClean="0">
+                <a:solidFill>
+                  <a:schemeClr val="tx1"/>
+                </a:solidFill>
+                <a:effectLst/>
+                <a:latin typeface="+mn-lt"/>
+                <a:ea typeface="+mn-ea"/>
+                <a:cs typeface="+mn-cs"/>
+              </a:rPr>
+              <a:t>고료했고</a:t>
+            </a:r>
+            <a:endParaRPr lang="en-US" altLang="ko-KR" sz="1200" b="0" i="0" kern="1200" baseline="0" dirty="0" smtClean="0">
+              <a:solidFill>
+                <a:schemeClr val="tx1"/>
+              </a:solidFill>
+              <a:effectLst/>
+              <a:latin typeface="+mn-lt"/>
+              <a:ea typeface="+mn-ea"/>
+              <a:cs typeface="+mn-cs"/>
+            </a:endParaRPr>
+          </a:p>
+          <a:p>
+            <a:pPr marL="0" marR="0" indent="0" algn="l" defTabSz="914400" rtl="0" eaLnBrk="1" fontAlgn="auto" latinLnBrk="1" hangingPunct="1">
+              <a:lnSpc>
+                <a:spcPct val="100000"/>
+              </a:lnSpc>
+              <a:spcBef>
+                <a:spcPts val="0"/>
+              </a:spcBef>
+              <a:spcAft>
+                <a:spcPts val="0"/>
+              </a:spcAft>
+              <a:buClrTx/>
+              <a:buSzTx/>
+              <a:buFontTx/>
+              <a:buNone/>
+              <a:tabLst/>
+              <a:defRPr/>
+            </a:pPr>
+            <a:r>
+              <a:rPr lang="ko-KR" altLang="en-US" dirty="0" smtClean="0"/>
+              <a:t>향후 </a:t>
+            </a:r>
+            <a:r>
+              <a:rPr lang="en-US" altLang="ko-KR" dirty="0" smtClean="0"/>
+              <a:t>token</a:t>
+            </a:r>
+            <a:r>
+              <a:rPr lang="en-US" altLang="ko-KR" baseline="0" dirty="0" smtClean="0"/>
+              <a:t> </a:t>
+            </a:r>
+            <a:r>
+              <a:rPr lang="ko-KR" altLang="en-US" baseline="0" dirty="0" smtClean="0"/>
+              <a:t>탈취 와 같은 부분을 위해서는 </a:t>
+            </a:r>
+            <a:r>
+              <a:rPr lang="ko-KR" altLang="en-US" dirty="0" smtClean="0"/>
+              <a:t>수명을 줄이고 </a:t>
+            </a:r>
+            <a:r>
+              <a:rPr lang="en-US" altLang="ko-KR" dirty="0" smtClean="0"/>
+              <a:t>refresh token</a:t>
+            </a:r>
+            <a:r>
+              <a:rPr lang="ko-KR" altLang="en-US" dirty="0" smtClean="0"/>
+              <a:t>과 </a:t>
+            </a:r>
+            <a:r>
+              <a:rPr lang="ko-KR" altLang="en-US" dirty="0" err="1" smtClean="0"/>
+              <a:t>같은거</a:t>
+            </a:r>
+            <a:r>
+              <a:rPr lang="ko-KR" altLang="en-US" dirty="0" smtClean="0"/>
+              <a:t> 도입 필요</a:t>
+            </a:r>
+            <a:endParaRPr lang="en-US" altLang="ko-KR" dirty="0" smtClean="0"/>
+          </a:p>
+          <a:p>
+            <a:endParaRPr lang="en-US" altLang="ko-KR" baseline="0" dirty="0" smtClean="0"/>
+          </a:p>
+          <a:p>
+            <a:r>
+              <a:rPr lang="en-US" altLang="ko-KR" dirty="0" err="1" smtClean="0"/>
+              <a:t>Xss</a:t>
+            </a:r>
+            <a:r>
+              <a:rPr lang="en-US" altLang="ko-KR" dirty="0" smtClean="0"/>
+              <a:t>(cross</a:t>
+            </a:r>
+            <a:r>
+              <a:rPr lang="en-US" altLang="ko-KR" baseline="0" dirty="0" smtClean="0"/>
+              <a:t> site scripting)</a:t>
+            </a:r>
+            <a:r>
+              <a:rPr lang="en-US" altLang="ko-KR" dirty="0" smtClean="0"/>
+              <a:t> </a:t>
+            </a:r>
+            <a:r>
+              <a:rPr lang="ko-KR" altLang="en-US" dirty="0" smtClean="0"/>
+              <a:t>보안 </a:t>
+            </a:r>
+            <a:r>
+              <a:rPr lang="en-US" altLang="ko-KR" dirty="0" smtClean="0"/>
+              <a:t>–</a:t>
+            </a:r>
+            <a:r>
+              <a:rPr lang="ko-KR" altLang="en-US" dirty="0" smtClean="0"/>
+              <a:t>사이트에 스크립트를 삽입해 민간 한 </a:t>
+            </a:r>
+            <a:r>
+              <a:rPr lang="ko-KR" altLang="en-US" dirty="0" err="1" smtClean="0"/>
+              <a:t>정볼르</a:t>
+            </a:r>
+            <a:r>
+              <a:rPr lang="ko-KR" altLang="en-US" dirty="0" smtClean="0"/>
+              <a:t> 탈취하는 등과 같은 공격방법</a:t>
+            </a:r>
+            <a:endParaRPr lang="en-US" altLang="ko-KR" dirty="0" smtClean="0"/>
+          </a:p>
+          <a:p>
+            <a:r>
+              <a:rPr lang="ko-KR" altLang="en-US" dirty="0" smtClean="0"/>
+              <a:t>변환해서 들어오냐 그리고 </a:t>
+            </a:r>
+            <a:r>
+              <a:rPr lang="en-US" altLang="ko-KR" dirty="0" smtClean="0"/>
+              <a:t>security </a:t>
+            </a:r>
+            <a:r>
+              <a:rPr lang="ko-KR" altLang="en-US" dirty="0" smtClean="0"/>
+              <a:t>보다 먼저 </a:t>
+            </a:r>
+            <a:r>
+              <a:rPr lang="en-US" altLang="ko-KR" dirty="0" smtClean="0"/>
+              <a:t>filter</a:t>
+            </a:r>
+            <a:r>
+              <a:rPr lang="ko-KR" altLang="en-US" dirty="0" smtClean="0"/>
+              <a:t>에</a:t>
+            </a:r>
+            <a:endParaRPr lang="en-US" altLang="ko-KR" dirty="0" smtClean="0"/>
+          </a:p>
+          <a:p>
+            <a:pPr marL="0" marR="0" indent="0" algn="l" defTabSz="914400" rtl="0" eaLnBrk="1" fontAlgn="auto" latinLnBrk="1" hangingPunct="1">
+              <a:lnSpc>
+                <a:spcPct val="100000"/>
+              </a:lnSpc>
+              <a:spcBef>
+                <a:spcPts val="0"/>
+              </a:spcBef>
+              <a:spcAft>
+                <a:spcPts val="0"/>
+              </a:spcAft>
+              <a:buClrTx/>
+              <a:buSzTx/>
+              <a:buFontTx/>
+              <a:buNone/>
+              <a:tabLst/>
+              <a:defRPr/>
+            </a:pPr>
+            <a:endParaRPr lang="en-US" altLang="ko-KR" sz="1200" b="0" i="0" kern="1200" baseline="0" dirty="0" smtClean="0">
+              <a:solidFill>
+                <a:schemeClr val="tx1"/>
+              </a:solidFill>
+              <a:effectLst/>
+              <a:latin typeface="+mn-lt"/>
+              <a:ea typeface="+mn-ea"/>
+              <a:cs typeface="+mn-cs"/>
+            </a:endParaRPr>
+          </a:p>
+          <a:p>
+            <a:endParaRPr lang="en-US" altLang="ko-KR" baseline="0" dirty="0" smtClean="0"/>
+          </a:p>
+          <a:p>
+            <a:r>
+              <a:rPr lang="en-US" altLang="ko-KR" dirty="0" err="1" smtClean="0"/>
+              <a:t>Xss</a:t>
+            </a:r>
+            <a:r>
+              <a:rPr lang="en-US" altLang="ko-KR" dirty="0" smtClean="0"/>
+              <a:t> </a:t>
+            </a:r>
+            <a:r>
+              <a:rPr lang="ko-KR" altLang="en-US" dirty="0" smtClean="0"/>
+              <a:t>보안 </a:t>
+            </a:r>
+            <a:r>
+              <a:rPr lang="en-US" altLang="ko-KR" dirty="0" smtClean="0"/>
+              <a:t>–</a:t>
+            </a:r>
+            <a:r>
+              <a:rPr lang="ko-KR" altLang="en-US" dirty="0" smtClean="0"/>
+              <a:t>변환해서 들어오냐 그리고 </a:t>
+            </a:r>
+            <a:r>
+              <a:rPr lang="en-US" altLang="ko-KR" dirty="0" smtClean="0"/>
+              <a:t>security </a:t>
+            </a:r>
+            <a:r>
+              <a:rPr lang="ko-KR" altLang="en-US" dirty="0" smtClean="0"/>
+              <a:t>보다 먼저 </a:t>
+            </a:r>
+            <a:r>
+              <a:rPr lang="en-US" altLang="ko-KR" dirty="0" smtClean="0"/>
+              <a:t>filter</a:t>
+            </a:r>
+            <a:r>
+              <a:rPr lang="ko-KR" altLang="en-US" dirty="0" smtClean="0"/>
+              <a:t>에 걸리냐</a:t>
+            </a:r>
+            <a:r>
+              <a:rPr lang="en-US" altLang="ko-KR" dirty="0" smtClean="0"/>
+              <a:t>? </a:t>
+            </a:r>
+            <a:r>
+              <a:rPr lang="ko-KR" altLang="en-US" dirty="0" err="1" smtClean="0"/>
+              <a:t>필터가먼저</a:t>
+            </a:r>
+            <a:r>
+              <a:rPr lang="ko-KR" altLang="en-US" dirty="0" smtClean="0"/>
+              <a:t> </a:t>
+            </a:r>
+            <a:r>
+              <a:rPr lang="ko-KR" altLang="en-US" dirty="0" err="1" smtClean="0"/>
+              <a:t>그후</a:t>
+            </a:r>
+            <a:r>
+              <a:rPr lang="ko-KR" altLang="en-US" dirty="0" smtClean="0"/>
+              <a:t> 에 </a:t>
+            </a:r>
+            <a:r>
+              <a:rPr lang="en-US" altLang="ko-KR" dirty="0" err="1" smtClean="0"/>
+              <a:t>covnerter</a:t>
+            </a:r>
+            <a:r>
+              <a:rPr lang="en-US" altLang="ko-KR" dirty="0" smtClean="0"/>
+              <a:t> </a:t>
+            </a:r>
+            <a:r>
+              <a:rPr lang="ko-KR" altLang="en-US" dirty="0" smtClean="0"/>
+              <a:t>현재상황에서는 </a:t>
+            </a:r>
+            <a:r>
+              <a:rPr lang="en-US" altLang="ko-KR" dirty="0" smtClean="0"/>
+              <a:t>response </a:t>
+            </a:r>
+            <a:r>
+              <a:rPr lang="ko-KR" altLang="en-US" dirty="0" err="1" smtClean="0"/>
+              <a:t>할떄</a:t>
+            </a:r>
+            <a:r>
+              <a:rPr lang="ko-KR" altLang="en-US" dirty="0" smtClean="0"/>
+              <a:t> </a:t>
+            </a:r>
+            <a:r>
+              <a:rPr lang="en-US" altLang="ko-KR" dirty="0" smtClean="0"/>
+              <a:t>object</a:t>
+            </a:r>
+            <a:r>
+              <a:rPr lang="en-US" altLang="ko-KR" baseline="0" dirty="0" smtClean="0"/>
+              <a:t> </a:t>
+            </a:r>
+            <a:r>
+              <a:rPr lang="ko-KR" altLang="en-US" baseline="0" dirty="0" smtClean="0"/>
+              <a:t>에서 </a:t>
+            </a:r>
+            <a:r>
+              <a:rPr lang="en-US" altLang="ko-KR" baseline="0" dirty="0" err="1" smtClean="0"/>
+              <a:t>json</a:t>
+            </a:r>
+            <a:r>
+              <a:rPr lang="en-US" altLang="ko-KR" baseline="0" dirty="0" smtClean="0"/>
+              <a:t> </a:t>
+            </a:r>
+            <a:r>
+              <a:rPr lang="ko-KR" altLang="en-US" baseline="0" dirty="0" err="1" smtClean="0"/>
+              <a:t>변경시에</a:t>
+            </a:r>
+            <a:r>
+              <a:rPr lang="ko-KR" altLang="en-US" baseline="0" dirty="0" smtClean="0"/>
+              <a:t> </a:t>
+            </a:r>
+            <a:r>
+              <a:rPr lang="en-US" altLang="ko-KR" baseline="0" dirty="0" smtClean="0"/>
+              <a:t>converter </a:t>
+            </a:r>
+            <a:r>
+              <a:rPr lang="ko-KR" altLang="en-US" baseline="0" dirty="0" smtClean="0"/>
+              <a:t>적용됨</a:t>
+            </a:r>
+            <a:endParaRPr lang="ko-KR" altLang="en-US" dirty="0" smtClean="0"/>
+          </a:p>
+          <a:p>
+            <a:r>
+              <a:rPr lang="ko-KR" altLang="en-US" dirty="0" smtClean="0"/>
+              <a:t> 걸리냐</a:t>
+            </a:r>
+            <a:r>
+              <a:rPr lang="en-US" altLang="ko-KR" dirty="0" smtClean="0"/>
+              <a:t>? </a:t>
+            </a:r>
+            <a:r>
+              <a:rPr lang="ko-KR" altLang="en-US" dirty="0" smtClean="0"/>
+              <a:t>필터가먼저 그후 에 </a:t>
+            </a:r>
+            <a:r>
+              <a:rPr lang="en-US" altLang="ko-KR" dirty="0" err="1" smtClean="0"/>
+              <a:t>covnerter</a:t>
+            </a:r>
+            <a:r>
+              <a:rPr lang="en-US" altLang="ko-KR" dirty="0" smtClean="0"/>
+              <a:t> </a:t>
+            </a:r>
+            <a:r>
+              <a:rPr lang="ko-KR" altLang="en-US" dirty="0" smtClean="0"/>
+              <a:t>현재상황에서는 </a:t>
+            </a:r>
+            <a:r>
+              <a:rPr lang="en-US" altLang="ko-KR" dirty="0" err="1" smtClean="0"/>
+              <a:t>resposne</a:t>
+            </a:r>
+            <a:r>
+              <a:rPr lang="en-US" altLang="ko-KR" dirty="0" smtClean="0"/>
+              <a:t> </a:t>
+            </a:r>
+            <a:r>
+              <a:rPr lang="ko-KR" altLang="en-US" dirty="0" smtClean="0"/>
+              <a:t>할떄 </a:t>
+            </a:r>
+            <a:r>
+              <a:rPr lang="en-US" altLang="ko-KR" dirty="0" smtClean="0"/>
+              <a:t>object</a:t>
+            </a:r>
+            <a:r>
+              <a:rPr lang="en-US" altLang="ko-KR" baseline="0" dirty="0" smtClean="0"/>
+              <a:t> </a:t>
+            </a:r>
+            <a:r>
+              <a:rPr lang="ko-KR" altLang="en-US" baseline="0" dirty="0" smtClean="0"/>
+              <a:t>에서 </a:t>
+            </a:r>
+            <a:r>
+              <a:rPr lang="en-US" altLang="ko-KR" baseline="0" dirty="0" err="1" smtClean="0"/>
+              <a:t>json</a:t>
+            </a:r>
+            <a:r>
+              <a:rPr lang="en-US" altLang="ko-KR" baseline="0" dirty="0" smtClean="0"/>
+              <a:t> </a:t>
+            </a:r>
+            <a:r>
+              <a:rPr lang="ko-KR" altLang="en-US" baseline="0" dirty="0" smtClean="0"/>
+              <a:t>변경시에 </a:t>
+            </a:r>
+            <a:r>
+              <a:rPr lang="en-US" altLang="ko-KR" baseline="0" dirty="0" smtClean="0"/>
+              <a:t>converter </a:t>
+            </a:r>
+            <a:r>
+              <a:rPr lang="ko-KR" altLang="en-US" baseline="0" dirty="0" smtClean="0"/>
+              <a:t>적용됨</a:t>
+            </a:r>
+            <a:endParaRPr lang="en-US" altLang="ko-KR" baseline="0" dirty="0" smtClean="0"/>
+          </a:p>
+          <a:p>
+            <a:endParaRPr lang="en-US" altLang="ko-KR" baseline="0" dirty="0" smtClean="0"/>
+          </a:p>
+          <a:p>
+            <a:r>
+              <a:rPr lang="ko-KR" altLang="en-US" baseline="0" dirty="0" smtClean="0"/>
+              <a:t>하지만 </a:t>
+            </a:r>
+            <a:r>
+              <a:rPr lang="en-US" altLang="ko-KR" baseline="0" dirty="0" smtClean="0"/>
+              <a:t>parameter </a:t>
+            </a:r>
+            <a:r>
+              <a:rPr lang="ko-KR" altLang="en-US" baseline="0" dirty="0" err="1" smtClean="0"/>
+              <a:t>넘오오느</a:t>
+            </a:r>
+            <a:r>
+              <a:rPr lang="ko-KR" altLang="en-US" baseline="0" dirty="0" smtClean="0"/>
+              <a:t> </a:t>
+            </a:r>
+            <a:r>
+              <a:rPr lang="ko-KR" altLang="en-US" baseline="0" dirty="0" err="1" smtClean="0"/>
+              <a:t>값에대한</a:t>
+            </a:r>
+            <a:r>
+              <a:rPr lang="ko-KR" altLang="en-US" baseline="0" dirty="0" smtClean="0"/>
+              <a:t> 대비는 아직 </a:t>
+            </a:r>
+            <a:r>
+              <a:rPr lang="ko-KR" altLang="en-US" baseline="0" dirty="0" err="1" smtClean="0"/>
+              <a:t>없기떄문에</a:t>
+            </a:r>
+            <a:r>
+              <a:rPr lang="ko-KR" altLang="en-US" baseline="0" dirty="0" smtClean="0"/>
+              <a:t> </a:t>
+            </a:r>
+            <a:r>
+              <a:rPr lang="ko-KR" altLang="en-US" baseline="0" dirty="0" err="1" smtClean="0"/>
+              <a:t>아짂가지는</a:t>
+            </a:r>
+            <a:r>
+              <a:rPr lang="ko-KR" altLang="en-US" baseline="0" dirty="0" smtClean="0"/>
+              <a:t> </a:t>
+            </a:r>
+            <a:r>
+              <a:rPr lang="en-US" altLang="ko-KR" baseline="0" dirty="0" err="1" smtClean="0"/>
+              <a:t>json</a:t>
+            </a:r>
+            <a:r>
+              <a:rPr lang="en-US" altLang="ko-KR" baseline="0" dirty="0" smtClean="0"/>
+              <a:t> </a:t>
+            </a:r>
+            <a:r>
+              <a:rPr lang="ko-KR" altLang="en-US" baseline="0" dirty="0" smtClean="0"/>
+              <a:t>으로 </a:t>
+            </a:r>
+            <a:r>
+              <a:rPr lang="ko-KR" altLang="en-US" baseline="0" dirty="0" err="1" smtClean="0"/>
+              <a:t>욧ㅇ청</a:t>
+            </a:r>
+            <a:r>
+              <a:rPr lang="ko-KR" altLang="en-US" baseline="0" dirty="0" smtClean="0"/>
+              <a:t> 하고 응답하는 </a:t>
+            </a:r>
+            <a:r>
+              <a:rPr lang="ko-KR" altLang="en-US" baseline="0" dirty="0" err="1" smtClean="0"/>
+              <a:t>중심이었기떄문에</a:t>
+            </a:r>
+            <a:r>
+              <a:rPr lang="ko-KR" altLang="en-US" baseline="0" dirty="0" smtClean="0"/>
+              <a:t> 적용을 </a:t>
+            </a:r>
+            <a:r>
+              <a:rPr lang="ko-KR" altLang="en-US" baseline="0" dirty="0" err="1" smtClean="0"/>
+              <a:t>안해지만</a:t>
+            </a:r>
+            <a:endParaRPr lang="en-US" altLang="ko-KR" baseline="0" dirty="0" smtClean="0"/>
+          </a:p>
+          <a:p>
+            <a:r>
+              <a:rPr lang="ko-KR" altLang="en-US" baseline="0" dirty="0" err="1" smtClean="0"/>
+              <a:t>네이버</a:t>
+            </a:r>
+            <a:r>
+              <a:rPr lang="ko-KR" altLang="en-US" baseline="0" dirty="0" smtClean="0"/>
+              <a:t> 에서 만든</a:t>
+            </a:r>
+            <a:r>
+              <a:rPr lang="en-US" altLang="ko-KR" sz="1200" b="0" i="0" kern="1200" dirty="0" smtClean="0">
+                <a:solidFill>
+                  <a:schemeClr val="tx1"/>
+                </a:solidFill>
+                <a:effectLst/>
+                <a:latin typeface="+mn-lt"/>
+                <a:ea typeface="+mn-ea"/>
+                <a:cs typeface="+mn-cs"/>
+              </a:rPr>
+              <a:t>Lucy-</a:t>
+            </a:r>
+            <a:r>
+              <a:rPr lang="en-US" altLang="ko-KR" sz="1200" b="0" i="0" kern="1200" dirty="0" err="1" smtClean="0">
+                <a:solidFill>
+                  <a:schemeClr val="tx1"/>
+                </a:solidFill>
+                <a:effectLst/>
+                <a:latin typeface="+mn-lt"/>
+                <a:ea typeface="+mn-ea"/>
+                <a:cs typeface="+mn-cs"/>
+              </a:rPr>
+              <a:t>Xss</a:t>
+            </a:r>
+            <a:r>
+              <a:rPr lang="en-US" altLang="ko-KR" sz="1200" b="0" i="0" kern="1200" dirty="0" smtClean="0">
+                <a:solidFill>
+                  <a:schemeClr val="tx1"/>
+                </a:solidFill>
+                <a:effectLst/>
+                <a:latin typeface="+mn-lt"/>
+                <a:ea typeface="+mn-ea"/>
+                <a:cs typeface="+mn-cs"/>
+              </a:rPr>
+              <a:t>-Servlet-Filter</a:t>
+            </a:r>
+            <a:r>
+              <a:rPr lang="ko-KR" altLang="en-US" sz="1200" b="0" i="0" kern="1200" dirty="0" smtClean="0">
+                <a:solidFill>
+                  <a:schemeClr val="tx1"/>
+                </a:solidFill>
+                <a:effectLst/>
+                <a:latin typeface="+mn-lt"/>
+                <a:ea typeface="+mn-ea"/>
+                <a:cs typeface="+mn-cs"/>
+              </a:rPr>
+              <a:t>는 </a:t>
+            </a:r>
+            <a:r>
+              <a:rPr lang="ko-KR" altLang="en-US" sz="1200" b="0" i="0" kern="1200" dirty="0" err="1" smtClean="0">
+                <a:solidFill>
+                  <a:schemeClr val="tx1"/>
+                </a:solidFill>
+                <a:effectLst/>
+                <a:latin typeface="+mn-lt"/>
+                <a:ea typeface="+mn-ea"/>
+                <a:cs typeface="+mn-cs"/>
+              </a:rPr>
+              <a:t>웹어플리케이션으로</a:t>
+            </a:r>
+            <a:r>
+              <a:rPr lang="ko-KR" altLang="en-US" sz="1200" b="0" i="0" kern="1200" dirty="0" smtClean="0">
+                <a:solidFill>
+                  <a:schemeClr val="tx1"/>
+                </a:solidFill>
+                <a:effectLst/>
+                <a:latin typeface="+mn-lt"/>
+                <a:ea typeface="+mn-ea"/>
+                <a:cs typeface="+mn-cs"/>
+              </a:rPr>
+              <a:t> 들어오는 모든 요청 </a:t>
+            </a:r>
+            <a:r>
+              <a:rPr lang="ko-KR" altLang="en-US" sz="1200" b="0" i="0" kern="1200" dirty="0" err="1" smtClean="0">
+                <a:solidFill>
+                  <a:schemeClr val="tx1"/>
+                </a:solidFill>
+                <a:effectLst/>
+                <a:latin typeface="+mn-lt"/>
+                <a:ea typeface="+mn-ea"/>
+                <a:cs typeface="+mn-cs"/>
+              </a:rPr>
+              <a:t>파라메터에</a:t>
+            </a:r>
+            <a:r>
+              <a:rPr lang="ko-KR" altLang="en-US" sz="1200" b="0" i="0" kern="1200" dirty="0" smtClean="0">
+                <a:solidFill>
+                  <a:schemeClr val="tx1"/>
+                </a:solidFill>
+                <a:effectLst/>
+                <a:latin typeface="+mn-lt"/>
+                <a:ea typeface="+mn-ea"/>
+                <a:cs typeface="+mn-cs"/>
+              </a:rPr>
+              <a:t> 대해 기본적으로 </a:t>
+            </a:r>
+            <a:r>
+              <a:rPr lang="en-US" altLang="ko-KR" sz="1200" b="0" i="0" kern="1200" dirty="0" smtClean="0">
+                <a:solidFill>
+                  <a:schemeClr val="tx1"/>
+                </a:solidFill>
+                <a:effectLst/>
+                <a:latin typeface="+mn-lt"/>
+                <a:ea typeface="+mn-ea"/>
+                <a:cs typeface="+mn-cs"/>
+              </a:rPr>
+              <a:t>XSS </a:t>
+            </a:r>
+            <a:r>
+              <a:rPr lang="ko-KR" altLang="en-US" sz="1200" b="0" i="0" kern="1200" dirty="0" smtClean="0">
+                <a:solidFill>
+                  <a:schemeClr val="tx1"/>
+                </a:solidFill>
+                <a:effectLst/>
+                <a:latin typeface="+mn-lt"/>
+                <a:ea typeface="+mn-ea"/>
+                <a:cs typeface="+mn-cs"/>
+              </a:rPr>
+              <a:t>방어 </a:t>
+            </a:r>
+            <a:r>
+              <a:rPr lang="ko-KR" altLang="en-US" sz="1200" b="0" i="0" kern="1200" dirty="0" err="1" smtClean="0">
+                <a:solidFill>
+                  <a:schemeClr val="tx1"/>
+                </a:solidFill>
+                <a:effectLst/>
+                <a:latin typeface="+mn-lt"/>
+                <a:ea typeface="+mn-ea"/>
+                <a:cs typeface="+mn-cs"/>
+              </a:rPr>
+              <a:t>필터링을</a:t>
+            </a:r>
+            <a:r>
+              <a:rPr lang="ko-KR" altLang="en-US" sz="1200" b="0" i="0" kern="1200" dirty="0" smtClean="0">
+                <a:solidFill>
+                  <a:schemeClr val="tx1"/>
+                </a:solidFill>
+                <a:effectLst/>
+                <a:latin typeface="+mn-lt"/>
+                <a:ea typeface="+mn-ea"/>
+                <a:cs typeface="+mn-cs"/>
+              </a:rPr>
+              <a:t> </a:t>
+            </a:r>
+            <a:r>
+              <a:rPr lang="ko-KR" altLang="en-US" sz="1200" b="0" i="0" kern="1200" dirty="0" err="1" smtClean="0">
+                <a:solidFill>
+                  <a:schemeClr val="tx1"/>
+                </a:solidFill>
+                <a:effectLst/>
+                <a:latin typeface="+mn-lt"/>
+                <a:ea typeface="+mn-ea"/>
+                <a:cs typeface="+mn-cs"/>
+              </a:rPr>
+              <a:t>수행할계획</a:t>
+            </a:r>
+            <a:r>
+              <a:rPr lang="ko-KR" altLang="en-US" sz="1200" b="0" i="0" kern="1200" dirty="0" smtClean="0">
+                <a:solidFill>
+                  <a:schemeClr val="tx1"/>
+                </a:solidFill>
+                <a:effectLst/>
+                <a:latin typeface="+mn-lt"/>
+                <a:ea typeface="+mn-ea"/>
+                <a:cs typeface="+mn-cs"/>
+              </a:rPr>
+              <a:t>  입니다</a:t>
+            </a:r>
+            <a:r>
+              <a:rPr lang="en-US" altLang="ko-KR" sz="1200" b="0" i="0" kern="1200" dirty="0" smtClean="0">
+                <a:solidFill>
+                  <a:schemeClr val="tx1"/>
+                </a:solidFill>
+                <a:effectLst/>
+                <a:latin typeface="+mn-lt"/>
+                <a:ea typeface="+mn-ea"/>
+                <a:cs typeface="+mn-cs"/>
+              </a:rPr>
+              <a:t>.</a:t>
+            </a:r>
+            <a:endParaRPr lang="en-US" altLang="ko-KR" baseline="0" dirty="0" smtClean="0"/>
           </a:p>
         </p:txBody>
       </p:sp>
@@ -6130,7 +8306,7 @@
           <a:p>
             <a:fld id="{AD4EE2DB-E76A-4EC0-BB3C-86A9DFF316EC}" type="slidenum">
               <a:rPr lang="ko-KR" altLang="en-US" smtClean="0"/>
-              <a:t>19</a:t>
+              <a:t>18</a:t>
             </a:fld>
             <a:endParaRPr lang="ko-KR" altLang="en-US"/>
           </a:p>
@@ -6139,7 +8315,7 @@
     </p:spTree>
     <p:extLst>
       <p:ext uri="{BB962C8B-B14F-4D97-AF65-F5344CB8AC3E}">
-        <p14:creationId xmlns:p14="http://schemas.microsoft.com/office/powerpoint/2010/main" val="44829822"/>
+        <p14:creationId xmlns:p14="http://schemas.microsoft.com/office/powerpoint/2010/main" val="3176324729"/>
       </p:ext>
     </p:extLst>
   </p:cSld>
@@ -6193,265 +8369,6 @@
           <a:bodyPr/>
           <a:lstStyle/>
           <a:p>
-            <a:r>
-              <a:rPr lang="ko-KR" altLang="en-US" dirty="0" smtClean="0"/>
-              <a:t>느낀점</a:t>
-            </a:r>
-            <a:endParaRPr lang="en-US" altLang="ko-KR" dirty="0" smtClean="0"/>
-          </a:p>
-          <a:p>
-            <a:r>
-              <a:rPr lang="ko-KR" altLang="en-US" dirty="0" smtClean="0"/>
-              <a:t>써보고 싶었떤 기술들 </a:t>
-            </a:r>
-            <a:r>
-              <a:rPr lang="en-US" altLang="ko-KR" dirty="0" err="1" smtClean="0"/>
-              <a:t>jpa</a:t>
-            </a:r>
-            <a:r>
-              <a:rPr lang="en-US" altLang="ko-KR" dirty="0" smtClean="0"/>
-              <a:t> spring security </a:t>
-            </a:r>
-          </a:p>
-          <a:p>
-            <a:r>
-              <a:rPr lang="en-US" altLang="ko-KR" dirty="0" err="1" smtClean="0"/>
-              <a:t>Tdd</a:t>
-            </a:r>
-            <a:r>
-              <a:rPr lang="en-US" altLang="ko-KR" dirty="0" smtClean="0"/>
-              <a:t> </a:t>
-            </a:r>
-            <a:r>
-              <a:rPr lang="ko-KR" altLang="en-US" dirty="0" smtClean="0"/>
-              <a:t>를 기반으로 실제 개발을 전체적으로 진행해보기 등</a:t>
-            </a:r>
-            <a:endParaRPr lang="en-US" altLang="ko-KR" dirty="0" smtClean="0"/>
-          </a:p>
-          <a:p>
-            <a:r>
-              <a:rPr lang="ko-KR" altLang="en-US" dirty="0" smtClean="0"/>
-              <a:t>도메인 주도 설계 이름만 들어봣짐나 이번 기회를 통해 조금이나 어떤건지 알게 된 좋은 귀회 개발방법론</a:t>
-            </a:r>
-            <a:endParaRPr lang="en-US" altLang="ko-KR" dirty="0" smtClean="0"/>
-          </a:p>
-          <a:p>
-            <a:endParaRPr lang="en-US" altLang="ko-KR" dirty="0" smtClean="0"/>
-          </a:p>
-          <a:p>
-            <a:r>
-              <a:rPr lang="en-US" altLang="ko-KR" dirty="0" err="1" smtClean="0"/>
-              <a:t>Git</a:t>
-            </a:r>
-            <a:r>
-              <a:rPr lang="en-US" altLang="ko-KR" dirty="0" smtClean="0"/>
-              <a:t> flow </a:t>
-            </a:r>
-            <a:r>
-              <a:rPr lang="ko-KR" altLang="en-US" dirty="0" smtClean="0"/>
-              <a:t>를 통해 깃통한 혼자햇지만 협업하는 방식을 익히고 했던점 과 </a:t>
-            </a:r>
-            <a:r>
-              <a:rPr lang="en-US" altLang="ko-KR" dirty="0" smtClean="0"/>
-              <a:t>issue </a:t>
-            </a:r>
-            <a:r>
-              <a:rPr lang="ko-KR" altLang="en-US" dirty="0" smtClean="0"/>
-              <a:t>등록을 통해 이슈등록의 필요성 과 협업할시에 정말 유용하게 쓰이겠구나를 느낄수 있었습니다</a:t>
-            </a:r>
-            <a:r>
-              <a:rPr lang="en-US" altLang="ko-KR" dirty="0" smtClean="0"/>
-              <a:t>.</a:t>
-            </a:r>
-          </a:p>
-          <a:p>
-            <a:r>
-              <a:rPr lang="ko-KR" altLang="en-US" dirty="0" smtClean="0"/>
-              <a:t>가장 좋았던거 혼자 만 하다가 리뷰를 통해 내가 생각 조차 하지못했던 아님 잘못 생각했던걸 바로잡고 놓치고 간게 </a:t>
-            </a:r>
-            <a:r>
-              <a:rPr lang="ko-KR" altLang="en-US" dirty="0" err="1" smtClean="0"/>
-              <a:t>잇느지</a:t>
-            </a:r>
-            <a:r>
-              <a:rPr lang="ko-KR" altLang="en-US" dirty="0" smtClean="0"/>
-              <a:t> </a:t>
-            </a:r>
-            <a:endParaRPr lang="en-US" altLang="ko-KR" dirty="0" smtClean="0"/>
-          </a:p>
-          <a:p>
-            <a:r>
-              <a:rPr lang="ko-KR" altLang="en-US" dirty="0" err="1" smtClean="0"/>
-              <a:t>멘토님들의질문을</a:t>
-            </a:r>
-            <a:r>
-              <a:rPr lang="ko-KR" altLang="en-US" dirty="0" smtClean="0"/>
-              <a:t> 통해서 평소에 </a:t>
-            </a:r>
-            <a:r>
-              <a:rPr lang="ko-KR" altLang="en-US" dirty="0" err="1" smtClean="0"/>
-              <a:t>맞다고</a:t>
-            </a:r>
-            <a:r>
-              <a:rPr lang="ko-KR" altLang="en-US" dirty="0" smtClean="0"/>
-              <a:t> </a:t>
-            </a:r>
-            <a:r>
-              <a:rPr lang="ko-KR" altLang="en-US" dirty="0" err="1" smtClean="0"/>
-              <a:t>생각햇던</a:t>
-            </a:r>
-            <a:r>
-              <a:rPr lang="ko-KR" altLang="en-US" dirty="0" smtClean="0"/>
-              <a:t> 부분도 다시 </a:t>
-            </a:r>
-            <a:r>
-              <a:rPr lang="ko-KR" altLang="en-US" dirty="0" smtClean="0"/>
-              <a:t>생각할수있는 좋은 기회 였습니다</a:t>
-            </a:r>
-            <a:r>
-              <a:rPr lang="en-US" altLang="ko-KR" dirty="0" smtClean="0"/>
-              <a:t>.</a:t>
-            </a:r>
-          </a:p>
-          <a:p>
-            <a:r>
-              <a:rPr lang="ko-KR" altLang="en-US" dirty="0" smtClean="0"/>
-              <a:t>조금이나마 성장할수있었고 </a:t>
-            </a:r>
-            <a:endParaRPr lang="en-US" altLang="ko-KR" dirty="0" smtClean="0"/>
-          </a:p>
-          <a:p>
-            <a:endParaRPr lang="en-US" altLang="ko-KR" dirty="0" smtClean="0"/>
-          </a:p>
-          <a:p>
-            <a:r>
-              <a:rPr lang="ko-KR" altLang="en-US" dirty="0" smtClean="0"/>
-              <a:t>어려운점</a:t>
-            </a:r>
-            <a:endParaRPr lang="en-US" altLang="ko-KR" dirty="0" smtClean="0"/>
-          </a:p>
-          <a:p>
-            <a:r>
-              <a:rPr lang="ko-KR" altLang="en-US" dirty="0" smtClean="0"/>
-              <a:t>설계 부터 어려웠다 </a:t>
-            </a:r>
-            <a:endParaRPr lang="en-US" altLang="ko-KR" dirty="0" smtClean="0"/>
-          </a:p>
-          <a:p>
-            <a:r>
-              <a:rPr lang="ko-KR" altLang="en-US" dirty="0" smtClean="0"/>
-              <a:t>단순히 </a:t>
-            </a:r>
-            <a:r>
-              <a:rPr lang="ko-KR" altLang="en-US" dirty="0" err="1" smtClean="0"/>
-              <a:t>트거정</a:t>
-            </a:r>
-            <a:r>
-              <a:rPr lang="ko-KR" altLang="en-US" dirty="0" smtClean="0"/>
-              <a:t> 기능을 </a:t>
-            </a:r>
-            <a:r>
-              <a:rPr lang="ko-KR" altLang="en-US" dirty="0" err="1" smtClean="0"/>
-              <a:t>만드는게</a:t>
-            </a:r>
-            <a:r>
-              <a:rPr lang="ko-KR" altLang="en-US" dirty="0" smtClean="0"/>
-              <a:t> 개발자가 하는 일이 </a:t>
-            </a:r>
-            <a:r>
-              <a:rPr lang="ko-KR" altLang="en-US" dirty="0" err="1" smtClean="0"/>
-              <a:t>다가아니구나</a:t>
-            </a:r>
-            <a:r>
-              <a:rPr lang="ko-KR" altLang="en-US" dirty="0" smtClean="0"/>
-              <a:t> </a:t>
-            </a:r>
-            <a:r>
-              <a:rPr lang="ko-KR" altLang="en-US" dirty="0" err="1" smtClean="0"/>
-              <a:t>더큰그림을</a:t>
-            </a:r>
-            <a:r>
-              <a:rPr lang="ko-KR" altLang="en-US" dirty="0" smtClean="0"/>
-              <a:t> 보고 </a:t>
-            </a:r>
-            <a:r>
-              <a:rPr lang="ko-KR" altLang="en-US" dirty="0" err="1" smtClean="0"/>
-              <a:t>생가가하고</a:t>
-            </a:r>
-            <a:r>
-              <a:rPr lang="ko-KR" altLang="en-US" dirty="0" smtClean="0"/>
-              <a:t> 코딩을 </a:t>
-            </a:r>
-            <a:r>
-              <a:rPr lang="ko-KR" altLang="en-US" dirty="0" err="1" smtClean="0"/>
-              <a:t>해야겠다라고</a:t>
-            </a:r>
-            <a:r>
-              <a:rPr lang="ko-KR" altLang="en-US" dirty="0" smtClean="0"/>
-              <a:t> </a:t>
-            </a:r>
-            <a:r>
-              <a:rPr lang="ko-KR" altLang="en-US" dirty="0" err="1" smtClean="0"/>
-              <a:t>생각하엿씁니다</a:t>
-            </a:r>
-            <a:r>
-              <a:rPr lang="en-US" altLang="ko-KR" dirty="0" smtClean="0"/>
-              <a:t>.</a:t>
-            </a:r>
-            <a:r>
-              <a:rPr lang="ko-KR" altLang="en-US" dirty="0" err="1" smtClean="0"/>
-              <a:t>프론트는</a:t>
-            </a:r>
-            <a:r>
-              <a:rPr lang="ko-KR" altLang="en-US" dirty="0" smtClean="0"/>
-              <a:t> </a:t>
-            </a:r>
-            <a:r>
-              <a:rPr lang="ko-KR" altLang="en-US" dirty="0" smtClean="0"/>
-              <a:t>비록 </a:t>
-            </a:r>
-            <a:r>
-              <a:rPr lang="en-US" altLang="ko-KR" dirty="0" smtClean="0"/>
-              <a:t>.. </a:t>
-            </a:r>
-            <a:r>
-              <a:rPr lang="ko-KR" altLang="en-US" dirty="0" smtClean="0"/>
-              <a:t>모듈화 </a:t>
-            </a:r>
-            <a:r>
-              <a:rPr lang="en-US" altLang="ko-KR" dirty="0" smtClean="0"/>
-              <a:t>, </a:t>
-            </a:r>
-            <a:r>
-              <a:rPr lang="ko-KR" altLang="en-US" dirty="0" smtClean="0"/>
-              <a:t>백엔드도 의존성 분리 클래스 쪼개기 인터페이스 작성 등 변수명 </a:t>
-            </a:r>
-            <a:r>
-              <a:rPr lang="en-US" altLang="ko-KR" dirty="0" err="1" smtClean="0"/>
-              <a:t>jpa</a:t>
-            </a:r>
-            <a:r>
-              <a:rPr lang="en-US" altLang="ko-KR" dirty="0" smtClean="0"/>
-              <a:t> </a:t>
-            </a:r>
-            <a:r>
-              <a:rPr lang="ko-KR" altLang="en-US" dirty="0" smtClean="0"/>
-              <a:t>도메인 주도 설계 등</a:t>
-            </a:r>
-            <a:endParaRPr lang="en-US" altLang="ko-KR" dirty="0" smtClean="0"/>
-          </a:p>
-          <a:p>
-            <a:r>
-              <a:rPr lang="ko-KR" altLang="en-US" dirty="0" smtClean="0"/>
-              <a:t>부족함점 공부해얄 부분 등르 많이 느꼇습니다</a:t>
-            </a:r>
-            <a:r>
-              <a:rPr lang="en-US" altLang="ko-KR" dirty="0" smtClean="0"/>
-              <a:t>.</a:t>
-            </a:r>
-            <a:endParaRPr lang="ko-KR" altLang="en-US" dirty="0" smtClean="0"/>
-          </a:p>
-          <a:p>
             <a:endParaRPr lang="ko-KR" altLang="en-US" dirty="0"/>
           </a:p>
         </p:txBody>
@@ -6482,7 +8399,7 @@
     </p:spTree>
     <p:extLst>
       <p:ext uri="{BB962C8B-B14F-4D97-AF65-F5344CB8AC3E}">
-        <p14:creationId xmlns:p14="http://schemas.microsoft.com/office/powerpoint/2010/main" val="44829822"/>
+        <p14:creationId xmlns:p14="http://schemas.microsoft.com/office/powerpoint/2010/main" val="2440524318"/>
       </p:ext>
     </p:extLst>
   </p:cSld>
@@ -6511,7 +8428,7 @@
       </p:grpSpPr>
       <p:sp>
         <p:nvSpPr>
-          <p:cNvPr id="2" name="Slide Image Placeholder 1"/>
+          <p:cNvPr id="2" name="슬라이드 이미지 개체 틀 1"/>
           <p:cNvSpPr>
             <a:spLocks noGrp="1" noRot="1" noChangeAspect="1"/>
           </p:cNvSpPr>
@@ -6523,7 +8440,7 @@
       </p:sp>
       <p:sp>
         <p:nvSpPr>
-          <p:cNvPr id="3" name="Notes Placeholder 2"/>
+          <p:cNvPr id="3" name="슬라이드 노트 개체 틀 2"/>
           <p:cNvSpPr>
             <a:spLocks noGrp="1"/>
           </p:cNvSpPr>
@@ -6542,7 +8459,7 @@
       </p:sp>
       <p:sp>
         <p:nvSpPr>
-          <p:cNvPr id="4" name="Slide Number Placeholder 3"/>
+          <p:cNvPr id="4" name="슬라이드 번호 개체 틀 3"/>
           <p:cNvSpPr>
             <a:spLocks noGrp="1"/>
           </p:cNvSpPr>
@@ -6557,7 +8474,7 @@
           <a:p>
             <a:fld id="{AD4EE2DB-E76A-4EC0-BB3C-86A9DFF316EC}" type="slidenum">
               <a:rPr lang="ko-KR" altLang="en-US" smtClean="0"/>
-              <a:t>21</a:t>
+              <a:t>22</a:t>
             </a:fld>
             <a:endParaRPr lang="ko-KR" altLang="en-US"/>
           </a:p>
@@ -6566,7 +8483,342 @@
     </p:spTree>
     <p:extLst>
       <p:ext uri="{BB962C8B-B14F-4D97-AF65-F5344CB8AC3E}">
-        <p14:creationId xmlns:p14="http://schemas.microsoft.com/office/powerpoint/2010/main" val="1008670767"/>
+        <p14:creationId xmlns:p14="http://schemas.microsoft.com/office/powerpoint/2010/main" val="44829822"/>
+      </p:ext>
+    </p:extLst>
+  </p:cSld>
+  <p:clrMapOvr>
+    <a:masterClrMapping/>
+  </p:clrMapOvr>
+</p:notes>
+</file>
+
+<file path=ppt/notesSlides/notesSlide19.xml><?xml version="1.0" encoding="utf-8"?>
+<p:notes xmlns:a="http://schemas.openxmlformats.org/drawingml/2006/main" xmlns:r="http://schemas.openxmlformats.org/officeDocument/2006/relationships" xmlns:p="http://schemas.openxmlformats.org/presentationml/2006/main">
+  <p:cSld>
+    <p:spTree>
+      <p:nvGrpSpPr>
+        <p:cNvPr id="1" name=""/>
+        <p:cNvGrpSpPr/>
+        <p:nvPr/>
+      </p:nvGrpSpPr>
+      <p:grpSpPr>
+        <a:xfrm>
+          <a:off x="0" y="0"/>
+          <a:ext cx="0" cy="0"/>
+          <a:chOff x="0" y="0"/>
+          <a:chExt cx="0" cy="0"/>
+        </a:xfrm>
+      </p:grpSpPr>
+      <p:sp>
+        <p:nvSpPr>
+          <p:cNvPr id="2" name="슬라이드 이미지 개체 틀 1"/>
+          <p:cNvSpPr>
+            <a:spLocks noGrp="1" noRot="1" noChangeAspect="1"/>
+          </p:cNvSpPr>
+          <p:nvPr>
+            <p:ph type="sldImg"/>
+          </p:nvPr>
+        </p:nvSpPr>
+        <p:spPr/>
+      </p:sp>
+      <p:sp>
+        <p:nvSpPr>
+          <p:cNvPr id="3" name="슬라이드 노트 개체 틀 2"/>
+          <p:cNvSpPr>
+            <a:spLocks noGrp="1"/>
+          </p:cNvSpPr>
+          <p:nvPr>
+            <p:ph type="body" idx="1"/>
+          </p:nvPr>
+        </p:nvSpPr>
+        <p:spPr/>
+        <p:txBody>
+          <a:bodyPr/>
+          <a:lstStyle/>
+          <a:p>
+            <a:r>
+              <a:rPr lang="ko-KR" altLang="en-US" dirty="0" smtClean="0"/>
+              <a:t>느낀점</a:t>
+            </a:r>
+            <a:endParaRPr lang="en-US" altLang="ko-KR" dirty="0" smtClean="0"/>
+          </a:p>
+          <a:p>
+            <a:r>
+              <a:rPr lang="ko-KR" altLang="en-US" dirty="0" smtClean="0"/>
+              <a:t>써보고 싶었떤 기술들 </a:t>
+            </a:r>
+            <a:r>
+              <a:rPr lang="en-US" altLang="ko-KR" dirty="0" err="1" smtClean="0"/>
+              <a:t>jpa</a:t>
+            </a:r>
+            <a:r>
+              <a:rPr lang="en-US" altLang="ko-KR" dirty="0" smtClean="0"/>
+              <a:t> spring security </a:t>
+            </a:r>
+          </a:p>
+          <a:p>
+            <a:r>
+              <a:rPr lang="en-US" altLang="ko-KR" dirty="0" err="1" smtClean="0"/>
+              <a:t>Tdd</a:t>
+            </a:r>
+            <a:r>
+              <a:rPr lang="en-US" altLang="ko-KR" dirty="0" smtClean="0"/>
+              <a:t> </a:t>
+            </a:r>
+            <a:r>
+              <a:rPr lang="ko-KR" altLang="en-US" dirty="0" smtClean="0"/>
+              <a:t>를 기반으로 실제 개발을 전체적으로 진행해보기 등</a:t>
+            </a:r>
+            <a:endParaRPr lang="en-US" altLang="ko-KR" dirty="0" smtClean="0"/>
+          </a:p>
+          <a:p>
+            <a:r>
+              <a:rPr lang="ko-KR" altLang="en-US" dirty="0" smtClean="0"/>
+              <a:t>도메인 주도 설계 이름만 들어봣짐나 이번 기회를 통해 조금이나 어떤건지 알게 된 좋은 귀회 개발방법론</a:t>
+            </a:r>
+            <a:endParaRPr lang="en-US" altLang="ko-KR" dirty="0" smtClean="0"/>
+          </a:p>
+          <a:p>
+            <a:endParaRPr lang="en-US" altLang="ko-KR" dirty="0" smtClean="0"/>
+          </a:p>
+          <a:p>
+            <a:r>
+              <a:rPr lang="en-US" altLang="ko-KR" dirty="0" err="1" smtClean="0"/>
+              <a:t>Git</a:t>
+            </a:r>
+            <a:r>
+              <a:rPr lang="en-US" altLang="ko-KR" dirty="0" smtClean="0"/>
+              <a:t> flow </a:t>
+            </a:r>
+            <a:r>
+              <a:rPr lang="ko-KR" altLang="en-US" dirty="0" smtClean="0"/>
+              <a:t>를 통해 깃통한 혼자햇지만 협업하는 방식을 익히고 했던점 과 </a:t>
+            </a:r>
+            <a:r>
+              <a:rPr lang="en-US" altLang="ko-KR" dirty="0" smtClean="0"/>
+              <a:t>issue </a:t>
+            </a:r>
+            <a:r>
+              <a:rPr lang="ko-KR" altLang="en-US" dirty="0" smtClean="0"/>
+              <a:t>등록을 통해 이슈등록의 필요성 과 협업할시에 정말 유용하게 쓰이겠구나를 느낄수 있었습니다</a:t>
+            </a:r>
+            <a:r>
+              <a:rPr lang="en-US" altLang="ko-KR" dirty="0" smtClean="0"/>
+              <a:t>.</a:t>
+            </a:r>
+          </a:p>
+          <a:p>
+            <a:r>
+              <a:rPr lang="ko-KR" altLang="en-US" dirty="0" smtClean="0"/>
+              <a:t>가장 좋았던거 혼자 만 하다가 리뷰를 통해 내가 생각 조차 하지못했던 아님 잘못 생각했던걸 바로잡고 놓치고 간게 </a:t>
+            </a:r>
+            <a:r>
+              <a:rPr lang="ko-KR" altLang="en-US" dirty="0" err="1" smtClean="0"/>
+              <a:t>잇느지</a:t>
+            </a:r>
+            <a:r>
+              <a:rPr lang="ko-KR" altLang="en-US" dirty="0" smtClean="0"/>
+              <a:t> </a:t>
+            </a:r>
+            <a:endParaRPr lang="en-US" altLang="ko-KR" dirty="0" smtClean="0"/>
+          </a:p>
+          <a:p>
+            <a:r>
+              <a:rPr lang="ko-KR" altLang="en-US" dirty="0" err="1" smtClean="0"/>
+              <a:t>멘토님들의질문을</a:t>
+            </a:r>
+            <a:r>
+              <a:rPr lang="ko-KR" altLang="en-US" dirty="0" smtClean="0"/>
+              <a:t> 통해서 평소에 </a:t>
+            </a:r>
+            <a:r>
+              <a:rPr lang="ko-KR" altLang="en-US" dirty="0" err="1" smtClean="0"/>
+              <a:t>맞다고</a:t>
+            </a:r>
+            <a:r>
+              <a:rPr lang="ko-KR" altLang="en-US" dirty="0" smtClean="0"/>
+              <a:t> </a:t>
+            </a:r>
+            <a:r>
+              <a:rPr lang="ko-KR" altLang="en-US" dirty="0" err="1" smtClean="0"/>
+              <a:t>생각햇던</a:t>
+            </a:r>
+            <a:r>
+              <a:rPr lang="ko-KR" altLang="en-US" dirty="0" smtClean="0"/>
+              <a:t> 부분도 다시 생각할수있는 좋은 기회 였습니다</a:t>
+            </a:r>
+            <a:r>
+              <a:rPr lang="en-US" altLang="ko-KR" dirty="0" smtClean="0"/>
+              <a:t>.</a:t>
+            </a:r>
+          </a:p>
+          <a:p>
+            <a:r>
+              <a:rPr lang="ko-KR" altLang="en-US" dirty="0" smtClean="0"/>
+              <a:t>조금이나마 성장할수있었고 </a:t>
+            </a:r>
+            <a:endParaRPr lang="en-US" altLang="ko-KR" dirty="0" smtClean="0"/>
+          </a:p>
+          <a:p>
+            <a:endParaRPr lang="en-US" altLang="ko-KR" dirty="0" smtClean="0"/>
+          </a:p>
+          <a:p>
+            <a:r>
+              <a:rPr lang="ko-KR" altLang="en-US" dirty="0" smtClean="0"/>
+              <a:t>어려운점</a:t>
+            </a:r>
+            <a:endParaRPr lang="en-US" altLang="ko-KR" dirty="0" smtClean="0"/>
+          </a:p>
+          <a:p>
+            <a:r>
+              <a:rPr lang="ko-KR" altLang="en-US" dirty="0" smtClean="0"/>
+              <a:t>설계 부터 어려웠다 </a:t>
+            </a:r>
+            <a:endParaRPr lang="en-US" altLang="ko-KR" dirty="0" smtClean="0"/>
+          </a:p>
+          <a:p>
+            <a:r>
+              <a:rPr lang="ko-KR" altLang="en-US" dirty="0" smtClean="0"/>
+              <a:t>단순히 </a:t>
+            </a:r>
+            <a:r>
+              <a:rPr lang="ko-KR" altLang="en-US" dirty="0" err="1" smtClean="0"/>
+              <a:t>트거정</a:t>
+            </a:r>
+            <a:r>
+              <a:rPr lang="ko-KR" altLang="en-US" dirty="0" smtClean="0"/>
+              <a:t> 기능을 </a:t>
+            </a:r>
+            <a:r>
+              <a:rPr lang="ko-KR" altLang="en-US" dirty="0" err="1" smtClean="0"/>
+              <a:t>만드는게</a:t>
+            </a:r>
+            <a:r>
+              <a:rPr lang="ko-KR" altLang="en-US" dirty="0" smtClean="0"/>
+              <a:t> 개발자가 하는 일이 </a:t>
+            </a:r>
+            <a:r>
+              <a:rPr lang="ko-KR" altLang="en-US" dirty="0" err="1" smtClean="0"/>
+              <a:t>다가아니구나</a:t>
+            </a:r>
+            <a:r>
+              <a:rPr lang="ko-KR" altLang="en-US" dirty="0" smtClean="0"/>
+              <a:t> </a:t>
+            </a:r>
+            <a:r>
+              <a:rPr lang="ko-KR" altLang="en-US" dirty="0" err="1" smtClean="0"/>
+              <a:t>더큰그림을</a:t>
+            </a:r>
+            <a:r>
+              <a:rPr lang="ko-KR" altLang="en-US" dirty="0" smtClean="0"/>
+              <a:t> 보고 </a:t>
+            </a:r>
+            <a:r>
+              <a:rPr lang="ko-KR" altLang="en-US" dirty="0" err="1" smtClean="0"/>
+              <a:t>생가가하고</a:t>
+            </a:r>
+            <a:r>
+              <a:rPr lang="ko-KR" altLang="en-US" dirty="0" smtClean="0"/>
+              <a:t> 코딩을 </a:t>
+            </a:r>
+            <a:r>
+              <a:rPr lang="ko-KR" altLang="en-US" dirty="0" err="1" smtClean="0"/>
+              <a:t>해야겠다라고</a:t>
+            </a:r>
+            <a:r>
+              <a:rPr lang="ko-KR" altLang="en-US" dirty="0" smtClean="0"/>
+              <a:t> </a:t>
+            </a:r>
+            <a:r>
+              <a:rPr lang="ko-KR" altLang="en-US" dirty="0" err="1" smtClean="0"/>
+              <a:t>생각하엿씁니다</a:t>
+            </a:r>
+            <a:r>
+              <a:rPr lang="en-US" altLang="ko-KR" dirty="0" smtClean="0"/>
+              <a:t>.</a:t>
+            </a:r>
+            <a:r>
+              <a:rPr lang="ko-KR" altLang="en-US" dirty="0" err="1" smtClean="0"/>
+              <a:t>프론트는</a:t>
+            </a:r>
+            <a:r>
+              <a:rPr lang="ko-KR" altLang="en-US" dirty="0" smtClean="0"/>
+              <a:t> 비록 </a:t>
+            </a:r>
+            <a:r>
+              <a:rPr lang="en-US" altLang="ko-KR" dirty="0" smtClean="0"/>
+              <a:t>.. </a:t>
+            </a:r>
+            <a:r>
+              <a:rPr lang="ko-KR" altLang="en-US" dirty="0" smtClean="0"/>
+              <a:t>모듈화 </a:t>
+            </a:r>
+            <a:r>
+              <a:rPr lang="en-US" altLang="ko-KR" dirty="0" smtClean="0"/>
+              <a:t>, </a:t>
+            </a:r>
+            <a:r>
+              <a:rPr lang="ko-KR" altLang="en-US" dirty="0" smtClean="0"/>
+              <a:t>백엔드도 의존성 분리 클래스 쪼개기 인터페이스 작성 등 변수명 </a:t>
+            </a:r>
+            <a:r>
+              <a:rPr lang="en-US" altLang="ko-KR" dirty="0" err="1" smtClean="0"/>
+              <a:t>jpa</a:t>
+            </a:r>
+            <a:r>
+              <a:rPr lang="en-US" altLang="ko-KR" dirty="0" smtClean="0"/>
+              <a:t> </a:t>
+            </a:r>
+            <a:r>
+              <a:rPr lang="ko-KR" altLang="en-US" dirty="0" smtClean="0"/>
+              <a:t>도메인 주도 설계 등</a:t>
+            </a:r>
+            <a:endParaRPr lang="en-US" altLang="ko-KR" dirty="0" smtClean="0"/>
+          </a:p>
+          <a:p>
+            <a:r>
+              <a:rPr lang="ko-KR" altLang="en-US" dirty="0" smtClean="0"/>
+              <a:t>부족함점 공부해얄 부분 등르 많이 느꼇습니다</a:t>
+            </a:r>
+            <a:r>
+              <a:rPr lang="en-US" altLang="ko-KR" dirty="0" smtClean="0"/>
+              <a:t>.</a:t>
+            </a:r>
+            <a:endParaRPr lang="ko-KR" altLang="en-US" dirty="0" smtClean="0"/>
+          </a:p>
+          <a:p>
+            <a:endParaRPr lang="ko-KR" altLang="en-US" dirty="0"/>
+          </a:p>
+        </p:txBody>
+      </p:sp>
+      <p:sp>
+        <p:nvSpPr>
+          <p:cNvPr id="4" name="슬라이드 번호 개체 틀 3"/>
+          <p:cNvSpPr>
+            <a:spLocks noGrp="1"/>
+          </p:cNvSpPr>
+          <p:nvPr>
+            <p:ph type="sldNum" sz="quarter" idx="10"/>
+          </p:nvPr>
+        </p:nvSpPr>
+        <p:spPr/>
+        <p:txBody>
+          <a:bodyPr/>
+          <a:lstStyle/>
+          <a:p>
+            <a:fld id="{AD4EE2DB-E76A-4EC0-BB3C-86A9DFF316EC}" type="slidenum">
+              <a:rPr lang="ko-KR" altLang="en-US" smtClean="0"/>
+              <a:t>23</a:t>
+            </a:fld>
+            <a:endParaRPr lang="ko-KR" altLang="en-US"/>
+          </a:p>
+        </p:txBody>
+      </p:sp>
+    </p:spTree>
+    <p:extLst>
+      <p:ext uri="{BB962C8B-B14F-4D97-AF65-F5344CB8AC3E}">
+        <p14:creationId xmlns:p14="http://schemas.microsoft.com/office/powerpoint/2010/main" val="44829822"/>
       </p:ext>
     </p:extLst>
   </p:cSld>
@@ -7508,6 +9760,90 @@
     <p:extLst>
       <p:ext uri="{BB962C8B-B14F-4D97-AF65-F5344CB8AC3E}">
         <p14:creationId xmlns:p14="http://schemas.microsoft.com/office/powerpoint/2010/main" val="683285989"/>
+      </p:ext>
+    </p:extLst>
+  </p:cSld>
+  <p:clrMapOvr>
+    <a:masterClrMapping/>
+  </p:clrMapOvr>
+</p:notes>
+</file>
+
+<file path=ppt/notesSlides/notesSlide20.xml><?xml version="1.0" encoding="utf-8"?>
+<p:notes xmlns:a="http://schemas.openxmlformats.org/drawingml/2006/main" xmlns:r="http://schemas.openxmlformats.org/officeDocument/2006/relationships" xmlns:p="http://schemas.openxmlformats.org/presentationml/2006/main">
+  <p:cSld>
+    <p:spTree>
+      <p:nvGrpSpPr>
+        <p:cNvPr id="1" name=""/>
+        <p:cNvGrpSpPr/>
+        <p:nvPr/>
+      </p:nvGrpSpPr>
+      <p:grpSpPr>
+        <a:xfrm>
+          <a:off x="0" y="0"/>
+          <a:ext cx="0" cy="0"/>
+          <a:chOff x="0" y="0"/>
+          <a:chExt cx="0" cy="0"/>
+        </a:xfrm>
+      </p:grpSpPr>
+      <p:sp>
+        <p:nvSpPr>
+          <p:cNvPr id="2" name="Slide Image Placeholder 1"/>
+          <p:cNvSpPr>
+            <a:spLocks noGrp="1" noRot="1" noChangeAspect="1"/>
+          </p:cNvSpPr>
+          <p:nvPr>
+            <p:ph type="sldImg"/>
+          </p:nvPr>
+        </p:nvSpPr>
+        <p:spPr/>
+      </p:sp>
+      <p:sp>
+        <p:nvSpPr>
+          <p:cNvPr id="3" name="Notes Placeholder 2"/>
+          <p:cNvSpPr>
+            <a:spLocks noGrp="1"/>
+          </p:cNvSpPr>
+          <p:nvPr>
+            <p:ph type="body" idx="1"/>
+          </p:nvPr>
+        </p:nvSpPr>
+        <p:spPr/>
+        <p:txBody>
+          <a:bodyPr/>
+          <a:lstStyle/>
+          <a:p>
+            <a:endParaRPr lang="ko-KR" altLang="en-US" dirty="0"/>
+          </a:p>
+        </p:txBody>
+      </p:sp>
+      <p:sp>
+        <p:nvSpPr>
+          <p:cNvPr id="4" name="Slide Number Placeholder 3"/>
+          <p:cNvSpPr>
+            <a:spLocks noGrp="1"/>
+          </p:cNvSpPr>
+          <p:nvPr>
+            <p:ph type="sldNum" sz="quarter" idx="10"/>
+          </p:nvPr>
+        </p:nvSpPr>
+        <p:spPr/>
+        <p:txBody>
+          <a:bodyPr/>
+          <a:lstStyle/>
+          <a:p>
+            <a:fld id="{AD4EE2DB-E76A-4EC0-BB3C-86A9DFF316EC}" type="slidenum">
+              <a:rPr lang="ko-KR" altLang="en-US" smtClean="0"/>
+              <a:t>24</a:t>
+            </a:fld>
+            <a:endParaRPr lang="ko-KR" altLang="en-US"/>
+          </a:p>
+        </p:txBody>
+      </p:sp>
+    </p:spTree>
+    <p:extLst>
+      <p:ext uri="{BB962C8B-B14F-4D97-AF65-F5344CB8AC3E}">
+        <p14:creationId xmlns:p14="http://schemas.microsoft.com/office/powerpoint/2010/main" val="1008670767"/>
       </p:ext>
     </p:extLst>
   </p:cSld>
@@ -12442,7 +14778,7 @@
           <p:cNvPr id="7" name="TextBox 6">
             <a:extLst>
               <a:ext uri="{FF2B5EF4-FFF2-40B4-BE49-F238E27FC236}">
-                <a16:creationId xmlns:a16="http://schemas.microsoft.com/office/drawing/2014/main" xmlns="" id="{691811B0-B48E-441A-87FD-055ECECA2FB0}"/>
+                <a16:creationId xmlns="" xmlns:a16="http://schemas.microsoft.com/office/drawing/2014/main" id="{691811B0-B48E-441A-87FD-055ECECA2FB0}"/>
               </a:ext>
             </a:extLst>
           </p:cNvPr>
@@ -13240,7 +15576,7 @@
         <p:spPr>
           <a:xfrm>
             <a:off x="2263852" y="645071"/>
-            <a:ext cx="1282723" cy="553998"/>
+            <a:ext cx="1051891" cy="584775"/>
           </a:xfrm>
           <a:prstGeom prst="rect">
             <a:avLst/>
@@ -13254,14 +15590,12 @@
           <a:lstStyle/>
           <a:p>
             <a:r>
-              <a:rPr lang="en-US" altLang="ko-KR" sz="3000" spc="-150" dirty="0" smtClean="0">
-                <a:solidFill>
-                  <a:schemeClr val="accent4"/>
-                </a:solidFill>
-                <a:latin typeface="+mj-ea"/>
-                <a:ea typeface="+mj-ea"/>
-              </a:rPr>
-              <a:t>Week2</a:t>
+              <a:rPr lang="en-US" altLang="ko-KR" sz="3200" b="1" dirty="0">
+                <a:solidFill>
+                  <a:srgbClr val="666666"/>
+                </a:solidFill>
+              </a:rPr>
+              <a:t>ERD</a:t>
             </a:r>
             <a:endParaRPr lang="ko-KR" altLang="en-US" sz="3000" spc="-150" dirty="0">
               <a:solidFill>
@@ -13273,82 +15607,6 @@
           </a:p>
         </p:txBody>
       </p:sp>
-      <p:sp>
-        <p:nvSpPr>
-          <p:cNvPr id="10" name="TextBox 9"/>
-          <p:cNvSpPr txBox="1"/>
-          <p:nvPr/>
-        </p:nvSpPr>
-        <p:spPr>
-          <a:xfrm>
-            <a:off x="1882797" y="1736259"/>
-            <a:ext cx="942887" cy="523220"/>
-          </a:xfrm>
-          <a:prstGeom prst="rect">
-            <a:avLst/>
-          </a:prstGeom>
-          <a:noFill/>
-        </p:spPr>
-        <p:txBody>
-          <a:bodyPr wrap="none" rtlCol="0">
-            <a:spAutoFit/>
-          </a:bodyPr>
-          <a:lstStyle/>
-          <a:p>
-            <a:r>
-              <a:rPr lang="en-US" altLang="ko-KR" sz="2800" b="1" dirty="0" smtClean="0">
-                <a:solidFill>
-                  <a:srgbClr val="666666"/>
-                </a:solidFill>
-              </a:rPr>
-              <a:t>ERD</a:t>
-            </a:r>
-            <a:endParaRPr lang="ko-KR" altLang="en-US" sz="2800" b="1" dirty="0">
-              <a:solidFill>
-                <a:srgbClr val="666666"/>
-              </a:solidFill>
-            </a:endParaRPr>
-          </a:p>
-        </p:txBody>
-      </p:sp>
-      <p:cxnSp>
-        <p:nvCxnSpPr>
-          <p:cNvPr id="11" name="직선 연결선 17"/>
-          <p:cNvCxnSpPr/>
-          <p:nvPr/>
-        </p:nvCxnSpPr>
-        <p:spPr>
-          <a:xfrm>
-            <a:off x="1730052" y="1728292"/>
-            <a:ext cx="0" cy="491033"/>
-          </a:xfrm>
-          <a:prstGeom prst="line">
-            <a:avLst/>
-          </a:prstGeom>
-          <a:ln w="76200">
-            <a:solidFill>
-              <a:schemeClr val="accent4">
-                <a:lumMod val="60000"/>
-                <a:lumOff val="40000"/>
-              </a:schemeClr>
-            </a:solidFill>
-          </a:ln>
-        </p:spPr>
-        <p:style>
-          <a:lnRef idx="1">
-            <a:schemeClr val="accent1"/>
-          </a:lnRef>
-          <a:fillRef idx="0">
-            <a:schemeClr val="accent1"/>
-          </a:fillRef>
-          <a:effectRef idx="0">
-            <a:schemeClr val="accent1"/>
-          </a:effectRef>
-          <a:fontRef idx="minor">
-            <a:schemeClr val="tx1"/>
-          </a:fontRef>
-        </p:style>
-      </p:cxnSp>
       <p:sp>
         <p:nvSpPr>
           <p:cNvPr id="12" name="TextBox 11"/>
@@ -13357,7 +15615,7 @@
         </p:nvSpPr>
         <p:spPr>
           <a:xfrm>
-            <a:off x="1803400" y="2509967"/>
+            <a:off x="1803400" y="1796292"/>
             <a:ext cx="4521200" cy="3831818"/>
           </a:xfrm>
           <a:prstGeom prst="rect">
@@ -13760,7 +16018,7 @@
         <p:spPr>
           <a:xfrm>
             <a:off x="2263852" y="645071"/>
-            <a:ext cx="1282723" cy="553998"/>
+            <a:ext cx="2469715" cy="1046440"/>
           </a:xfrm>
           <a:prstGeom prst="rect">
             <a:avLst/>
@@ -13774,15 +16032,28 @@
           <a:lstStyle/>
           <a:p>
             <a:r>
-              <a:rPr lang="en-US" altLang="ko-KR" sz="3000" spc="-150" dirty="0" smtClean="0">
-                <a:solidFill>
-                  <a:schemeClr val="accent4"/>
-                </a:solidFill>
-                <a:latin typeface="+mj-ea"/>
-                <a:ea typeface="+mj-ea"/>
-              </a:rPr>
-              <a:t>Week3</a:t>
-            </a:r>
+              <a:rPr lang="en-US" altLang="ko-KR" sz="3200" b="1" dirty="0" err="1">
+                <a:solidFill>
+                  <a:srgbClr val="666666"/>
+                </a:solidFill>
+              </a:rPr>
+              <a:t>RestFul</a:t>
+            </a:r>
+            <a:r>
+              <a:rPr lang="en-US" altLang="ko-KR" sz="3200" b="1" dirty="0">
+                <a:solidFill>
+                  <a:srgbClr val="666666"/>
+                </a:solidFill>
+              </a:rPr>
+              <a:t> API</a:t>
+            </a:r>
+            <a:endParaRPr lang="ko-KR" altLang="en-US" sz="3200" b="1" dirty="0">
+              <a:solidFill>
+                <a:srgbClr val="666666"/>
+              </a:solidFill>
+            </a:endParaRPr>
+          </a:p>
+          <a:p>
             <a:endParaRPr lang="ko-KR" altLang="en-US" sz="3000" spc="-150" dirty="0">
               <a:solidFill>
                 <a:schemeClr val="accent4"/>
@@ -13793,90 +16064,6 @@
           </a:p>
         </p:txBody>
       </p:sp>
-      <p:sp>
-        <p:nvSpPr>
-          <p:cNvPr id="11" name="TextBox 10"/>
-          <p:cNvSpPr txBox="1"/>
-          <p:nvPr/>
-        </p:nvSpPr>
-        <p:spPr>
-          <a:xfrm>
-            <a:off x="1882797" y="1736259"/>
-            <a:ext cx="2187907" cy="523220"/>
-          </a:xfrm>
-          <a:prstGeom prst="rect">
-            <a:avLst/>
-          </a:prstGeom>
-          <a:noFill/>
-        </p:spPr>
-        <p:txBody>
-          <a:bodyPr wrap="none" rtlCol="0">
-            <a:spAutoFit/>
-          </a:bodyPr>
-          <a:lstStyle/>
-          <a:p>
-            <a:r>
-              <a:rPr lang="en-US" altLang="ko-KR" sz="2800" b="1" dirty="0" err="1" smtClean="0">
-                <a:solidFill>
-                  <a:srgbClr val="666666"/>
-                </a:solidFill>
-              </a:rPr>
-              <a:t>RestFul</a:t>
-            </a:r>
-            <a:r>
-              <a:rPr lang="en-US" altLang="ko-KR" sz="2800" b="1" dirty="0" smtClean="0">
-                <a:solidFill>
-                  <a:srgbClr val="666666"/>
-                </a:solidFill>
-              </a:rPr>
-              <a:t> API</a:t>
-            </a:r>
-            <a:endParaRPr lang="ko-KR" altLang="en-US" sz="2800" b="1" dirty="0">
-              <a:solidFill>
-                <a:srgbClr val="666666"/>
-              </a:solidFill>
-            </a:endParaRPr>
-          </a:p>
-        </p:txBody>
-      </p:sp>
-      <p:cxnSp>
-        <p:nvCxnSpPr>
-          <p:cNvPr id="12" name="직선 연결선 17"/>
-          <p:cNvCxnSpPr/>
-          <p:nvPr/>
-        </p:nvCxnSpPr>
-        <p:spPr>
-          <a:xfrm>
-            <a:off x="1730052" y="1728292"/>
-            <a:ext cx="0" cy="491033"/>
-          </a:xfrm>
-          <a:prstGeom prst="line">
-            <a:avLst/>
-          </a:prstGeom>
-          <a:ln w="76200">
-            <a:solidFill>
-              <a:schemeClr val="accent4">
-                <a:lumMod val="60000"/>
-                <a:lumOff val="40000"/>
-              </a:schemeClr>
-            </a:solidFill>
-          </a:ln>
-        </p:spPr>
-        <p:style>
-          <a:lnRef idx="1">
-            <a:schemeClr val="accent1"/>
-          </a:lnRef>
-          <a:fillRef idx="0">
-            <a:schemeClr val="accent1"/>
-          </a:fillRef>
-          <a:effectRef idx="0">
-            <a:schemeClr val="accent1"/>
-          </a:effectRef>
-          <a:fontRef idx="minor">
-            <a:schemeClr val="tx1"/>
-          </a:fontRef>
-        </p:style>
-      </p:cxnSp>
       <p:sp>
         <p:nvSpPr>
           <p:cNvPr id="13" name="TextBox 12"/>
@@ -13885,7 +16072,7 @@
         </p:nvSpPr>
         <p:spPr>
           <a:xfrm>
-            <a:off x="1803398" y="2509967"/>
+            <a:off x="1803398" y="1796293"/>
             <a:ext cx="10769601" cy="3831818"/>
           </a:xfrm>
           <a:prstGeom prst="rect">
@@ -14391,7 +16578,7 @@
         <p:spPr>
           <a:xfrm>
             <a:off x="2263852" y="645071"/>
-            <a:ext cx="1282723" cy="553998"/>
+            <a:ext cx="1322798" cy="584775"/>
           </a:xfrm>
           <a:prstGeom prst="rect">
             <a:avLst/>
@@ -14405,14 +16592,12 @@
           <a:lstStyle/>
           <a:p>
             <a:r>
-              <a:rPr lang="en-US" altLang="ko-KR" sz="3000" spc="-150" dirty="0" smtClean="0">
-                <a:solidFill>
-                  <a:schemeClr val="accent4"/>
-                </a:solidFill>
-                <a:latin typeface="+mj-ea"/>
-                <a:ea typeface="+mj-ea"/>
-              </a:rPr>
-              <a:t>Week4</a:t>
+              <a:rPr lang="en-US" altLang="ko-KR" sz="3200" b="1" dirty="0">
+                <a:solidFill>
+                  <a:srgbClr val="666666"/>
+                </a:solidFill>
+              </a:rPr>
+              <a:t>Entity</a:t>
             </a:r>
             <a:endParaRPr lang="ko-KR" altLang="en-US" sz="3000" spc="-150" dirty="0">
               <a:solidFill>
@@ -14424,82 +16609,6 @@
           </a:p>
         </p:txBody>
       </p:sp>
-      <p:sp>
-        <p:nvSpPr>
-          <p:cNvPr id="11" name="TextBox 10"/>
-          <p:cNvSpPr txBox="1"/>
-          <p:nvPr/>
-        </p:nvSpPr>
-        <p:spPr>
-          <a:xfrm>
-            <a:off x="1882797" y="1736259"/>
-            <a:ext cx="1183337" cy="523220"/>
-          </a:xfrm>
-          <a:prstGeom prst="rect">
-            <a:avLst/>
-          </a:prstGeom>
-          <a:noFill/>
-        </p:spPr>
-        <p:txBody>
-          <a:bodyPr wrap="none" rtlCol="0">
-            <a:spAutoFit/>
-          </a:bodyPr>
-          <a:lstStyle/>
-          <a:p>
-            <a:r>
-              <a:rPr lang="en-US" altLang="ko-KR" sz="2800" b="1" dirty="0" smtClean="0">
-                <a:solidFill>
-                  <a:srgbClr val="666666"/>
-                </a:solidFill>
-              </a:rPr>
-              <a:t>Entity</a:t>
-            </a:r>
-            <a:endParaRPr lang="ko-KR" altLang="en-US" sz="2800" b="1" dirty="0">
-              <a:solidFill>
-                <a:srgbClr val="666666"/>
-              </a:solidFill>
-            </a:endParaRPr>
-          </a:p>
-        </p:txBody>
-      </p:sp>
-      <p:cxnSp>
-        <p:nvCxnSpPr>
-          <p:cNvPr id="12" name="직선 연결선 17"/>
-          <p:cNvCxnSpPr/>
-          <p:nvPr/>
-        </p:nvCxnSpPr>
-        <p:spPr>
-          <a:xfrm>
-            <a:off x="1730052" y="1728292"/>
-            <a:ext cx="0" cy="491033"/>
-          </a:xfrm>
-          <a:prstGeom prst="line">
-            <a:avLst/>
-          </a:prstGeom>
-          <a:ln w="76200">
-            <a:solidFill>
-              <a:schemeClr val="accent4">
-                <a:lumMod val="60000"/>
-                <a:lumOff val="40000"/>
-              </a:schemeClr>
-            </a:solidFill>
-          </a:ln>
-        </p:spPr>
-        <p:style>
-          <a:lnRef idx="1">
-            <a:schemeClr val="accent1"/>
-          </a:lnRef>
-          <a:fillRef idx="0">
-            <a:schemeClr val="accent1"/>
-          </a:fillRef>
-          <a:effectRef idx="0">
-            <a:schemeClr val="accent1"/>
-          </a:effectRef>
-          <a:fontRef idx="minor">
-            <a:schemeClr val="tx1"/>
-          </a:fontRef>
-        </p:style>
-      </p:cxnSp>
       <p:sp>
         <p:nvSpPr>
           <p:cNvPr id="13" name="TextBox 12"/>
@@ -14508,7 +16617,7 @@
         </p:nvSpPr>
         <p:spPr>
           <a:xfrm>
-            <a:off x="1803399" y="2509967"/>
+            <a:off x="1803399" y="1796291"/>
             <a:ext cx="4225926" cy="4247317"/>
           </a:xfrm>
           <a:prstGeom prst="rect">
@@ -14915,7 +17024,7 @@
         </p:nvSpPr>
         <p:spPr>
           <a:xfrm>
-            <a:off x="1803398" y="2509967"/>
+            <a:off x="1803398" y="1807442"/>
             <a:ext cx="10140951" cy="4247317"/>
           </a:xfrm>
           <a:prstGeom prst="rect">
@@ -15398,7 +17507,7 @@
         <p:spPr>
           <a:xfrm>
             <a:off x="2263852" y="645071"/>
-            <a:ext cx="1625766" cy="553998"/>
+            <a:ext cx="2133918" cy="1046440"/>
           </a:xfrm>
           <a:prstGeom prst="rect">
             <a:avLst/>
@@ -15412,15 +17521,20 @@
           <a:lstStyle/>
           <a:p>
             <a:r>
-              <a:rPr lang="en-US" altLang="ko-KR" sz="3000" spc="-150" dirty="0" smtClean="0">
-                <a:solidFill>
-                  <a:schemeClr val="accent4"/>
-                </a:solidFill>
-                <a:latin typeface="+mj-ea"/>
-                <a:ea typeface="+mj-ea"/>
-              </a:rPr>
-              <a:t>Week5/6</a:t>
-            </a:r>
+              <a:rPr lang="en-US" altLang="ko-KR" sz="3200" b="1" dirty="0">
+                <a:solidFill>
+                  <a:srgbClr val="666666"/>
+                </a:solidFill>
+              </a:rPr>
+              <a:t>Test Code</a:t>
+            </a:r>
+            <a:endParaRPr lang="ko-KR" altLang="en-US" sz="3200" b="1" dirty="0">
+              <a:solidFill>
+                <a:srgbClr val="666666"/>
+              </a:solidFill>
+            </a:endParaRPr>
+          </a:p>
+          <a:p>
             <a:endParaRPr lang="ko-KR" altLang="en-US" sz="3000" spc="-150" dirty="0">
               <a:solidFill>
                 <a:schemeClr val="accent4"/>
@@ -15431,82 +17545,6 @@
           </a:p>
         </p:txBody>
       </p:sp>
-      <p:sp>
-        <p:nvSpPr>
-          <p:cNvPr id="11" name="TextBox 10"/>
-          <p:cNvSpPr txBox="1"/>
-          <p:nvPr/>
-        </p:nvSpPr>
-        <p:spPr>
-          <a:xfrm>
-            <a:off x="1882797" y="1736259"/>
-            <a:ext cx="1897251" cy="523220"/>
-          </a:xfrm>
-          <a:prstGeom prst="rect">
-            <a:avLst/>
-          </a:prstGeom>
-          <a:noFill/>
-        </p:spPr>
-        <p:txBody>
-          <a:bodyPr wrap="none" rtlCol="0">
-            <a:spAutoFit/>
-          </a:bodyPr>
-          <a:lstStyle/>
-          <a:p>
-            <a:r>
-              <a:rPr lang="en-US" altLang="ko-KR" sz="2800" b="1" dirty="0" smtClean="0">
-                <a:solidFill>
-                  <a:srgbClr val="666666"/>
-                </a:solidFill>
-              </a:rPr>
-              <a:t>Test Code</a:t>
-            </a:r>
-            <a:endParaRPr lang="ko-KR" altLang="en-US" sz="2800" b="1" dirty="0">
-              <a:solidFill>
-                <a:srgbClr val="666666"/>
-              </a:solidFill>
-            </a:endParaRPr>
-          </a:p>
-        </p:txBody>
-      </p:sp>
-      <p:cxnSp>
-        <p:nvCxnSpPr>
-          <p:cNvPr id="12" name="직선 연결선 17"/>
-          <p:cNvCxnSpPr/>
-          <p:nvPr/>
-        </p:nvCxnSpPr>
-        <p:spPr>
-          <a:xfrm>
-            <a:off x="1730052" y="1728292"/>
-            <a:ext cx="0" cy="491033"/>
-          </a:xfrm>
-          <a:prstGeom prst="line">
-            <a:avLst/>
-          </a:prstGeom>
-          <a:ln w="76200">
-            <a:solidFill>
-              <a:schemeClr val="accent4">
-                <a:lumMod val="60000"/>
-                <a:lumOff val="40000"/>
-              </a:schemeClr>
-            </a:solidFill>
-          </a:ln>
-        </p:spPr>
-        <p:style>
-          <a:lnRef idx="1">
-            <a:schemeClr val="accent1"/>
-          </a:lnRef>
-          <a:fillRef idx="0">
-            <a:schemeClr val="accent1"/>
-          </a:fillRef>
-          <a:effectRef idx="0">
-            <a:schemeClr val="accent1"/>
-          </a:effectRef>
-          <a:fontRef idx="minor">
-            <a:schemeClr val="tx1"/>
-          </a:fontRef>
-        </p:style>
-      </p:cxnSp>
       <p:sp>
         <p:nvSpPr>
           <p:cNvPr id="10" name="TextBox 9"/>
@@ -15712,7 +17750,7 @@
         <p:spPr>
           <a:xfrm>
             <a:off x="2263852" y="645071"/>
-            <a:ext cx="1625766" cy="1015663"/>
+            <a:ext cx="1787669" cy="584775"/>
           </a:xfrm>
           <a:prstGeom prst="rect">
             <a:avLst/>
@@ -15726,28 +17764,25 @@
           <a:lstStyle/>
           <a:p>
             <a:r>
-              <a:rPr lang="en-US" altLang="ko-KR" sz="3000" spc="-150" dirty="0">
-                <a:solidFill>
-                  <a:schemeClr val="accent4"/>
-                </a:solidFill>
-                <a:latin typeface="+mj-ea"/>
-              </a:rPr>
-              <a:t>Week5/6</a:t>
-            </a:r>
-            <a:endParaRPr lang="ko-KR" altLang="en-US" sz="3000" spc="-150" dirty="0">
+              <a:rPr lang="en-US" altLang="ko-KR" sz="3200" b="1" dirty="0">
+                <a:solidFill>
+                  <a:srgbClr val="666666"/>
+                </a:solidFill>
+              </a:rPr>
+              <a:t>API </a:t>
+            </a:r>
+            <a:r>
+              <a:rPr lang="ko-KR" altLang="en-US" sz="3200" b="1" dirty="0" smtClean="0">
+                <a:solidFill>
+                  <a:srgbClr val="666666"/>
+                </a:solidFill>
+              </a:rPr>
+              <a:t>구현</a:t>
+            </a:r>
+            <a:endParaRPr lang="ko-KR" altLang="en-US" sz="3200" b="1" dirty="0">
               <a:solidFill>
-                <a:schemeClr val="accent4"/>
+                <a:srgbClr val="666666"/>
               </a:solidFill>
-              <a:latin typeface="+mj-ea"/>
-            </a:endParaRPr>
-          </a:p>
-          <a:p>
-            <a:endParaRPr lang="ko-KR" altLang="en-US" sz="3000" spc="-150" dirty="0">
-              <a:solidFill>
-                <a:schemeClr val="accent4"/>
-              </a:solidFill>
-              <a:latin typeface="+mj-ea"/>
-              <a:ea typeface="+mj-ea"/>
             </a:endParaRPr>
           </a:p>
         </p:txBody>
@@ -15760,7 +17795,7 @@
         </p:nvSpPr>
         <p:spPr>
           <a:xfrm>
-            <a:off x="1803398" y="2509967"/>
+            <a:off x="1803398" y="1807447"/>
             <a:ext cx="5016502" cy="5909310"/>
           </a:xfrm>
           <a:prstGeom prst="rect">
@@ -16003,7 +18038,15 @@
                   <a:schemeClr val="accent4"/>
                 </a:solidFill>
               </a:rPr>
-              <a:t>의존성 제거</a:t>
+              <a:t>의존성 </a:t>
+            </a:r>
+            <a:r>
+              <a:rPr lang="ko-KR" altLang="en-US" b="1" dirty="0" smtClean="0">
+                <a:solidFill>
+                  <a:schemeClr val="accent4"/>
+                </a:solidFill>
+              </a:rPr>
+              <a:t>제거</a:t>
             </a:r>
             <a:endParaRPr lang="en-US" altLang="ko-KR" b="1" dirty="0" smtClean="0">
               <a:solidFill>
@@ -16097,97 +18140,13 @@
       </p:sp>
       <p:sp>
         <p:nvSpPr>
-          <p:cNvPr id="13" name="TextBox 12"/>
-          <p:cNvSpPr txBox="1"/>
-          <p:nvPr/>
-        </p:nvSpPr>
-        <p:spPr>
-          <a:xfrm>
-            <a:off x="1882797" y="1736259"/>
-            <a:ext cx="1587294" cy="523220"/>
-          </a:xfrm>
-          <a:prstGeom prst="rect">
-            <a:avLst/>
-          </a:prstGeom>
-          <a:noFill/>
-        </p:spPr>
-        <p:txBody>
-          <a:bodyPr wrap="none" rtlCol="0">
-            <a:spAutoFit/>
-          </a:bodyPr>
-          <a:lstStyle/>
-          <a:p>
-            <a:r>
-              <a:rPr lang="en-US" altLang="ko-KR" sz="2800" b="1" dirty="0" smtClean="0">
-                <a:solidFill>
-                  <a:srgbClr val="666666"/>
-                </a:solidFill>
-              </a:rPr>
-              <a:t>API </a:t>
-            </a:r>
-            <a:r>
-              <a:rPr lang="ko-KR" altLang="en-US" sz="2800" b="1" dirty="0" smtClean="0">
-                <a:solidFill>
-                  <a:srgbClr val="666666"/>
-                </a:solidFill>
-              </a:rPr>
-              <a:t>구현</a:t>
-            </a:r>
-            <a:endParaRPr lang="ko-KR" altLang="en-US" sz="2800" b="1" dirty="0">
-              <a:solidFill>
-                <a:srgbClr val="666666"/>
-              </a:solidFill>
-            </a:endParaRPr>
-          </a:p>
-        </p:txBody>
-      </p:sp>
-      <p:cxnSp>
-        <p:nvCxnSpPr>
-          <p:cNvPr id="14" name="직선 연결선 17"/>
-          <p:cNvCxnSpPr/>
-          <p:nvPr/>
-        </p:nvCxnSpPr>
-        <p:spPr>
-          <a:xfrm>
-            <a:off x="1730052" y="1728292"/>
-            <a:ext cx="0" cy="491033"/>
-          </a:xfrm>
-          <a:prstGeom prst="line">
-            <a:avLst/>
-          </a:prstGeom>
-          <a:ln w="76200">
-            <a:solidFill>
-              <a:schemeClr val="accent4">
-                <a:lumMod val="60000"/>
-                <a:lumOff val="40000"/>
-              </a:schemeClr>
-            </a:solidFill>
-          </a:ln>
-        </p:spPr>
-        <p:style>
-          <a:lnRef idx="1">
-            <a:schemeClr val="accent1"/>
-          </a:lnRef>
-          <a:fillRef idx="0">
-            <a:schemeClr val="accent1"/>
-          </a:fillRef>
-          <a:effectRef idx="0">
-            <a:schemeClr val="accent1"/>
-          </a:effectRef>
-          <a:fontRef idx="minor">
-            <a:schemeClr val="tx1"/>
-          </a:fontRef>
-        </p:style>
-      </p:cxnSp>
-      <p:sp>
-        <p:nvSpPr>
           <p:cNvPr id="10" name="TextBox 9"/>
           <p:cNvSpPr txBox="1"/>
           <p:nvPr/>
         </p:nvSpPr>
         <p:spPr>
           <a:xfrm>
-            <a:off x="6613523" y="2509967"/>
+            <a:off x="6613523" y="1807443"/>
             <a:ext cx="6283327" cy="3416320"/>
           </a:xfrm>
           <a:prstGeom prst="rect">
@@ -16532,7 +18491,7 @@
                   <a:schemeClr val="accent4"/>
                 </a:solidFill>
               </a:rPr>
-              <a:t>2.5</a:t>
+              <a:t>2.6</a:t>
             </a:r>
             <a:endParaRPr lang="ko-KR" altLang="en-US" sz="3200" b="1" dirty="0">
               <a:solidFill>
@@ -16551,7 +18510,7 @@
         <p:spPr>
           <a:xfrm>
             <a:off x="2263852" y="645071"/>
-            <a:ext cx="1625766" cy="1015663"/>
+            <a:ext cx="2310248" cy="584775"/>
           </a:xfrm>
           <a:prstGeom prst="rect">
             <a:avLst/>
@@ -16565,780 +18524,30 @@
           <a:lstStyle/>
           <a:p>
             <a:r>
-              <a:rPr lang="en-US" altLang="ko-KR" sz="3000" spc="-150" dirty="0">
-                <a:solidFill>
-                  <a:schemeClr val="accent4"/>
-                </a:solidFill>
-                <a:latin typeface="+mj-ea"/>
-              </a:rPr>
-              <a:t>Week5/6</a:t>
-            </a:r>
-            <a:endParaRPr lang="ko-KR" altLang="en-US" sz="3000" spc="-150" dirty="0">
-              <a:solidFill>
-                <a:schemeClr val="accent4"/>
-              </a:solidFill>
-              <a:latin typeface="+mj-ea"/>
-            </a:endParaRPr>
-          </a:p>
-          <a:p>
-            <a:endParaRPr lang="ko-KR" altLang="en-US" sz="3000" spc="-150" dirty="0">
-              <a:solidFill>
-                <a:schemeClr val="accent4"/>
-              </a:solidFill>
-              <a:latin typeface="+mj-ea"/>
-              <a:ea typeface="+mj-ea"/>
-            </a:endParaRPr>
-          </a:p>
-        </p:txBody>
-      </p:sp>
-      <p:sp>
-        <p:nvSpPr>
-          <p:cNvPr id="10" name="TextBox 9"/>
-          <p:cNvSpPr txBox="1"/>
-          <p:nvPr/>
-        </p:nvSpPr>
-        <p:spPr>
-          <a:xfrm>
-            <a:off x="101600" y="1599451"/>
-            <a:ext cx="5057375" cy="5078313"/>
-          </a:xfrm>
-          <a:prstGeom prst="rect">
-            <a:avLst/>
-          </a:prstGeom>
-          <a:noFill/>
-        </p:spPr>
-        <p:txBody>
-          <a:bodyPr wrap="square" rtlCol="0">
-            <a:spAutoFit/>
-          </a:bodyPr>
-          <a:lstStyle/>
-          <a:p>
-            <a:pPr>
-              <a:lnSpc>
-                <a:spcPct val="150000"/>
-              </a:lnSpc>
-            </a:pPr>
-            <a:r>
-              <a:rPr lang="ko-KR" altLang="en-US" sz="2400" dirty="0" err="1" smtClean="0">
-                <a:solidFill>
-                  <a:schemeClr val="accent4"/>
-                </a:solidFill>
-              </a:rPr>
-              <a:t>고려했던점</a:t>
-            </a:r>
-            <a:endParaRPr lang="en-US" altLang="ko-KR" sz="2400" dirty="0" smtClean="0">
-              <a:solidFill>
-                <a:schemeClr val="accent4"/>
-              </a:solidFill>
-            </a:endParaRPr>
-          </a:p>
-          <a:p>
-            <a:pPr>
-              <a:lnSpc>
-                <a:spcPct val="150000"/>
-              </a:lnSpc>
-            </a:pPr>
-            <a:r>
-              <a:rPr lang="en-US" altLang="ko-KR" sz="2400" dirty="0" smtClean="0">
-                <a:solidFill>
-                  <a:schemeClr val="accent4"/>
-                </a:solidFill>
-              </a:rPr>
-              <a:t>- </a:t>
-            </a:r>
-            <a:r>
-              <a:rPr lang="ko-KR" altLang="en-US" sz="2400" dirty="0" smtClean="0">
-                <a:solidFill>
-                  <a:schemeClr val="accent4"/>
-                </a:solidFill>
-              </a:rPr>
-              <a:t>계층간의 관</a:t>
-            </a:r>
-            <a:endParaRPr lang="en-US" altLang="ko-KR" sz="2400" dirty="0">
-              <a:solidFill>
-                <a:schemeClr val="accent4"/>
-              </a:solidFill>
-            </a:endParaRPr>
-          </a:p>
-          <a:p>
-            <a:pPr>
-              <a:lnSpc>
-                <a:spcPct val="150000"/>
-              </a:lnSpc>
-            </a:pPr>
-            <a:r>
-              <a:rPr lang="en-US" altLang="ko-KR" sz="2400" dirty="0" smtClean="0">
-                <a:solidFill>
-                  <a:schemeClr val="accent4"/>
-                </a:solidFill>
-              </a:rPr>
-              <a:t>-  validation</a:t>
-            </a:r>
-          </a:p>
-          <a:p>
-            <a:pPr marL="342900" indent="-342900">
-              <a:lnSpc>
-                <a:spcPct val="150000"/>
-              </a:lnSpc>
-              <a:buFontTx/>
-              <a:buChar char="-"/>
-            </a:pPr>
-            <a:r>
-              <a:rPr lang="en-US" altLang="ko-KR" sz="2400" dirty="0" err="1" smtClean="0">
-                <a:solidFill>
-                  <a:schemeClr val="accent4"/>
-                </a:solidFill>
-              </a:rPr>
-              <a:t>Dto</a:t>
-            </a:r>
-            <a:endParaRPr lang="en-US" altLang="ko-KR" sz="2400" dirty="0" smtClean="0">
-              <a:solidFill>
-                <a:schemeClr val="accent4"/>
-              </a:solidFill>
-            </a:endParaRPr>
-          </a:p>
-          <a:p>
-            <a:pPr marL="342900" indent="-342900">
-              <a:lnSpc>
-                <a:spcPct val="150000"/>
-              </a:lnSpc>
-              <a:buFontTx/>
-              <a:buChar char="-"/>
-            </a:pPr>
-            <a:r>
-              <a:rPr lang="ko-KR" altLang="en-US" sz="2400" dirty="0" smtClean="0">
-                <a:solidFill>
-                  <a:schemeClr val="accent4"/>
-                </a:solidFill>
-              </a:rPr>
-              <a:t>외부 라이브러리 인터페이스</a:t>
-            </a:r>
-            <a:r>
-              <a:rPr lang="en-US" altLang="ko-KR" sz="2400" dirty="0" smtClean="0">
-                <a:solidFill>
-                  <a:schemeClr val="accent4"/>
-                </a:solidFill>
-              </a:rPr>
-              <a:t>(Scribe Java, </a:t>
-            </a:r>
-            <a:r>
-              <a:rPr lang="en-US" altLang="ko-KR" sz="2400" dirty="0" err="1" smtClean="0">
-                <a:solidFill>
-                  <a:schemeClr val="accent4"/>
-                </a:solidFill>
-              </a:rPr>
-              <a:t>Mapstruct</a:t>
-            </a:r>
-            <a:r>
-              <a:rPr lang="en-US" altLang="ko-KR" sz="2400" dirty="0" smtClean="0">
-                <a:solidFill>
-                  <a:schemeClr val="accent4"/>
-                </a:solidFill>
-              </a:rPr>
-              <a:t>)</a:t>
-            </a:r>
-            <a:endParaRPr lang="en-US" altLang="ko-KR" sz="2400" dirty="0">
-              <a:solidFill>
-                <a:schemeClr val="accent4"/>
-              </a:solidFill>
-            </a:endParaRPr>
-          </a:p>
-          <a:p>
-            <a:pPr marL="342900" indent="-342900">
-              <a:lnSpc>
-                <a:spcPct val="150000"/>
-              </a:lnSpc>
-              <a:buFontTx/>
-              <a:buChar char="-"/>
-            </a:pPr>
-            <a:r>
-              <a:rPr lang="en-US" altLang="ko-KR" sz="2400" dirty="0" smtClean="0">
-                <a:solidFill>
-                  <a:schemeClr val="accent4"/>
-                </a:solidFill>
-              </a:rPr>
-              <a:t>Exception handling</a:t>
-            </a:r>
-          </a:p>
-          <a:p>
-            <a:pPr marL="342900" indent="-342900">
-              <a:lnSpc>
-                <a:spcPct val="150000"/>
-              </a:lnSpc>
-              <a:buFontTx/>
-              <a:buChar char="-"/>
-            </a:pPr>
-            <a:r>
-              <a:rPr lang="en-US" altLang="ko-KR" sz="2400" dirty="0" smtClean="0">
-                <a:solidFill>
-                  <a:schemeClr val="accent4"/>
-                </a:solidFill>
-              </a:rPr>
-              <a:t>Spring @bean vs @component</a:t>
-            </a:r>
-            <a:r>
-              <a:rPr lang="en-US" altLang="ko-KR" sz="2400" dirty="0">
-                <a:solidFill>
-                  <a:schemeClr val="accent4"/>
-                </a:solidFill>
-              </a:rPr>
-              <a:t/>
-            </a:r>
-            <a:br>
-              <a:rPr lang="en-US" altLang="ko-KR" sz="2400" dirty="0">
-                <a:solidFill>
-                  <a:schemeClr val="accent4"/>
-                </a:solidFill>
-              </a:rPr>
-            </a:br>
-            <a:endParaRPr lang="ko-KR" altLang="en-US" sz="2400" dirty="0">
-              <a:solidFill>
-                <a:schemeClr val="accent4"/>
-              </a:solidFill>
-            </a:endParaRPr>
-          </a:p>
-        </p:txBody>
-      </p:sp>
-      <p:sp>
-        <p:nvSpPr>
-          <p:cNvPr id="11" name="TextBox 10"/>
-          <p:cNvSpPr txBox="1"/>
-          <p:nvPr/>
-        </p:nvSpPr>
-        <p:spPr>
-          <a:xfrm>
-            <a:off x="5995363" y="950169"/>
-            <a:ext cx="4494321" cy="4524315"/>
-          </a:xfrm>
-          <a:prstGeom prst="rect">
-            <a:avLst/>
-          </a:prstGeom>
-          <a:noFill/>
-        </p:spPr>
-        <p:txBody>
-          <a:bodyPr wrap="square" rtlCol="0">
-            <a:spAutoFit/>
-          </a:bodyPr>
-          <a:lstStyle/>
-          <a:p>
-            <a:pPr marL="342900" indent="-342900">
-              <a:lnSpc>
-                <a:spcPct val="150000"/>
-              </a:lnSpc>
-              <a:buFontTx/>
-              <a:buChar char="-"/>
-            </a:pPr>
-            <a:r>
-              <a:rPr lang="en-US" altLang="ko-KR" sz="2400" dirty="0" err="1" smtClean="0">
-                <a:solidFill>
-                  <a:schemeClr val="accent4"/>
-                </a:solidFill>
-              </a:rPr>
-              <a:t>Dto</a:t>
-            </a:r>
-            <a:r>
-              <a:rPr lang="en-US" altLang="ko-KR" sz="2400" dirty="0" smtClean="0">
-                <a:solidFill>
-                  <a:schemeClr val="accent4"/>
+              <a:rPr lang="ko-KR" altLang="en-US" sz="3200" b="1" dirty="0" err="1">
+                <a:solidFill>
+                  <a:srgbClr val="666666"/>
+                </a:solidFill>
+              </a:rPr>
+              <a:t>소셜</a:t>
+            </a:r>
+            <a:r>
+              <a:rPr lang="ko-KR" altLang="en-US" sz="3200" b="1" dirty="0">
+                <a:solidFill>
+                  <a:srgbClr val="666666"/>
                 </a:solidFill>
               </a:rPr>
               <a:t> </a:t>
             </a:r>
             <a:r>
-              <a:rPr lang="ko-KR" altLang="en-US" sz="2400" dirty="0" smtClean="0">
-                <a:solidFill>
-                  <a:schemeClr val="accent4"/>
-                </a:solidFill>
-              </a:rPr>
-              <a:t>변환 </a:t>
-            </a:r>
-            <a:r>
-              <a:rPr lang="ko-KR" altLang="en-US" sz="2400" dirty="0" err="1" smtClean="0">
-                <a:solidFill>
-                  <a:schemeClr val="accent4"/>
-                </a:solidFill>
-              </a:rPr>
-              <a:t>로직</a:t>
-            </a:r>
-            <a:r>
-              <a:rPr lang="ko-KR" altLang="en-US" sz="2400" dirty="0" smtClean="0">
-                <a:solidFill>
-                  <a:schemeClr val="accent4"/>
-                </a:solidFill>
-              </a:rPr>
-              <a:t> 위치</a:t>
-            </a:r>
-            <a:endParaRPr lang="en-US" altLang="ko-KR" sz="2400" dirty="0" smtClean="0">
-              <a:solidFill>
-                <a:schemeClr val="accent4"/>
-              </a:solidFill>
-            </a:endParaRPr>
-          </a:p>
-          <a:p>
-            <a:pPr marL="342900" indent="-342900">
-              <a:lnSpc>
-                <a:spcPct val="150000"/>
-              </a:lnSpc>
-              <a:buFontTx/>
-              <a:buChar char="-"/>
-            </a:pPr>
-            <a:r>
-              <a:rPr lang="ko-KR" altLang="en-US" sz="2400" dirty="0" smtClean="0">
-                <a:solidFill>
-                  <a:schemeClr val="accent4"/>
-                </a:solidFill>
-              </a:rPr>
-              <a:t>도메인에 비즈니스 </a:t>
-            </a:r>
-            <a:r>
-              <a:rPr lang="ko-KR" altLang="en-US" sz="2400" dirty="0" err="1" smtClean="0">
-                <a:solidFill>
-                  <a:schemeClr val="accent4"/>
-                </a:solidFill>
-              </a:rPr>
-              <a:t>로직</a:t>
-            </a:r>
-            <a:r>
-              <a:rPr lang="ko-KR" altLang="en-US" sz="2400" dirty="0" smtClean="0">
-                <a:solidFill>
-                  <a:schemeClr val="accent4"/>
-                </a:solidFill>
-              </a:rPr>
-              <a:t> 담기</a:t>
-            </a:r>
-            <a:endParaRPr lang="en-US" altLang="ko-KR" sz="2400" dirty="0" smtClean="0">
-              <a:solidFill>
-                <a:schemeClr val="accent4"/>
-              </a:solidFill>
-            </a:endParaRPr>
-          </a:p>
-          <a:p>
-            <a:pPr marL="342900" indent="-342900">
-              <a:lnSpc>
-                <a:spcPct val="150000"/>
-              </a:lnSpc>
-              <a:buFontTx/>
-              <a:buChar char="-"/>
-            </a:pPr>
-            <a:r>
-              <a:rPr lang="en-US" altLang="ko-KR" sz="2400" dirty="0" smtClean="0">
-                <a:solidFill>
-                  <a:schemeClr val="accent4"/>
-                </a:solidFill>
-              </a:rPr>
-              <a:t>@</a:t>
-            </a:r>
-            <a:r>
-              <a:rPr lang="en-US" altLang="ko-KR" sz="2400" dirty="0" err="1" smtClean="0">
-                <a:solidFill>
-                  <a:schemeClr val="accent4"/>
-                </a:solidFill>
-              </a:rPr>
-              <a:t>trasacntional</a:t>
-            </a:r>
-            <a:r>
-              <a:rPr lang="en-US" altLang="ko-KR" sz="2400" dirty="0" smtClean="0">
-                <a:solidFill>
-                  <a:schemeClr val="accent4"/>
-                </a:solidFill>
-              </a:rPr>
-              <a:t> </a:t>
-            </a:r>
-            <a:r>
-              <a:rPr lang="ko-KR" altLang="en-US" sz="2400" dirty="0" smtClean="0">
-                <a:solidFill>
-                  <a:schemeClr val="accent4"/>
-                </a:solidFill>
-              </a:rPr>
-              <a:t>위치</a:t>
-            </a:r>
-            <a:endParaRPr lang="en-US" altLang="ko-KR" sz="2400" dirty="0" smtClean="0">
-              <a:solidFill>
-                <a:schemeClr val="accent4"/>
-              </a:solidFill>
-            </a:endParaRPr>
-          </a:p>
-          <a:p>
-            <a:pPr marL="342900" indent="-342900">
-              <a:lnSpc>
-                <a:spcPct val="150000"/>
-              </a:lnSpc>
-              <a:buFontTx/>
-              <a:buChar char="-"/>
-            </a:pPr>
-            <a:r>
-              <a:rPr lang="en-US" altLang="ko-KR" sz="2400" dirty="0" err="1" smtClean="0">
-                <a:solidFill>
-                  <a:schemeClr val="accent4"/>
-                </a:solidFill>
-              </a:rPr>
-              <a:t>Lombock</a:t>
-            </a:r>
-            <a:r>
-              <a:rPr lang="en-US" altLang="ko-KR" sz="2400" dirty="0" smtClean="0">
-                <a:solidFill>
-                  <a:schemeClr val="accent4"/>
-                </a:solidFill>
-              </a:rPr>
-              <a:t> </a:t>
-            </a:r>
-            <a:r>
-              <a:rPr lang="ko-KR" altLang="en-US" sz="2400" dirty="0" smtClean="0">
-                <a:solidFill>
-                  <a:schemeClr val="accent4"/>
-                </a:solidFill>
-              </a:rPr>
-              <a:t>사용 </a:t>
-            </a:r>
-            <a:r>
-              <a:rPr lang="en-US" altLang="ko-KR" sz="2400" dirty="0" smtClean="0">
-                <a:solidFill>
-                  <a:schemeClr val="accent4"/>
-                </a:solidFill>
-              </a:rPr>
-              <a:t>(setter </a:t>
-            </a:r>
-            <a:r>
-              <a:rPr lang="ko-KR" altLang="en-US" sz="2400" dirty="0" smtClean="0">
-                <a:solidFill>
-                  <a:schemeClr val="accent4"/>
-                </a:solidFill>
-              </a:rPr>
-              <a:t>지양</a:t>
-            </a:r>
-            <a:r>
-              <a:rPr lang="en-US" altLang="ko-KR" sz="2400" dirty="0" smtClean="0">
-                <a:solidFill>
-                  <a:schemeClr val="accent4"/>
-                </a:solidFill>
-              </a:rPr>
-              <a:t>,@data </a:t>
-            </a:r>
-            <a:r>
-              <a:rPr lang="ko-KR" altLang="en-US" sz="2400" dirty="0" smtClean="0">
-                <a:solidFill>
-                  <a:schemeClr val="accent4"/>
-                </a:solidFill>
-              </a:rPr>
-              <a:t>지양 특히 </a:t>
-            </a:r>
-            <a:r>
-              <a:rPr lang="en-US" altLang="ko-KR" sz="2400" dirty="0" err="1" smtClean="0">
-                <a:solidFill>
-                  <a:schemeClr val="accent4"/>
-                </a:solidFill>
-              </a:rPr>
-              <a:t>tostring,equals</a:t>
-            </a:r>
-            <a:r>
-              <a:rPr lang="en-US" altLang="ko-KR" sz="2400" dirty="0" smtClean="0">
-                <a:solidFill>
-                  <a:schemeClr val="accent4"/>
-                </a:solidFill>
-              </a:rPr>
-              <a:t> </a:t>
-            </a:r>
-          </a:p>
-          <a:p>
-            <a:pPr marL="342900" indent="-342900">
-              <a:lnSpc>
-                <a:spcPct val="150000"/>
-              </a:lnSpc>
-              <a:buFontTx/>
-              <a:buChar char="-"/>
-            </a:pPr>
-            <a:r>
-              <a:rPr lang="en-US" altLang="ko-KR" sz="2400" dirty="0">
-                <a:solidFill>
-                  <a:schemeClr val="accent4"/>
-                </a:solidFill>
-              </a:rPr>
-              <a:t/>
-            </a:r>
-            <a:br>
-              <a:rPr lang="en-US" altLang="ko-KR" sz="2400" dirty="0">
-                <a:solidFill>
-                  <a:schemeClr val="accent4"/>
-                </a:solidFill>
-              </a:rPr>
-            </a:br>
-            <a:endParaRPr lang="ko-KR" altLang="en-US" sz="2400" dirty="0">
-              <a:solidFill>
-                <a:schemeClr val="accent4"/>
-              </a:solidFill>
-            </a:endParaRPr>
-          </a:p>
-        </p:txBody>
-      </p:sp>
-      <p:sp>
-        <p:nvSpPr>
-          <p:cNvPr id="12" name="TextBox 11"/>
-          <p:cNvSpPr txBox="1"/>
-          <p:nvPr/>
-        </p:nvSpPr>
-        <p:spPr>
-          <a:xfrm>
-            <a:off x="83938" y="169136"/>
-            <a:ext cx="1189749" cy="307777"/>
-          </a:xfrm>
-          <a:prstGeom prst="rect">
-            <a:avLst/>
-          </a:prstGeom>
-          <a:noFill/>
-        </p:spPr>
-        <p:txBody>
-          <a:bodyPr wrap="none" rtlCol="0">
-            <a:spAutoFit/>
-          </a:bodyPr>
-          <a:lstStyle/>
-          <a:p>
-            <a:pPr algn="dist"/>
-            <a:r>
-              <a:rPr lang="en-US" altLang="ko-KR" sz="1400" dirty="0" smtClean="0">
-                <a:solidFill>
-                  <a:schemeClr val="accent4"/>
-                </a:solidFill>
-              </a:rPr>
-              <a:t>Seating Map</a:t>
-            </a:r>
-            <a:endParaRPr lang="en-US" altLang="ko-KR" sz="1400" dirty="0">
-              <a:solidFill>
-                <a:schemeClr val="accent4"/>
-              </a:solidFill>
-            </a:endParaRPr>
-          </a:p>
-        </p:txBody>
-      </p:sp>
-    </p:spTree>
-    <p:extLst>
-      <p:ext uri="{BB962C8B-B14F-4D97-AF65-F5344CB8AC3E}">
-        <p14:creationId xmlns:p14="http://schemas.microsoft.com/office/powerpoint/2010/main" val="569099380"/>
-      </p:ext>
-    </p:extLst>
-  </p:cSld>
-  <p:clrMapOvr>
-    <a:masterClrMapping/>
-  </p:clrMapOvr>
-  <p:timing>
-    <p:tnLst>
-      <p:par>
-        <p:cTn id="1" dur="indefinite" restart="never" nodeType="tmRoot"/>
-      </p:par>
-    </p:tnLst>
-  </p:timing>
-</p:sld>
-</file>
-
-<file path=ppt/slides/slide16.xml><?xml version="1.0" encoding="utf-8"?>
-<p:sld xmlns:a="http://schemas.openxmlformats.org/drawingml/2006/main" xmlns:r="http://schemas.openxmlformats.org/officeDocument/2006/relationships" xmlns:p="http://schemas.openxmlformats.org/presentationml/2006/main">
-  <p:cSld>
-    <p:spTree>
-      <p:nvGrpSpPr>
-        <p:cNvPr id="1" name=""/>
-        <p:cNvGrpSpPr/>
-        <p:nvPr/>
-      </p:nvGrpSpPr>
-      <p:grpSpPr>
-        <a:xfrm>
-          <a:off x="0" y="0"/>
-          <a:ext cx="0" cy="0"/>
-          <a:chOff x="0" y="0"/>
-          <a:chExt cx="0" cy="0"/>
-        </a:xfrm>
-      </p:grpSpPr>
-      <p:sp>
-        <p:nvSpPr>
-          <p:cNvPr id="9" name="직사각형 8"/>
-          <p:cNvSpPr/>
-          <p:nvPr/>
-        </p:nvSpPr>
-        <p:spPr>
-          <a:xfrm>
-            <a:off x="0" y="0"/>
-            <a:ext cx="12192000" cy="1638300"/>
-          </a:xfrm>
-          <a:prstGeom prst="rect">
-            <a:avLst/>
-          </a:prstGeom>
-          <a:solidFill>
-            <a:schemeClr val="bg2"/>
-          </a:solidFill>
-          <a:ln>
-            <a:noFill/>
-          </a:ln>
-        </p:spPr>
-        <p:style>
-          <a:lnRef idx="2">
-            <a:schemeClr val="accent1">
-              <a:shade val="50000"/>
-            </a:schemeClr>
-          </a:lnRef>
-          <a:fillRef idx="1">
-            <a:schemeClr val="accent1"/>
-          </a:fillRef>
-          <a:effectRef idx="0">
-            <a:schemeClr val="accent1"/>
-          </a:effectRef>
-          <a:fontRef idx="minor">
-            <a:schemeClr val="lt1"/>
-          </a:fontRef>
-        </p:style>
-        <p:txBody>
-          <a:bodyPr rtlCol="0" anchor="ctr"/>
-          <a:lstStyle/>
-          <a:p>
-            <a:pPr algn="ctr"/>
-            <a:endParaRPr lang="ko-KR" altLang="en-US"/>
-          </a:p>
-        </p:txBody>
-      </p:sp>
-      <p:cxnSp>
-        <p:nvCxnSpPr>
-          <p:cNvPr id="2" name="직선 연결선 1"/>
-          <p:cNvCxnSpPr/>
-          <p:nvPr/>
-        </p:nvCxnSpPr>
-        <p:spPr>
-          <a:xfrm>
-            <a:off x="139700" y="491296"/>
-            <a:ext cx="1993900" cy="0"/>
-          </a:xfrm>
-          <a:prstGeom prst="line">
-            <a:avLst/>
-          </a:prstGeom>
-          <a:ln>
-            <a:solidFill>
-              <a:schemeClr val="accent4"/>
-            </a:solidFill>
-          </a:ln>
-        </p:spPr>
-        <p:style>
-          <a:lnRef idx="1">
-            <a:schemeClr val="accent1"/>
-          </a:lnRef>
-          <a:fillRef idx="0">
-            <a:schemeClr val="accent1"/>
-          </a:fillRef>
-          <a:effectRef idx="0">
-            <a:schemeClr val="accent1"/>
-          </a:effectRef>
-          <a:fontRef idx="minor">
-            <a:schemeClr val="tx1"/>
-          </a:fontRef>
-        </p:style>
-      </p:cxnSp>
-      <p:sp>
-        <p:nvSpPr>
-          <p:cNvPr id="4" name="TextBox 3"/>
-          <p:cNvSpPr txBox="1"/>
-          <p:nvPr/>
-        </p:nvSpPr>
-        <p:spPr>
-          <a:xfrm>
-            <a:off x="1481886" y="652394"/>
-            <a:ext cx="753732" cy="584775"/>
-          </a:xfrm>
-          <a:prstGeom prst="rect">
-            <a:avLst/>
-          </a:prstGeom>
-          <a:noFill/>
-        </p:spPr>
-        <p:txBody>
-          <a:bodyPr wrap="none" rtlCol="0">
-            <a:spAutoFit/>
-          </a:bodyPr>
-          <a:lstStyle/>
-          <a:p>
-            <a:pPr algn="r"/>
-            <a:r>
-              <a:rPr lang="en-US" altLang="ko-KR" sz="3200" b="1" dirty="0" smtClean="0">
-                <a:solidFill>
-                  <a:schemeClr val="accent4"/>
-                </a:solidFill>
-              </a:rPr>
-              <a:t>2.6</a:t>
+              <a:rPr lang="ko-KR" altLang="en-US" sz="3200" b="1" dirty="0" smtClean="0">
+                <a:solidFill>
+                  <a:srgbClr val="666666"/>
+                </a:solidFill>
+              </a:rPr>
+              <a:t>로그인</a:t>
             </a:r>
             <a:endParaRPr lang="ko-KR" altLang="en-US" sz="3200" b="1" dirty="0">
-              <a:solidFill>
-                <a:schemeClr val="accent4"/>
-              </a:solidFill>
-            </a:endParaRPr>
-          </a:p>
-        </p:txBody>
-      </p:sp>
-      <p:sp>
-        <p:nvSpPr>
-          <p:cNvPr id="6" name="TextBox 5"/>
-          <p:cNvSpPr txBox="1"/>
-          <p:nvPr/>
-        </p:nvSpPr>
-        <p:spPr>
-          <a:xfrm>
-            <a:off x="2263852" y="645071"/>
-            <a:ext cx="1625766" cy="553998"/>
-          </a:xfrm>
-          <a:prstGeom prst="rect">
-            <a:avLst/>
-          </a:prstGeom>
-          <a:noFill/>
-        </p:spPr>
-        <p:txBody>
-          <a:bodyPr wrap="none" rtlCol="0">
-            <a:spAutoFit/>
-          </a:bodyPr>
-          <a:lstStyle/>
-          <a:p>
-            <a:r>
-              <a:rPr lang="en-US" altLang="ko-KR" sz="3000" spc="-150" dirty="0" smtClean="0">
-                <a:solidFill>
-                  <a:schemeClr val="accent4"/>
-                </a:solidFill>
-                <a:latin typeface="+mj-ea"/>
-                <a:ea typeface="+mj-ea"/>
-              </a:rPr>
-              <a:t>Week8/9</a:t>
-            </a:r>
-            <a:endParaRPr lang="ko-KR" altLang="en-US" sz="3000" spc="-150" dirty="0">
-              <a:solidFill>
-                <a:schemeClr val="accent4"/>
-              </a:solidFill>
-              <a:latin typeface="+mj-ea"/>
-              <a:ea typeface="+mj-ea"/>
-            </a:endParaRPr>
-          </a:p>
-        </p:txBody>
-      </p:sp>
-      <p:sp>
-        <p:nvSpPr>
-          <p:cNvPr id="12" name="TextBox 11"/>
-          <p:cNvSpPr txBox="1"/>
-          <p:nvPr/>
-        </p:nvSpPr>
-        <p:spPr>
-          <a:xfrm>
-            <a:off x="1882797" y="1736259"/>
-            <a:ext cx="2047355" cy="523220"/>
-          </a:xfrm>
-          <a:prstGeom prst="rect">
-            <a:avLst/>
-          </a:prstGeom>
-          <a:noFill/>
-        </p:spPr>
-        <p:txBody>
-          <a:bodyPr wrap="none" rtlCol="0">
-            <a:spAutoFit/>
-          </a:bodyPr>
-          <a:lstStyle/>
-          <a:p>
-            <a:r>
-              <a:rPr lang="ko-KR" altLang="en-US" sz="2800" b="1" dirty="0" smtClean="0">
-                <a:solidFill>
-                  <a:srgbClr val="666666"/>
-                </a:solidFill>
-              </a:rPr>
-              <a:t>소셜 로그인</a:t>
-            </a:r>
-            <a:endParaRPr lang="ko-KR" altLang="en-US" sz="2800" b="1" dirty="0">
               <a:solidFill>
                 <a:srgbClr val="666666"/>
               </a:solidFill>
@@ -17346,44 +18555,6 @@
           </a:p>
         </p:txBody>
       </p:sp>
-      <p:cxnSp>
-        <p:nvCxnSpPr>
-          <p:cNvPr id="13" name="직선 연결선 17"/>
-          <p:cNvCxnSpPr/>
-          <p:nvPr/>
-        </p:nvCxnSpPr>
-        <p:spPr>
-          <a:xfrm>
-            <a:off x="1730052" y="1728292"/>
-            <a:ext cx="0" cy="491033"/>
-          </a:xfrm>
-          <a:prstGeom prst="line">
-            <a:avLst/>
-          </a:prstGeom>
-          <a:ln w="76200">
-            <a:solidFill>
-              <a:schemeClr val="accent4">
-                <a:lumMod val="60000"/>
-                <a:lumOff val="40000"/>
-              </a:schemeClr>
-            </a:solidFill>
-          </a:ln>
-        </p:spPr>
-        <p:style>
-          <a:lnRef idx="1">
-            <a:schemeClr val="accent1"/>
-          </a:lnRef>
-          <a:fillRef idx="0">
-            <a:schemeClr val="accent1"/>
-          </a:fillRef>
-          <a:effectRef idx="0">
-            <a:schemeClr val="accent1"/>
-          </a:effectRef>
-          <a:fontRef idx="minor">
-            <a:schemeClr val="tx1"/>
-          </a:fontRef>
-        </p:style>
-      </p:cxnSp>
       <p:pic>
         <p:nvPicPr>
           <p:cNvPr id="14" name="그림 7"/>
@@ -18383,7 +19554,7 @@
 </p:sld>
 </file>
 
-<file path=ppt/slides/slide17.xml><?xml version="1.0" encoding="utf-8"?>
+<file path=ppt/slides/slide16.xml><?xml version="1.0" encoding="utf-8"?>
 <p:sld xmlns:a="http://schemas.openxmlformats.org/drawingml/2006/main" xmlns:r="http://schemas.openxmlformats.org/officeDocument/2006/relationships" xmlns:p="http://schemas.openxmlformats.org/presentationml/2006/main">
   <p:cSld>
     <p:spTree>
@@ -18529,7 +19700,7 @@
         <p:spPr>
           <a:xfrm>
             <a:off x="2263852" y="645071"/>
-            <a:ext cx="1625766" cy="553998"/>
+            <a:ext cx="2310248" cy="584775"/>
           </a:xfrm>
           <a:prstGeom prst="rect">
             <a:avLst/>
@@ -18543,35 +19714,47 @@
           <a:lstStyle/>
           <a:p>
             <a:r>
-              <a:rPr lang="en-US" altLang="ko-KR" sz="3000" spc="-150" dirty="0" smtClean="0">
-                <a:solidFill>
-                  <a:schemeClr val="accent4"/>
-                </a:solidFill>
-                <a:latin typeface="+mj-ea"/>
-                <a:ea typeface="+mj-ea"/>
-              </a:rPr>
-              <a:t>Week8/9</a:t>
-            </a:r>
-            <a:endParaRPr lang="ko-KR" altLang="en-US" sz="3000" spc="-150" dirty="0">
+              <a:rPr lang="ko-KR" altLang="en-US" sz="3200" b="1" dirty="0" err="1">
+                <a:solidFill>
+                  <a:srgbClr val="666666"/>
+                </a:solidFill>
+              </a:rPr>
+              <a:t>소셜</a:t>
+            </a:r>
+            <a:r>
+              <a:rPr lang="ko-KR" altLang="en-US" sz="3200" b="1" dirty="0">
+                <a:solidFill>
+                  <a:srgbClr val="666666"/>
+                </a:solidFill>
+              </a:rPr>
+              <a:t> </a:t>
+            </a:r>
+            <a:r>
+              <a:rPr lang="ko-KR" altLang="en-US" sz="3200" b="1" dirty="0" smtClean="0">
+                <a:solidFill>
+                  <a:srgbClr val="666666"/>
+                </a:solidFill>
+              </a:rPr>
+              <a:t>로그인</a:t>
+            </a:r>
+            <a:endParaRPr lang="ko-KR" altLang="en-US" sz="3200" b="1" dirty="0">
               <a:solidFill>
-                <a:schemeClr val="accent4"/>
+                <a:srgbClr val="666666"/>
               </a:solidFill>
-              <a:latin typeface="+mj-ea"/>
-              <a:ea typeface="+mj-ea"/>
             </a:endParaRPr>
           </a:p>
         </p:txBody>
       </p:sp>
       <p:sp>
         <p:nvSpPr>
-          <p:cNvPr id="12" name="TextBox 11"/>
+          <p:cNvPr id="33" name="TextBox 32"/>
           <p:cNvSpPr txBox="1"/>
           <p:nvPr/>
         </p:nvSpPr>
         <p:spPr>
           <a:xfrm>
-            <a:off x="1882797" y="1736259"/>
-            <a:ext cx="2988319" cy="523220"/>
+            <a:off x="83938" y="169136"/>
+            <a:ext cx="1189749" cy="307777"/>
           </a:xfrm>
           <a:prstGeom prst="rect">
             <a:avLst/>
@@ -18584,82 +19767,328 @@
           </a:bodyPr>
           <a:lstStyle/>
           <a:p>
-            <a:r>
-              <a:rPr lang="ko-KR" altLang="en-US" sz="2800" b="1" dirty="0" smtClean="0">
-                <a:solidFill>
-                  <a:srgbClr val="666666"/>
-                </a:solidFill>
-              </a:rPr>
-              <a:t>인증 </a:t>
-            </a:r>
-            <a:r>
-              <a:rPr lang="ko-KR" altLang="en-US" sz="2800" b="1" dirty="0">
-                <a:solidFill>
-                  <a:srgbClr val="666666"/>
-                </a:solidFill>
-              </a:rPr>
-              <a:t>및</a:t>
-            </a:r>
-            <a:r>
-              <a:rPr lang="ko-KR" altLang="en-US" sz="2800" b="1" dirty="0" smtClean="0">
-                <a:solidFill>
-                  <a:srgbClr val="666666"/>
-                </a:solidFill>
-              </a:rPr>
-              <a:t> 보안</a:t>
-            </a:r>
-            <a:r>
-              <a:rPr lang="en-US" altLang="ko-KR" sz="2800" b="1" dirty="0" smtClean="0">
-                <a:solidFill>
-                  <a:srgbClr val="666666"/>
-                </a:solidFill>
-              </a:rPr>
-              <a:t>(</a:t>
-            </a:r>
-            <a:r>
-              <a:rPr lang="en-US" altLang="ko-KR" sz="2800" b="1" dirty="0" err="1" smtClean="0">
-                <a:solidFill>
-                  <a:srgbClr val="666666"/>
-                </a:solidFill>
-              </a:rPr>
-              <a:t>xss</a:t>
-            </a:r>
-            <a:r>
-              <a:rPr lang="en-US" altLang="ko-KR" sz="2800" b="1" dirty="0" smtClean="0">
-                <a:solidFill>
-                  <a:srgbClr val="666666"/>
-                </a:solidFill>
-              </a:rPr>
-              <a:t>)</a:t>
-            </a:r>
-            <a:endParaRPr lang="ko-KR" altLang="en-US" sz="2800" b="1" dirty="0">
+            <a:pPr algn="dist"/>
+            <a:r>
+              <a:rPr lang="en-US" altLang="ko-KR" sz="1400" dirty="0" smtClean="0">
+                <a:solidFill>
+                  <a:schemeClr val="accent4"/>
+                </a:solidFill>
+              </a:rPr>
+              <a:t>Seating Map</a:t>
+            </a:r>
+            <a:endParaRPr lang="en-US" altLang="ko-KR" sz="1400" dirty="0">
               <a:solidFill>
-                <a:srgbClr val="666666"/>
+                <a:schemeClr val="accent4"/>
               </a:solidFill>
             </a:endParaRPr>
+          </a:p>
+        </p:txBody>
+      </p:sp>
+      <p:sp>
+        <p:nvSpPr>
+          <p:cNvPr id="35" name="TextBox 34"/>
+          <p:cNvSpPr txBox="1"/>
+          <p:nvPr/>
+        </p:nvSpPr>
+        <p:spPr>
+          <a:xfrm>
+            <a:off x="1803397" y="1807447"/>
+            <a:ext cx="8790261" cy="3416320"/>
+          </a:xfrm>
+          <a:prstGeom prst="rect">
+            <a:avLst/>
+          </a:prstGeom>
+          <a:noFill/>
+        </p:spPr>
+        <p:txBody>
+          <a:bodyPr wrap="square" rtlCol="0">
+            <a:spAutoFit/>
+          </a:bodyPr>
+          <a:lstStyle/>
+          <a:p>
+            <a:pPr marL="285750" indent="-285750">
+              <a:lnSpc>
+                <a:spcPct val="150000"/>
+              </a:lnSpc>
+              <a:buFont typeface="Arial" panose="020B0604020202020204" pitchFamily="34" charset="0"/>
+              <a:buChar char="•"/>
+            </a:pPr>
+            <a:r>
+              <a:rPr lang="ko-KR" altLang="en-US" b="1" dirty="0" smtClean="0">
+                <a:solidFill>
+                  <a:schemeClr val="accent4"/>
+                </a:solidFill>
+              </a:rPr>
+              <a:t>주요 이슈</a:t>
+            </a:r>
+            <a:endParaRPr lang="en-US" altLang="ko-KR" b="1" dirty="0" smtClean="0">
+              <a:solidFill>
+                <a:schemeClr val="accent4"/>
+              </a:solidFill>
+            </a:endParaRPr>
+          </a:p>
+          <a:p>
+            <a:pPr marL="742950" lvl="1" indent="-285750">
+              <a:lnSpc>
+                <a:spcPct val="150000"/>
+              </a:lnSpc>
+              <a:buFont typeface="Arial" panose="020B0604020202020204" pitchFamily="34" charset="0"/>
+              <a:buChar char="•"/>
+            </a:pPr>
+            <a:r>
+              <a:rPr lang="en-US" altLang="ko-KR" b="1" dirty="0" err="1" smtClean="0">
+                <a:solidFill>
+                  <a:schemeClr val="accent4"/>
+                </a:solidFill>
+              </a:rPr>
+              <a:t>Google,Github</a:t>
+            </a:r>
+            <a:r>
+              <a:rPr lang="en-US" altLang="ko-KR" b="1" dirty="0" smtClean="0">
+                <a:solidFill>
+                  <a:schemeClr val="accent4"/>
+                </a:solidFill>
+              </a:rPr>
+              <a:t> </a:t>
+            </a:r>
+            <a:r>
+              <a:rPr lang="ko-KR" altLang="en-US" b="1" dirty="0" smtClean="0">
+                <a:solidFill>
+                  <a:schemeClr val="accent4"/>
+                </a:solidFill>
+              </a:rPr>
+              <a:t>등과 다른 </a:t>
+            </a:r>
+            <a:r>
+              <a:rPr lang="en-US" altLang="ko-KR" b="1" dirty="0" err="1" smtClean="0">
+                <a:solidFill>
+                  <a:schemeClr val="accent4"/>
+                </a:solidFill>
+              </a:rPr>
+              <a:t>Hiworks</a:t>
+            </a:r>
+            <a:r>
+              <a:rPr lang="en-US" altLang="ko-KR" b="1" dirty="0" smtClean="0">
+                <a:solidFill>
+                  <a:schemeClr val="accent4"/>
+                </a:solidFill>
+              </a:rPr>
+              <a:t> </a:t>
+            </a:r>
+            <a:r>
+              <a:rPr lang="en-US" altLang="ko-KR" b="1" dirty="0" err="1" smtClean="0">
+                <a:solidFill>
+                  <a:schemeClr val="accent4"/>
+                </a:solidFill>
+              </a:rPr>
+              <a:t>Oauth</a:t>
+            </a:r>
+            <a:r>
+              <a:rPr lang="ko-KR" altLang="en-US" b="1" dirty="0" smtClean="0">
+                <a:solidFill>
+                  <a:schemeClr val="accent4"/>
+                </a:solidFill>
+              </a:rPr>
+              <a:t>인증방식 </a:t>
+            </a:r>
+            <a:endParaRPr lang="en-US" altLang="ko-KR" b="1" dirty="0" smtClean="0">
+              <a:solidFill>
+                <a:schemeClr val="accent4"/>
+              </a:solidFill>
+            </a:endParaRPr>
+          </a:p>
+          <a:p>
+            <a:pPr marL="742950" lvl="1" indent="-285750">
+              <a:lnSpc>
+                <a:spcPct val="150000"/>
+              </a:lnSpc>
+              <a:buFont typeface="Arial" panose="020B0604020202020204" pitchFamily="34" charset="0"/>
+              <a:buChar char="•"/>
+            </a:pPr>
+            <a:r>
+              <a:rPr lang="en-US" altLang="ko-KR" b="1" dirty="0" smtClean="0">
+                <a:solidFill>
+                  <a:schemeClr val="accent4"/>
+                </a:solidFill>
+              </a:rPr>
+              <a:t>Spring security vs Scribe Java</a:t>
+            </a:r>
+            <a:endParaRPr lang="en-US" altLang="ko-KR" b="1" dirty="0" smtClean="0">
+              <a:solidFill>
+                <a:schemeClr val="accent4"/>
+              </a:solidFill>
+            </a:endParaRPr>
+          </a:p>
+          <a:p>
+            <a:pPr marL="1200150" lvl="2" indent="-285750">
+              <a:lnSpc>
+                <a:spcPct val="150000"/>
+              </a:lnSpc>
+              <a:buFont typeface="Arial" panose="020B0604020202020204" pitchFamily="34" charset="0"/>
+              <a:buChar char="•"/>
+            </a:pPr>
+            <a:endParaRPr lang="en-US" altLang="ko-KR" b="1" dirty="0" smtClean="0">
+              <a:solidFill>
+                <a:schemeClr val="accent4"/>
+              </a:solidFill>
+            </a:endParaRPr>
+          </a:p>
+          <a:p>
+            <a:pPr marL="1200150" lvl="2" indent="-285750">
+              <a:lnSpc>
+                <a:spcPct val="150000"/>
+              </a:lnSpc>
+              <a:buFont typeface="Arial" panose="020B0604020202020204" pitchFamily="34" charset="0"/>
+              <a:buChar char="•"/>
+            </a:pPr>
+            <a:endParaRPr lang="en-US" altLang="ko-KR" b="1" dirty="0" smtClean="0">
+              <a:solidFill>
+                <a:schemeClr val="accent4"/>
+              </a:solidFill>
+            </a:endParaRPr>
+          </a:p>
+          <a:p>
+            <a:pPr marL="1200150" lvl="2" indent="-285750">
+              <a:lnSpc>
+                <a:spcPct val="150000"/>
+              </a:lnSpc>
+              <a:buFont typeface="Arial" panose="020B0604020202020204" pitchFamily="34" charset="0"/>
+              <a:buChar char="•"/>
+            </a:pPr>
+            <a:endParaRPr lang="en-US" altLang="ko-KR" b="1" dirty="0" smtClean="0">
+              <a:solidFill>
+                <a:schemeClr val="accent4"/>
+              </a:solidFill>
+            </a:endParaRPr>
+          </a:p>
+          <a:p>
+            <a:pPr marL="1200150" lvl="2" indent="-285750">
+              <a:lnSpc>
+                <a:spcPct val="150000"/>
+              </a:lnSpc>
+              <a:buFont typeface="Arial" panose="020B0604020202020204" pitchFamily="34" charset="0"/>
+              <a:buChar char="•"/>
+            </a:pPr>
+            <a:endParaRPr lang="en-US" altLang="ko-KR" b="1" dirty="0" smtClean="0">
+              <a:solidFill>
+                <a:schemeClr val="accent4"/>
+              </a:solidFill>
+            </a:endParaRPr>
+          </a:p>
+          <a:p>
+            <a:pPr lvl="2">
+              <a:lnSpc>
+                <a:spcPct val="150000"/>
+              </a:lnSpc>
+            </a:pPr>
+            <a:endParaRPr lang="en-US" altLang="ko-KR" b="1" dirty="0" smtClean="0">
+              <a:solidFill>
+                <a:schemeClr val="accent4"/>
+              </a:solidFill>
+            </a:endParaRPr>
+          </a:p>
+        </p:txBody>
+      </p:sp>
+    </p:spTree>
+    <p:extLst>
+      <p:ext uri="{BB962C8B-B14F-4D97-AF65-F5344CB8AC3E}">
+        <p14:creationId xmlns:p14="http://schemas.microsoft.com/office/powerpoint/2010/main" val="2502989086"/>
+      </p:ext>
+    </p:extLst>
+  </p:cSld>
+  <p:clrMapOvr>
+    <a:masterClrMapping/>
+  </p:clrMapOvr>
+  <p:timing>
+    <p:tnLst>
+      <p:par>
+        <p:cTn id="1" dur="indefinite" restart="never" nodeType="tmRoot"/>
+      </p:par>
+    </p:tnLst>
+  </p:timing>
+</p:sld>
+</file>
+
+<file path=ppt/slides/slide17.xml><?xml version="1.0" encoding="utf-8"?>
+<p:sld xmlns:a="http://schemas.openxmlformats.org/drawingml/2006/main" xmlns:r="http://schemas.openxmlformats.org/officeDocument/2006/relationships" xmlns:p="http://schemas.openxmlformats.org/presentationml/2006/main">
+  <p:cSld>
+    <p:spTree>
+      <p:nvGrpSpPr>
+        <p:cNvPr id="1" name=""/>
+        <p:cNvGrpSpPr/>
+        <p:nvPr/>
+      </p:nvGrpSpPr>
+      <p:grpSpPr>
+        <a:xfrm>
+          <a:off x="0" y="0"/>
+          <a:ext cx="0" cy="0"/>
+          <a:chOff x="0" y="0"/>
+          <a:chExt cx="0" cy="0"/>
+        </a:xfrm>
+      </p:grpSpPr>
+      <p:sp>
+        <p:nvSpPr>
+          <p:cNvPr id="9" name="직사각형 8"/>
+          <p:cNvSpPr/>
+          <p:nvPr/>
+        </p:nvSpPr>
+        <p:spPr>
+          <a:xfrm>
+            <a:off x="0" y="0"/>
+            <a:ext cx="12192000" cy="1638300"/>
+          </a:xfrm>
+          <a:prstGeom prst="rect">
+            <a:avLst/>
+          </a:prstGeom>
+          <a:solidFill>
+            <a:schemeClr val="bg2"/>
+          </a:solidFill>
+          <a:ln>
+            <a:noFill/>
+          </a:ln>
+        </p:spPr>
+        <p:style>
+          <a:lnRef idx="2">
+            <a:schemeClr val="accent1">
+              <a:shade val="50000"/>
+            </a:schemeClr>
+          </a:lnRef>
+          <a:fillRef idx="1">
+            <a:schemeClr val="accent1"/>
+          </a:fillRef>
+          <a:effectRef idx="0">
+            <a:schemeClr val="accent1"/>
+          </a:effectRef>
+          <a:fontRef idx="minor">
+            <a:schemeClr val="lt1"/>
+          </a:fontRef>
+        </p:style>
+        <p:txBody>
+          <a:bodyPr rtlCol="0" anchor="ctr"/>
+          <a:lstStyle/>
+          <a:p>
+            <a:pPr algn="ctr"/>
+            <a:endParaRPr lang="ko-KR" altLang="en-US"/>
           </a:p>
         </p:txBody>
       </p:sp>
       <p:cxnSp>
         <p:nvCxnSpPr>
-          <p:cNvPr id="13" name="직선 연결선 17"/>
+          <p:cNvPr id="2" name="직선 연결선 1"/>
           <p:cNvCxnSpPr/>
           <p:nvPr/>
         </p:nvCxnSpPr>
         <p:spPr>
           <a:xfrm>
-            <a:off x="1730052" y="1728292"/>
-            <a:ext cx="0" cy="491033"/>
+            <a:off x="139700" y="491296"/>
+            <a:ext cx="1993900" cy="0"/>
           </a:xfrm>
           <a:prstGeom prst="line">
             <a:avLst/>
           </a:prstGeom>
-          <a:ln w="76200">
+          <a:ln>
             <a:solidFill>
-              <a:schemeClr val="accent4">
-                <a:lumMod val="60000"/>
-                <a:lumOff val="40000"/>
-              </a:schemeClr>
+              <a:schemeClr val="accent4"/>
             </a:solidFill>
           </a:ln>
         </p:spPr>
@@ -18678,6 +20107,107 @@
           </a:fontRef>
         </p:style>
       </p:cxnSp>
+      <p:sp>
+        <p:nvSpPr>
+          <p:cNvPr id="4" name="TextBox 3"/>
+          <p:cNvSpPr txBox="1"/>
+          <p:nvPr/>
+        </p:nvSpPr>
+        <p:spPr>
+          <a:xfrm>
+            <a:off x="1481886" y="652394"/>
+            <a:ext cx="753732" cy="584775"/>
+          </a:xfrm>
+          <a:prstGeom prst="rect">
+            <a:avLst/>
+          </a:prstGeom>
+          <a:noFill/>
+        </p:spPr>
+        <p:txBody>
+          <a:bodyPr wrap="none" rtlCol="0">
+            <a:spAutoFit/>
+          </a:bodyPr>
+          <a:lstStyle/>
+          <a:p>
+            <a:pPr algn="r"/>
+            <a:r>
+              <a:rPr lang="en-US" altLang="ko-KR" sz="3200" b="1" dirty="0" smtClean="0">
+                <a:solidFill>
+                  <a:schemeClr val="accent4"/>
+                </a:solidFill>
+              </a:rPr>
+              <a:t>2.7</a:t>
+            </a:r>
+            <a:endParaRPr lang="ko-KR" altLang="en-US" sz="3200" b="1" dirty="0">
+              <a:solidFill>
+                <a:schemeClr val="accent4"/>
+              </a:solidFill>
+            </a:endParaRPr>
+          </a:p>
+        </p:txBody>
+      </p:sp>
+      <p:sp>
+        <p:nvSpPr>
+          <p:cNvPr id="6" name="TextBox 5"/>
+          <p:cNvSpPr txBox="1"/>
+          <p:nvPr/>
+        </p:nvSpPr>
+        <p:spPr>
+          <a:xfrm>
+            <a:off x="2263852" y="645071"/>
+            <a:ext cx="3379451" cy="584775"/>
+          </a:xfrm>
+          <a:prstGeom prst="rect">
+            <a:avLst/>
+          </a:prstGeom>
+          <a:noFill/>
+        </p:spPr>
+        <p:txBody>
+          <a:bodyPr wrap="none" rtlCol="0">
+            <a:spAutoFit/>
+          </a:bodyPr>
+          <a:lstStyle/>
+          <a:p>
+            <a:r>
+              <a:rPr lang="ko-KR" altLang="en-US" sz="3200" b="1" dirty="0">
+                <a:solidFill>
+                  <a:srgbClr val="666666"/>
+                </a:solidFill>
+              </a:rPr>
+              <a:t>인증 및 보안</a:t>
+            </a:r>
+            <a:r>
+              <a:rPr lang="en-US" altLang="ko-KR" sz="3200" b="1" dirty="0">
+                <a:solidFill>
+                  <a:srgbClr val="666666"/>
+                </a:solidFill>
+              </a:rPr>
+              <a:t>(</a:t>
+            </a:r>
+            <a:r>
+              <a:rPr lang="en-US" altLang="ko-KR" sz="3200" b="1" dirty="0" err="1">
+                <a:solidFill>
+                  <a:srgbClr val="666666"/>
+                </a:solidFill>
+              </a:rPr>
+              <a:t>xss</a:t>
+            </a:r>
+            <a:r>
+              <a:rPr lang="en-US" altLang="ko-KR" sz="3200" b="1" dirty="0" smtClean="0">
+                <a:solidFill>
+                  <a:srgbClr val="666666"/>
+                </a:solidFill>
+              </a:rPr>
+              <a:t>)</a:t>
+            </a:r>
+            <a:endParaRPr lang="ko-KR" altLang="en-US" sz="3200" b="1" dirty="0">
+              <a:solidFill>
+                <a:srgbClr val="666666"/>
+              </a:solidFill>
+            </a:endParaRPr>
+          </a:p>
+        </p:txBody>
+      </p:sp>
       <p:pic>
         <p:nvPicPr>
           <p:cNvPr id="14" name="그림 7"/>
@@ -19774,6 +21304,469 @@
 <file path=ppt/slides/slide18.xml><?xml version="1.0" encoding="utf-8"?>
 <p:sld xmlns:a="http://schemas.openxmlformats.org/drawingml/2006/main" xmlns:r="http://schemas.openxmlformats.org/officeDocument/2006/relationships" xmlns:p="http://schemas.openxmlformats.org/presentationml/2006/main">
   <p:cSld>
+    <p:spTree>
+      <p:nvGrpSpPr>
+        <p:cNvPr id="1" name=""/>
+        <p:cNvGrpSpPr/>
+        <p:nvPr/>
+      </p:nvGrpSpPr>
+      <p:grpSpPr>
+        <a:xfrm>
+          <a:off x="0" y="0"/>
+          <a:ext cx="0" cy="0"/>
+          <a:chOff x="0" y="0"/>
+          <a:chExt cx="0" cy="0"/>
+        </a:xfrm>
+      </p:grpSpPr>
+      <p:sp>
+        <p:nvSpPr>
+          <p:cNvPr id="9" name="직사각형 8"/>
+          <p:cNvSpPr/>
+          <p:nvPr/>
+        </p:nvSpPr>
+        <p:spPr>
+          <a:xfrm>
+            <a:off x="0" y="0"/>
+            <a:ext cx="12192000" cy="1638300"/>
+          </a:xfrm>
+          <a:prstGeom prst="rect">
+            <a:avLst/>
+          </a:prstGeom>
+          <a:solidFill>
+            <a:schemeClr val="bg2"/>
+          </a:solidFill>
+          <a:ln>
+            <a:noFill/>
+          </a:ln>
+        </p:spPr>
+        <p:style>
+          <a:lnRef idx="2">
+            <a:schemeClr val="accent1">
+              <a:shade val="50000"/>
+            </a:schemeClr>
+          </a:lnRef>
+          <a:fillRef idx="1">
+            <a:schemeClr val="accent1"/>
+          </a:fillRef>
+          <a:effectRef idx="0">
+            <a:schemeClr val="accent1"/>
+          </a:effectRef>
+          <a:fontRef idx="minor">
+            <a:schemeClr val="lt1"/>
+          </a:fontRef>
+        </p:style>
+        <p:txBody>
+          <a:bodyPr rtlCol="0" anchor="ctr"/>
+          <a:lstStyle/>
+          <a:p>
+            <a:pPr algn="ctr"/>
+            <a:endParaRPr lang="ko-KR" altLang="en-US"/>
+          </a:p>
+        </p:txBody>
+      </p:sp>
+      <p:cxnSp>
+        <p:nvCxnSpPr>
+          <p:cNvPr id="2" name="직선 연결선 1"/>
+          <p:cNvCxnSpPr/>
+          <p:nvPr/>
+        </p:nvCxnSpPr>
+        <p:spPr>
+          <a:xfrm>
+            <a:off x="139700" y="491296"/>
+            <a:ext cx="1993900" cy="0"/>
+          </a:xfrm>
+          <a:prstGeom prst="line">
+            <a:avLst/>
+          </a:prstGeom>
+          <a:ln>
+            <a:solidFill>
+              <a:schemeClr val="accent4"/>
+            </a:solidFill>
+          </a:ln>
+        </p:spPr>
+        <p:style>
+          <a:lnRef idx="1">
+            <a:schemeClr val="accent1"/>
+          </a:lnRef>
+          <a:fillRef idx="0">
+            <a:schemeClr val="accent1"/>
+          </a:fillRef>
+          <a:effectRef idx="0">
+            <a:schemeClr val="accent1"/>
+          </a:effectRef>
+          <a:fontRef idx="minor">
+            <a:schemeClr val="tx1"/>
+          </a:fontRef>
+        </p:style>
+      </p:cxnSp>
+      <p:sp>
+        <p:nvSpPr>
+          <p:cNvPr id="4" name="TextBox 3"/>
+          <p:cNvSpPr txBox="1"/>
+          <p:nvPr/>
+        </p:nvSpPr>
+        <p:spPr>
+          <a:xfrm>
+            <a:off x="1481886" y="652394"/>
+            <a:ext cx="753732" cy="584775"/>
+          </a:xfrm>
+          <a:prstGeom prst="rect">
+            <a:avLst/>
+          </a:prstGeom>
+          <a:noFill/>
+        </p:spPr>
+        <p:txBody>
+          <a:bodyPr wrap="none" rtlCol="0">
+            <a:spAutoFit/>
+          </a:bodyPr>
+          <a:lstStyle/>
+          <a:p>
+            <a:pPr algn="r"/>
+            <a:r>
+              <a:rPr lang="en-US" altLang="ko-KR" sz="3200" b="1" dirty="0" smtClean="0">
+                <a:solidFill>
+                  <a:schemeClr val="accent4"/>
+                </a:solidFill>
+              </a:rPr>
+              <a:t>2.7</a:t>
+            </a:r>
+            <a:endParaRPr lang="ko-KR" altLang="en-US" sz="3200" b="1" dirty="0">
+              <a:solidFill>
+                <a:schemeClr val="accent4"/>
+              </a:solidFill>
+            </a:endParaRPr>
+          </a:p>
+        </p:txBody>
+      </p:sp>
+      <p:sp>
+        <p:nvSpPr>
+          <p:cNvPr id="6" name="TextBox 5"/>
+          <p:cNvSpPr txBox="1"/>
+          <p:nvPr/>
+        </p:nvSpPr>
+        <p:spPr>
+          <a:xfrm>
+            <a:off x="2263852" y="645071"/>
+            <a:ext cx="3379451" cy="584775"/>
+          </a:xfrm>
+          <a:prstGeom prst="rect">
+            <a:avLst/>
+          </a:prstGeom>
+          <a:noFill/>
+        </p:spPr>
+        <p:txBody>
+          <a:bodyPr wrap="none" rtlCol="0">
+            <a:spAutoFit/>
+          </a:bodyPr>
+          <a:lstStyle/>
+          <a:p>
+            <a:r>
+              <a:rPr lang="ko-KR" altLang="en-US" sz="3200" b="1" dirty="0">
+                <a:solidFill>
+                  <a:srgbClr val="666666"/>
+                </a:solidFill>
+              </a:rPr>
+              <a:t>인증 및 보안</a:t>
+            </a:r>
+            <a:r>
+              <a:rPr lang="en-US" altLang="ko-KR" sz="3200" b="1" dirty="0">
+                <a:solidFill>
+                  <a:srgbClr val="666666"/>
+                </a:solidFill>
+              </a:rPr>
+              <a:t>(</a:t>
+            </a:r>
+            <a:r>
+              <a:rPr lang="en-US" altLang="ko-KR" sz="3200" b="1" dirty="0" err="1">
+                <a:solidFill>
+                  <a:srgbClr val="666666"/>
+                </a:solidFill>
+              </a:rPr>
+              <a:t>xss</a:t>
+            </a:r>
+            <a:r>
+              <a:rPr lang="en-US" altLang="ko-KR" sz="3200" b="1" dirty="0" smtClean="0">
+                <a:solidFill>
+                  <a:srgbClr val="666666"/>
+                </a:solidFill>
+              </a:rPr>
+              <a:t>)</a:t>
+            </a:r>
+            <a:endParaRPr lang="ko-KR" altLang="en-US" sz="3200" b="1" dirty="0">
+              <a:solidFill>
+                <a:srgbClr val="666666"/>
+              </a:solidFill>
+            </a:endParaRPr>
+          </a:p>
+        </p:txBody>
+      </p:sp>
+      <p:sp>
+        <p:nvSpPr>
+          <p:cNvPr id="34" name="TextBox 33"/>
+          <p:cNvSpPr txBox="1"/>
+          <p:nvPr/>
+        </p:nvSpPr>
+        <p:spPr>
+          <a:xfrm>
+            <a:off x="83938" y="169136"/>
+            <a:ext cx="1189749" cy="307777"/>
+          </a:xfrm>
+          <a:prstGeom prst="rect">
+            <a:avLst/>
+          </a:prstGeom>
+          <a:noFill/>
+        </p:spPr>
+        <p:txBody>
+          <a:bodyPr wrap="none" rtlCol="0">
+            <a:spAutoFit/>
+          </a:bodyPr>
+          <a:lstStyle/>
+          <a:p>
+            <a:pPr algn="dist"/>
+            <a:r>
+              <a:rPr lang="en-US" altLang="ko-KR" sz="1400" dirty="0" smtClean="0">
+                <a:solidFill>
+                  <a:schemeClr val="accent4"/>
+                </a:solidFill>
+              </a:rPr>
+              <a:t>Seating Map</a:t>
+            </a:r>
+            <a:endParaRPr lang="en-US" altLang="ko-KR" sz="1400" dirty="0">
+              <a:solidFill>
+                <a:schemeClr val="accent4"/>
+              </a:solidFill>
+            </a:endParaRPr>
+          </a:p>
+        </p:txBody>
+      </p:sp>
+      <p:sp>
+        <p:nvSpPr>
+          <p:cNvPr id="31" name="TextBox 30"/>
+          <p:cNvSpPr txBox="1"/>
+          <p:nvPr/>
+        </p:nvSpPr>
+        <p:spPr>
+          <a:xfrm>
+            <a:off x="1803397" y="1807447"/>
+            <a:ext cx="8790261" cy="3416320"/>
+          </a:xfrm>
+          <a:prstGeom prst="rect">
+            <a:avLst/>
+          </a:prstGeom>
+          <a:noFill/>
+        </p:spPr>
+        <p:txBody>
+          <a:bodyPr wrap="square" rtlCol="0">
+            <a:spAutoFit/>
+          </a:bodyPr>
+          <a:lstStyle/>
+          <a:p>
+            <a:pPr marL="285750" indent="-285750">
+              <a:lnSpc>
+                <a:spcPct val="150000"/>
+              </a:lnSpc>
+              <a:buFont typeface="Arial" panose="020B0604020202020204" pitchFamily="34" charset="0"/>
+              <a:buChar char="•"/>
+            </a:pPr>
+            <a:r>
+              <a:rPr lang="ko-KR" altLang="en-US" b="1" dirty="0" smtClean="0">
+                <a:solidFill>
+                  <a:schemeClr val="accent4"/>
+                </a:solidFill>
+              </a:rPr>
+              <a:t>주요 이슈</a:t>
+            </a:r>
+            <a:endParaRPr lang="en-US" altLang="ko-KR" b="1" dirty="0" smtClean="0">
+              <a:solidFill>
+                <a:schemeClr val="accent4"/>
+              </a:solidFill>
+            </a:endParaRPr>
+          </a:p>
+          <a:p>
+            <a:pPr marL="742950" lvl="1" indent="-285750">
+              <a:lnSpc>
+                <a:spcPct val="150000"/>
+              </a:lnSpc>
+              <a:buFont typeface="Arial" panose="020B0604020202020204" pitchFamily="34" charset="0"/>
+              <a:buChar char="•"/>
+            </a:pPr>
+            <a:r>
+              <a:rPr lang="en-US" altLang="ko-KR" b="1" dirty="0" err="1" smtClean="0">
+                <a:solidFill>
+                  <a:schemeClr val="accent4"/>
+                </a:solidFill>
+              </a:rPr>
+              <a:t>Google,Github</a:t>
+            </a:r>
+            <a:r>
+              <a:rPr lang="en-US" altLang="ko-KR" b="1" dirty="0" smtClean="0">
+                <a:solidFill>
+                  <a:schemeClr val="accent4"/>
+                </a:solidFill>
+              </a:rPr>
+              <a:t> </a:t>
+            </a:r>
+            <a:r>
+              <a:rPr lang="ko-KR" altLang="en-US" b="1" dirty="0" smtClean="0">
+                <a:solidFill>
+                  <a:schemeClr val="accent4"/>
+                </a:solidFill>
+              </a:rPr>
+              <a:t>등과 다른 </a:t>
+            </a:r>
+            <a:r>
+              <a:rPr lang="en-US" altLang="ko-KR" b="1" dirty="0" err="1" smtClean="0">
+                <a:solidFill>
+                  <a:schemeClr val="accent4"/>
+                </a:solidFill>
+              </a:rPr>
+              <a:t>Hiworks</a:t>
+            </a:r>
+            <a:r>
+              <a:rPr lang="en-US" altLang="ko-KR" b="1" dirty="0" smtClean="0">
+                <a:solidFill>
+                  <a:schemeClr val="accent4"/>
+                </a:solidFill>
+              </a:rPr>
+              <a:t> </a:t>
+            </a:r>
+            <a:r>
+              <a:rPr lang="en-US" altLang="ko-KR" b="1" dirty="0" err="1" smtClean="0">
+                <a:solidFill>
+                  <a:schemeClr val="accent4"/>
+                </a:solidFill>
+              </a:rPr>
+              <a:t>Oauth</a:t>
+            </a:r>
+            <a:r>
+              <a:rPr lang="ko-KR" altLang="en-US" b="1" dirty="0" smtClean="0">
+                <a:solidFill>
+                  <a:schemeClr val="accent4"/>
+                </a:solidFill>
+              </a:rPr>
+              <a:t>인증방식 </a:t>
+            </a:r>
+            <a:endParaRPr lang="en-US" altLang="ko-KR" b="1" dirty="0" smtClean="0">
+              <a:solidFill>
+                <a:schemeClr val="accent4"/>
+              </a:solidFill>
+            </a:endParaRPr>
+          </a:p>
+          <a:p>
+            <a:pPr marL="742950" lvl="1" indent="-285750">
+              <a:lnSpc>
+                <a:spcPct val="150000"/>
+              </a:lnSpc>
+              <a:buFont typeface="Arial" panose="020B0604020202020204" pitchFamily="34" charset="0"/>
+              <a:buChar char="•"/>
+            </a:pPr>
+            <a:r>
+              <a:rPr lang="en-US" altLang="ko-KR" b="1" dirty="0" smtClean="0">
+                <a:solidFill>
+                  <a:schemeClr val="accent4"/>
+                </a:solidFill>
+              </a:rPr>
+              <a:t>Spring security vs Scribe Java</a:t>
+            </a:r>
+            <a:endParaRPr lang="en-US" altLang="ko-KR" b="1" dirty="0" smtClean="0">
+              <a:solidFill>
+                <a:schemeClr val="accent4"/>
+              </a:solidFill>
+            </a:endParaRPr>
+          </a:p>
+          <a:p>
+            <a:pPr marL="1200150" lvl="2" indent="-285750">
+              <a:lnSpc>
+                <a:spcPct val="150000"/>
+              </a:lnSpc>
+              <a:buFont typeface="Arial" panose="020B0604020202020204" pitchFamily="34" charset="0"/>
+              <a:buChar char="•"/>
+            </a:pPr>
+            <a:endParaRPr lang="en-US" altLang="ko-KR" b="1" dirty="0" smtClean="0">
+              <a:solidFill>
+                <a:schemeClr val="accent4"/>
+              </a:solidFill>
+            </a:endParaRPr>
+          </a:p>
+          <a:p>
+            <a:pPr marL="1200150" lvl="2" indent="-285750">
+              <a:lnSpc>
+                <a:spcPct val="150000"/>
+              </a:lnSpc>
+              <a:buFont typeface="Arial" panose="020B0604020202020204" pitchFamily="34" charset="0"/>
+              <a:buChar char="•"/>
+            </a:pPr>
+            <a:endParaRPr lang="en-US" altLang="ko-KR" b="1" dirty="0" smtClean="0">
+              <a:solidFill>
+                <a:schemeClr val="accent4"/>
+              </a:solidFill>
+            </a:endParaRPr>
+          </a:p>
+          <a:p>
+            <a:pPr marL="1200150" lvl="2" indent="-285750">
+              <a:lnSpc>
+                <a:spcPct val="150000"/>
+              </a:lnSpc>
+              <a:buFont typeface="Arial" panose="020B0604020202020204" pitchFamily="34" charset="0"/>
+              <a:buChar char="•"/>
+            </a:pPr>
+            <a:endParaRPr lang="en-US" altLang="ko-KR" b="1" dirty="0" smtClean="0">
+              <a:solidFill>
+                <a:schemeClr val="accent4"/>
+              </a:solidFill>
+            </a:endParaRPr>
+          </a:p>
+          <a:p>
+            <a:pPr marL="1200150" lvl="2" indent="-285750">
+              <a:lnSpc>
+                <a:spcPct val="150000"/>
+              </a:lnSpc>
+              <a:buFont typeface="Arial" panose="020B0604020202020204" pitchFamily="34" charset="0"/>
+              <a:buChar char="•"/>
+            </a:pPr>
+            <a:endParaRPr lang="en-US" altLang="ko-KR" b="1" dirty="0" smtClean="0">
+              <a:solidFill>
+                <a:schemeClr val="accent4"/>
+              </a:solidFill>
+            </a:endParaRPr>
+          </a:p>
+          <a:p>
+            <a:pPr lvl="2">
+              <a:lnSpc>
+                <a:spcPct val="150000"/>
+              </a:lnSpc>
+            </a:pPr>
+            <a:endParaRPr lang="en-US" altLang="ko-KR" b="1" dirty="0" smtClean="0">
+              <a:solidFill>
+                <a:schemeClr val="accent4"/>
+              </a:solidFill>
+            </a:endParaRPr>
+          </a:p>
+        </p:txBody>
+      </p:sp>
+    </p:spTree>
+    <p:extLst>
+      <p:ext uri="{BB962C8B-B14F-4D97-AF65-F5344CB8AC3E}">
+        <p14:creationId xmlns:p14="http://schemas.microsoft.com/office/powerpoint/2010/main" val="2266866742"/>
+      </p:ext>
+    </p:extLst>
+  </p:cSld>
+  <p:clrMapOvr>
+    <a:masterClrMapping/>
+  </p:clrMapOvr>
+  <p:timing>
+    <p:tnLst>
+      <p:par>
+        <p:cTn id="1" dur="indefinite" restart="never" nodeType="tmRoot"/>
+      </p:par>
+    </p:tnLst>
+  </p:timing>
+</p:sld>
+</file>
+
+<file path=ppt/slides/slide19.xml><?xml version="1.0" encoding="utf-8"?>
+<p:sld xmlns:a="http://schemas.openxmlformats.org/drawingml/2006/main" xmlns:r="http://schemas.openxmlformats.org/officeDocument/2006/relationships" xmlns:p="http://schemas.openxmlformats.org/presentationml/2006/main">
+  <p:cSld>
     <p:bg>
       <p:bgPr>
         <a:solidFill>
@@ -20240,515 +22233,6 @@
     <p:extLst>
       <p:ext uri="{BB962C8B-B14F-4D97-AF65-F5344CB8AC3E}">
         <p14:creationId xmlns:p14="http://schemas.microsoft.com/office/powerpoint/2010/main" val="3857056991"/>
-      </p:ext>
-    </p:extLst>
-  </p:cSld>
-  <p:clrMapOvr>
-    <a:masterClrMapping/>
-  </p:clrMapOvr>
-  <p:timing>
-    <p:tnLst>
-      <p:par>
-        <p:cTn id="1" dur="indefinite" restart="never" nodeType="tmRoot"/>
-      </p:par>
-    </p:tnLst>
-  </p:timing>
-</p:sld>
-</file>
-
-<file path=ppt/slides/slide19.xml><?xml version="1.0" encoding="utf-8"?>
-<p:sld xmlns:a="http://schemas.openxmlformats.org/drawingml/2006/main" xmlns:r="http://schemas.openxmlformats.org/officeDocument/2006/relationships" xmlns:p="http://schemas.openxmlformats.org/presentationml/2006/main">
-  <p:cSld>
-    <p:spTree>
-      <p:nvGrpSpPr>
-        <p:cNvPr id="1" name=""/>
-        <p:cNvGrpSpPr/>
-        <p:nvPr/>
-      </p:nvGrpSpPr>
-      <p:grpSpPr>
-        <a:xfrm>
-          <a:off x="0" y="0"/>
-          <a:ext cx="0" cy="0"/>
-          <a:chOff x="0" y="0"/>
-          <a:chExt cx="0" cy="0"/>
-        </a:xfrm>
-      </p:grpSpPr>
-      <p:sp>
-        <p:nvSpPr>
-          <p:cNvPr id="9" name="직사각형 8"/>
-          <p:cNvSpPr/>
-          <p:nvPr/>
-        </p:nvSpPr>
-        <p:spPr>
-          <a:xfrm>
-            <a:off x="0" y="0"/>
-            <a:ext cx="12192000" cy="1638300"/>
-          </a:xfrm>
-          <a:prstGeom prst="rect">
-            <a:avLst/>
-          </a:prstGeom>
-          <a:solidFill>
-            <a:schemeClr val="bg2"/>
-          </a:solidFill>
-          <a:ln>
-            <a:noFill/>
-          </a:ln>
-        </p:spPr>
-        <p:style>
-          <a:lnRef idx="2">
-            <a:schemeClr val="accent1">
-              <a:shade val="50000"/>
-            </a:schemeClr>
-          </a:lnRef>
-          <a:fillRef idx="1">
-            <a:schemeClr val="accent1"/>
-          </a:fillRef>
-          <a:effectRef idx="0">
-            <a:schemeClr val="accent1"/>
-          </a:effectRef>
-          <a:fontRef idx="minor">
-            <a:schemeClr val="lt1"/>
-          </a:fontRef>
-        </p:style>
-        <p:txBody>
-          <a:bodyPr rtlCol="0" anchor="ctr"/>
-          <a:lstStyle/>
-          <a:p>
-            <a:pPr algn="ctr"/>
-            <a:endParaRPr lang="ko-KR" altLang="en-US"/>
-          </a:p>
-        </p:txBody>
-      </p:sp>
-      <p:cxnSp>
-        <p:nvCxnSpPr>
-          <p:cNvPr id="2" name="직선 연결선 1"/>
-          <p:cNvCxnSpPr/>
-          <p:nvPr/>
-        </p:nvCxnSpPr>
-        <p:spPr>
-          <a:xfrm>
-            <a:off x="139700" y="491296"/>
-            <a:ext cx="1993900" cy="0"/>
-          </a:xfrm>
-          <a:prstGeom prst="line">
-            <a:avLst/>
-          </a:prstGeom>
-          <a:ln>
-            <a:solidFill>
-              <a:schemeClr val="accent4"/>
-            </a:solidFill>
-          </a:ln>
-        </p:spPr>
-        <p:style>
-          <a:lnRef idx="1">
-            <a:schemeClr val="accent1"/>
-          </a:lnRef>
-          <a:fillRef idx="0">
-            <a:schemeClr val="accent1"/>
-          </a:fillRef>
-          <a:effectRef idx="0">
-            <a:schemeClr val="accent1"/>
-          </a:effectRef>
-          <a:fontRef idx="minor">
-            <a:schemeClr val="tx1"/>
-          </a:fontRef>
-        </p:style>
-      </p:cxnSp>
-      <p:sp>
-        <p:nvSpPr>
-          <p:cNvPr id="4" name="TextBox 3"/>
-          <p:cNvSpPr txBox="1"/>
-          <p:nvPr/>
-        </p:nvSpPr>
-        <p:spPr>
-          <a:xfrm>
-            <a:off x="1481886" y="652394"/>
-            <a:ext cx="753732" cy="584775"/>
-          </a:xfrm>
-          <a:prstGeom prst="rect">
-            <a:avLst/>
-          </a:prstGeom>
-          <a:noFill/>
-        </p:spPr>
-        <p:txBody>
-          <a:bodyPr wrap="none" rtlCol="0">
-            <a:spAutoFit/>
-          </a:bodyPr>
-          <a:lstStyle/>
-          <a:p>
-            <a:pPr algn="r"/>
-            <a:r>
-              <a:rPr lang="en-US" altLang="ko-KR" sz="3200" b="1" dirty="0">
-                <a:solidFill>
-                  <a:schemeClr val="accent4"/>
-                </a:solidFill>
-              </a:rPr>
-              <a:t>3</a:t>
-            </a:r>
-            <a:r>
-              <a:rPr lang="en-US" altLang="ko-KR" sz="3200" b="1" dirty="0" smtClean="0">
-                <a:solidFill>
-                  <a:schemeClr val="accent4"/>
-                </a:solidFill>
-              </a:rPr>
-              <a:t>.1</a:t>
-            </a:r>
-            <a:endParaRPr lang="ko-KR" altLang="en-US" sz="3200" b="1" dirty="0">
-              <a:solidFill>
-                <a:schemeClr val="accent4"/>
-              </a:solidFill>
-            </a:endParaRPr>
-          </a:p>
-        </p:txBody>
-      </p:sp>
-      <p:sp>
-        <p:nvSpPr>
-          <p:cNvPr id="7" name="TextBox 6"/>
-          <p:cNvSpPr txBox="1"/>
-          <p:nvPr/>
-        </p:nvSpPr>
-        <p:spPr>
-          <a:xfrm>
-            <a:off x="2289252" y="1180991"/>
-            <a:ext cx="184731" cy="307777"/>
-          </a:xfrm>
-          <a:prstGeom prst="rect">
-            <a:avLst/>
-          </a:prstGeom>
-          <a:noFill/>
-        </p:spPr>
-        <p:txBody>
-          <a:bodyPr wrap="none" rtlCol="0">
-            <a:spAutoFit/>
-          </a:bodyPr>
-          <a:lstStyle/>
-          <a:p>
-            <a:endParaRPr lang="ko-KR" altLang="en-US" sz="1400" dirty="0">
-              <a:solidFill>
-                <a:schemeClr val="accent4"/>
-              </a:solidFill>
-            </a:endParaRPr>
-          </a:p>
-        </p:txBody>
-      </p:sp>
-      <p:sp>
-        <p:nvSpPr>
-          <p:cNvPr id="11" name="TextBox 10"/>
-          <p:cNvSpPr txBox="1"/>
-          <p:nvPr/>
-        </p:nvSpPr>
-        <p:spPr>
-          <a:xfrm>
-            <a:off x="1803398" y="2509967"/>
-            <a:ext cx="4759327" cy="3416320"/>
-          </a:xfrm>
-          <a:prstGeom prst="rect">
-            <a:avLst/>
-          </a:prstGeom>
-          <a:noFill/>
-        </p:spPr>
-        <p:txBody>
-          <a:bodyPr wrap="square" rtlCol="0">
-            <a:spAutoFit/>
-          </a:bodyPr>
-          <a:lstStyle/>
-          <a:p>
-            <a:pPr marL="285750" indent="-285750">
-              <a:lnSpc>
-                <a:spcPct val="200000"/>
-              </a:lnSpc>
-              <a:buFont typeface="Arial" panose="020B0604020202020204" pitchFamily="34" charset="0"/>
-              <a:buChar char="•"/>
-            </a:pPr>
-            <a:r>
-              <a:rPr lang="ko-KR" altLang="en-US" b="1" dirty="0" smtClean="0">
-                <a:solidFill>
-                  <a:schemeClr val="accent4"/>
-                </a:solidFill>
-              </a:rPr>
-              <a:t>나머지 </a:t>
-            </a:r>
-            <a:r>
-              <a:rPr lang="en-US" altLang="ko-KR" b="1" dirty="0" smtClean="0">
-                <a:solidFill>
-                  <a:schemeClr val="accent4"/>
-                </a:solidFill>
-              </a:rPr>
-              <a:t>API </a:t>
-            </a:r>
-            <a:r>
-              <a:rPr lang="ko-KR" altLang="en-US" b="1" dirty="0" smtClean="0">
-                <a:solidFill>
-                  <a:schemeClr val="accent4"/>
-                </a:solidFill>
-              </a:rPr>
-              <a:t>구현</a:t>
-            </a:r>
-            <a:endParaRPr lang="en-US" altLang="ko-KR" b="1" dirty="0" smtClean="0">
-              <a:solidFill>
-                <a:schemeClr val="accent4"/>
-              </a:solidFill>
-            </a:endParaRPr>
-          </a:p>
-          <a:p>
-            <a:pPr marL="285750" indent="-285750">
-              <a:lnSpc>
-                <a:spcPct val="200000"/>
-              </a:lnSpc>
-              <a:buFont typeface="Arial" panose="020B0604020202020204" pitchFamily="34" charset="0"/>
-              <a:buChar char="•"/>
-            </a:pPr>
-            <a:r>
-              <a:rPr lang="en-US" altLang="ko-KR" b="1" dirty="0" smtClean="0">
-                <a:solidFill>
-                  <a:schemeClr val="accent4"/>
-                </a:solidFill>
-              </a:rPr>
-              <a:t>Library interface </a:t>
-            </a:r>
-            <a:r>
-              <a:rPr lang="ko-KR" altLang="en-US" b="1" dirty="0" smtClean="0">
-                <a:solidFill>
-                  <a:schemeClr val="accent4"/>
-                </a:solidFill>
-              </a:rPr>
-              <a:t>구조</a:t>
-            </a:r>
-            <a:endParaRPr lang="en-US" altLang="ko-KR" b="1" dirty="0" smtClean="0">
-              <a:solidFill>
-                <a:schemeClr val="accent4"/>
-              </a:solidFill>
-            </a:endParaRPr>
-          </a:p>
-          <a:p>
-            <a:pPr marL="285750" indent="-285750">
-              <a:lnSpc>
-                <a:spcPct val="200000"/>
-              </a:lnSpc>
-              <a:buFont typeface="Arial" panose="020B0604020202020204" pitchFamily="34" charset="0"/>
-              <a:buChar char="•"/>
-            </a:pPr>
-            <a:r>
-              <a:rPr lang="en-US" altLang="ko-KR" b="1" dirty="0" smtClean="0">
-                <a:solidFill>
-                  <a:schemeClr val="accent4"/>
-                </a:solidFill>
-              </a:rPr>
-              <a:t>Spring </a:t>
-            </a:r>
-            <a:r>
-              <a:rPr lang="en-US" altLang="ko-KR" b="1" dirty="0" err="1" smtClean="0">
-                <a:solidFill>
-                  <a:schemeClr val="accent4"/>
-                </a:solidFill>
-              </a:rPr>
-              <a:t>Batch,Ci</a:t>
-            </a:r>
-            <a:r>
-              <a:rPr lang="en-US" altLang="ko-KR" b="1" dirty="0" smtClean="0">
-                <a:solidFill>
-                  <a:schemeClr val="accent4"/>
-                </a:solidFill>
-              </a:rPr>
-              <a:t>/Cd</a:t>
-            </a:r>
-          </a:p>
-          <a:p>
-            <a:pPr marL="1200150" lvl="2" indent="-285750">
-              <a:lnSpc>
-                <a:spcPct val="200000"/>
-              </a:lnSpc>
-              <a:buFont typeface="Arial" panose="020B0604020202020204" pitchFamily="34" charset="0"/>
-              <a:buChar char="•"/>
-            </a:pPr>
-            <a:endParaRPr lang="en-US" altLang="ko-KR" b="1" dirty="0" smtClean="0">
-              <a:solidFill>
-                <a:schemeClr val="accent4"/>
-              </a:solidFill>
-            </a:endParaRPr>
-          </a:p>
-          <a:p>
-            <a:pPr marL="1200150" lvl="2" indent="-285750">
-              <a:lnSpc>
-                <a:spcPct val="200000"/>
-              </a:lnSpc>
-              <a:buFont typeface="Arial" panose="020B0604020202020204" pitchFamily="34" charset="0"/>
-              <a:buChar char="•"/>
-            </a:pPr>
-            <a:endParaRPr lang="en-US" altLang="ko-KR" b="1" dirty="0" smtClean="0">
-              <a:solidFill>
-                <a:schemeClr val="accent4"/>
-              </a:solidFill>
-            </a:endParaRPr>
-          </a:p>
-          <a:p>
-            <a:pPr lvl="2">
-              <a:lnSpc>
-                <a:spcPct val="200000"/>
-              </a:lnSpc>
-            </a:pPr>
-            <a:endParaRPr lang="en-US" altLang="ko-KR" b="1" dirty="0" smtClean="0">
-              <a:solidFill>
-                <a:schemeClr val="accent4"/>
-              </a:solidFill>
-            </a:endParaRPr>
-          </a:p>
-        </p:txBody>
-      </p:sp>
-      <p:sp>
-        <p:nvSpPr>
-          <p:cNvPr id="14" name="TextBox 13"/>
-          <p:cNvSpPr txBox="1"/>
-          <p:nvPr/>
-        </p:nvSpPr>
-        <p:spPr>
-          <a:xfrm>
-            <a:off x="2263852" y="645071"/>
-            <a:ext cx="1281120" cy="553998"/>
-          </a:xfrm>
-          <a:prstGeom prst="rect">
-            <a:avLst/>
-          </a:prstGeom>
-          <a:noFill/>
-        </p:spPr>
-        <p:txBody>
-          <a:bodyPr wrap="none" rtlCol="0">
-            <a:spAutoFit/>
-          </a:bodyPr>
-          <a:lstStyle/>
-          <a:p>
-            <a:r>
-              <a:rPr lang="ko-KR" altLang="en-US" sz="3000" spc="-150" dirty="0">
-                <a:solidFill>
-                  <a:schemeClr val="accent4"/>
-                </a:solidFill>
-                <a:latin typeface="+mj-ea"/>
-                <a:ea typeface="+mj-ea"/>
-              </a:rPr>
-              <a:t>끝맺음</a:t>
-            </a:r>
-          </a:p>
-        </p:txBody>
-      </p:sp>
-      <p:sp>
-        <p:nvSpPr>
-          <p:cNvPr id="16" name="TextBox 15"/>
-          <p:cNvSpPr txBox="1"/>
-          <p:nvPr/>
-        </p:nvSpPr>
-        <p:spPr>
-          <a:xfrm>
-            <a:off x="83938" y="169136"/>
-            <a:ext cx="1189749" cy="307777"/>
-          </a:xfrm>
-          <a:prstGeom prst="rect">
-            <a:avLst/>
-          </a:prstGeom>
-          <a:noFill/>
-        </p:spPr>
-        <p:txBody>
-          <a:bodyPr wrap="none" rtlCol="0">
-            <a:spAutoFit/>
-          </a:bodyPr>
-          <a:lstStyle/>
-          <a:p>
-            <a:pPr algn="dist"/>
-            <a:r>
-              <a:rPr lang="en-US" altLang="ko-KR" sz="1400" dirty="0" smtClean="0">
-                <a:solidFill>
-                  <a:schemeClr val="accent4"/>
-                </a:solidFill>
-              </a:rPr>
-              <a:t>Seating Map</a:t>
-            </a:r>
-            <a:endParaRPr lang="en-US" altLang="ko-KR" sz="1400" dirty="0">
-              <a:solidFill>
-                <a:schemeClr val="accent4"/>
-              </a:solidFill>
-            </a:endParaRPr>
-          </a:p>
-        </p:txBody>
-      </p:sp>
-      <p:sp>
-        <p:nvSpPr>
-          <p:cNvPr id="17" name="TextBox 16"/>
-          <p:cNvSpPr txBox="1"/>
-          <p:nvPr/>
-        </p:nvSpPr>
-        <p:spPr>
-          <a:xfrm>
-            <a:off x="2035197" y="1888659"/>
-            <a:ext cx="1595309" cy="523220"/>
-          </a:xfrm>
-          <a:prstGeom prst="rect">
-            <a:avLst/>
-          </a:prstGeom>
-          <a:noFill/>
-        </p:spPr>
-        <p:txBody>
-          <a:bodyPr wrap="none" rtlCol="0">
-            <a:spAutoFit/>
-          </a:bodyPr>
-          <a:lstStyle/>
-          <a:p>
-            <a:r>
-              <a:rPr lang="ko-KR" altLang="en-US" sz="2800" b="1" dirty="0" smtClean="0">
-                <a:solidFill>
-                  <a:srgbClr val="666666"/>
-                </a:solidFill>
-              </a:rPr>
-              <a:t>개선사항</a:t>
-            </a:r>
-            <a:endParaRPr lang="ko-KR" altLang="en-US" sz="2800" b="1" dirty="0">
-              <a:solidFill>
-                <a:srgbClr val="666666"/>
-              </a:solidFill>
-            </a:endParaRPr>
-          </a:p>
-        </p:txBody>
-      </p:sp>
-      <p:cxnSp>
-        <p:nvCxnSpPr>
-          <p:cNvPr id="18" name="직선 연결선 17"/>
-          <p:cNvCxnSpPr/>
-          <p:nvPr/>
-        </p:nvCxnSpPr>
-        <p:spPr>
-          <a:xfrm>
-            <a:off x="1882452" y="1880692"/>
-            <a:ext cx="0" cy="491033"/>
-          </a:xfrm>
-          <a:prstGeom prst="line">
-            <a:avLst/>
-          </a:prstGeom>
-          <a:ln w="76200">
-            <a:solidFill>
-              <a:schemeClr val="accent4">
-                <a:lumMod val="60000"/>
-                <a:lumOff val="40000"/>
-              </a:schemeClr>
-            </a:solidFill>
-          </a:ln>
-        </p:spPr>
-        <p:style>
-          <a:lnRef idx="1">
-            <a:schemeClr val="accent1"/>
-          </a:lnRef>
-          <a:fillRef idx="0">
-            <a:schemeClr val="accent1"/>
-          </a:fillRef>
-          <a:effectRef idx="0">
-            <a:schemeClr val="accent1"/>
-          </a:effectRef>
-          <a:fontRef idx="minor">
-            <a:schemeClr val="tx1"/>
-          </a:fontRef>
-        </p:style>
-      </p:cxnSp>
-    </p:spTree>
-    <p:extLst>
-      <p:ext uri="{BB962C8B-B14F-4D97-AF65-F5344CB8AC3E}">
-        <p14:creationId xmlns:p14="http://schemas.microsoft.com/office/powerpoint/2010/main" val="1591527673"/>
       </p:ext>
     </p:extLst>
   </p:cSld>
@@ -20959,7 +22443,7 @@
         </p:nvSpPr>
         <p:spPr>
           <a:xfrm>
-            <a:off x="1713824" y="2825727"/>
+            <a:off x="1713824" y="2769972"/>
             <a:ext cx="603050" cy="369332"/>
           </a:xfrm>
           <a:prstGeom prst="rect">
@@ -20997,8 +22481,8 @@
         </p:nvSpPr>
         <p:spPr>
           <a:xfrm>
-            <a:off x="1713824" y="4344499"/>
-            <a:ext cx="603050" cy="369332"/>
+            <a:off x="1714986" y="4963610"/>
+            <a:ext cx="569387" cy="369332"/>
           </a:xfrm>
           <a:prstGeom prst="rect">
             <a:avLst/>
@@ -21012,12 +22496,12 @@
           <a:lstStyle/>
           <a:p>
             <a:r>
-              <a:rPr lang="en-US" altLang="ko-KR" dirty="0">
+              <a:rPr lang="en-US" altLang="ko-KR" dirty="0" smtClean="0">
                 <a:solidFill>
                   <a:schemeClr val="bg1"/>
                 </a:solidFill>
               </a:rPr>
-              <a:t>003</a:t>
+              <a:t>004</a:t>
             </a:r>
             <a:endParaRPr lang="ko-KR" altLang="en-US" dirty="0">
               <a:solidFill>
@@ -21076,7 +22560,7 @@
         </p:nvSpPr>
         <p:spPr>
           <a:xfrm>
-            <a:off x="2259166" y="2825727"/>
+            <a:off x="2259166" y="2769972"/>
             <a:ext cx="1075936" cy="369332"/>
           </a:xfrm>
           <a:prstGeom prst="rect">
@@ -21114,7 +22598,7 @@
         </p:nvSpPr>
         <p:spPr>
           <a:xfrm>
-            <a:off x="2259166" y="4344499"/>
+            <a:off x="2260328" y="4963610"/>
             <a:ext cx="819455" cy="369332"/>
           </a:xfrm>
           <a:prstGeom prst="rect">
@@ -21169,7 +22653,7 @@
               <a:buChar char="§"/>
             </a:pPr>
             <a:r>
-              <a:rPr lang="en-US" altLang="ko-KR" sz="1400" dirty="0">
+              <a:rPr lang="en-US" altLang="ko-KR" sz="1400" b="1" dirty="0">
                 <a:solidFill>
                   <a:schemeClr val="bg1"/>
                 </a:solidFill>
@@ -21199,85 +22683,6 @@
               </a:rPr>
               <a:t>프로젝트 진행과정</a:t>
             </a:r>
-            <a:endParaRPr lang="ko-KR" altLang="en-US" sz="1400" spc="-150" dirty="0">
-              <a:solidFill>
-                <a:schemeClr val="bg1"/>
-              </a:solidFill>
-              <a:latin typeface="Noto Sans CJK KR Thin" panose="020B0200000000000000" pitchFamily="34" charset="-127"/>
-              <a:ea typeface="Noto Sans CJK KR Thin" panose="020B0200000000000000" pitchFamily="34" charset="-127"/>
-              <a:cs typeface="Arial" panose="020B0604020202020204" pitchFamily="34" charset="0"/>
-            </a:endParaRPr>
-          </a:p>
-        </p:txBody>
-      </p:sp>
-      <p:sp>
-        <p:nvSpPr>
-          <p:cNvPr id="18" name="TextBox 17"/>
-          <p:cNvSpPr txBox="1"/>
-          <p:nvPr/>
-        </p:nvSpPr>
-        <p:spPr>
-          <a:xfrm>
-            <a:off x="2316874" y="3222624"/>
-            <a:ext cx="3541394" cy="652486"/>
-          </a:xfrm>
-          <a:prstGeom prst="rect">
-            <a:avLst/>
-          </a:prstGeom>
-          <a:noFill/>
-        </p:spPr>
-        <p:txBody>
-          <a:bodyPr wrap="square" rtlCol="0">
-            <a:spAutoFit/>
-          </a:bodyPr>
-          <a:lstStyle/>
-          <a:p>
-            <a:pPr marL="180975" indent="-180975">
-              <a:lnSpc>
-                <a:spcPct val="130000"/>
-              </a:lnSpc>
-              <a:buFont typeface="Wingdings" panose="05000000000000000000" pitchFamily="2" charset="2"/>
-              <a:buChar char="§"/>
-            </a:pPr>
-            <a:r>
-              <a:rPr lang="ko-KR" altLang="en-US" sz="1400" spc="-150" dirty="0" err="1" smtClean="0">
-                <a:solidFill>
-                  <a:schemeClr val="bg1"/>
-                </a:solidFill>
-                <a:latin typeface="Noto Sans CJK KR Thin" panose="020B0200000000000000" pitchFamily="34" charset="-127"/>
-                <a:ea typeface="Noto Sans CJK KR Thin" panose="020B0200000000000000" pitchFamily="34" charset="-127"/>
-                <a:cs typeface="Arial" panose="020B0604020202020204" pitchFamily="34" charset="0"/>
-              </a:rPr>
-              <a:t>주별</a:t>
-            </a:r>
-            <a:r>
-              <a:rPr lang="ko-KR" altLang="en-US" sz="1400" spc="-150" dirty="0" smtClean="0">
-                <a:solidFill>
-                  <a:schemeClr val="bg1"/>
-                </a:solidFill>
-                <a:latin typeface="Noto Sans CJK KR Thin" panose="020B0200000000000000" pitchFamily="34" charset="-127"/>
-                <a:ea typeface="Noto Sans CJK KR Thin" panose="020B0200000000000000" pitchFamily="34" charset="-127"/>
-                <a:cs typeface="Arial" panose="020B0604020202020204" pitchFamily="34" charset="0"/>
-              </a:rPr>
-              <a:t>  세부 내용</a:t>
-            </a:r>
-            <a:endParaRPr lang="en-US" altLang="ko-KR" sz="1400" spc="-150" dirty="0">
-              <a:solidFill>
-                <a:schemeClr val="bg1"/>
-              </a:solidFill>
-              <a:latin typeface="Noto Sans CJK KR Thin" panose="020B0200000000000000" pitchFamily="34" charset="-127"/>
-              <a:ea typeface="Noto Sans CJK KR Thin" panose="020B0200000000000000" pitchFamily="34" charset="-127"/>
-              <a:cs typeface="Arial" panose="020B0604020202020204" pitchFamily="34" charset="0"/>
-            </a:endParaRPr>
-          </a:p>
-          <a:p>
-            <a:pPr marL="180975" indent="-180975">
-              <a:lnSpc>
-                <a:spcPct val="130000"/>
-              </a:lnSpc>
-              <a:buFont typeface="Wingdings" panose="05000000000000000000" pitchFamily="2" charset="2"/>
-              <a:buChar char="§"/>
-            </a:pPr>
             <a:endParaRPr lang="ko-KR" altLang="en-US" sz="1400" spc="-150" dirty="0">
               <a:solidFill>
                 <a:schemeClr val="bg1"/>
@@ -21297,7 +22702,7 @@
         </p:nvSpPr>
         <p:spPr>
           <a:xfrm>
-            <a:off x="2374582" y="4742554"/>
+            <a:off x="2375744" y="5361665"/>
             <a:ext cx="3541394" cy="343171"/>
           </a:xfrm>
           <a:prstGeom prst="rect">
@@ -21383,7 +22788,7 @@
         </p:nvSpPr>
         <p:spPr>
           <a:xfrm>
-            <a:off x="1219200" y="2825727"/>
+            <a:off x="1219200" y="2769972"/>
             <a:ext cx="388681" cy="388681"/>
           </a:xfrm>
           <a:prstGeom prst="ellipse">
@@ -21429,7 +22834,7 @@
         </p:nvSpPr>
         <p:spPr>
           <a:xfrm>
-            <a:off x="1219200" y="4375124"/>
+            <a:off x="1220362" y="4994235"/>
             <a:ext cx="388681" cy="388681"/>
           </a:xfrm>
           <a:prstGeom prst="ellipse">
@@ -21554,7 +22959,7 @@
         </p:nvSpPr>
         <p:spPr>
           <a:xfrm>
-            <a:off x="2374582" y="5085725"/>
+            <a:off x="2375744" y="5704836"/>
             <a:ext cx="3541394" cy="343171"/>
           </a:xfrm>
           <a:prstGeom prst="rect">
@@ -21594,6 +22999,128 @@
               <a:ea typeface="Noto Sans CJK KR Thin" panose="020B0200000000000000" pitchFamily="34" charset="-127"/>
               <a:cs typeface="Arial" panose="020B0604020202020204" pitchFamily="34" charset="0"/>
             </a:endParaRPr>
+          </a:p>
+        </p:txBody>
+      </p:sp>
+      <p:sp>
+        <p:nvSpPr>
+          <p:cNvPr id="21" name="TextBox 20"/>
+          <p:cNvSpPr txBox="1"/>
+          <p:nvPr/>
+        </p:nvSpPr>
+        <p:spPr>
+          <a:xfrm>
+            <a:off x="1704720" y="3912827"/>
+            <a:ext cx="569387" cy="369332"/>
+          </a:xfrm>
+          <a:prstGeom prst="rect">
+            <a:avLst/>
+          </a:prstGeom>
+          <a:noFill/>
+        </p:spPr>
+        <p:txBody>
+          <a:bodyPr wrap="none" rtlCol="0">
+            <a:spAutoFit/>
+          </a:bodyPr>
+          <a:lstStyle/>
+          <a:p>
+            <a:r>
+              <a:rPr lang="en-US" altLang="ko-KR" dirty="0" smtClean="0">
+                <a:solidFill>
+                  <a:schemeClr val="bg1"/>
+                </a:solidFill>
+              </a:rPr>
+              <a:t>003</a:t>
+            </a:r>
+            <a:endParaRPr lang="ko-KR" altLang="en-US" dirty="0">
+              <a:solidFill>
+                <a:schemeClr val="bg1"/>
+              </a:solidFill>
+            </a:endParaRPr>
+          </a:p>
+        </p:txBody>
+      </p:sp>
+      <p:sp>
+        <p:nvSpPr>
+          <p:cNvPr id="26" name="TextBox 25"/>
+          <p:cNvSpPr txBox="1"/>
+          <p:nvPr/>
+        </p:nvSpPr>
+        <p:spPr>
+          <a:xfrm>
+            <a:off x="2250062" y="3912827"/>
+            <a:ext cx="607859" cy="369332"/>
+          </a:xfrm>
+          <a:prstGeom prst="rect">
+            <a:avLst/>
+          </a:prstGeom>
+          <a:noFill/>
+        </p:spPr>
+        <p:txBody>
+          <a:bodyPr wrap="none" rtlCol="0">
+            <a:spAutoFit/>
+          </a:bodyPr>
+          <a:lstStyle/>
+          <a:p>
+            <a:r>
+              <a:rPr lang="ko-KR" altLang="en-US" spc="-150" dirty="0" smtClean="0">
+                <a:solidFill>
+                  <a:schemeClr val="bg1"/>
+                </a:solidFill>
+              </a:rPr>
+              <a:t>시연</a:t>
+            </a:r>
+            <a:endParaRPr lang="ko-KR" altLang="en-US" spc="-150" dirty="0">
+              <a:solidFill>
+                <a:schemeClr val="bg1"/>
+              </a:solidFill>
+            </a:endParaRPr>
+          </a:p>
+        </p:txBody>
+      </p:sp>
+      <p:sp>
+        <p:nvSpPr>
+          <p:cNvPr id="30" name="타원 29"/>
+          <p:cNvSpPr/>
+          <p:nvPr/>
+        </p:nvSpPr>
+        <p:spPr>
+          <a:xfrm>
+            <a:off x="1210096" y="3943452"/>
+            <a:ext cx="388681" cy="388681"/>
+          </a:xfrm>
+          <a:prstGeom prst="ellipse">
+            <a:avLst/>
+          </a:prstGeom>
+          <a:noFill/>
+          <a:ln w="101600">
+            <a:solidFill>
+              <a:schemeClr val="accent2"/>
+            </a:solidFill>
+          </a:ln>
+        </p:spPr>
+        <p:style>
+          <a:lnRef idx="2">
+            <a:schemeClr val="accent1">
+              <a:shade val="50000"/>
+            </a:schemeClr>
+          </a:lnRef>
+          <a:fillRef idx="1">
+            <a:schemeClr val="accent1"/>
+          </a:fillRef>
+          <a:effectRef idx="0">
+            <a:schemeClr val="accent1"/>
+          </a:effectRef>
+          <a:fontRef idx="minor">
+            <a:schemeClr val="lt1"/>
+          </a:fontRef>
+        </p:style>
+        <p:txBody>
+          <a:bodyPr rtlCol="0" anchor="ctr"/>
+          <a:lstStyle/>
+          <a:p>
+            <a:pPr algn="ctr"/>
+            <a:endParaRPr lang="ko-KR" altLang="en-US"/>
           </a:p>
         </p:txBody>
       </p:sp>
@@ -21800,8 +23327,8 @@
         </p:nvSpPr>
         <p:spPr>
           <a:xfrm>
-            <a:off x="1803398" y="2509967"/>
-            <a:ext cx="7120265" cy="4108817"/>
+            <a:off x="1803398" y="1710011"/>
+            <a:ext cx="4759327" cy="1754326"/>
           </a:xfrm>
           <a:prstGeom prst="rect">
             <a:avLst/>
@@ -21822,20 +23349,10 @@
               <a:buChar char="•"/>
             </a:pPr>
             <a:r>
-              <a:rPr lang="ko-KR" altLang="en-US" b="1" dirty="0">
-                <a:solidFill>
-                  <a:schemeClr val="accent4"/>
-                </a:solidFill>
-              </a:rPr>
-              <a:t>설계 부터 </a:t>
-            </a:r>
-            <a:r>
-              <a:rPr lang="ko-KR" altLang="en-US" b="1" dirty="0" smtClean="0">
-                <a:solidFill>
-                  <a:schemeClr val="accent4"/>
-                </a:solidFill>
-              </a:rPr>
-              <a:t>개발</a:t>
+              <a:rPr lang="en-US" altLang="ko-KR" dirty="0">
+                <a:hlinkClick r:id="rId3"/>
+              </a:rPr>
+              <a:t>http://seat.gabia.com:3000/</a:t>
             </a:r>
             <a:endParaRPr lang="en-US" altLang="ko-KR" b="1" dirty="0" smtClean="0">
               <a:solidFill>
@@ -21844,154 +23361,9 @@
             </a:endParaRPr>
           </a:p>
           <a:p>
-            <a:pPr marL="285750" indent="-285750">
+            <a:pPr marL="1200150" lvl="2" indent="-285750">
               <a:lnSpc>
                 <a:spcPct val="200000"/>
-              </a:lnSpc>
-              <a:buFont typeface="Arial" panose="020B0604020202020204" pitchFamily="34" charset="0"/>
-              <a:buChar char="•"/>
-            </a:pPr>
-            <a:r>
-              <a:rPr lang="ko-KR" altLang="en-US" b="1" dirty="0" smtClean="0">
-                <a:solidFill>
-                  <a:schemeClr val="accent4"/>
-                </a:solidFill>
-              </a:rPr>
-              <a:t>다양한 기</a:t>
-            </a:r>
-            <a:r>
-              <a:rPr lang="ko-KR" altLang="en-US" b="1" dirty="0">
-                <a:solidFill>
-                  <a:schemeClr val="accent4"/>
-                </a:solidFill>
-              </a:rPr>
-              <a:t>술</a:t>
-            </a:r>
-            <a:r>
-              <a:rPr lang="en-US" altLang="ko-KR" b="1" dirty="0" smtClean="0">
-                <a:solidFill>
-                  <a:schemeClr val="accent4"/>
-                </a:solidFill>
-              </a:rPr>
-              <a:t>(JPA, Spring security)</a:t>
-            </a:r>
-          </a:p>
-          <a:p>
-            <a:pPr marL="285750" indent="-285750">
-              <a:lnSpc>
-                <a:spcPct val="200000"/>
-              </a:lnSpc>
-              <a:buFont typeface="Arial" panose="020B0604020202020204" pitchFamily="34" charset="0"/>
-              <a:buChar char="•"/>
-            </a:pPr>
-            <a:r>
-              <a:rPr lang="ko-KR" altLang="en-US" b="1" dirty="0" smtClean="0">
-                <a:solidFill>
-                  <a:schemeClr val="accent4"/>
-                </a:solidFill>
-              </a:rPr>
-              <a:t>다양한 경험</a:t>
-            </a:r>
-            <a:r>
-              <a:rPr lang="en-US" altLang="ko-KR" b="1" dirty="0" smtClean="0">
-                <a:solidFill>
-                  <a:schemeClr val="accent4"/>
-                </a:solidFill>
-              </a:rPr>
-              <a:t>(TDD,DDD)</a:t>
-            </a:r>
-          </a:p>
-          <a:p>
-            <a:pPr marL="285750" indent="-285750">
-              <a:lnSpc>
-                <a:spcPct val="200000"/>
-              </a:lnSpc>
-              <a:buFont typeface="Arial" panose="020B0604020202020204" pitchFamily="34" charset="0"/>
-              <a:buChar char="•"/>
-            </a:pPr>
-            <a:r>
-              <a:rPr lang="ko-KR" altLang="en-US" b="1" dirty="0" smtClean="0">
-                <a:solidFill>
-                  <a:schemeClr val="accent4"/>
-                </a:solidFill>
-              </a:rPr>
-              <a:t>협업</a:t>
-            </a:r>
-            <a:r>
-              <a:rPr lang="en-US" altLang="ko-KR" b="1" dirty="0" smtClean="0">
-                <a:solidFill>
-                  <a:schemeClr val="accent4"/>
-                </a:solidFill>
-              </a:rPr>
-              <a:t>(</a:t>
-            </a:r>
-            <a:r>
-              <a:rPr lang="en-US" altLang="ko-KR" b="1" dirty="0" err="1">
-                <a:solidFill>
-                  <a:schemeClr val="accent4"/>
-                </a:solidFill>
-              </a:rPr>
-              <a:t>g</a:t>
-            </a:r>
-            <a:r>
-              <a:rPr lang="en-US" altLang="ko-KR" b="1" dirty="0" err="1" smtClean="0">
-                <a:solidFill>
-                  <a:schemeClr val="accent4"/>
-                </a:solidFill>
-              </a:rPr>
-              <a:t>it</a:t>
-            </a:r>
-            <a:r>
-              <a:rPr lang="en-US" altLang="ko-KR" b="1" dirty="0" smtClean="0">
-                <a:solidFill>
-                  <a:schemeClr val="accent4"/>
-                </a:solidFill>
-              </a:rPr>
-              <a:t> issue, </a:t>
-            </a:r>
-            <a:r>
-              <a:rPr lang="en-US" altLang="ko-KR" b="1" dirty="0" err="1" smtClean="0">
-                <a:solidFill>
-                  <a:schemeClr val="accent4"/>
-                </a:solidFill>
-              </a:rPr>
-              <a:t>git</a:t>
-            </a:r>
-            <a:r>
-              <a:rPr lang="en-US" altLang="ko-KR" b="1" dirty="0" smtClean="0">
-                <a:solidFill>
-                  <a:schemeClr val="accent4"/>
-                </a:solidFill>
-              </a:rPr>
-              <a:t> flow)</a:t>
-            </a:r>
-          </a:p>
-          <a:p>
-            <a:pPr marL="285750" indent="-285750">
-              <a:lnSpc>
-                <a:spcPct val="200000"/>
-              </a:lnSpc>
-              <a:buFont typeface="Arial" panose="020B0604020202020204" pitchFamily="34" charset="0"/>
-              <a:buChar char="•"/>
-            </a:pPr>
-            <a:r>
-              <a:rPr lang="ko-KR" altLang="en-US" b="1" dirty="0" smtClean="0">
-                <a:solidFill>
-                  <a:schemeClr val="accent4"/>
-                </a:solidFill>
-              </a:rPr>
-              <a:t>코드리뷰 </a:t>
-            </a:r>
-            <a:endParaRPr lang="en-US" altLang="ko-KR" b="1" dirty="0" smtClean="0">
-              <a:solidFill>
-                <a:schemeClr val="accent4"/>
-              </a:solidFill>
-            </a:endParaRPr>
-          </a:p>
-          <a:p>
-            <a:pPr marL="1200150" lvl="2" indent="-285750">
-              <a:lnSpc>
-                <a:spcPct val="150000"/>
               </a:lnSpc>
               <a:buFont typeface="Arial" panose="020B0604020202020204" pitchFamily="34" charset="0"/>
               <a:buChar char="•"/>
@@ -22003,23 +23375,9 @@
             </a:endParaRPr>
           </a:p>
           <a:p>
-            <a:pPr marL="1200150" lvl="2" indent="-285750">
-              <a:lnSpc>
-                <a:spcPct val="150000"/>
-              </a:lnSpc>
-              <a:buFont typeface="Arial" panose="020B0604020202020204" pitchFamily="34" charset="0"/>
-              <a:buChar char="•"/>
-            </a:pPr>
-            <a:endParaRPr lang="en-US" altLang="ko-KR" b="1" dirty="0" smtClean="0">
-              <a:solidFill>
-                <a:schemeClr val="accent4"/>
-              </a:solidFill>
-            </a:endParaRPr>
-          </a:p>
-          <a:p>
             <a:pPr lvl="2">
               <a:lnSpc>
-                <a:spcPct val="150000"/>
+                <a:spcPct val="200000"/>
               </a:lnSpc>
             </a:pPr>
             <a:endParaRPr lang="en-US" altLang="ko-KR" b="1" dirty="0" smtClean="0">
@@ -22039,7 +23397,7 @@
         <p:spPr>
           <a:xfrm>
             <a:off x="2263852" y="645071"/>
-            <a:ext cx="1281120" cy="553998"/>
+            <a:ext cx="2310248" cy="584775"/>
           </a:xfrm>
           <a:prstGeom prst="rect">
             <a:avLst/>
@@ -22053,14 +23411,20 @@
           <a:lstStyle/>
           <a:p>
             <a:r>
-              <a:rPr lang="ko-KR" altLang="en-US" sz="3000" spc="-150" dirty="0">
-                <a:solidFill>
-                  <a:schemeClr val="accent4"/>
-                </a:solidFill>
-                <a:latin typeface="+mj-ea"/>
-              </a:rPr>
-              <a:t>끝맺음</a:t>
-            </a:r>
+              <a:rPr lang="ko-KR" altLang="en-US" sz="3200" b="1" dirty="0" smtClean="0">
+                <a:solidFill>
+                  <a:srgbClr val="666666"/>
+                </a:solidFill>
+              </a:rPr>
+              <a:t>간단한 시연</a:t>
+            </a:r>
+            <a:endParaRPr lang="ko-KR" altLang="en-US" sz="3000" spc="-150" dirty="0">
+              <a:solidFill>
+                <a:schemeClr val="accent4"/>
+              </a:solidFill>
+              <a:latin typeface="+mj-ea"/>
+              <a:ea typeface="+mj-ea"/>
+            </a:endParaRPr>
           </a:p>
         </p:txBody>
       </p:sp>
@@ -22103,16 +23467,382 @@
           </a:p>
         </p:txBody>
       </p:sp>
+    </p:spTree>
+    <p:extLst>
+      <p:ext uri="{BB962C8B-B14F-4D97-AF65-F5344CB8AC3E}">
+        <p14:creationId xmlns:p14="http://schemas.microsoft.com/office/powerpoint/2010/main" val="3894760106"/>
+      </p:ext>
+    </p:extLst>
+  </p:cSld>
+  <p:clrMapOvr>
+    <a:masterClrMapping/>
+  </p:clrMapOvr>
+  <p:timing>
+    <p:tnLst>
+      <p:par>
+        <p:cTn id="1" dur="indefinite" restart="never" nodeType="tmRoot"/>
+      </p:par>
+    </p:tnLst>
+  </p:timing>
+</p:sld>
+</file>
+
+<file path=ppt/slides/slide21.xml><?xml version="1.0" encoding="utf-8"?>
+<p:sld xmlns:a="http://schemas.openxmlformats.org/drawingml/2006/main" xmlns:r="http://schemas.openxmlformats.org/officeDocument/2006/relationships" xmlns:p="http://schemas.openxmlformats.org/presentationml/2006/main">
+  <p:cSld>
+    <p:bg>
+      <p:bgPr>
+        <a:solidFill>
+          <a:schemeClr val="tx2"/>
+        </a:solidFill>
+        <a:effectLst/>
+      </p:bgPr>
+    </p:bg>
+    <p:spTree>
+      <p:nvGrpSpPr>
+        <p:cNvPr id="1" name=""/>
+        <p:cNvGrpSpPr/>
+        <p:nvPr/>
+      </p:nvGrpSpPr>
+      <p:grpSpPr>
+        <a:xfrm>
+          <a:off x="0" y="0"/>
+          <a:ext cx="0" cy="0"/>
+          <a:chOff x="0" y="0"/>
+          <a:chExt cx="0" cy="0"/>
+        </a:xfrm>
+      </p:grpSpPr>
+      <p:grpSp>
+        <p:nvGrpSpPr>
+          <p:cNvPr id="3" name="그룹 2"/>
+          <p:cNvGrpSpPr/>
+          <p:nvPr/>
+        </p:nvGrpSpPr>
+        <p:grpSpPr>
+          <a:xfrm>
+            <a:off x="8117036" y="513343"/>
+            <a:ext cx="3656577" cy="3695738"/>
+            <a:chOff x="8307536" y="513343"/>
+            <a:chExt cx="3656577" cy="3695738"/>
+          </a:xfrm>
+        </p:grpSpPr>
+        <p:sp>
+          <p:nvSpPr>
+            <p:cNvPr id="8" name="이등변 삼각형 7"/>
+            <p:cNvSpPr/>
+            <p:nvPr/>
+          </p:nvSpPr>
+          <p:spPr>
+            <a:xfrm rot="5400000">
+              <a:off x="10712131" y="832233"/>
+              <a:ext cx="1344721" cy="1159242"/>
+            </a:xfrm>
+            <a:prstGeom prst="triangle">
+              <a:avLst/>
+            </a:prstGeom>
+            <a:solidFill>
+              <a:schemeClr val="accent5"/>
+            </a:solidFill>
+            <a:ln>
+              <a:noFill/>
+            </a:ln>
+          </p:spPr>
+          <p:style>
+            <a:lnRef idx="2">
+              <a:schemeClr val="accent1">
+                <a:shade val="50000"/>
+              </a:schemeClr>
+            </a:lnRef>
+            <a:fillRef idx="1">
+              <a:schemeClr val="accent1"/>
+            </a:fillRef>
+            <a:effectRef idx="0">
+              <a:schemeClr val="accent1"/>
+            </a:effectRef>
+            <a:fontRef idx="minor">
+              <a:schemeClr val="lt1"/>
+            </a:fontRef>
+          </p:style>
+          <p:txBody>
+            <a:bodyPr rtlCol="0" anchor="ctr"/>
+            <a:lstStyle/>
+            <a:p>
+              <a:pPr algn="ctr"/>
+              <a:endParaRPr lang="ko-KR" altLang="en-US">
+                <a:solidFill>
+                  <a:prstClr val="white"/>
+                </a:solidFill>
+              </a:endParaRPr>
+            </a:p>
+          </p:txBody>
+        </p:sp>
+        <p:sp>
+          <p:nvSpPr>
+            <p:cNvPr id="9" name="이등변 삼각형 8"/>
+            <p:cNvSpPr/>
+            <p:nvPr/>
+          </p:nvSpPr>
+          <p:spPr>
+            <a:xfrm rot="16200000" flipH="1">
+              <a:off x="9326503" y="606083"/>
+              <a:ext cx="1344721" cy="1159242"/>
+            </a:xfrm>
+            <a:prstGeom prst="triangle">
+              <a:avLst/>
+            </a:prstGeom>
+            <a:solidFill>
+              <a:schemeClr val="accent4"/>
+            </a:solidFill>
+            <a:ln>
+              <a:noFill/>
+            </a:ln>
+          </p:spPr>
+          <p:style>
+            <a:lnRef idx="2">
+              <a:schemeClr val="accent1">
+                <a:shade val="50000"/>
+              </a:schemeClr>
+            </a:lnRef>
+            <a:fillRef idx="1">
+              <a:schemeClr val="accent1"/>
+            </a:fillRef>
+            <a:effectRef idx="0">
+              <a:schemeClr val="accent1"/>
+            </a:effectRef>
+            <a:fontRef idx="minor">
+              <a:schemeClr val="lt1"/>
+            </a:fontRef>
+          </p:style>
+          <p:txBody>
+            <a:bodyPr rtlCol="0" anchor="ctr"/>
+            <a:lstStyle/>
+            <a:p>
+              <a:pPr algn="ctr"/>
+              <a:endParaRPr lang="ko-KR" altLang="en-US">
+                <a:solidFill>
+                  <a:prstClr val="white"/>
+                </a:solidFill>
+              </a:endParaRPr>
+            </a:p>
+          </p:txBody>
+        </p:sp>
+        <p:sp>
+          <p:nvSpPr>
+            <p:cNvPr id="10" name="이등변 삼각형 9"/>
+            <p:cNvSpPr/>
+            <p:nvPr/>
+          </p:nvSpPr>
+          <p:spPr>
+            <a:xfrm rot="5400000">
+              <a:off x="9574196" y="1657339"/>
+              <a:ext cx="1344721" cy="1159242"/>
+            </a:xfrm>
+            <a:prstGeom prst="triangle">
+              <a:avLst/>
+            </a:prstGeom>
+            <a:solidFill>
+              <a:schemeClr val="accent3"/>
+            </a:solidFill>
+            <a:ln>
+              <a:solidFill>
+                <a:schemeClr val="accent2"/>
+              </a:solidFill>
+            </a:ln>
+          </p:spPr>
+          <p:style>
+            <a:lnRef idx="2">
+              <a:schemeClr val="accent1">
+                <a:shade val="50000"/>
+              </a:schemeClr>
+            </a:lnRef>
+            <a:fillRef idx="1">
+              <a:schemeClr val="accent1"/>
+            </a:fillRef>
+            <a:effectRef idx="0">
+              <a:schemeClr val="accent1"/>
+            </a:effectRef>
+            <a:fontRef idx="minor">
+              <a:schemeClr val="lt1"/>
+            </a:fontRef>
+          </p:style>
+          <p:txBody>
+            <a:bodyPr rtlCol="0" anchor="ctr"/>
+            <a:lstStyle/>
+            <a:p>
+              <a:pPr algn="ctr"/>
+              <a:endParaRPr lang="ko-KR" altLang="en-US">
+                <a:solidFill>
+                  <a:prstClr val="white"/>
+                </a:solidFill>
+              </a:endParaRPr>
+            </a:p>
+          </p:txBody>
+        </p:sp>
+        <p:sp>
+          <p:nvSpPr>
+            <p:cNvPr id="12" name="이등변 삼각형 11"/>
+            <p:cNvSpPr/>
+            <p:nvPr/>
+          </p:nvSpPr>
+          <p:spPr>
+            <a:xfrm rot="16200000">
+              <a:off x="9812602" y="2403102"/>
+              <a:ext cx="1344720" cy="1159242"/>
+            </a:xfrm>
+            <a:prstGeom prst="triangle">
+              <a:avLst/>
+            </a:prstGeom>
+            <a:solidFill>
+              <a:schemeClr val="bg1"/>
+            </a:solidFill>
+            <a:ln>
+              <a:solidFill>
+                <a:schemeClr val="accent1"/>
+              </a:solidFill>
+            </a:ln>
+          </p:spPr>
+          <p:style>
+            <a:lnRef idx="2">
+              <a:schemeClr val="accent1">
+                <a:shade val="50000"/>
+              </a:schemeClr>
+            </a:lnRef>
+            <a:fillRef idx="1">
+              <a:schemeClr val="accent1"/>
+            </a:fillRef>
+            <a:effectRef idx="0">
+              <a:schemeClr val="accent1"/>
+            </a:effectRef>
+            <a:fontRef idx="minor">
+              <a:schemeClr val="lt1"/>
+            </a:fontRef>
+          </p:style>
+          <p:txBody>
+            <a:bodyPr rtlCol="0" anchor="ctr"/>
+            <a:lstStyle/>
+            <a:p>
+              <a:pPr algn="ctr"/>
+              <a:endParaRPr lang="ko-KR" altLang="en-US">
+                <a:solidFill>
+                  <a:prstClr val="white"/>
+                </a:solidFill>
+              </a:endParaRPr>
+            </a:p>
+          </p:txBody>
+        </p:sp>
+        <p:sp>
+          <p:nvSpPr>
+            <p:cNvPr id="13" name="이등변 삼각형 12"/>
+            <p:cNvSpPr/>
+            <p:nvPr/>
+          </p:nvSpPr>
+          <p:spPr>
+            <a:xfrm rot="5400000" flipH="1">
+              <a:off x="9232981" y="2957100"/>
+              <a:ext cx="1344720" cy="1159242"/>
+            </a:xfrm>
+            <a:prstGeom prst="triangle">
+              <a:avLst/>
+            </a:prstGeom>
+            <a:solidFill>
+              <a:schemeClr val="accent2"/>
+            </a:solidFill>
+            <a:ln>
+              <a:noFill/>
+            </a:ln>
+          </p:spPr>
+          <p:style>
+            <a:lnRef idx="2">
+              <a:schemeClr val="accent1">
+                <a:shade val="50000"/>
+              </a:schemeClr>
+            </a:lnRef>
+            <a:fillRef idx="1">
+              <a:schemeClr val="accent1"/>
+            </a:fillRef>
+            <a:effectRef idx="0">
+              <a:schemeClr val="accent1"/>
+            </a:effectRef>
+            <a:fontRef idx="minor">
+              <a:schemeClr val="lt1"/>
+            </a:fontRef>
+          </p:style>
+          <p:txBody>
+            <a:bodyPr rtlCol="0" anchor="ctr"/>
+            <a:lstStyle/>
+            <a:p>
+              <a:pPr algn="ctr"/>
+              <a:endParaRPr lang="ko-KR" altLang="en-US">
+                <a:solidFill>
+                  <a:prstClr val="white"/>
+                </a:solidFill>
+              </a:endParaRPr>
+            </a:p>
+          </p:txBody>
+        </p:sp>
+        <p:sp>
+          <p:nvSpPr>
+            <p:cNvPr id="14" name="이등변 삼각형 13"/>
+            <p:cNvSpPr/>
+            <p:nvPr/>
+          </p:nvSpPr>
+          <p:spPr>
+            <a:xfrm rot="16200000">
+              <a:off x="8214797" y="1555441"/>
+              <a:ext cx="1344720" cy="1159242"/>
+            </a:xfrm>
+            <a:prstGeom prst="triangle">
+              <a:avLst/>
+            </a:prstGeom>
+            <a:solidFill>
+              <a:schemeClr val="accent1"/>
+            </a:solidFill>
+            <a:ln>
+              <a:solidFill>
+                <a:schemeClr val="accent1"/>
+              </a:solidFill>
+            </a:ln>
+          </p:spPr>
+          <p:style>
+            <a:lnRef idx="2">
+              <a:schemeClr val="accent1">
+                <a:shade val="50000"/>
+              </a:schemeClr>
+            </a:lnRef>
+            <a:fillRef idx="1">
+              <a:schemeClr val="accent1"/>
+            </a:fillRef>
+            <a:effectRef idx="0">
+              <a:schemeClr val="accent1"/>
+            </a:effectRef>
+            <a:fontRef idx="minor">
+              <a:schemeClr val="lt1"/>
+            </a:fontRef>
+          </p:style>
+          <p:txBody>
+            <a:bodyPr rtlCol="0" anchor="ctr"/>
+            <a:lstStyle/>
+            <a:p>
+              <a:pPr algn="ctr"/>
+              <a:endParaRPr lang="ko-KR" altLang="en-US">
+                <a:solidFill>
+                  <a:prstClr val="white"/>
+                </a:solidFill>
+              </a:endParaRPr>
+            </a:p>
+          </p:txBody>
+        </p:sp>
+      </p:grpSp>
       <p:sp>
         <p:nvSpPr>
-          <p:cNvPr id="17" name="TextBox 16"/>
+          <p:cNvPr id="11" name="TextBox 10"/>
           <p:cNvSpPr txBox="1"/>
           <p:nvPr/>
         </p:nvSpPr>
         <p:spPr>
           <a:xfrm>
-            <a:off x="2035197" y="1888659"/>
-            <a:ext cx="889987" cy="523220"/>
+            <a:off x="527769" y="2211262"/>
+            <a:ext cx="3103735" cy="1323439"/>
           </a:xfrm>
           <a:prstGeom prst="rect">
             <a:avLst/>
@@ -22126,41 +23856,195 @@
           <a:lstStyle/>
           <a:p>
             <a:r>
-              <a:rPr lang="ko-KR" altLang="en-US" sz="2800" b="1" dirty="0" smtClean="0">
-                <a:solidFill>
-                  <a:srgbClr val="666666"/>
-                </a:solidFill>
-              </a:rPr>
-              <a:t>소감</a:t>
-            </a:r>
-            <a:endParaRPr lang="ko-KR" altLang="en-US" sz="2800" b="1" dirty="0">
+              <a:rPr lang="en-US" altLang="ko-KR" sz="8000" b="1" spc="-150" dirty="0">
+                <a:solidFill>
+                  <a:srgbClr val="49A6A6">
+                    <a:lumMod val="60000"/>
+                    <a:lumOff val="40000"/>
+                    <a:alpha val="70000"/>
+                  </a:srgbClr>
+                </a:solidFill>
+                <a:ea typeface="THE명품고딕L" panose="02020603020101020101" pitchFamily="18" charset="-127"/>
+              </a:rPr>
+              <a:t>Part 4.</a:t>
+            </a:r>
+            <a:endParaRPr lang="ko-KR" altLang="en-US" sz="8000" b="1" spc="-150" dirty="0">
               <a:solidFill>
-                <a:srgbClr val="666666"/>
+                <a:srgbClr val="49A6A6">
+                  <a:lumMod val="60000"/>
+                  <a:lumOff val="40000"/>
+                  <a:alpha val="70000"/>
+                </a:srgbClr>
               </a:solidFill>
+              <a:ea typeface="THE명품고딕L" panose="02020603020101020101" pitchFamily="18" charset="-127"/>
             </a:endParaRPr>
           </a:p>
         </p:txBody>
       </p:sp>
       <p:cxnSp>
         <p:nvCxnSpPr>
-          <p:cNvPr id="18" name="직선 연결선 17"/>
+          <p:cNvPr id="5" name="직선 연결선 4"/>
           <p:cNvCxnSpPr/>
           <p:nvPr/>
         </p:nvCxnSpPr>
         <p:spPr>
           <a:xfrm>
-            <a:off x="1882452" y="1880692"/>
-            <a:ext cx="0" cy="491033"/>
+            <a:off x="635000" y="3429236"/>
+            <a:ext cx="5080000" cy="0"/>
           </a:xfrm>
           <a:prstGeom prst="line">
             <a:avLst/>
           </a:prstGeom>
-          <a:ln w="76200">
+        </p:spPr>
+        <p:style>
+          <a:lnRef idx="1">
+            <a:schemeClr val="accent1"/>
+          </a:lnRef>
+          <a:fillRef idx="0">
+            <a:schemeClr val="accent1"/>
+          </a:fillRef>
+          <a:effectRef idx="0">
+            <a:schemeClr val="accent1"/>
+          </a:effectRef>
+          <a:fontRef idx="minor">
+            <a:schemeClr val="tx1"/>
+          </a:fontRef>
+        </p:style>
+      </p:cxnSp>
+      <p:sp>
+        <p:nvSpPr>
+          <p:cNvPr id="15" name="TextBox 14"/>
+          <p:cNvSpPr txBox="1"/>
+          <p:nvPr/>
+        </p:nvSpPr>
+        <p:spPr>
+          <a:xfrm>
+            <a:off x="9715499" y="6505575"/>
+            <a:ext cx="2406429" cy="215444"/>
+          </a:xfrm>
+          <a:prstGeom prst="rect">
+            <a:avLst/>
+          </a:prstGeom>
+          <a:noFill/>
+        </p:spPr>
+        <p:txBody>
+          <a:bodyPr wrap="none" rtlCol="0">
+            <a:spAutoFit/>
+          </a:bodyPr>
+          <a:lstStyle/>
+          <a:p>
+            <a:pPr algn="r"/>
+            <a:r>
+              <a:rPr lang="en-US" altLang="ko-KR" sz="800" dirty="0">
+                <a:solidFill>
+                  <a:prstClr val="white"/>
+                </a:solidFill>
+                <a:latin typeface="나눔스퀘어라운드 Regular"/>
+              </a:rPr>
+              <a:t>Copyrightⓒ. Saebyeol Yu. All Rights Reserved.</a:t>
+            </a:r>
+            <a:endParaRPr lang="ko-KR" altLang="en-US" sz="800" dirty="0">
+              <a:solidFill>
+                <a:prstClr val="white"/>
+              </a:solidFill>
+              <a:latin typeface="나눔스퀘어라운드 Regular"/>
+            </a:endParaRPr>
+          </a:p>
+        </p:txBody>
+      </p:sp>
+    </p:spTree>
+    <p:extLst>
+      <p:ext uri="{BB962C8B-B14F-4D97-AF65-F5344CB8AC3E}">
+        <p14:creationId xmlns:p14="http://schemas.microsoft.com/office/powerpoint/2010/main" val="1067543428"/>
+      </p:ext>
+    </p:extLst>
+  </p:cSld>
+  <p:clrMapOvr>
+    <a:masterClrMapping/>
+  </p:clrMapOvr>
+</p:sld>
+</file>
+
+<file path=ppt/slides/slide22.xml><?xml version="1.0" encoding="utf-8"?>
+<p:sld xmlns:a="http://schemas.openxmlformats.org/drawingml/2006/main" xmlns:r="http://schemas.openxmlformats.org/officeDocument/2006/relationships" xmlns:p="http://schemas.openxmlformats.org/presentationml/2006/main">
+  <p:cSld>
+    <p:spTree>
+      <p:nvGrpSpPr>
+        <p:cNvPr id="1" name=""/>
+        <p:cNvGrpSpPr/>
+        <p:nvPr/>
+      </p:nvGrpSpPr>
+      <p:grpSpPr>
+        <a:xfrm>
+          <a:off x="0" y="0"/>
+          <a:ext cx="0" cy="0"/>
+          <a:chOff x="0" y="0"/>
+          <a:chExt cx="0" cy="0"/>
+        </a:xfrm>
+      </p:grpSpPr>
+      <p:sp>
+        <p:nvSpPr>
+          <p:cNvPr id="9" name="직사각형 8"/>
+          <p:cNvSpPr/>
+          <p:nvPr/>
+        </p:nvSpPr>
+        <p:spPr>
+          <a:xfrm>
+            <a:off x="0" y="0"/>
+            <a:ext cx="12192000" cy="1638300"/>
+          </a:xfrm>
+          <a:prstGeom prst="rect">
+            <a:avLst/>
+          </a:prstGeom>
+          <a:solidFill>
+            <a:schemeClr val="bg2"/>
+          </a:solidFill>
+          <a:ln>
+            <a:noFill/>
+          </a:ln>
+        </p:spPr>
+        <p:style>
+          <a:lnRef idx="2">
+            <a:schemeClr val="accent1">
+              <a:shade val="50000"/>
+            </a:schemeClr>
+          </a:lnRef>
+          <a:fillRef idx="1">
+            <a:schemeClr val="accent1"/>
+          </a:fillRef>
+          <a:effectRef idx="0">
+            <a:schemeClr val="accent1"/>
+          </a:effectRef>
+          <a:fontRef idx="minor">
+            <a:schemeClr val="lt1"/>
+          </a:fontRef>
+        </p:style>
+        <p:txBody>
+          <a:bodyPr rtlCol="0" anchor="ctr"/>
+          <a:lstStyle/>
+          <a:p>
+            <a:pPr algn="ctr"/>
+            <a:endParaRPr lang="ko-KR" altLang="en-US"/>
+          </a:p>
+        </p:txBody>
+      </p:sp>
+      <p:cxnSp>
+        <p:nvCxnSpPr>
+          <p:cNvPr id="2" name="직선 연결선 1"/>
+          <p:cNvCxnSpPr/>
+          <p:nvPr/>
+        </p:nvCxnSpPr>
+        <p:spPr>
+          <a:xfrm>
+            <a:off x="139700" y="491296"/>
+            <a:ext cx="1993900" cy="0"/>
+          </a:xfrm>
+          <a:prstGeom prst="line">
+            <a:avLst/>
+          </a:prstGeom>
+          <a:ln>
             <a:solidFill>
-              <a:schemeClr val="accent4">
-                <a:lumMod val="60000"/>
-                <a:lumOff val="40000"/>
-              </a:schemeClr>
+              <a:schemeClr val="accent4"/>
             </a:solidFill>
           </a:ln>
         </p:spPr>
@@ -22179,6 +24063,837 @@
           </a:fontRef>
         </p:style>
       </p:cxnSp>
+      <p:sp>
+        <p:nvSpPr>
+          <p:cNvPr id="4" name="TextBox 3"/>
+          <p:cNvSpPr txBox="1"/>
+          <p:nvPr/>
+        </p:nvSpPr>
+        <p:spPr>
+          <a:xfrm>
+            <a:off x="1481886" y="652394"/>
+            <a:ext cx="753732" cy="584775"/>
+          </a:xfrm>
+          <a:prstGeom prst="rect">
+            <a:avLst/>
+          </a:prstGeom>
+          <a:noFill/>
+        </p:spPr>
+        <p:txBody>
+          <a:bodyPr wrap="none" rtlCol="0">
+            <a:spAutoFit/>
+          </a:bodyPr>
+          <a:lstStyle/>
+          <a:p>
+            <a:pPr algn="r"/>
+            <a:r>
+              <a:rPr lang="en-US" altLang="ko-KR" sz="3200" b="1" dirty="0">
+                <a:solidFill>
+                  <a:schemeClr val="accent4"/>
+                </a:solidFill>
+              </a:rPr>
+              <a:t>4</a:t>
+            </a:r>
+            <a:r>
+              <a:rPr lang="en-US" altLang="ko-KR" sz="3200" b="1" dirty="0" smtClean="0">
+                <a:solidFill>
+                  <a:schemeClr val="accent4"/>
+                </a:solidFill>
+              </a:rPr>
+              <a:t>.1</a:t>
+            </a:r>
+            <a:endParaRPr lang="ko-KR" altLang="en-US" sz="3200" b="1" dirty="0">
+              <a:solidFill>
+                <a:schemeClr val="accent4"/>
+              </a:solidFill>
+            </a:endParaRPr>
+          </a:p>
+        </p:txBody>
+      </p:sp>
+      <p:sp>
+        <p:nvSpPr>
+          <p:cNvPr id="7" name="TextBox 6"/>
+          <p:cNvSpPr txBox="1"/>
+          <p:nvPr/>
+        </p:nvSpPr>
+        <p:spPr>
+          <a:xfrm>
+            <a:off x="2289252" y="1180991"/>
+            <a:ext cx="184731" cy="307777"/>
+          </a:xfrm>
+          <a:prstGeom prst="rect">
+            <a:avLst/>
+          </a:prstGeom>
+          <a:noFill/>
+        </p:spPr>
+        <p:txBody>
+          <a:bodyPr wrap="none" rtlCol="0">
+            <a:spAutoFit/>
+          </a:bodyPr>
+          <a:lstStyle/>
+          <a:p>
+            <a:endParaRPr lang="ko-KR" altLang="en-US" sz="1400" dirty="0">
+              <a:solidFill>
+                <a:schemeClr val="accent4"/>
+              </a:solidFill>
+            </a:endParaRPr>
+          </a:p>
+        </p:txBody>
+      </p:sp>
+      <p:sp>
+        <p:nvSpPr>
+          <p:cNvPr id="11" name="TextBox 10"/>
+          <p:cNvSpPr txBox="1"/>
+          <p:nvPr/>
+        </p:nvSpPr>
+        <p:spPr>
+          <a:xfrm>
+            <a:off x="1803398" y="1710011"/>
+            <a:ext cx="4759327" cy="3416320"/>
+          </a:xfrm>
+          <a:prstGeom prst="rect">
+            <a:avLst/>
+          </a:prstGeom>
+          <a:noFill/>
+        </p:spPr>
+        <p:txBody>
+          <a:bodyPr wrap="square" rtlCol="0">
+            <a:spAutoFit/>
+          </a:bodyPr>
+          <a:lstStyle/>
+          <a:p>
+            <a:pPr marL="285750" indent="-285750">
+              <a:lnSpc>
+                <a:spcPct val="200000"/>
+              </a:lnSpc>
+              <a:buFont typeface="Arial" panose="020B0604020202020204" pitchFamily="34" charset="0"/>
+              <a:buChar char="•"/>
+            </a:pPr>
+            <a:r>
+              <a:rPr lang="ko-KR" altLang="en-US" b="1" dirty="0" smtClean="0">
+                <a:solidFill>
+                  <a:schemeClr val="accent4"/>
+                </a:solidFill>
+              </a:rPr>
+              <a:t>나머지 </a:t>
+            </a:r>
+            <a:r>
+              <a:rPr lang="en-US" altLang="ko-KR" b="1" dirty="0" smtClean="0">
+                <a:solidFill>
+                  <a:schemeClr val="accent4"/>
+                </a:solidFill>
+              </a:rPr>
+              <a:t>API </a:t>
+            </a:r>
+            <a:r>
+              <a:rPr lang="ko-KR" altLang="en-US" b="1" dirty="0" smtClean="0">
+                <a:solidFill>
+                  <a:schemeClr val="accent4"/>
+                </a:solidFill>
+              </a:rPr>
+              <a:t>구현</a:t>
+            </a:r>
+            <a:endParaRPr lang="en-US" altLang="ko-KR" b="1" dirty="0" smtClean="0">
+              <a:solidFill>
+                <a:schemeClr val="accent4"/>
+              </a:solidFill>
+            </a:endParaRPr>
+          </a:p>
+          <a:p>
+            <a:pPr marL="285750" indent="-285750">
+              <a:lnSpc>
+                <a:spcPct val="200000"/>
+              </a:lnSpc>
+              <a:buFont typeface="Arial" panose="020B0604020202020204" pitchFamily="34" charset="0"/>
+              <a:buChar char="•"/>
+            </a:pPr>
+            <a:r>
+              <a:rPr lang="en-US" altLang="ko-KR" b="1" dirty="0" smtClean="0">
+                <a:solidFill>
+                  <a:schemeClr val="accent4"/>
+                </a:solidFill>
+              </a:rPr>
+              <a:t>Library interface </a:t>
+            </a:r>
+            <a:r>
+              <a:rPr lang="ko-KR" altLang="en-US" b="1" dirty="0" smtClean="0">
+                <a:solidFill>
+                  <a:schemeClr val="accent4"/>
+                </a:solidFill>
+              </a:rPr>
+              <a:t>구조</a:t>
+            </a:r>
+            <a:endParaRPr lang="en-US" altLang="ko-KR" b="1" dirty="0" smtClean="0">
+              <a:solidFill>
+                <a:schemeClr val="accent4"/>
+              </a:solidFill>
+            </a:endParaRPr>
+          </a:p>
+          <a:p>
+            <a:pPr marL="285750" indent="-285750">
+              <a:lnSpc>
+                <a:spcPct val="200000"/>
+              </a:lnSpc>
+              <a:buFont typeface="Arial" panose="020B0604020202020204" pitchFamily="34" charset="0"/>
+              <a:buChar char="•"/>
+            </a:pPr>
+            <a:r>
+              <a:rPr lang="en-US" altLang="ko-KR" b="1" dirty="0" smtClean="0">
+                <a:solidFill>
+                  <a:schemeClr val="accent4"/>
+                </a:solidFill>
+              </a:rPr>
+              <a:t>Spring </a:t>
+            </a:r>
+            <a:r>
+              <a:rPr lang="en-US" altLang="ko-KR" b="1" dirty="0" err="1" smtClean="0">
+                <a:solidFill>
+                  <a:schemeClr val="accent4"/>
+                </a:solidFill>
+              </a:rPr>
+              <a:t>Batch,Ci</a:t>
+            </a:r>
+            <a:r>
+              <a:rPr lang="en-US" altLang="ko-KR" b="1" dirty="0" smtClean="0">
+                <a:solidFill>
+                  <a:schemeClr val="accent4"/>
+                </a:solidFill>
+              </a:rPr>
+              <a:t>/Cd</a:t>
+            </a:r>
+          </a:p>
+          <a:p>
+            <a:pPr marL="1200150" lvl="2" indent="-285750">
+              <a:lnSpc>
+                <a:spcPct val="200000"/>
+              </a:lnSpc>
+              <a:buFont typeface="Arial" panose="020B0604020202020204" pitchFamily="34" charset="0"/>
+              <a:buChar char="•"/>
+            </a:pPr>
+            <a:endParaRPr lang="en-US" altLang="ko-KR" b="1" dirty="0" smtClean="0">
+              <a:solidFill>
+                <a:schemeClr val="accent4"/>
+              </a:solidFill>
+            </a:endParaRPr>
+          </a:p>
+          <a:p>
+            <a:pPr marL="1200150" lvl="2" indent="-285750">
+              <a:lnSpc>
+                <a:spcPct val="200000"/>
+              </a:lnSpc>
+              <a:buFont typeface="Arial" panose="020B0604020202020204" pitchFamily="34" charset="0"/>
+              <a:buChar char="•"/>
+            </a:pPr>
+            <a:endParaRPr lang="en-US" altLang="ko-KR" b="1" dirty="0" smtClean="0">
+              <a:solidFill>
+                <a:schemeClr val="accent4"/>
+              </a:solidFill>
+            </a:endParaRPr>
+          </a:p>
+          <a:p>
+            <a:pPr lvl="2">
+              <a:lnSpc>
+                <a:spcPct val="200000"/>
+              </a:lnSpc>
+            </a:pPr>
+            <a:endParaRPr lang="en-US" altLang="ko-KR" b="1" dirty="0" smtClean="0">
+              <a:solidFill>
+                <a:schemeClr val="accent4"/>
+              </a:solidFill>
+            </a:endParaRPr>
+          </a:p>
+        </p:txBody>
+      </p:sp>
+      <p:sp>
+        <p:nvSpPr>
+          <p:cNvPr id="14" name="TextBox 13"/>
+          <p:cNvSpPr txBox="1"/>
+          <p:nvPr/>
+        </p:nvSpPr>
+        <p:spPr>
+          <a:xfrm>
+            <a:off x="2263852" y="645071"/>
+            <a:ext cx="1794081" cy="584775"/>
+          </a:xfrm>
+          <a:prstGeom prst="rect">
+            <a:avLst/>
+          </a:prstGeom>
+          <a:noFill/>
+        </p:spPr>
+        <p:txBody>
+          <a:bodyPr wrap="none" rtlCol="0">
+            <a:spAutoFit/>
+          </a:bodyPr>
+          <a:lstStyle/>
+          <a:p>
+            <a:r>
+              <a:rPr lang="ko-KR" altLang="en-US" sz="3200" b="1" dirty="0">
+                <a:solidFill>
+                  <a:srgbClr val="666666"/>
+                </a:solidFill>
+              </a:rPr>
+              <a:t>개선사항</a:t>
+            </a:r>
+            <a:endParaRPr lang="ko-KR" altLang="en-US" sz="3000" spc="-150" dirty="0">
+              <a:solidFill>
+                <a:schemeClr val="accent4"/>
+              </a:solidFill>
+              <a:latin typeface="+mj-ea"/>
+              <a:ea typeface="+mj-ea"/>
+            </a:endParaRPr>
+          </a:p>
+        </p:txBody>
+      </p:sp>
+      <p:sp>
+        <p:nvSpPr>
+          <p:cNvPr id="16" name="TextBox 15"/>
+          <p:cNvSpPr txBox="1"/>
+          <p:nvPr/>
+        </p:nvSpPr>
+        <p:spPr>
+          <a:xfrm>
+            <a:off x="83938" y="169136"/>
+            <a:ext cx="1189749" cy="307777"/>
+          </a:xfrm>
+          <a:prstGeom prst="rect">
+            <a:avLst/>
+          </a:prstGeom>
+          <a:noFill/>
+        </p:spPr>
+        <p:txBody>
+          <a:bodyPr wrap="none" rtlCol="0">
+            <a:spAutoFit/>
+          </a:bodyPr>
+          <a:lstStyle/>
+          <a:p>
+            <a:pPr algn="dist"/>
+            <a:r>
+              <a:rPr lang="en-US" altLang="ko-KR" sz="1400" dirty="0" smtClean="0">
+                <a:solidFill>
+                  <a:schemeClr val="accent4"/>
+                </a:solidFill>
+              </a:rPr>
+              <a:t>Seating Map</a:t>
+            </a:r>
+            <a:endParaRPr lang="en-US" altLang="ko-KR" sz="1400" dirty="0">
+              <a:solidFill>
+                <a:schemeClr val="accent4"/>
+              </a:solidFill>
+            </a:endParaRPr>
+          </a:p>
+        </p:txBody>
+      </p:sp>
+    </p:spTree>
+    <p:extLst>
+      <p:ext uri="{BB962C8B-B14F-4D97-AF65-F5344CB8AC3E}">
+        <p14:creationId xmlns:p14="http://schemas.microsoft.com/office/powerpoint/2010/main" val="1591527673"/>
+      </p:ext>
+    </p:extLst>
+  </p:cSld>
+  <p:clrMapOvr>
+    <a:masterClrMapping/>
+  </p:clrMapOvr>
+  <p:timing>
+    <p:tnLst>
+      <p:par>
+        <p:cTn id="1" dur="indefinite" restart="never" nodeType="tmRoot"/>
+      </p:par>
+    </p:tnLst>
+  </p:timing>
+</p:sld>
+</file>
+
+<file path=ppt/slides/slide23.xml><?xml version="1.0" encoding="utf-8"?>
+<p:sld xmlns:a="http://schemas.openxmlformats.org/drawingml/2006/main" xmlns:r="http://schemas.openxmlformats.org/officeDocument/2006/relationships" xmlns:p="http://schemas.openxmlformats.org/presentationml/2006/main">
+  <p:cSld>
+    <p:spTree>
+      <p:nvGrpSpPr>
+        <p:cNvPr id="1" name=""/>
+        <p:cNvGrpSpPr/>
+        <p:nvPr/>
+      </p:nvGrpSpPr>
+      <p:grpSpPr>
+        <a:xfrm>
+          <a:off x="0" y="0"/>
+          <a:ext cx="0" cy="0"/>
+          <a:chOff x="0" y="0"/>
+          <a:chExt cx="0" cy="0"/>
+        </a:xfrm>
+      </p:grpSpPr>
+      <p:sp>
+        <p:nvSpPr>
+          <p:cNvPr id="9" name="직사각형 8"/>
+          <p:cNvSpPr/>
+          <p:nvPr/>
+        </p:nvSpPr>
+        <p:spPr>
+          <a:xfrm>
+            <a:off x="0" y="0"/>
+            <a:ext cx="12192000" cy="1638300"/>
+          </a:xfrm>
+          <a:prstGeom prst="rect">
+            <a:avLst/>
+          </a:prstGeom>
+          <a:solidFill>
+            <a:schemeClr val="bg2"/>
+          </a:solidFill>
+          <a:ln>
+            <a:noFill/>
+          </a:ln>
+        </p:spPr>
+        <p:style>
+          <a:lnRef idx="2">
+            <a:schemeClr val="accent1">
+              <a:shade val="50000"/>
+            </a:schemeClr>
+          </a:lnRef>
+          <a:fillRef idx="1">
+            <a:schemeClr val="accent1"/>
+          </a:fillRef>
+          <a:effectRef idx="0">
+            <a:schemeClr val="accent1"/>
+          </a:effectRef>
+          <a:fontRef idx="minor">
+            <a:schemeClr val="lt1"/>
+          </a:fontRef>
+        </p:style>
+        <p:txBody>
+          <a:bodyPr rtlCol="0" anchor="ctr"/>
+          <a:lstStyle/>
+          <a:p>
+            <a:pPr algn="ctr"/>
+            <a:endParaRPr lang="ko-KR" altLang="en-US"/>
+          </a:p>
+        </p:txBody>
+      </p:sp>
+      <p:cxnSp>
+        <p:nvCxnSpPr>
+          <p:cNvPr id="2" name="직선 연결선 1"/>
+          <p:cNvCxnSpPr/>
+          <p:nvPr/>
+        </p:nvCxnSpPr>
+        <p:spPr>
+          <a:xfrm>
+            <a:off x="139700" y="491296"/>
+            <a:ext cx="1993900" cy="0"/>
+          </a:xfrm>
+          <a:prstGeom prst="line">
+            <a:avLst/>
+          </a:prstGeom>
+          <a:ln>
+            <a:solidFill>
+              <a:schemeClr val="accent4"/>
+            </a:solidFill>
+          </a:ln>
+        </p:spPr>
+        <p:style>
+          <a:lnRef idx="1">
+            <a:schemeClr val="accent1"/>
+          </a:lnRef>
+          <a:fillRef idx="0">
+            <a:schemeClr val="accent1"/>
+          </a:fillRef>
+          <a:effectRef idx="0">
+            <a:schemeClr val="accent1"/>
+          </a:effectRef>
+          <a:fontRef idx="minor">
+            <a:schemeClr val="tx1"/>
+          </a:fontRef>
+        </p:style>
+      </p:cxnSp>
+      <p:sp>
+        <p:nvSpPr>
+          <p:cNvPr id="4" name="TextBox 3"/>
+          <p:cNvSpPr txBox="1"/>
+          <p:nvPr/>
+        </p:nvSpPr>
+        <p:spPr>
+          <a:xfrm>
+            <a:off x="1481886" y="652394"/>
+            <a:ext cx="753732" cy="584775"/>
+          </a:xfrm>
+          <a:prstGeom prst="rect">
+            <a:avLst/>
+          </a:prstGeom>
+          <a:noFill/>
+        </p:spPr>
+        <p:txBody>
+          <a:bodyPr wrap="none" rtlCol="0">
+            <a:spAutoFit/>
+          </a:bodyPr>
+          <a:lstStyle/>
+          <a:p>
+            <a:pPr algn="r"/>
+            <a:r>
+              <a:rPr lang="en-US" altLang="ko-KR" sz="3200" b="1" dirty="0" smtClean="0">
+                <a:solidFill>
+                  <a:schemeClr val="accent4"/>
+                </a:solidFill>
+              </a:rPr>
+              <a:t>4</a:t>
+            </a:r>
+            <a:r>
+              <a:rPr lang="en-US" altLang="ko-KR" sz="3200" b="1" dirty="0" smtClean="0">
+                <a:solidFill>
+                  <a:schemeClr val="accent4"/>
+                </a:solidFill>
+              </a:rPr>
+              <a:t>.2</a:t>
+            </a:r>
+            <a:endParaRPr lang="ko-KR" altLang="en-US" sz="3200" b="1" dirty="0">
+              <a:solidFill>
+                <a:schemeClr val="accent4"/>
+              </a:solidFill>
+            </a:endParaRPr>
+          </a:p>
+        </p:txBody>
+      </p:sp>
+      <p:sp>
+        <p:nvSpPr>
+          <p:cNvPr id="7" name="TextBox 6"/>
+          <p:cNvSpPr txBox="1"/>
+          <p:nvPr/>
+        </p:nvSpPr>
+        <p:spPr>
+          <a:xfrm>
+            <a:off x="2289252" y="1180991"/>
+            <a:ext cx="184731" cy="307777"/>
+          </a:xfrm>
+          <a:prstGeom prst="rect">
+            <a:avLst/>
+          </a:prstGeom>
+          <a:noFill/>
+        </p:spPr>
+        <p:txBody>
+          <a:bodyPr wrap="none" rtlCol="0">
+            <a:spAutoFit/>
+          </a:bodyPr>
+          <a:lstStyle/>
+          <a:p>
+            <a:endParaRPr lang="ko-KR" altLang="en-US" sz="1400" dirty="0">
+              <a:solidFill>
+                <a:schemeClr val="accent4"/>
+              </a:solidFill>
+            </a:endParaRPr>
+          </a:p>
+        </p:txBody>
+      </p:sp>
+      <p:sp>
+        <p:nvSpPr>
+          <p:cNvPr id="11" name="TextBox 10"/>
+          <p:cNvSpPr txBox="1"/>
+          <p:nvPr/>
+        </p:nvSpPr>
+        <p:spPr>
+          <a:xfrm>
+            <a:off x="1803398" y="1707084"/>
+            <a:ext cx="7120265" cy="4108817"/>
+          </a:xfrm>
+          <a:prstGeom prst="rect">
+            <a:avLst/>
+          </a:prstGeom>
+          <a:noFill/>
+        </p:spPr>
+        <p:txBody>
+          <a:bodyPr wrap="square" rtlCol="0">
+            <a:spAutoFit/>
+          </a:bodyPr>
+          <a:lstStyle/>
+          <a:p>
+            <a:pPr marL="285750" indent="-285750">
+              <a:lnSpc>
+                <a:spcPct val="200000"/>
+              </a:lnSpc>
+              <a:buFont typeface="Arial" panose="020B0604020202020204" pitchFamily="34" charset="0"/>
+              <a:buChar char="•"/>
+            </a:pPr>
+            <a:r>
+              <a:rPr lang="ko-KR" altLang="en-US" b="1" dirty="0">
+                <a:solidFill>
+                  <a:schemeClr val="accent4"/>
+                </a:solidFill>
+              </a:rPr>
+              <a:t>설계 부터 </a:t>
+            </a:r>
+            <a:r>
+              <a:rPr lang="ko-KR" altLang="en-US" b="1" dirty="0" smtClean="0">
+                <a:solidFill>
+                  <a:schemeClr val="accent4"/>
+                </a:solidFill>
+              </a:rPr>
+              <a:t>개발</a:t>
+            </a:r>
+            <a:endParaRPr lang="en-US" altLang="ko-KR" b="1" dirty="0" smtClean="0">
+              <a:solidFill>
+                <a:schemeClr val="accent4"/>
+              </a:solidFill>
+            </a:endParaRPr>
+          </a:p>
+          <a:p>
+            <a:pPr marL="285750" indent="-285750">
+              <a:lnSpc>
+                <a:spcPct val="200000"/>
+              </a:lnSpc>
+              <a:buFont typeface="Arial" panose="020B0604020202020204" pitchFamily="34" charset="0"/>
+              <a:buChar char="•"/>
+            </a:pPr>
+            <a:r>
+              <a:rPr lang="ko-KR" altLang="en-US" b="1" dirty="0" smtClean="0">
+                <a:solidFill>
+                  <a:schemeClr val="accent4"/>
+                </a:solidFill>
+              </a:rPr>
+              <a:t>다양한 기</a:t>
+            </a:r>
+            <a:r>
+              <a:rPr lang="ko-KR" altLang="en-US" b="1" dirty="0">
+                <a:solidFill>
+                  <a:schemeClr val="accent4"/>
+                </a:solidFill>
+              </a:rPr>
+              <a:t>술</a:t>
+            </a:r>
+            <a:r>
+              <a:rPr lang="en-US" altLang="ko-KR" b="1" dirty="0" smtClean="0">
+                <a:solidFill>
+                  <a:schemeClr val="accent4"/>
+                </a:solidFill>
+              </a:rPr>
+              <a:t>(JPA, Spring security)</a:t>
+            </a:r>
+          </a:p>
+          <a:p>
+            <a:pPr marL="285750" indent="-285750">
+              <a:lnSpc>
+                <a:spcPct val="200000"/>
+              </a:lnSpc>
+              <a:buFont typeface="Arial" panose="020B0604020202020204" pitchFamily="34" charset="0"/>
+              <a:buChar char="•"/>
+            </a:pPr>
+            <a:r>
+              <a:rPr lang="ko-KR" altLang="en-US" b="1" dirty="0" smtClean="0">
+                <a:solidFill>
+                  <a:schemeClr val="accent4"/>
+                </a:solidFill>
+              </a:rPr>
+              <a:t>다양한 경험</a:t>
+            </a:r>
+            <a:r>
+              <a:rPr lang="en-US" altLang="ko-KR" b="1" dirty="0" smtClean="0">
+                <a:solidFill>
+                  <a:schemeClr val="accent4"/>
+                </a:solidFill>
+              </a:rPr>
+              <a:t>(TDD,DDD)</a:t>
+            </a:r>
+          </a:p>
+          <a:p>
+            <a:pPr marL="285750" indent="-285750">
+              <a:lnSpc>
+                <a:spcPct val="200000"/>
+              </a:lnSpc>
+              <a:buFont typeface="Arial" panose="020B0604020202020204" pitchFamily="34" charset="0"/>
+              <a:buChar char="•"/>
+            </a:pPr>
+            <a:r>
+              <a:rPr lang="ko-KR" altLang="en-US" b="1" dirty="0" smtClean="0">
+                <a:solidFill>
+                  <a:schemeClr val="accent4"/>
+                </a:solidFill>
+              </a:rPr>
+              <a:t>협업</a:t>
+            </a:r>
+            <a:r>
+              <a:rPr lang="en-US" altLang="ko-KR" b="1" dirty="0" smtClean="0">
+                <a:solidFill>
+                  <a:schemeClr val="accent4"/>
+                </a:solidFill>
+              </a:rPr>
+              <a:t>(</a:t>
+            </a:r>
+            <a:r>
+              <a:rPr lang="en-US" altLang="ko-KR" b="1" dirty="0" err="1">
+                <a:solidFill>
+                  <a:schemeClr val="accent4"/>
+                </a:solidFill>
+              </a:rPr>
+              <a:t>g</a:t>
+            </a:r>
+            <a:r>
+              <a:rPr lang="en-US" altLang="ko-KR" b="1" dirty="0" err="1" smtClean="0">
+                <a:solidFill>
+                  <a:schemeClr val="accent4"/>
+                </a:solidFill>
+              </a:rPr>
+              <a:t>it</a:t>
+            </a:r>
+            <a:r>
+              <a:rPr lang="en-US" altLang="ko-KR" b="1" dirty="0" smtClean="0">
+                <a:solidFill>
+                  <a:schemeClr val="accent4"/>
+                </a:solidFill>
+              </a:rPr>
+              <a:t> issue, </a:t>
+            </a:r>
+            <a:r>
+              <a:rPr lang="en-US" altLang="ko-KR" b="1" dirty="0" err="1" smtClean="0">
+                <a:solidFill>
+                  <a:schemeClr val="accent4"/>
+                </a:solidFill>
+              </a:rPr>
+              <a:t>git</a:t>
+            </a:r>
+            <a:r>
+              <a:rPr lang="en-US" altLang="ko-KR" b="1" dirty="0" smtClean="0">
+                <a:solidFill>
+                  <a:schemeClr val="accent4"/>
+                </a:solidFill>
+              </a:rPr>
+              <a:t> flow)</a:t>
+            </a:r>
+          </a:p>
+          <a:p>
+            <a:pPr marL="285750" indent="-285750">
+              <a:lnSpc>
+                <a:spcPct val="200000"/>
+              </a:lnSpc>
+              <a:buFont typeface="Arial" panose="020B0604020202020204" pitchFamily="34" charset="0"/>
+              <a:buChar char="•"/>
+            </a:pPr>
+            <a:r>
+              <a:rPr lang="ko-KR" altLang="en-US" b="1" dirty="0" smtClean="0">
+                <a:solidFill>
+                  <a:schemeClr val="accent4"/>
+                </a:solidFill>
+              </a:rPr>
+              <a:t>코드리뷰 </a:t>
+            </a:r>
+            <a:endParaRPr lang="en-US" altLang="ko-KR" b="1" dirty="0" smtClean="0">
+              <a:solidFill>
+                <a:schemeClr val="accent4"/>
+              </a:solidFill>
+            </a:endParaRPr>
+          </a:p>
+          <a:p>
+            <a:pPr marL="1200150" lvl="2" indent="-285750">
+              <a:lnSpc>
+                <a:spcPct val="150000"/>
+              </a:lnSpc>
+              <a:buFont typeface="Arial" panose="020B0604020202020204" pitchFamily="34" charset="0"/>
+              <a:buChar char="•"/>
+            </a:pPr>
+            <a:endParaRPr lang="en-US" altLang="ko-KR" b="1" dirty="0" smtClean="0">
+              <a:solidFill>
+                <a:schemeClr val="accent4"/>
+              </a:solidFill>
+            </a:endParaRPr>
+          </a:p>
+          <a:p>
+            <a:pPr marL="1200150" lvl="2" indent="-285750">
+              <a:lnSpc>
+                <a:spcPct val="150000"/>
+              </a:lnSpc>
+              <a:buFont typeface="Arial" panose="020B0604020202020204" pitchFamily="34" charset="0"/>
+              <a:buChar char="•"/>
+            </a:pPr>
+            <a:endParaRPr lang="en-US" altLang="ko-KR" b="1" dirty="0" smtClean="0">
+              <a:solidFill>
+                <a:schemeClr val="accent4"/>
+              </a:solidFill>
+            </a:endParaRPr>
+          </a:p>
+          <a:p>
+            <a:pPr lvl="2">
+              <a:lnSpc>
+                <a:spcPct val="150000"/>
+              </a:lnSpc>
+            </a:pPr>
+            <a:endParaRPr lang="en-US" altLang="ko-KR" b="1" dirty="0" smtClean="0">
+              <a:solidFill>
+                <a:schemeClr val="accent4"/>
+              </a:solidFill>
+            </a:endParaRPr>
+          </a:p>
+        </p:txBody>
+      </p:sp>
+      <p:sp>
+        <p:nvSpPr>
+          <p:cNvPr id="14" name="TextBox 13"/>
+          <p:cNvSpPr txBox="1"/>
+          <p:nvPr/>
+        </p:nvSpPr>
+        <p:spPr>
+          <a:xfrm>
+            <a:off x="2263852" y="645071"/>
+            <a:ext cx="989373" cy="584775"/>
+          </a:xfrm>
+          <a:prstGeom prst="rect">
+            <a:avLst/>
+          </a:prstGeom>
+          <a:noFill/>
+        </p:spPr>
+        <p:txBody>
+          <a:bodyPr wrap="none" rtlCol="0">
+            <a:spAutoFit/>
+          </a:bodyPr>
+          <a:lstStyle/>
+          <a:p>
+            <a:r>
+              <a:rPr lang="ko-KR" altLang="en-US" sz="3200" b="1" dirty="0">
+                <a:solidFill>
+                  <a:srgbClr val="666666"/>
+                </a:solidFill>
+              </a:rPr>
+              <a:t>소감</a:t>
+            </a:r>
+            <a:endParaRPr lang="ko-KR" altLang="en-US" sz="3000" spc="-150" dirty="0">
+              <a:solidFill>
+                <a:schemeClr val="accent4"/>
+              </a:solidFill>
+              <a:latin typeface="+mj-ea"/>
+            </a:endParaRPr>
+          </a:p>
+        </p:txBody>
+      </p:sp>
+      <p:sp>
+        <p:nvSpPr>
+          <p:cNvPr id="16" name="TextBox 15"/>
+          <p:cNvSpPr txBox="1"/>
+          <p:nvPr/>
+        </p:nvSpPr>
+        <p:spPr>
+          <a:xfrm>
+            <a:off x="83938" y="169136"/>
+            <a:ext cx="1189749" cy="307777"/>
+          </a:xfrm>
+          <a:prstGeom prst="rect">
+            <a:avLst/>
+          </a:prstGeom>
+          <a:noFill/>
+        </p:spPr>
+        <p:txBody>
+          <a:bodyPr wrap="none" rtlCol="0">
+            <a:spAutoFit/>
+          </a:bodyPr>
+          <a:lstStyle/>
+          <a:p>
+            <a:pPr algn="dist"/>
+            <a:r>
+              <a:rPr lang="en-US" altLang="ko-KR" sz="1400" dirty="0" smtClean="0">
+                <a:solidFill>
+                  <a:schemeClr val="accent4"/>
+                </a:solidFill>
+              </a:rPr>
+              <a:t>Seating Map</a:t>
+            </a:r>
+            <a:endParaRPr lang="en-US" altLang="ko-KR" sz="1400" dirty="0">
+              <a:solidFill>
+                <a:schemeClr val="accent4"/>
+              </a:solidFill>
+            </a:endParaRPr>
+          </a:p>
+        </p:txBody>
+      </p:sp>
     </p:spTree>
     <p:extLst>
       <p:ext uri="{BB962C8B-B14F-4D97-AF65-F5344CB8AC3E}">
@@ -22199,7 +24914,7 @@
 </p:sld>
 </file>
 
-<file path=ppt/slides/slide21.xml><?xml version="1.0" encoding="utf-8"?>
+<file path=ppt/slides/slide24.xml><?xml version="1.0" encoding="utf-8"?>
 <p:sld xmlns:a="http://schemas.openxmlformats.org/drawingml/2006/main" xmlns:r="http://schemas.openxmlformats.org/officeDocument/2006/relationships" xmlns:p="http://schemas.openxmlformats.org/presentationml/2006/main">
   <p:cSld>
     <p:bg>
@@ -26625,7 +29340,7 @@
         <p:spPr>
           <a:xfrm>
             <a:off x="2263852" y="645071"/>
-            <a:ext cx="1625766" cy="553998"/>
+            <a:ext cx="3631122" cy="584775"/>
           </a:xfrm>
           <a:prstGeom prst="rect">
             <a:avLst/>
@@ -26639,56 +29354,14 @@
           <a:lstStyle/>
           <a:p>
             <a:r>
-              <a:rPr lang="en-US" altLang="ko-KR" sz="3000" spc="-150" dirty="0" smtClean="0">
-                <a:solidFill>
-                  <a:schemeClr val="accent4"/>
-                </a:solidFill>
-                <a:latin typeface="+mj-ea"/>
-                <a:ea typeface="+mj-ea"/>
-              </a:rPr>
-              <a:t>Week0/1</a:t>
-            </a:r>
-            <a:endParaRPr lang="ko-KR" altLang="en-US" sz="3000" spc="-150" dirty="0">
-              <a:solidFill>
-                <a:schemeClr val="accent4"/>
-              </a:solidFill>
-              <a:latin typeface="+mj-ea"/>
-              <a:ea typeface="+mj-ea"/>
-            </a:endParaRPr>
-          </a:p>
-        </p:txBody>
-      </p:sp>
-      <p:sp>
-        <p:nvSpPr>
-          <p:cNvPr id="14" name="TextBox 13"/>
-          <p:cNvSpPr txBox="1"/>
-          <p:nvPr/>
-        </p:nvSpPr>
-        <p:spPr>
-          <a:xfrm>
-            <a:off x="1882797" y="1736259"/>
-            <a:ext cx="3204723" cy="523220"/>
-          </a:xfrm>
-          <a:prstGeom prst="rect">
-            <a:avLst/>
-          </a:prstGeom>
-          <a:noFill/>
-        </p:spPr>
-        <p:txBody>
-          <a:bodyPr wrap="none" rtlCol="0">
-            <a:spAutoFit/>
-          </a:bodyPr>
-          <a:lstStyle/>
-          <a:p>
-            <a:r>
-              <a:rPr lang="ko-KR" altLang="en-US" sz="2800" b="1" dirty="0" smtClean="0">
+              <a:rPr lang="ko-KR" altLang="en-US" sz="3200" b="1" dirty="0">
                 <a:solidFill>
                   <a:srgbClr val="666666"/>
                 </a:solidFill>
               </a:rPr>
               <a:t>자리 배치 프로그램</a:t>
             </a:r>
-            <a:endParaRPr lang="ko-KR" altLang="en-US" sz="2800" b="1" dirty="0">
+            <a:endParaRPr lang="ko-KR" altLang="en-US" sz="3200" b="1" dirty="0">
               <a:solidFill>
                 <a:srgbClr val="666666"/>
               </a:solidFill>
@@ -26704,7 +29377,7 @@
         </p:nvSpPr>
         <p:spPr>
           <a:xfrm>
-            <a:off x="1803399" y="2509967"/>
+            <a:off x="1803399" y="1695925"/>
             <a:ext cx="9655175" cy="3970318"/>
           </a:xfrm>
           <a:prstGeom prst="rect">
@@ -26873,44 +29546,6 @@
           </a:p>
         </p:txBody>
       </p:sp>
-      <p:cxnSp>
-        <p:nvCxnSpPr>
-          <p:cNvPr id="17" name="직선 연결선 17"/>
-          <p:cNvCxnSpPr/>
-          <p:nvPr/>
-        </p:nvCxnSpPr>
-        <p:spPr>
-          <a:xfrm>
-            <a:off x="1730052" y="1728292"/>
-            <a:ext cx="0" cy="491033"/>
-          </a:xfrm>
-          <a:prstGeom prst="line">
-            <a:avLst/>
-          </a:prstGeom>
-          <a:ln w="76200">
-            <a:solidFill>
-              <a:schemeClr val="accent4">
-                <a:lumMod val="60000"/>
-                <a:lumOff val="40000"/>
-              </a:schemeClr>
-            </a:solidFill>
-          </a:ln>
-        </p:spPr>
-        <p:style>
-          <a:lnRef idx="1">
-            <a:schemeClr val="accent1"/>
-          </a:lnRef>
-          <a:fillRef idx="0">
-            <a:schemeClr val="accent1"/>
-          </a:fillRef>
-          <a:effectRef idx="0">
-            <a:schemeClr val="accent1"/>
-          </a:effectRef>
-          <a:fontRef idx="minor">
-            <a:schemeClr val="tx1"/>
-          </a:fontRef>
-        </p:style>
-      </p:cxnSp>
       <p:sp>
         <p:nvSpPr>
           <p:cNvPr id="10" name="TextBox 9"/>
@@ -26995,7 +29630,7 @@
         </p:nvSpPr>
         <p:spPr>
           <a:xfrm>
-            <a:off x="1803400" y="2309942"/>
+            <a:off x="1803400" y="1852748"/>
             <a:ext cx="4111626" cy="5078313"/>
           </a:xfrm>
           <a:prstGeom prst="rect">
@@ -27240,7 +29875,7 @@
               <a:buChar char="•"/>
             </a:pPr>
             <a:r>
-              <a:rPr lang="en-US" altLang="ko-KR" b="1" dirty="0" err="1">
+              <a:rPr lang="en-US" altLang="ko-KR" b="1" dirty="0" err="1" smtClean="0">
                 <a:solidFill>
                   <a:schemeClr val="accent4"/>
                 </a:solidFill>
@@ -27248,12 +29883,20 @@
               <a:t>Gradle</a:t>
             </a:r>
             <a:r>
+              <a:rPr lang="en-US" altLang="ko-KR" b="1" dirty="0" smtClean="0">
+                <a:solidFill>
+                  <a:schemeClr val="accent4"/>
+                </a:solidFill>
+              </a:rPr>
+              <a:t>(5.4.1</a:t>
+            </a:r>
+            <a:r>
               <a:rPr lang="en-US" altLang="ko-KR" b="1" dirty="0">
                 <a:solidFill>
                   <a:schemeClr val="accent4"/>
                 </a:solidFill>
               </a:rPr>
-              <a:t>(5.4.1)</a:t>
+              <a:t>)</a:t>
             </a:r>
             <a:endParaRPr lang="en-US" altLang="ko-KR" b="1" dirty="0" smtClean="0">
               <a:solidFill>
@@ -27428,7 +30071,7 @@
         <p:spPr>
           <a:xfrm>
             <a:off x="2263852" y="645071"/>
-            <a:ext cx="1625766" cy="553998"/>
+            <a:ext cx="1907895" cy="584775"/>
           </a:xfrm>
           <a:prstGeom prst="rect">
             <a:avLst/>
@@ -27442,56 +30085,22 @@
           <a:lstStyle/>
           <a:p>
             <a:r>
-              <a:rPr lang="en-US" altLang="ko-KR" sz="3000" spc="-150" dirty="0" smtClean="0">
-                <a:solidFill>
-                  <a:schemeClr val="accent4"/>
-                </a:solidFill>
-                <a:latin typeface="+mj-ea"/>
-                <a:ea typeface="+mj-ea"/>
-              </a:rPr>
-              <a:t>Week0/1</a:t>
-            </a:r>
-            <a:endParaRPr lang="ko-KR" altLang="en-US" sz="3000" spc="-150" dirty="0">
-              <a:solidFill>
-                <a:schemeClr val="accent4"/>
-              </a:solidFill>
-              <a:latin typeface="+mj-ea"/>
-              <a:ea typeface="+mj-ea"/>
-            </a:endParaRPr>
-          </a:p>
-        </p:txBody>
-      </p:sp>
-      <p:sp>
-        <p:nvSpPr>
-          <p:cNvPr id="22" name="TextBox 21"/>
-          <p:cNvSpPr txBox="1"/>
-          <p:nvPr/>
-        </p:nvSpPr>
-        <p:spPr>
-          <a:xfrm>
-            <a:off x="1882797" y="1736259"/>
-            <a:ext cx="1694695" cy="523220"/>
-          </a:xfrm>
-          <a:prstGeom prst="rect">
-            <a:avLst/>
-          </a:prstGeom>
-          <a:noFill/>
-        </p:spPr>
-        <p:txBody>
-          <a:bodyPr wrap="none" rtlCol="0">
-            <a:spAutoFit/>
-          </a:bodyPr>
-          <a:lstStyle/>
-          <a:p>
-            <a:r>
-              <a:rPr lang="ko-KR" altLang="en-US" sz="2800" b="1" dirty="0" smtClean="0">
+              <a:rPr lang="ko-KR" altLang="en-US" sz="3200" b="1" dirty="0">
                 <a:solidFill>
                   <a:srgbClr val="666666"/>
                 </a:solidFill>
               </a:rPr>
-              <a:t>기술 스펙</a:t>
-            </a:r>
-            <a:endParaRPr lang="ko-KR" altLang="en-US" sz="2800" b="1" dirty="0">
+              <a:t>기술 </a:t>
+            </a:r>
+            <a:r>
+              <a:rPr lang="ko-KR" altLang="en-US" sz="3200" b="1" dirty="0" err="1">
+                <a:solidFill>
+                  <a:srgbClr val="666666"/>
+                </a:solidFill>
+              </a:rPr>
+              <a:t>스펙</a:t>
+            </a:r>
+            <a:endParaRPr lang="ko-KR" altLang="en-US" sz="3200" b="1" dirty="0">
               <a:solidFill>
                 <a:srgbClr val="666666"/>
               </a:solidFill>
@@ -27499,44 +30108,6 @@
           </a:p>
         </p:txBody>
       </p:sp>
-      <p:cxnSp>
-        <p:nvCxnSpPr>
-          <p:cNvPr id="24" name="직선 연결선 17"/>
-          <p:cNvCxnSpPr/>
-          <p:nvPr/>
-        </p:nvCxnSpPr>
-        <p:spPr>
-          <a:xfrm>
-            <a:off x="1730052" y="1728292"/>
-            <a:ext cx="0" cy="491033"/>
-          </a:xfrm>
-          <a:prstGeom prst="line">
-            <a:avLst/>
-          </a:prstGeom>
-          <a:ln w="76200">
-            <a:solidFill>
-              <a:schemeClr val="accent4">
-                <a:lumMod val="60000"/>
-                <a:lumOff val="40000"/>
-              </a:schemeClr>
-            </a:solidFill>
-          </a:ln>
-        </p:spPr>
-        <p:style>
-          <a:lnRef idx="1">
-            <a:schemeClr val="accent1"/>
-          </a:lnRef>
-          <a:fillRef idx="0">
-            <a:schemeClr val="accent1"/>
-          </a:fillRef>
-          <a:effectRef idx="0">
-            <a:schemeClr val="accent1"/>
-          </a:effectRef>
-          <a:fontRef idx="minor">
-            <a:schemeClr val="tx1"/>
-          </a:fontRef>
-        </p:style>
-      </p:cxnSp>
       <p:sp>
         <p:nvSpPr>
           <p:cNvPr id="25" name="TextBox 24"/>
@@ -27545,7 +30116,7 @@
         </p:nvSpPr>
         <p:spPr>
           <a:xfrm>
-            <a:off x="5673402" y="2309942"/>
+            <a:off x="5673402" y="1841591"/>
             <a:ext cx="5105721" cy="4081117"/>
           </a:xfrm>
           <a:prstGeom prst="rect">
@@ -27645,21 +30216,8 @@
                   <a:schemeClr val="accent4"/>
                 </a:solidFill>
               </a:rPr>
-              <a:t>Open JDK </a:t>
-            </a:r>
-            <a:r>
-              <a:rPr lang="en-US" altLang="ko-KR" b="1" dirty="0" smtClean="0">
-                <a:solidFill>
-                  <a:schemeClr val="accent4"/>
-                </a:solidFill>
-              </a:rPr>
-              <a:t>11.0.2</a:t>
-            </a:r>
-            <a:endParaRPr lang="en-US" altLang="ko-KR" b="1" dirty="0" smtClean="0">
-              <a:solidFill>
-                <a:schemeClr val="accent4"/>
-              </a:solidFill>
-            </a:endParaRPr>
+              <a:t>Open JDK 11.0.2</a:t>
+            </a:r>
           </a:p>
           <a:p>
             <a:pPr marL="742950" lvl="1" indent="-285750">

--- a/발표/internProject(20191015).pptx
+++ b/발표/internProject(20191015).pptx
@@ -11,11 +11,11 @@
     <p:sldId id="299" r:id="rId2"/>
     <p:sldId id="300" r:id="rId3"/>
     <p:sldId id="282" r:id="rId4"/>
-    <p:sldId id="347" r:id="rId5"/>
-    <p:sldId id="329" r:id="rId6"/>
-    <p:sldId id="331" r:id="rId7"/>
-    <p:sldId id="344" r:id="rId8"/>
-    <p:sldId id="333" r:id="rId9"/>
+    <p:sldId id="333" r:id="rId5"/>
+    <p:sldId id="347" r:id="rId6"/>
+    <p:sldId id="329" r:id="rId7"/>
+    <p:sldId id="331" r:id="rId8"/>
+    <p:sldId id="344" r:id="rId9"/>
     <p:sldId id="334" r:id="rId10"/>
     <p:sldId id="336" r:id="rId11"/>
     <p:sldId id="337" r:id="rId12"/>
@@ -134,7 +134,7 @@
   </p:defaultTextStyle>
   <p:extLst>
     <p:ext uri="{EFAFB233-063F-42B5-8137-9DF3F51BA10A}">
-      <p15:sldGuideLst xmlns:p15="http://schemas.microsoft.com/office/powerpoint/2012/main">
+      <p15:sldGuideLst xmlns:p15="http://schemas.microsoft.com/office/powerpoint/2012/main" xmlns="">
         <p15:guide id="1" orient="horz" pos="2183" userDrawn="1">
           <p15:clr>
             <a:srgbClr val="A4A3A4"/>
@@ -1590,11 +1590,7 @@
           <a:p>
             <a:r>
               <a:rPr lang="ko-KR" altLang="en-US" baseline="0" dirty="0" smtClean="0"/>
-              <a:t>최대한 </a:t>
-            </a:r>
-            <a:r>
-              <a:rPr lang="ko-KR" altLang="en-US" baseline="0" dirty="0" smtClean="0"/>
-              <a:t>명확하고 </a:t>
+              <a:t>최대한 명확하고 </a:t>
             </a:r>
             <a:r>
               <a:rPr lang="en-US" altLang="ko-KR" baseline="0" dirty="0" smtClean="0"/>
@@ -1987,11 +1983,7 @@
             </a:pPr>
             <a:r>
               <a:rPr lang="ko-KR" altLang="en-US" baseline="0" dirty="0" smtClean="0"/>
-              <a:t>유지 </a:t>
-            </a:r>
-            <a:r>
-              <a:rPr lang="ko-KR" altLang="en-US" baseline="0" dirty="0" smtClean="0"/>
-              <a:t>보수</a:t>
+              <a:t>유지 보수</a:t>
             </a:r>
             <a:endParaRPr lang="en-US" altLang="ko-KR" baseline="0" dirty="0" smtClean="0"/>
           </a:p>
@@ -3019,7 +3011,6 @@
               <a:rPr lang="en-US" altLang="ko-KR" baseline="0" dirty="0" smtClean="0"/>
               <a:t>.</a:t>
             </a:r>
-            <a:endParaRPr lang="en-US" altLang="ko-KR" baseline="0" dirty="0" smtClean="0"/>
           </a:p>
         </p:txBody>
       </p:sp>
@@ -3563,19 +3554,7 @@
                 <a:ea typeface="+mn-ea"/>
                 <a:cs typeface="+mn-cs"/>
               </a:rPr>
-              <a:t> 계층분리 관심사 </a:t>
-            </a:r>
-            <a:r>
-              <a:rPr lang="ko-KR" altLang="en-US" sz="1200" b="1" i="0" kern="1200" dirty="0" smtClean="0">
-                <a:solidFill>
-                  <a:schemeClr val="tx1"/>
-                </a:solidFill>
-                <a:effectLst/>
-                <a:latin typeface="+mn-lt"/>
-                <a:ea typeface="+mn-ea"/>
-                <a:cs typeface="+mn-cs"/>
-              </a:rPr>
-              <a:t>분</a:t>
+              <a:t> 계층분리 관심사 분</a:t>
             </a:r>
             <a:endParaRPr lang="en-US" altLang="ko-KR" sz="1200" b="0" i="0" kern="1200" dirty="0" smtClean="0">
               <a:solidFill>
@@ -7858,11 +7837,7 @@
             </a:r>
             <a:r>
               <a:rPr lang="ko-KR" altLang="en-US" dirty="0" smtClean="0"/>
-              <a:t> </a:t>
-            </a:r>
-            <a:r>
-              <a:rPr lang="ko-KR" altLang="en-US" dirty="0" smtClean="0"/>
-              <a:t>공부해얄 부분 등르 많이 느꼇습니다</a:t>
+              <a:t> 공부해얄 부분 등르 많이 느꼇습니다</a:t>
             </a:r>
             <a:r>
               <a:rPr lang="en-US" altLang="ko-KR" dirty="0" smtClean="0"/>
@@ -8098,7 +8073,7 @@
       </p:grpSpPr>
       <p:sp>
         <p:nvSpPr>
-          <p:cNvPr id="2" name="Slide Image Placeholder 1"/>
+          <p:cNvPr id="2" name="슬라이드 이미지 개체 틀 1"/>
           <p:cNvSpPr>
             <a:spLocks noGrp="1" noRot="1" noChangeAspect="1"/>
           </p:cNvSpPr>
@@ -8110,7 +8085,7 @@
       </p:sp>
       <p:sp>
         <p:nvSpPr>
-          <p:cNvPr id="3" name="Notes Placeholder 2"/>
+          <p:cNvPr id="3" name="슬라이드 노트 개체 틀 2"/>
           <p:cNvSpPr>
             <a:spLocks noGrp="1"/>
           </p:cNvSpPr>
@@ -8123,760 +8098,13 @@
           <a:bodyPr/>
           <a:lstStyle/>
           <a:p>
-            <a:r>
-              <a:rPr lang="en-US" altLang="ko-KR" dirty="0" err="1" smtClean="0"/>
-              <a:t>Axios</a:t>
-            </a:r>
-            <a:r>
-              <a:rPr lang="en-US" altLang="ko-KR" baseline="0" dirty="0" smtClean="0"/>
-              <a:t> </a:t>
-            </a:r>
-            <a:r>
-              <a:rPr lang="ko-KR" altLang="en-US" baseline="0" dirty="0" smtClean="0"/>
-              <a:t>란</a:t>
-            </a:r>
-            <a:r>
-              <a:rPr lang="en-US" altLang="ko-KR" baseline="0" dirty="0" smtClean="0"/>
-              <a:t>-</a:t>
-            </a:r>
-            <a:r>
-              <a:rPr lang="en-US" altLang="ko-KR" sz="1200" b="1" i="0" kern="1200" dirty="0" err="1" smtClean="0">
-                <a:solidFill>
-                  <a:schemeClr val="tx1"/>
-                </a:solidFill>
-                <a:effectLst/>
-                <a:latin typeface="+mn-lt"/>
-                <a:ea typeface="+mn-ea"/>
-                <a:cs typeface="+mn-cs"/>
-              </a:rPr>
-              <a:t>axios</a:t>
-            </a:r>
-            <a:r>
-              <a:rPr lang="ko-KR" altLang="en-US" sz="1200" b="0" i="0" kern="1200" dirty="0" smtClean="0">
-                <a:solidFill>
-                  <a:schemeClr val="tx1"/>
-                </a:solidFill>
-                <a:effectLst/>
-                <a:latin typeface="+mn-lt"/>
-                <a:ea typeface="+mn-ea"/>
-                <a:cs typeface="+mn-cs"/>
-              </a:rPr>
-              <a:t>는 </a:t>
-            </a:r>
-            <a:r>
-              <a:rPr lang="en-US" altLang="ko-KR" sz="1200" b="0" i="0" kern="1200" dirty="0" smtClean="0">
-                <a:solidFill>
-                  <a:schemeClr val="tx1"/>
-                </a:solidFill>
-                <a:effectLst/>
-                <a:latin typeface="+mn-lt"/>
-                <a:ea typeface="+mn-ea"/>
-                <a:cs typeface="+mn-cs"/>
-              </a:rPr>
-              <a:t>HTTP </a:t>
-            </a:r>
-            <a:r>
-              <a:rPr lang="ko-KR" altLang="en-US" sz="1200" b="0" i="0" kern="1200" dirty="0" smtClean="0">
-                <a:solidFill>
-                  <a:schemeClr val="tx1"/>
-                </a:solidFill>
-                <a:effectLst/>
-                <a:latin typeface="+mn-lt"/>
-                <a:ea typeface="+mn-ea"/>
-                <a:cs typeface="+mn-cs"/>
-              </a:rPr>
-              <a:t>클라이언트 라이브러리로써</a:t>
-            </a:r>
-            <a:r>
-              <a:rPr lang="en-US" altLang="ko-KR" sz="1200" b="0" i="0" kern="1200" dirty="0" smtClean="0">
-                <a:solidFill>
-                  <a:schemeClr val="tx1"/>
-                </a:solidFill>
-                <a:effectLst/>
-                <a:latin typeface="+mn-lt"/>
-                <a:ea typeface="+mn-ea"/>
-                <a:cs typeface="+mn-cs"/>
-              </a:rPr>
-              <a:t>, </a:t>
-            </a:r>
-            <a:r>
-              <a:rPr lang="ko-KR" altLang="en-US" sz="1200" b="0" i="0" kern="1200" dirty="0" smtClean="0">
-                <a:solidFill>
-                  <a:schemeClr val="tx1"/>
-                </a:solidFill>
-                <a:effectLst/>
-                <a:latin typeface="+mn-lt"/>
-                <a:ea typeface="+mn-ea"/>
-                <a:cs typeface="+mn-cs"/>
-              </a:rPr>
-              <a:t>비동기 방식으로 </a:t>
-            </a:r>
-            <a:r>
-              <a:rPr lang="en-US" altLang="ko-KR" sz="1200" b="0" i="0" kern="1200" dirty="0" smtClean="0">
-                <a:solidFill>
-                  <a:schemeClr val="tx1"/>
-                </a:solidFill>
-                <a:effectLst/>
-                <a:latin typeface="+mn-lt"/>
-                <a:ea typeface="+mn-ea"/>
-                <a:cs typeface="+mn-cs"/>
-              </a:rPr>
-              <a:t>HTTP </a:t>
-            </a:r>
-            <a:r>
-              <a:rPr lang="ko-KR" altLang="en-US" sz="1200" b="0" i="0" kern="1200" dirty="0" smtClean="0">
-                <a:solidFill>
-                  <a:schemeClr val="tx1"/>
-                </a:solidFill>
-                <a:effectLst/>
-                <a:latin typeface="+mn-lt"/>
-                <a:ea typeface="+mn-ea"/>
-                <a:cs typeface="+mn-cs"/>
-              </a:rPr>
-              <a:t>데이터 요청을 실행합니다</a:t>
-            </a:r>
-            <a:endParaRPr lang="en-US" altLang="ko-KR" sz="1200" b="0" i="0" kern="1200" dirty="0" smtClean="0">
-              <a:solidFill>
-                <a:schemeClr val="tx1"/>
-              </a:solidFill>
-              <a:effectLst/>
-              <a:latin typeface="+mn-lt"/>
-              <a:ea typeface="+mn-ea"/>
-              <a:cs typeface="+mn-cs"/>
-            </a:endParaRPr>
-          </a:p>
-          <a:p>
-            <a:r>
-              <a:rPr lang="ko-KR" altLang="en-US" sz="1200" b="0" i="0" kern="1200" dirty="0" smtClean="0">
-                <a:solidFill>
-                  <a:schemeClr val="tx1"/>
-                </a:solidFill>
-                <a:effectLst/>
-                <a:latin typeface="+mn-lt"/>
-                <a:ea typeface="+mn-ea"/>
-                <a:cs typeface="+mn-cs"/>
-              </a:rPr>
-              <a:t>전체전이 프로젝트 구조입니다</a:t>
-            </a:r>
-            <a:r>
-              <a:rPr lang="en-US" altLang="ko-KR" sz="1200" b="0" i="0" kern="1200" dirty="0" smtClean="0">
-                <a:solidFill>
-                  <a:schemeClr val="tx1"/>
-                </a:solidFill>
-                <a:effectLst/>
-                <a:latin typeface="+mn-lt"/>
-                <a:ea typeface="+mn-ea"/>
-                <a:cs typeface="+mn-cs"/>
-              </a:rPr>
-              <a:t>. </a:t>
-            </a:r>
-            <a:r>
-              <a:rPr lang="ko-KR" altLang="en-US" sz="1200" b="0" i="0" kern="1200" dirty="0" smtClean="0">
-                <a:solidFill>
-                  <a:schemeClr val="tx1"/>
-                </a:solidFill>
-                <a:effectLst/>
-                <a:latin typeface="+mn-lt"/>
-                <a:ea typeface="+mn-ea"/>
-                <a:cs typeface="+mn-cs"/>
-              </a:rPr>
-              <a:t>프론트는 </a:t>
-            </a:r>
-            <a:r>
-              <a:rPr lang="en-US" altLang="ko-KR" sz="1200" b="0" i="0" kern="1200" dirty="0" err="1" smtClean="0">
-                <a:solidFill>
-                  <a:schemeClr val="tx1"/>
-                </a:solidFill>
-                <a:effectLst/>
-                <a:latin typeface="+mn-lt"/>
-                <a:ea typeface="+mn-ea"/>
-                <a:cs typeface="+mn-cs"/>
-              </a:rPr>
-              <a:t>vue</a:t>
-            </a:r>
-            <a:r>
-              <a:rPr lang="en-US" altLang="ko-KR" sz="1200" b="0" i="0" kern="1200" dirty="0" smtClean="0">
-                <a:solidFill>
-                  <a:schemeClr val="tx1"/>
-                </a:solidFill>
-                <a:effectLst/>
-                <a:latin typeface="+mn-lt"/>
-                <a:ea typeface="+mn-ea"/>
-                <a:cs typeface="+mn-cs"/>
-              </a:rPr>
-              <a:t> </a:t>
-            </a:r>
-            <a:r>
-              <a:rPr lang="en-US" altLang="ko-KR" sz="1200" b="0" i="0" kern="1200" dirty="0" err="1" smtClean="0">
-                <a:solidFill>
-                  <a:schemeClr val="tx1"/>
-                </a:solidFill>
-                <a:effectLst/>
-                <a:latin typeface="+mn-lt"/>
-                <a:ea typeface="+mn-ea"/>
-                <a:cs typeface="+mn-cs"/>
-              </a:rPr>
-              <a:t>frmawork</a:t>
-            </a:r>
-            <a:r>
-              <a:rPr lang="en-US" altLang="ko-KR" sz="1200" b="0" i="0" kern="1200" dirty="0" smtClean="0">
-                <a:solidFill>
-                  <a:schemeClr val="tx1"/>
-                </a:solidFill>
-                <a:effectLst/>
-                <a:latin typeface="+mn-lt"/>
-                <a:ea typeface="+mn-ea"/>
-                <a:cs typeface="+mn-cs"/>
-              </a:rPr>
-              <a:t> element</a:t>
-            </a:r>
-            <a:r>
-              <a:rPr lang="en-US" altLang="ko-KR" sz="1200" b="0" i="0" kern="1200" baseline="0" dirty="0" smtClean="0">
-                <a:solidFill>
-                  <a:schemeClr val="tx1"/>
-                </a:solidFill>
-                <a:effectLst/>
-                <a:latin typeface="+mn-lt"/>
-                <a:ea typeface="+mn-ea"/>
-                <a:cs typeface="+mn-cs"/>
-              </a:rPr>
-              <a:t> </a:t>
-            </a:r>
-            <a:r>
-              <a:rPr lang="en-US" altLang="ko-KR" sz="1200" b="0" i="0" kern="1200" baseline="0" dirty="0" err="1" smtClean="0">
-                <a:solidFill>
-                  <a:schemeClr val="tx1"/>
-                </a:solidFill>
-                <a:effectLst/>
-                <a:latin typeface="+mn-lt"/>
-                <a:ea typeface="+mn-ea"/>
-                <a:cs typeface="+mn-cs"/>
-              </a:rPr>
-              <a:t>ui</a:t>
-            </a:r>
-            <a:r>
-              <a:rPr lang="en-US" altLang="ko-KR" sz="1200" b="0" i="0" kern="1200" baseline="0" dirty="0" smtClean="0">
-                <a:solidFill>
-                  <a:schemeClr val="tx1"/>
-                </a:solidFill>
-                <a:effectLst/>
-                <a:latin typeface="+mn-lt"/>
-                <a:ea typeface="+mn-ea"/>
-                <a:cs typeface="+mn-cs"/>
-              </a:rPr>
-              <a:t> f</a:t>
-            </a:r>
-            <a:r>
-              <a:rPr lang="ko-KR" altLang="en-US" sz="1200" b="0" i="0" kern="1200" baseline="0" dirty="0" smtClean="0">
-                <a:solidFill>
-                  <a:schemeClr val="tx1"/>
-                </a:solidFill>
-                <a:effectLst/>
-                <a:latin typeface="+mn-lt"/>
-                <a:ea typeface="+mn-ea"/>
-                <a:cs typeface="+mn-cs"/>
-              </a:rPr>
-              <a:t>로 구성</a:t>
-            </a:r>
-            <a:endParaRPr lang="en-US" altLang="ko-KR" sz="1200" b="0" i="0" kern="1200" baseline="0" dirty="0" smtClean="0">
-              <a:solidFill>
-                <a:schemeClr val="tx1"/>
-              </a:solidFill>
-              <a:effectLst/>
-              <a:latin typeface="+mn-lt"/>
-              <a:ea typeface="+mn-ea"/>
-              <a:cs typeface="+mn-cs"/>
-            </a:endParaRPr>
-          </a:p>
-          <a:p>
-            <a:r>
-              <a:rPr lang="ko-KR" altLang="en-US" sz="1200" b="0" i="0" kern="1200" dirty="0" smtClean="0">
-                <a:solidFill>
-                  <a:schemeClr val="tx1"/>
-                </a:solidFill>
-                <a:effectLst/>
-                <a:latin typeface="+mn-lt"/>
-                <a:ea typeface="+mn-ea"/>
-                <a:cs typeface="+mn-cs"/>
-              </a:rPr>
-              <a:t>백엔드는 </a:t>
-            </a:r>
-            <a:r>
-              <a:rPr lang="en-US" altLang="ko-KR" sz="1200" b="0" i="0" kern="1200" dirty="0" smtClean="0">
-                <a:solidFill>
-                  <a:schemeClr val="tx1"/>
-                </a:solidFill>
-                <a:effectLst/>
-                <a:latin typeface="+mn-lt"/>
-                <a:ea typeface="+mn-ea"/>
-                <a:cs typeface="+mn-cs"/>
-              </a:rPr>
-              <a:t>spring boot ,</a:t>
-            </a:r>
-            <a:r>
-              <a:rPr lang="en-US" altLang="ko-KR" sz="1200" b="0" i="0" kern="1200" dirty="0" err="1" smtClean="0">
-                <a:solidFill>
-                  <a:schemeClr val="tx1"/>
-                </a:solidFill>
-                <a:effectLst/>
-                <a:latin typeface="+mn-lt"/>
-                <a:ea typeface="+mn-ea"/>
-                <a:cs typeface="+mn-cs"/>
-              </a:rPr>
-              <a:t>jpa</a:t>
-            </a:r>
-            <a:r>
-              <a:rPr lang="en-US" altLang="ko-KR" sz="1200" b="0" i="0" kern="1200" baseline="0" dirty="0" smtClean="0">
-                <a:solidFill>
-                  <a:schemeClr val="tx1"/>
-                </a:solidFill>
-                <a:effectLst/>
-                <a:latin typeface="+mn-lt"/>
-                <a:ea typeface="+mn-ea"/>
-                <a:cs typeface="+mn-cs"/>
-              </a:rPr>
-              <a:t> spring security </a:t>
-            </a:r>
-            <a:r>
-              <a:rPr lang="ko-KR" altLang="en-US" sz="1200" b="0" i="0" kern="1200" baseline="0" dirty="0" smtClean="0">
-                <a:solidFill>
-                  <a:schemeClr val="tx1"/>
-                </a:solidFill>
-                <a:effectLst/>
-                <a:latin typeface="+mn-lt"/>
-                <a:ea typeface="+mn-ea"/>
-                <a:cs typeface="+mn-cs"/>
-              </a:rPr>
-              <a:t>로 구성하였습니다</a:t>
-            </a:r>
-            <a:r>
-              <a:rPr lang="en-US" altLang="ko-KR" sz="1200" b="0" i="0" kern="1200" baseline="0" dirty="0" smtClean="0">
-                <a:solidFill>
-                  <a:schemeClr val="tx1"/>
-                </a:solidFill>
-                <a:effectLst/>
-                <a:latin typeface="+mn-lt"/>
-                <a:ea typeface="+mn-ea"/>
-                <a:cs typeface="+mn-cs"/>
-              </a:rPr>
-              <a:t>.</a:t>
-            </a:r>
-            <a:r>
-              <a:rPr lang="en-US" altLang="ko-KR" sz="1200" b="0" i="0" kern="1200" dirty="0" smtClean="0">
-                <a:solidFill>
-                  <a:schemeClr val="tx1"/>
-                </a:solidFill>
-                <a:effectLst/>
-                <a:latin typeface="+mn-lt"/>
-                <a:ea typeface="+mn-ea"/>
-                <a:cs typeface="+mn-cs"/>
-              </a:rPr>
-              <a:t> </a:t>
-            </a:r>
-            <a:r>
-              <a:rPr lang="en-US" altLang="ko-KR" sz="1200" b="0" i="0" kern="1200" baseline="0" dirty="0" smtClean="0">
-                <a:solidFill>
-                  <a:schemeClr val="tx1"/>
-                </a:solidFill>
-                <a:effectLst/>
-                <a:latin typeface="+mn-lt"/>
-                <a:ea typeface="+mn-ea"/>
-                <a:cs typeface="+mn-cs"/>
-              </a:rPr>
-              <a:t> </a:t>
-            </a:r>
-            <a:r>
-              <a:rPr lang="en-US" altLang="ko-KR" sz="1200" b="0" i="0" kern="1200" baseline="0" dirty="0" err="1" smtClean="0">
-                <a:solidFill>
-                  <a:schemeClr val="tx1"/>
-                </a:solidFill>
-                <a:effectLst/>
-                <a:latin typeface="+mn-lt"/>
-                <a:ea typeface="+mn-ea"/>
-                <a:cs typeface="+mn-cs"/>
-              </a:rPr>
-              <a:t>db</a:t>
-            </a:r>
-            <a:r>
-              <a:rPr lang="ko-KR" altLang="en-US" sz="1200" b="0" i="0" kern="1200" baseline="0" dirty="0" smtClean="0">
-                <a:solidFill>
-                  <a:schemeClr val="tx1"/>
-                </a:solidFill>
-                <a:effectLst/>
-                <a:latin typeface="+mn-lt"/>
-                <a:ea typeface="+mn-ea"/>
-                <a:cs typeface="+mn-cs"/>
-              </a:rPr>
-              <a:t>는 </a:t>
-            </a:r>
-            <a:r>
-              <a:rPr lang="en-US" altLang="ko-KR" sz="1200" b="0" i="0" kern="1200" baseline="0" dirty="0" err="1" smtClean="0">
-                <a:solidFill>
-                  <a:schemeClr val="tx1"/>
-                </a:solidFill>
-                <a:effectLst/>
-                <a:latin typeface="+mn-lt"/>
-                <a:ea typeface="+mn-ea"/>
-                <a:cs typeface="+mn-cs"/>
-              </a:rPr>
-              <a:t>mysql</a:t>
-            </a:r>
-            <a:r>
-              <a:rPr lang="en-US" altLang="ko-KR" sz="1200" b="0" i="0" kern="1200" baseline="0" dirty="0" smtClean="0">
-                <a:solidFill>
-                  <a:schemeClr val="tx1"/>
-                </a:solidFill>
-                <a:effectLst/>
-                <a:latin typeface="+mn-lt"/>
-                <a:ea typeface="+mn-ea"/>
-                <a:cs typeface="+mn-cs"/>
-              </a:rPr>
-              <a:t> </a:t>
-            </a:r>
-            <a:r>
-              <a:rPr lang="ko-KR" altLang="en-US" sz="1200" b="0" i="0" kern="1200" baseline="0" dirty="0" smtClean="0">
-                <a:solidFill>
-                  <a:schemeClr val="tx1"/>
-                </a:solidFill>
-                <a:effectLst/>
-                <a:latin typeface="+mn-lt"/>
-                <a:ea typeface="+mn-ea"/>
-                <a:cs typeface="+mn-cs"/>
-              </a:rPr>
-              <a:t>를 사용하습니다</a:t>
-            </a:r>
-            <a:r>
-              <a:rPr lang="en-US" altLang="ko-KR" sz="1200" b="0" i="0" kern="1200" baseline="0" dirty="0" smtClean="0">
-                <a:solidFill>
-                  <a:schemeClr val="tx1"/>
-                </a:solidFill>
-                <a:effectLst/>
-                <a:latin typeface="+mn-lt"/>
-                <a:ea typeface="+mn-ea"/>
-                <a:cs typeface="+mn-cs"/>
-              </a:rPr>
-              <a:t>. </a:t>
-            </a:r>
-          </a:p>
-          <a:p>
-            <a:r>
-              <a:rPr lang="ko-KR" altLang="en-US" sz="1200" b="0" i="0" kern="1200" baseline="0" dirty="0" smtClean="0">
-                <a:solidFill>
-                  <a:schemeClr val="tx1"/>
-                </a:solidFill>
-                <a:effectLst/>
-                <a:latin typeface="+mn-lt"/>
-                <a:ea typeface="+mn-ea"/>
-                <a:cs typeface="+mn-cs"/>
-              </a:rPr>
-              <a:t>각가 독립적인서버로 구현하였고 </a:t>
-            </a:r>
-            <a:endParaRPr lang="en-US" altLang="ko-KR" sz="1200" b="0" i="0" kern="1200" baseline="0" dirty="0" smtClean="0">
-              <a:solidFill>
-                <a:schemeClr val="tx1"/>
-              </a:solidFill>
-              <a:effectLst/>
-              <a:latin typeface="+mn-lt"/>
-              <a:ea typeface="+mn-ea"/>
-              <a:cs typeface="+mn-cs"/>
-            </a:endParaRPr>
-          </a:p>
-          <a:p>
-            <a:r>
-              <a:rPr lang="ko-KR" altLang="en-US" sz="1200" b="0" i="0" kern="1200" baseline="0" dirty="0" smtClean="0">
-                <a:solidFill>
-                  <a:schemeClr val="tx1"/>
-                </a:solidFill>
-                <a:effectLst/>
-                <a:latin typeface="+mn-lt"/>
-                <a:ea typeface="+mn-ea"/>
-                <a:cs typeface="+mn-cs"/>
-              </a:rPr>
-              <a:t>프론트에서 로그인을 제외한 모든 통신은 </a:t>
-            </a:r>
-            <a:r>
-              <a:rPr lang="en-US" altLang="ko-KR" sz="1200" b="0" i="0" kern="1200" baseline="0" dirty="0" err="1" smtClean="0">
-                <a:solidFill>
-                  <a:schemeClr val="tx1"/>
-                </a:solidFill>
-                <a:effectLst/>
-                <a:latin typeface="+mn-lt"/>
-                <a:ea typeface="+mn-ea"/>
-                <a:cs typeface="+mn-cs"/>
-              </a:rPr>
-              <a:t>axios</a:t>
-            </a:r>
-            <a:r>
-              <a:rPr lang="ko-KR" altLang="en-US" sz="1200" b="0" i="0" kern="1200" baseline="0" dirty="0" smtClean="0">
-                <a:solidFill>
-                  <a:schemeClr val="tx1"/>
-                </a:solidFill>
-                <a:effectLst/>
-                <a:latin typeface="+mn-lt"/>
-                <a:ea typeface="+mn-ea"/>
-                <a:cs typeface="+mn-cs"/>
-              </a:rPr>
-              <a:t>를 사용해 비동기 통신으로 구성하였습니다</a:t>
-            </a:r>
-            <a:r>
-              <a:rPr lang="en-US" altLang="ko-KR" sz="1200" b="0" i="0" kern="1200" baseline="0" dirty="0" smtClean="0">
-                <a:solidFill>
-                  <a:schemeClr val="tx1"/>
-                </a:solidFill>
-                <a:effectLst/>
-                <a:latin typeface="+mn-lt"/>
-                <a:ea typeface="+mn-ea"/>
-                <a:cs typeface="+mn-cs"/>
-              </a:rPr>
-              <a:t>. </a:t>
-            </a:r>
-            <a:r>
-              <a:rPr lang="ko-KR" altLang="en-US" sz="1200" b="0" i="0" kern="1200" baseline="0" dirty="0" smtClean="0">
-                <a:solidFill>
-                  <a:schemeClr val="tx1"/>
-                </a:solidFill>
-                <a:effectLst/>
-                <a:latin typeface="+mn-lt"/>
-                <a:ea typeface="+mn-ea"/>
-                <a:cs typeface="+mn-cs"/>
-              </a:rPr>
-              <a:t>모든 요청은 </a:t>
-            </a:r>
-            <a:r>
-              <a:rPr lang="en-US" altLang="ko-KR" sz="1200" b="0" i="0" kern="1200" baseline="0" dirty="0" err="1" smtClean="0">
-                <a:solidFill>
-                  <a:schemeClr val="tx1"/>
-                </a:solidFill>
-                <a:effectLst/>
-                <a:latin typeface="+mn-lt"/>
-                <a:ea typeface="+mn-ea"/>
-                <a:cs typeface="+mn-cs"/>
-              </a:rPr>
-              <a:t>jwt</a:t>
-            </a:r>
-            <a:r>
-              <a:rPr lang="en-US" altLang="ko-KR" sz="1200" b="0" i="0" kern="1200" baseline="0" dirty="0" smtClean="0">
-                <a:solidFill>
-                  <a:schemeClr val="tx1"/>
-                </a:solidFill>
-                <a:effectLst/>
-                <a:latin typeface="+mn-lt"/>
-                <a:ea typeface="+mn-ea"/>
-                <a:cs typeface="+mn-cs"/>
-              </a:rPr>
-              <a:t>(</a:t>
-            </a:r>
-            <a:r>
-              <a:rPr lang="en-US" altLang="ko-KR" sz="1200" b="0" i="0" kern="1200" baseline="0" dirty="0" err="1" smtClean="0">
-                <a:solidFill>
-                  <a:schemeClr val="tx1"/>
-                </a:solidFill>
-                <a:effectLst/>
-                <a:latin typeface="+mn-lt"/>
-                <a:ea typeface="+mn-ea"/>
-                <a:cs typeface="+mn-cs"/>
-              </a:rPr>
-              <a:t>json</a:t>
-            </a:r>
-            <a:r>
-              <a:rPr lang="en-US" altLang="ko-KR" sz="1200" b="0" i="0" kern="1200" baseline="0" dirty="0" smtClean="0">
-                <a:solidFill>
-                  <a:schemeClr val="tx1"/>
-                </a:solidFill>
-                <a:effectLst/>
-                <a:latin typeface="+mn-lt"/>
-                <a:ea typeface="+mn-ea"/>
-                <a:cs typeface="+mn-cs"/>
-              </a:rPr>
-              <a:t> </a:t>
-            </a:r>
-            <a:r>
-              <a:rPr lang="en-US" altLang="ko-KR" sz="1200" b="0" i="0" kern="1200" baseline="0" dirty="0" err="1" smtClean="0">
-                <a:solidFill>
-                  <a:schemeClr val="tx1"/>
-                </a:solidFill>
-                <a:effectLst/>
-                <a:latin typeface="+mn-lt"/>
-                <a:ea typeface="+mn-ea"/>
-                <a:cs typeface="+mn-cs"/>
-              </a:rPr>
-              <a:t>webtoken</a:t>
-            </a:r>
-            <a:r>
-              <a:rPr lang="en-US" altLang="ko-KR" sz="1200" b="0" i="0" kern="1200" baseline="0" dirty="0" smtClean="0">
-                <a:solidFill>
-                  <a:schemeClr val="tx1"/>
-                </a:solidFill>
-                <a:effectLst/>
-                <a:latin typeface="+mn-lt"/>
-                <a:ea typeface="+mn-ea"/>
-                <a:cs typeface="+mn-cs"/>
-              </a:rPr>
-              <a:t>) </a:t>
-            </a:r>
-            <a:r>
-              <a:rPr lang="ko-KR" altLang="en-US" sz="1200" b="0" i="0" kern="1200" baseline="0" dirty="0" smtClean="0">
-                <a:solidFill>
-                  <a:schemeClr val="tx1"/>
-                </a:solidFill>
-                <a:effectLst/>
-                <a:latin typeface="+mn-lt"/>
-                <a:ea typeface="+mn-ea"/>
-                <a:cs typeface="+mn-cs"/>
-              </a:rPr>
-              <a:t>를 쿠키에 담아서 전송하는 방식으로 인증을 구현하였습니다</a:t>
-            </a:r>
-            <a:r>
-              <a:rPr lang="en-US" altLang="ko-KR" sz="1200" b="0" i="0" kern="1200" baseline="0" dirty="0" smtClean="0">
-                <a:solidFill>
-                  <a:schemeClr val="tx1"/>
-                </a:solidFill>
-                <a:effectLst/>
-                <a:latin typeface="+mn-lt"/>
-                <a:ea typeface="+mn-ea"/>
-                <a:cs typeface="+mn-cs"/>
-              </a:rPr>
-              <a:t>.</a:t>
-            </a:r>
-          </a:p>
-          <a:p>
-            <a:r>
-              <a:rPr lang="ko-KR" altLang="en-US" sz="1200" b="0" i="0" kern="1200" baseline="0" dirty="0" smtClean="0">
-                <a:solidFill>
-                  <a:schemeClr val="tx1"/>
-                </a:solidFill>
-                <a:effectLst/>
-                <a:latin typeface="+mn-lt"/>
-                <a:ea typeface="+mn-ea"/>
-                <a:cs typeface="+mn-cs"/>
-              </a:rPr>
-              <a:t>로그인 </a:t>
-            </a:r>
-            <a:r>
-              <a:rPr lang="en-US" altLang="ko-KR" sz="1200" b="0" i="0" kern="1200" baseline="0" dirty="0" smtClean="0">
-                <a:solidFill>
-                  <a:schemeClr val="tx1"/>
-                </a:solidFill>
-                <a:effectLst/>
-                <a:latin typeface="+mn-lt"/>
-                <a:ea typeface="+mn-ea"/>
-                <a:cs typeface="+mn-cs"/>
-              </a:rPr>
-              <a:t>scribe java </a:t>
-            </a:r>
-            <a:r>
-              <a:rPr lang="ko-KR" altLang="en-US" sz="1200" b="0" i="0" kern="1200" baseline="0" dirty="0" smtClean="0">
-                <a:solidFill>
-                  <a:schemeClr val="tx1"/>
-                </a:solidFill>
-                <a:effectLst/>
-                <a:latin typeface="+mn-lt"/>
-                <a:ea typeface="+mn-ea"/>
-                <a:cs typeface="+mn-cs"/>
-              </a:rPr>
-              <a:t>라는 </a:t>
-            </a:r>
-            <a:r>
-              <a:rPr lang="en-US" altLang="ko-KR" sz="1200" b="0" i="0" kern="1200" baseline="0" dirty="0" err="1" smtClean="0">
-                <a:solidFill>
-                  <a:schemeClr val="tx1"/>
-                </a:solidFill>
-                <a:effectLst/>
-                <a:latin typeface="+mn-lt"/>
-                <a:ea typeface="+mn-ea"/>
-                <a:cs typeface="+mn-cs"/>
-              </a:rPr>
-              <a:t>oauth</a:t>
-            </a:r>
-            <a:r>
-              <a:rPr lang="en-US" altLang="ko-KR" sz="1200" b="0" i="0" kern="1200" baseline="0" dirty="0" smtClean="0">
-                <a:solidFill>
-                  <a:schemeClr val="tx1"/>
-                </a:solidFill>
-                <a:effectLst/>
-                <a:latin typeface="+mn-lt"/>
-                <a:ea typeface="+mn-ea"/>
-                <a:cs typeface="+mn-cs"/>
-              </a:rPr>
-              <a:t> library </a:t>
-            </a:r>
-            <a:r>
-              <a:rPr lang="ko-KR" altLang="en-US" sz="1200" b="0" i="0" kern="1200" baseline="0" dirty="0" smtClean="0">
-                <a:solidFill>
-                  <a:schemeClr val="tx1"/>
-                </a:solidFill>
-                <a:effectLst/>
-                <a:latin typeface="+mn-lt"/>
-                <a:ea typeface="+mn-ea"/>
-                <a:cs typeface="+mn-cs"/>
-              </a:rPr>
-              <a:t>를 사용해서 소셜 로그인 기능을 구현하엿습니니다</a:t>
-            </a:r>
-            <a:r>
-              <a:rPr lang="en-US" altLang="ko-KR" sz="1200" b="0" i="0" kern="1200" baseline="0" dirty="0" smtClean="0">
-                <a:solidFill>
-                  <a:schemeClr val="tx1"/>
-                </a:solidFill>
-                <a:effectLst/>
-                <a:latin typeface="+mn-lt"/>
-                <a:ea typeface="+mn-ea"/>
-                <a:cs typeface="+mn-cs"/>
-              </a:rPr>
-              <a:t>. </a:t>
-            </a:r>
-          </a:p>
-          <a:p>
-            <a:endParaRPr lang="en-US" altLang="ko-KR" sz="1200" b="0" i="0" kern="1200" baseline="0" dirty="0" smtClean="0">
-              <a:solidFill>
-                <a:schemeClr val="tx1"/>
-              </a:solidFill>
-              <a:effectLst/>
-              <a:latin typeface="+mn-lt"/>
-              <a:ea typeface="+mn-ea"/>
-              <a:cs typeface="+mn-cs"/>
-            </a:endParaRPr>
-          </a:p>
-          <a:p>
-            <a:endParaRPr lang="en-US" altLang="ko-KR" sz="1200" b="0" i="0" kern="1200" dirty="0" smtClean="0">
-              <a:solidFill>
-                <a:schemeClr val="tx1"/>
-              </a:solidFill>
-              <a:effectLst/>
-              <a:latin typeface="+mn-lt"/>
-              <a:ea typeface="+mn-ea"/>
-              <a:cs typeface="+mn-cs"/>
-            </a:endParaRPr>
-          </a:p>
-          <a:p>
-            <a:endParaRPr lang="en-US" altLang="ko-KR" sz="1200" b="0" i="0" kern="1200" dirty="0" smtClean="0">
-              <a:solidFill>
-                <a:schemeClr val="tx1"/>
-              </a:solidFill>
-              <a:effectLst/>
-              <a:latin typeface="+mn-lt"/>
-              <a:ea typeface="+mn-ea"/>
-              <a:cs typeface="+mn-cs"/>
-            </a:endParaRPr>
-          </a:p>
-          <a:p>
-            <a:endParaRPr lang="en-US" altLang="ko-KR" sz="1200" b="0" i="0" kern="1200" dirty="0" smtClean="0">
-              <a:solidFill>
-                <a:schemeClr val="tx1"/>
-              </a:solidFill>
-              <a:effectLst/>
-              <a:latin typeface="+mn-lt"/>
-              <a:ea typeface="+mn-ea"/>
-              <a:cs typeface="+mn-cs"/>
-            </a:endParaRPr>
-          </a:p>
-          <a:p>
             <a:endParaRPr lang="ko-KR" altLang="en-US" dirty="0"/>
           </a:p>
         </p:txBody>
       </p:sp>
       <p:sp>
         <p:nvSpPr>
-          <p:cNvPr id="4" name="Slide Number Placeholder 3"/>
+          <p:cNvPr id="4" name="슬라이드 번호 개체 틀 3"/>
           <p:cNvSpPr>
             <a:spLocks noGrp="1"/>
           </p:cNvSpPr>
@@ -8900,7 +8128,7 @@
     </p:spTree>
     <p:extLst>
       <p:ext uri="{BB962C8B-B14F-4D97-AF65-F5344CB8AC3E}">
-        <p14:creationId xmlns:p14="http://schemas.microsoft.com/office/powerpoint/2010/main" val="683285989"/>
+        <p14:creationId xmlns:p14="http://schemas.microsoft.com/office/powerpoint/2010/main" val="3159075952"/>
       </p:ext>
     </p:extLst>
   </p:cSld>
@@ -8955,36 +8183,752 @@
           <a:lstStyle/>
           <a:p>
             <a:r>
-              <a:rPr lang="en-US" altLang="ko-KR" dirty="0" smtClean="0"/>
-              <a:t>4-6</a:t>
-            </a:r>
-            <a:r>
-              <a:rPr lang="ko-KR" altLang="en-US" dirty="0" smtClean="0"/>
-              <a:t>걸처서</a:t>
-            </a:r>
-            <a:endParaRPr lang="en-US" altLang="ko-KR" dirty="0" smtClean="0"/>
-          </a:p>
-          <a:p>
-            <a:r>
-              <a:rPr lang="ko-KR" altLang="en-US" dirty="0" smtClean="0"/>
-              <a:t>실제 </a:t>
-            </a:r>
-            <a:r>
               <a:rPr lang="en-US" altLang="ko-KR" dirty="0" err="1" smtClean="0"/>
-              <a:t>api</a:t>
-            </a:r>
-            <a:r>
-              <a:rPr lang="en-US" altLang="ko-KR" dirty="0" smtClean="0"/>
+              <a:t>Axios</a:t>
+            </a:r>
+            <a:r>
+              <a:rPr lang="en-US" altLang="ko-KR" baseline="0" dirty="0" smtClean="0"/>
               <a:t> </a:t>
             </a:r>
             <a:r>
-              <a:rPr lang="ko-KR" altLang="en-US" dirty="0" smtClean="0"/>
-              <a:t>구현을 진행하였습니다</a:t>
-            </a:r>
-            <a:r>
-              <a:rPr lang="en-US" altLang="ko-KR" dirty="0" smtClean="0"/>
+              <a:rPr lang="ko-KR" altLang="en-US" baseline="0" dirty="0" smtClean="0"/>
+              <a:t>란</a:t>
+            </a:r>
+            <a:r>
+              <a:rPr lang="en-US" altLang="ko-KR" baseline="0" dirty="0" smtClean="0"/>
+              <a:t>-</a:t>
+            </a:r>
+            <a:r>
+              <a:rPr lang="en-US" altLang="ko-KR" sz="1200" b="1" i="0" kern="1200" dirty="0" err="1" smtClean="0">
+                <a:solidFill>
+                  <a:schemeClr val="tx1"/>
+                </a:solidFill>
+                <a:effectLst/>
+                <a:latin typeface="+mn-lt"/>
+                <a:ea typeface="+mn-ea"/>
+                <a:cs typeface="+mn-cs"/>
+              </a:rPr>
+              <a:t>axios</a:t>
+            </a:r>
+            <a:r>
+              <a:rPr lang="ko-KR" altLang="en-US" sz="1200" b="0" i="0" kern="1200" dirty="0" smtClean="0">
+                <a:solidFill>
+                  <a:schemeClr val="tx1"/>
+                </a:solidFill>
+                <a:effectLst/>
+                <a:latin typeface="+mn-lt"/>
+                <a:ea typeface="+mn-ea"/>
+                <a:cs typeface="+mn-cs"/>
+              </a:rPr>
+              <a:t>는 </a:t>
+            </a:r>
+            <a:r>
+              <a:rPr lang="en-US" altLang="ko-KR" sz="1200" b="0" i="0" kern="1200" dirty="0" smtClean="0">
+                <a:solidFill>
+                  <a:schemeClr val="tx1"/>
+                </a:solidFill>
+                <a:effectLst/>
+                <a:latin typeface="+mn-lt"/>
+                <a:ea typeface="+mn-ea"/>
+                <a:cs typeface="+mn-cs"/>
+              </a:rPr>
+              <a:t>HTTP </a:t>
+            </a:r>
+            <a:r>
+              <a:rPr lang="ko-KR" altLang="en-US" sz="1200" b="0" i="0" kern="1200" dirty="0" smtClean="0">
+                <a:solidFill>
+                  <a:schemeClr val="tx1"/>
+                </a:solidFill>
+                <a:effectLst/>
+                <a:latin typeface="+mn-lt"/>
+                <a:ea typeface="+mn-ea"/>
+                <a:cs typeface="+mn-cs"/>
+              </a:rPr>
+              <a:t>클라이언트 라이브러리로써</a:t>
+            </a:r>
+            <a:r>
+              <a:rPr lang="en-US" altLang="ko-KR" sz="1200" b="0" i="0" kern="1200" dirty="0" smtClean="0">
+                <a:solidFill>
+                  <a:schemeClr val="tx1"/>
+                </a:solidFill>
+                <a:effectLst/>
+                <a:latin typeface="+mn-lt"/>
+                <a:ea typeface="+mn-ea"/>
+                <a:cs typeface="+mn-cs"/>
+              </a:rPr>
+              <a:t>, </a:t>
+            </a:r>
+            <a:r>
+              <a:rPr lang="ko-KR" altLang="en-US" sz="1200" b="0" i="0" kern="1200" dirty="0" smtClean="0">
+                <a:solidFill>
+                  <a:schemeClr val="tx1"/>
+                </a:solidFill>
+                <a:effectLst/>
+                <a:latin typeface="+mn-lt"/>
+                <a:ea typeface="+mn-ea"/>
+                <a:cs typeface="+mn-cs"/>
+              </a:rPr>
+              <a:t>비동기 방식으로 </a:t>
+            </a:r>
+            <a:r>
+              <a:rPr lang="en-US" altLang="ko-KR" sz="1200" b="0" i="0" kern="1200" dirty="0" smtClean="0">
+                <a:solidFill>
+                  <a:schemeClr val="tx1"/>
+                </a:solidFill>
+                <a:effectLst/>
+                <a:latin typeface="+mn-lt"/>
+                <a:ea typeface="+mn-ea"/>
+                <a:cs typeface="+mn-cs"/>
+              </a:rPr>
+              <a:t>HTTP </a:t>
+            </a:r>
+            <a:r>
+              <a:rPr lang="ko-KR" altLang="en-US" sz="1200" b="0" i="0" kern="1200" dirty="0" smtClean="0">
+                <a:solidFill>
+                  <a:schemeClr val="tx1"/>
+                </a:solidFill>
+                <a:effectLst/>
+                <a:latin typeface="+mn-lt"/>
+                <a:ea typeface="+mn-ea"/>
+                <a:cs typeface="+mn-cs"/>
+              </a:rPr>
+              <a:t>데이터 요청을 실행합니다</a:t>
+            </a:r>
+            <a:endParaRPr lang="en-US" altLang="ko-KR" sz="1200" b="0" i="0" kern="1200" dirty="0" smtClean="0">
+              <a:solidFill>
+                <a:schemeClr val="tx1"/>
+              </a:solidFill>
+              <a:effectLst/>
+              <a:latin typeface="+mn-lt"/>
+              <a:ea typeface="+mn-ea"/>
+              <a:cs typeface="+mn-cs"/>
+            </a:endParaRPr>
+          </a:p>
+          <a:p>
+            <a:r>
+              <a:rPr lang="ko-KR" altLang="en-US" sz="1200" b="0" i="0" kern="1200" dirty="0" smtClean="0">
+                <a:solidFill>
+                  <a:schemeClr val="tx1"/>
+                </a:solidFill>
+                <a:effectLst/>
+                <a:latin typeface="+mn-lt"/>
+                <a:ea typeface="+mn-ea"/>
+                <a:cs typeface="+mn-cs"/>
+              </a:rPr>
+              <a:t>전체전이 프로젝트 구조입니다</a:t>
+            </a:r>
+            <a:r>
+              <a:rPr lang="en-US" altLang="ko-KR" sz="1200" b="0" i="0" kern="1200" dirty="0" smtClean="0">
+                <a:solidFill>
+                  <a:schemeClr val="tx1"/>
+                </a:solidFill>
+                <a:effectLst/>
+                <a:latin typeface="+mn-lt"/>
+                <a:ea typeface="+mn-ea"/>
+                <a:cs typeface="+mn-cs"/>
+              </a:rPr>
+              <a:t>. </a:t>
+            </a:r>
+            <a:r>
+              <a:rPr lang="ko-KR" altLang="en-US" sz="1200" b="0" i="0" kern="1200" dirty="0" smtClean="0">
+                <a:solidFill>
+                  <a:schemeClr val="tx1"/>
+                </a:solidFill>
+                <a:effectLst/>
+                <a:latin typeface="+mn-lt"/>
+                <a:ea typeface="+mn-ea"/>
+                <a:cs typeface="+mn-cs"/>
+              </a:rPr>
+              <a:t>프론트는 </a:t>
+            </a:r>
+            <a:r>
+              <a:rPr lang="en-US" altLang="ko-KR" sz="1200" b="0" i="0" kern="1200" dirty="0" err="1" smtClean="0">
+                <a:solidFill>
+                  <a:schemeClr val="tx1"/>
+                </a:solidFill>
+                <a:effectLst/>
+                <a:latin typeface="+mn-lt"/>
+                <a:ea typeface="+mn-ea"/>
+                <a:cs typeface="+mn-cs"/>
+              </a:rPr>
+              <a:t>vue</a:t>
+            </a:r>
+            <a:r>
+              <a:rPr lang="en-US" altLang="ko-KR" sz="1200" b="0" i="0" kern="1200" dirty="0" smtClean="0">
+                <a:solidFill>
+                  <a:schemeClr val="tx1"/>
+                </a:solidFill>
+                <a:effectLst/>
+                <a:latin typeface="+mn-lt"/>
+                <a:ea typeface="+mn-ea"/>
+                <a:cs typeface="+mn-cs"/>
+              </a:rPr>
+              <a:t> </a:t>
+            </a:r>
+            <a:r>
+              <a:rPr lang="en-US" altLang="ko-KR" sz="1200" b="0" i="0" kern="1200" dirty="0" err="1" smtClean="0">
+                <a:solidFill>
+                  <a:schemeClr val="tx1"/>
+                </a:solidFill>
+                <a:effectLst/>
+                <a:latin typeface="+mn-lt"/>
+                <a:ea typeface="+mn-ea"/>
+                <a:cs typeface="+mn-cs"/>
+              </a:rPr>
+              <a:t>frmawork</a:t>
+            </a:r>
+            <a:r>
+              <a:rPr lang="en-US" altLang="ko-KR" sz="1200" b="0" i="0" kern="1200" dirty="0" smtClean="0">
+                <a:solidFill>
+                  <a:schemeClr val="tx1"/>
+                </a:solidFill>
+                <a:effectLst/>
+                <a:latin typeface="+mn-lt"/>
+                <a:ea typeface="+mn-ea"/>
+                <a:cs typeface="+mn-cs"/>
+              </a:rPr>
+              <a:t> element</a:t>
+            </a:r>
+            <a:r>
+              <a:rPr lang="en-US" altLang="ko-KR" sz="1200" b="0" i="0" kern="1200" baseline="0" dirty="0" smtClean="0">
+                <a:solidFill>
+                  <a:schemeClr val="tx1"/>
+                </a:solidFill>
+                <a:effectLst/>
+                <a:latin typeface="+mn-lt"/>
+                <a:ea typeface="+mn-ea"/>
+                <a:cs typeface="+mn-cs"/>
+              </a:rPr>
+              <a:t> </a:t>
+            </a:r>
+            <a:r>
+              <a:rPr lang="en-US" altLang="ko-KR" sz="1200" b="0" i="0" kern="1200" baseline="0" dirty="0" err="1" smtClean="0">
+                <a:solidFill>
+                  <a:schemeClr val="tx1"/>
+                </a:solidFill>
+                <a:effectLst/>
+                <a:latin typeface="+mn-lt"/>
+                <a:ea typeface="+mn-ea"/>
+                <a:cs typeface="+mn-cs"/>
+              </a:rPr>
+              <a:t>ui</a:t>
+            </a:r>
+            <a:r>
+              <a:rPr lang="en-US" altLang="ko-KR" sz="1200" b="0" i="0" kern="1200" baseline="0" dirty="0" smtClean="0">
+                <a:solidFill>
+                  <a:schemeClr val="tx1"/>
+                </a:solidFill>
+                <a:effectLst/>
+                <a:latin typeface="+mn-lt"/>
+                <a:ea typeface="+mn-ea"/>
+                <a:cs typeface="+mn-cs"/>
+              </a:rPr>
+              <a:t> f</a:t>
+            </a:r>
+            <a:r>
+              <a:rPr lang="ko-KR" altLang="en-US" sz="1200" b="0" i="0" kern="1200" baseline="0" dirty="0" smtClean="0">
+                <a:solidFill>
+                  <a:schemeClr val="tx1"/>
+                </a:solidFill>
+                <a:effectLst/>
+                <a:latin typeface="+mn-lt"/>
+                <a:ea typeface="+mn-ea"/>
+                <a:cs typeface="+mn-cs"/>
+              </a:rPr>
+              <a:t>로 구성</a:t>
+            </a:r>
+            <a:endParaRPr lang="en-US" altLang="ko-KR" sz="1200" b="0" i="0" kern="1200" baseline="0" dirty="0" smtClean="0">
+              <a:solidFill>
+                <a:schemeClr val="tx1"/>
+              </a:solidFill>
+              <a:effectLst/>
+              <a:latin typeface="+mn-lt"/>
+              <a:ea typeface="+mn-ea"/>
+              <a:cs typeface="+mn-cs"/>
+            </a:endParaRPr>
+          </a:p>
+          <a:p>
+            <a:r>
+              <a:rPr lang="ko-KR" altLang="en-US" sz="1200" b="0" i="0" kern="1200" dirty="0" smtClean="0">
+                <a:solidFill>
+                  <a:schemeClr val="tx1"/>
+                </a:solidFill>
+                <a:effectLst/>
+                <a:latin typeface="+mn-lt"/>
+                <a:ea typeface="+mn-ea"/>
+                <a:cs typeface="+mn-cs"/>
+              </a:rPr>
+              <a:t>백엔드는 </a:t>
+            </a:r>
+            <a:r>
+              <a:rPr lang="en-US" altLang="ko-KR" sz="1200" b="0" i="0" kern="1200" dirty="0" smtClean="0">
+                <a:solidFill>
+                  <a:schemeClr val="tx1"/>
+                </a:solidFill>
+                <a:effectLst/>
+                <a:latin typeface="+mn-lt"/>
+                <a:ea typeface="+mn-ea"/>
+                <a:cs typeface="+mn-cs"/>
+              </a:rPr>
+              <a:t>spring boot ,</a:t>
+            </a:r>
+            <a:r>
+              <a:rPr lang="en-US" altLang="ko-KR" sz="1200" b="0" i="0" kern="1200" dirty="0" err="1" smtClean="0">
+                <a:solidFill>
+                  <a:schemeClr val="tx1"/>
+                </a:solidFill>
+                <a:effectLst/>
+                <a:latin typeface="+mn-lt"/>
+                <a:ea typeface="+mn-ea"/>
+                <a:cs typeface="+mn-cs"/>
+              </a:rPr>
+              <a:t>jpa</a:t>
+            </a:r>
+            <a:r>
+              <a:rPr lang="en-US" altLang="ko-KR" sz="1200" b="0" i="0" kern="1200" baseline="0" dirty="0" smtClean="0">
+                <a:solidFill>
+                  <a:schemeClr val="tx1"/>
+                </a:solidFill>
+                <a:effectLst/>
+                <a:latin typeface="+mn-lt"/>
+                <a:ea typeface="+mn-ea"/>
+                <a:cs typeface="+mn-cs"/>
+              </a:rPr>
+              <a:t> spring security </a:t>
+            </a:r>
+            <a:r>
+              <a:rPr lang="ko-KR" altLang="en-US" sz="1200" b="0" i="0" kern="1200" baseline="0" dirty="0" smtClean="0">
+                <a:solidFill>
+                  <a:schemeClr val="tx1"/>
+                </a:solidFill>
+                <a:effectLst/>
+                <a:latin typeface="+mn-lt"/>
+                <a:ea typeface="+mn-ea"/>
+                <a:cs typeface="+mn-cs"/>
+              </a:rPr>
+              <a:t>로 구성하였습니다</a:t>
+            </a:r>
+            <a:r>
+              <a:rPr lang="en-US" altLang="ko-KR" sz="1200" b="0" i="0" kern="1200" baseline="0" dirty="0" smtClean="0">
+                <a:solidFill>
+                  <a:schemeClr val="tx1"/>
+                </a:solidFill>
+                <a:effectLst/>
+                <a:latin typeface="+mn-lt"/>
+                <a:ea typeface="+mn-ea"/>
+                <a:cs typeface="+mn-cs"/>
+              </a:rPr>
               <a:t>.</a:t>
             </a:r>
+            <a:r>
+              <a:rPr lang="en-US" altLang="ko-KR" sz="1200" b="0" i="0" kern="1200" dirty="0" smtClean="0">
+                <a:solidFill>
+                  <a:schemeClr val="tx1"/>
+                </a:solidFill>
+                <a:effectLst/>
+                <a:latin typeface="+mn-lt"/>
+                <a:ea typeface="+mn-ea"/>
+                <a:cs typeface="+mn-cs"/>
+              </a:rPr>
+              <a:t> </a:t>
+            </a:r>
+            <a:r>
+              <a:rPr lang="en-US" altLang="ko-KR" sz="1200" b="0" i="0" kern="1200" baseline="0" dirty="0" smtClean="0">
+                <a:solidFill>
+                  <a:schemeClr val="tx1"/>
+                </a:solidFill>
+                <a:effectLst/>
+                <a:latin typeface="+mn-lt"/>
+                <a:ea typeface="+mn-ea"/>
+                <a:cs typeface="+mn-cs"/>
+              </a:rPr>
+              <a:t> </a:t>
+            </a:r>
+            <a:r>
+              <a:rPr lang="en-US" altLang="ko-KR" sz="1200" b="0" i="0" kern="1200" baseline="0" dirty="0" err="1" smtClean="0">
+                <a:solidFill>
+                  <a:schemeClr val="tx1"/>
+                </a:solidFill>
+                <a:effectLst/>
+                <a:latin typeface="+mn-lt"/>
+                <a:ea typeface="+mn-ea"/>
+                <a:cs typeface="+mn-cs"/>
+              </a:rPr>
+              <a:t>db</a:t>
+            </a:r>
+            <a:r>
+              <a:rPr lang="ko-KR" altLang="en-US" sz="1200" b="0" i="0" kern="1200" baseline="0" dirty="0" smtClean="0">
+                <a:solidFill>
+                  <a:schemeClr val="tx1"/>
+                </a:solidFill>
+                <a:effectLst/>
+                <a:latin typeface="+mn-lt"/>
+                <a:ea typeface="+mn-ea"/>
+                <a:cs typeface="+mn-cs"/>
+              </a:rPr>
+              <a:t>는 </a:t>
+            </a:r>
+            <a:r>
+              <a:rPr lang="en-US" altLang="ko-KR" sz="1200" b="0" i="0" kern="1200" baseline="0" dirty="0" err="1" smtClean="0">
+                <a:solidFill>
+                  <a:schemeClr val="tx1"/>
+                </a:solidFill>
+                <a:effectLst/>
+                <a:latin typeface="+mn-lt"/>
+                <a:ea typeface="+mn-ea"/>
+                <a:cs typeface="+mn-cs"/>
+              </a:rPr>
+              <a:t>mysql</a:t>
+            </a:r>
+            <a:r>
+              <a:rPr lang="en-US" altLang="ko-KR" sz="1200" b="0" i="0" kern="1200" baseline="0" dirty="0" smtClean="0">
+                <a:solidFill>
+                  <a:schemeClr val="tx1"/>
+                </a:solidFill>
+                <a:effectLst/>
+                <a:latin typeface="+mn-lt"/>
+                <a:ea typeface="+mn-ea"/>
+                <a:cs typeface="+mn-cs"/>
+              </a:rPr>
+              <a:t> </a:t>
+            </a:r>
+            <a:r>
+              <a:rPr lang="ko-KR" altLang="en-US" sz="1200" b="0" i="0" kern="1200" baseline="0" dirty="0" smtClean="0">
+                <a:solidFill>
+                  <a:schemeClr val="tx1"/>
+                </a:solidFill>
+                <a:effectLst/>
+                <a:latin typeface="+mn-lt"/>
+                <a:ea typeface="+mn-ea"/>
+                <a:cs typeface="+mn-cs"/>
+              </a:rPr>
+              <a:t>를 사용하습니다</a:t>
+            </a:r>
+            <a:r>
+              <a:rPr lang="en-US" altLang="ko-KR" sz="1200" b="0" i="0" kern="1200" baseline="0" dirty="0" smtClean="0">
+                <a:solidFill>
+                  <a:schemeClr val="tx1"/>
+                </a:solidFill>
+                <a:effectLst/>
+                <a:latin typeface="+mn-lt"/>
+                <a:ea typeface="+mn-ea"/>
+                <a:cs typeface="+mn-cs"/>
+              </a:rPr>
+              <a:t>. </a:t>
+            </a:r>
+          </a:p>
+          <a:p>
+            <a:r>
+              <a:rPr lang="ko-KR" altLang="en-US" sz="1200" b="0" i="0" kern="1200" baseline="0" dirty="0" smtClean="0">
+                <a:solidFill>
+                  <a:schemeClr val="tx1"/>
+                </a:solidFill>
+                <a:effectLst/>
+                <a:latin typeface="+mn-lt"/>
+                <a:ea typeface="+mn-ea"/>
+                <a:cs typeface="+mn-cs"/>
+              </a:rPr>
+              <a:t>각가 독립적인서버로 구현하였고 </a:t>
+            </a:r>
+            <a:endParaRPr lang="en-US" altLang="ko-KR" sz="1200" b="0" i="0" kern="1200" baseline="0" dirty="0" smtClean="0">
+              <a:solidFill>
+                <a:schemeClr val="tx1"/>
+              </a:solidFill>
+              <a:effectLst/>
+              <a:latin typeface="+mn-lt"/>
+              <a:ea typeface="+mn-ea"/>
+              <a:cs typeface="+mn-cs"/>
+            </a:endParaRPr>
+          </a:p>
+          <a:p>
+            <a:r>
+              <a:rPr lang="ko-KR" altLang="en-US" sz="1200" b="0" i="0" kern="1200" baseline="0" dirty="0" smtClean="0">
+                <a:solidFill>
+                  <a:schemeClr val="tx1"/>
+                </a:solidFill>
+                <a:effectLst/>
+                <a:latin typeface="+mn-lt"/>
+                <a:ea typeface="+mn-ea"/>
+                <a:cs typeface="+mn-cs"/>
+              </a:rPr>
+              <a:t>프론트에서 로그인을 제외한 모든 통신은 </a:t>
+            </a:r>
+            <a:r>
+              <a:rPr lang="en-US" altLang="ko-KR" sz="1200" b="0" i="0" kern="1200" baseline="0" dirty="0" err="1" smtClean="0">
+                <a:solidFill>
+                  <a:schemeClr val="tx1"/>
+                </a:solidFill>
+                <a:effectLst/>
+                <a:latin typeface="+mn-lt"/>
+                <a:ea typeface="+mn-ea"/>
+                <a:cs typeface="+mn-cs"/>
+              </a:rPr>
+              <a:t>axios</a:t>
+            </a:r>
+            <a:r>
+              <a:rPr lang="ko-KR" altLang="en-US" sz="1200" b="0" i="0" kern="1200" baseline="0" dirty="0" smtClean="0">
+                <a:solidFill>
+                  <a:schemeClr val="tx1"/>
+                </a:solidFill>
+                <a:effectLst/>
+                <a:latin typeface="+mn-lt"/>
+                <a:ea typeface="+mn-ea"/>
+                <a:cs typeface="+mn-cs"/>
+              </a:rPr>
+              <a:t>를 사용해 비동기 통신으로 구성하였습니다</a:t>
+            </a:r>
+            <a:r>
+              <a:rPr lang="en-US" altLang="ko-KR" sz="1200" b="0" i="0" kern="1200" baseline="0" dirty="0" smtClean="0">
+                <a:solidFill>
+                  <a:schemeClr val="tx1"/>
+                </a:solidFill>
+                <a:effectLst/>
+                <a:latin typeface="+mn-lt"/>
+                <a:ea typeface="+mn-ea"/>
+                <a:cs typeface="+mn-cs"/>
+              </a:rPr>
+              <a:t>. </a:t>
+            </a:r>
+            <a:r>
+              <a:rPr lang="ko-KR" altLang="en-US" sz="1200" b="0" i="0" kern="1200" baseline="0" dirty="0" smtClean="0">
+                <a:solidFill>
+                  <a:schemeClr val="tx1"/>
+                </a:solidFill>
+                <a:effectLst/>
+                <a:latin typeface="+mn-lt"/>
+                <a:ea typeface="+mn-ea"/>
+                <a:cs typeface="+mn-cs"/>
+              </a:rPr>
+              <a:t>모든 요청은 </a:t>
+            </a:r>
+            <a:r>
+              <a:rPr lang="en-US" altLang="ko-KR" sz="1200" b="0" i="0" kern="1200" baseline="0" dirty="0" err="1" smtClean="0">
+                <a:solidFill>
+                  <a:schemeClr val="tx1"/>
+                </a:solidFill>
+                <a:effectLst/>
+                <a:latin typeface="+mn-lt"/>
+                <a:ea typeface="+mn-ea"/>
+                <a:cs typeface="+mn-cs"/>
+              </a:rPr>
+              <a:t>jwt</a:t>
+            </a:r>
+            <a:r>
+              <a:rPr lang="en-US" altLang="ko-KR" sz="1200" b="0" i="0" kern="1200" baseline="0" dirty="0" smtClean="0">
+                <a:solidFill>
+                  <a:schemeClr val="tx1"/>
+                </a:solidFill>
+                <a:effectLst/>
+                <a:latin typeface="+mn-lt"/>
+                <a:ea typeface="+mn-ea"/>
+                <a:cs typeface="+mn-cs"/>
+              </a:rPr>
+              <a:t>(</a:t>
+            </a:r>
+            <a:r>
+              <a:rPr lang="en-US" altLang="ko-KR" sz="1200" b="0" i="0" kern="1200" baseline="0" dirty="0" err="1" smtClean="0">
+                <a:solidFill>
+                  <a:schemeClr val="tx1"/>
+                </a:solidFill>
+                <a:effectLst/>
+                <a:latin typeface="+mn-lt"/>
+                <a:ea typeface="+mn-ea"/>
+                <a:cs typeface="+mn-cs"/>
+              </a:rPr>
+              <a:t>json</a:t>
+            </a:r>
+            <a:r>
+              <a:rPr lang="en-US" altLang="ko-KR" sz="1200" b="0" i="0" kern="1200" baseline="0" dirty="0" smtClean="0">
+                <a:solidFill>
+                  <a:schemeClr val="tx1"/>
+                </a:solidFill>
+                <a:effectLst/>
+                <a:latin typeface="+mn-lt"/>
+                <a:ea typeface="+mn-ea"/>
+                <a:cs typeface="+mn-cs"/>
+              </a:rPr>
+              <a:t> </a:t>
+            </a:r>
+            <a:r>
+              <a:rPr lang="en-US" altLang="ko-KR" sz="1200" b="0" i="0" kern="1200" baseline="0" dirty="0" err="1" smtClean="0">
+                <a:solidFill>
+                  <a:schemeClr val="tx1"/>
+                </a:solidFill>
+                <a:effectLst/>
+                <a:latin typeface="+mn-lt"/>
+                <a:ea typeface="+mn-ea"/>
+                <a:cs typeface="+mn-cs"/>
+              </a:rPr>
+              <a:t>webtoken</a:t>
+            </a:r>
+            <a:r>
+              <a:rPr lang="en-US" altLang="ko-KR" sz="1200" b="0" i="0" kern="1200" baseline="0" dirty="0" smtClean="0">
+                <a:solidFill>
+                  <a:schemeClr val="tx1"/>
+                </a:solidFill>
+                <a:effectLst/>
+                <a:latin typeface="+mn-lt"/>
+                <a:ea typeface="+mn-ea"/>
+                <a:cs typeface="+mn-cs"/>
+              </a:rPr>
+              <a:t>) </a:t>
+            </a:r>
+            <a:r>
+              <a:rPr lang="ko-KR" altLang="en-US" sz="1200" b="0" i="0" kern="1200" baseline="0" dirty="0" smtClean="0">
+                <a:solidFill>
+                  <a:schemeClr val="tx1"/>
+                </a:solidFill>
+                <a:effectLst/>
+                <a:latin typeface="+mn-lt"/>
+                <a:ea typeface="+mn-ea"/>
+                <a:cs typeface="+mn-cs"/>
+              </a:rPr>
+              <a:t>를 쿠키에 담아서 전송하는 방식으로 인증을 구현하였습니다</a:t>
+            </a:r>
+            <a:r>
+              <a:rPr lang="en-US" altLang="ko-KR" sz="1200" b="0" i="0" kern="1200" baseline="0" dirty="0" smtClean="0">
+                <a:solidFill>
+                  <a:schemeClr val="tx1"/>
+                </a:solidFill>
+                <a:effectLst/>
+                <a:latin typeface="+mn-lt"/>
+                <a:ea typeface="+mn-ea"/>
+                <a:cs typeface="+mn-cs"/>
+              </a:rPr>
+              <a:t>.</a:t>
+            </a:r>
+          </a:p>
+          <a:p>
+            <a:r>
+              <a:rPr lang="ko-KR" altLang="en-US" sz="1200" b="0" i="0" kern="1200" baseline="0" dirty="0" smtClean="0">
+                <a:solidFill>
+                  <a:schemeClr val="tx1"/>
+                </a:solidFill>
+                <a:effectLst/>
+                <a:latin typeface="+mn-lt"/>
+                <a:ea typeface="+mn-ea"/>
+                <a:cs typeface="+mn-cs"/>
+              </a:rPr>
+              <a:t>로그인 </a:t>
+            </a:r>
+            <a:r>
+              <a:rPr lang="en-US" altLang="ko-KR" sz="1200" b="0" i="0" kern="1200" baseline="0" dirty="0" smtClean="0">
+                <a:solidFill>
+                  <a:schemeClr val="tx1"/>
+                </a:solidFill>
+                <a:effectLst/>
+                <a:latin typeface="+mn-lt"/>
+                <a:ea typeface="+mn-ea"/>
+                <a:cs typeface="+mn-cs"/>
+              </a:rPr>
+              <a:t>scribe java </a:t>
+            </a:r>
+            <a:r>
+              <a:rPr lang="ko-KR" altLang="en-US" sz="1200" b="0" i="0" kern="1200" baseline="0" dirty="0" smtClean="0">
+                <a:solidFill>
+                  <a:schemeClr val="tx1"/>
+                </a:solidFill>
+                <a:effectLst/>
+                <a:latin typeface="+mn-lt"/>
+                <a:ea typeface="+mn-ea"/>
+                <a:cs typeface="+mn-cs"/>
+              </a:rPr>
+              <a:t>라는 </a:t>
+            </a:r>
+            <a:r>
+              <a:rPr lang="en-US" altLang="ko-KR" sz="1200" b="0" i="0" kern="1200" baseline="0" dirty="0" err="1" smtClean="0">
+                <a:solidFill>
+                  <a:schemeClr val="tx1"/>
+                </a:solidFill>
+                <a:effectLst/>
+                <a:latin typeface="+mn-lt"/>
+                <a:ea typeface="+mn-ea"/>
+                <a:cs typeface="+mn-cs"/>
+              </a:rPr>
+              <a:t>oauth</a:t>
+            </a:r>
+            <a:r>
+              <a:rPr lang="en-US" altLang="ko-KR" sz="1200" b="0" i="0" kern="1200" baseline="0" dirty="0" smtClean="0">
+                <a:solidFill>
+                  <a:schemeClr val="tx1"/>
+                </a:solidFill>
+                <a:effectLst/>
+                <a:latin typeface="+mn-lt"/>
+                <a:ea typeface="+mn-ea"/>
+                <a:cs typeface="+mn-cs"/>
+              </a:rPr>
+              <a:t> library </a:t>
+            </a:r>
+            <a:r>
+              <a:rPr lang="ko-KR" altLang="en-US" sz="1200" b="0" i="0" kern="1200" baseline="0" dirty="0" smtClean="0">
+                <a:solidFill>
+                  <a:schemeClr val="tx1"/>
+                </a:solidFill>
+                <a:effectLst/>
+                <a:latin typeface="+mn-lt"/>
+                <a:ea typeface="+mn-ea"/>
+                <a:cs typeface="+mn-cs"/>
+              </a:rPr>
+              <a:t>를 사용해서 소셜 로그인 기능을 구현하엿습니니다</a:t>
+            </a:r>
+            <a:r>
+              <a:rPr lang="en-US" altLang="ko-KR" sz="1200" b="0" i="0" kern="1200" baseline="0" dirty="0" smtClean="0">
+                <a:solidFill>
+                  <a:schemeClr val="tx1"/>
+                </a:solidFill>
+                <a:effectLst/>
+                <a:latin typeface="+mn-lt"/>
+                <a:ea typeface="+mn-ea"/>
+                <a:cs typeface="+mn-cs"/>
+              </a:rPr>
+              <a:t>. </a:t>
+            </a:r>
+          </a:p>
+          <a:p>
+            <a:endParaRPr lang="en-US" altLang="ko-KR" sz="1200" b="0" i="0" kern="1200" baseline="0" dirty="0" smtClean="0">
+              <a:solidFill>
+                <a:schemeClr val="tx1"/>
+              </a:solidFill>
+              <a:effectLst/>
+              <a:latin typeface="+mn-lt"/>
+              <a:ea typeface="+mn-ea"/>
+              <a:cs typeface="+mn-cs"/>
+            </a:endParaRPr>
+          </a:p>
+          <a:p>
+            <a:endParaRPr lang="en-US" altLang="ko-KR" sz="1200" b="0" i="0" kern="1200" dirty="0" smtClean="0">
+              <a:solidFill>
+                <a:schemeClr val="tx1"/>
+              </a:solidFill>
+              <a:effectLst/>
+              <a:latin typeface="+mn-lt"/>
+              <a:ea typeface="+mn-ea"/>
+              <a:cs typeface="+mn-cs"/>
+            </a:endParaRPr>
+          </a:p>
+          <a:p>
+            <a:endParaRPr lang="en-US" altLang="ko-KR" sz="1200" b="0" i="0" kern="1200" dirty="0" smtClean="0">
+              <a:solidFill>
+                <a:schemeClr val="tx1"/>
+              </a:solidFill>
+              <a:effectLst/>
+              <a:latin typeface="+mn-lt"/>
+              <a:ea typeface="+mn-ea"/>
+              <a:cs typeface="+mn-cs"/>
+            </a:endParaRPr>
+          </a:p>
+          <a:p>
+            <a:endParaRPr lang="en-US" altLang="ko-KR" sz="1200" b="0" i="0" kern="1200" dirty="0" smtClean="0">
+              <a:solidFill>
+                <a:schemeClr val="tx1"/>
+              </a:solidFill>
+              <a:effectLst/>
+              <a:latin typeface="+mn-lt"/>
+              <a:ea typeface="+mn-ea"/>
+              <a:cs typeface="+mn-cs"/>
+            </a:endParaRPr>
+          </a:p>
+          <a:p>
             <a:endParaRPr lang="ko-KR" altLang="en-US" dirty="0"/>
           </a:p>
         </p:txBody>
@@ -9015,7 +8959,7 @@
     </p:spTree>
     <p:extLst>
       <p:ext uri="{BB962C8B-B14F-4D97-AF65-F5344CB8AC3E}">
-        <p14:creationId xmlns:p14="http://schemas.microsoft.com/office/powerpoint/2010/main" val="3861093231"/>
+        <p14:creationId xmlns:p14="http://schemas.microsoft.com/office/powerpoint/2010/main" val="683285989"/>
       </p:ext>
     </p:extLst>
   </p:cSld>
@@ -9044,7 +8988,7 @@
       </p:grpSpPr>
       <p:sp>
         <p:nvSpPr>
-          <p:cNvPr id="2" name="슬라이드 이미지 개체 틀 1"/>
+          <p:cNvPr id="2" name="Slide Image Placeholder 1"/>
           <p:cNvSpPr>
             <a:spLocks noGrp="1" noRot="1" noChangeAspect="1"/>
           </p:cNvSpPr>
@@ -9056,7 +9000,7 @@
       </p:sp>
       <p:sp>
         <p:nvSpPr>
-          <p:cNvPr id="3" name="슬라이드 노트 개체 틀 2"/>
+          <p:cNvPr id="3" name="Notes Placeholder 2"/>
           <p:cNvSpPr>
             <a:spLocks noGrp="1"/>
           </p:cNvSpPr>
@@ -9070,26 +9014,43 @@
           <a:lstStyle/>
           <a:p>
             <a:r>
-              <a:rPr lang="ko-KR" altLang="en-US" dirty="0" err="1" smtClean="0"/>
-              <a:t>소셜로그인</a:t>
+              <a:rPr lang="en-US" altLang="ko-KR" dirty="0" smtClean="0"/>
+              <a:t>4-6</a:t>
             </a:r>
             <a:r>
               <a:rPr lang="ko-KR" altLang="en-US" dirty="0" smtClean="0"/>
-              <a:t> 기능 그리고 전체적이 인증을 구현하였습니다</a:t>
+              <a:t>걸처서</a:t>
+            </a:r>
+            <a:endParaRPr lang="en-US" altLang="ko-KR" dirty="0" smtClean="0"/>
+          </a:p>
+          <a:p>
+            <a:r>
+              <a:rPr lang="ko-KR" altLang="en-US" dirty="0" smtClean="0"/>
+              <a:t>실제 </a:t>
+            </a:r>
+            <a:r>
+              <a:rPr lang="en-US" altLang="ko-KR" dirty="0" err="1" smtClean="0"/>
+              <a:t>api</a:t>
+            </a:r>
+            <a:r>
+              <a:rPr lang="en-US" altLang="ko-KR" dirty="0" smtClean="0"/>
+              <a:t> </a:t>
+            </a:r>
+            <a:r>
+              <a:rPr lang="ko-KR" altLang="en-US" dirty="0" smtClean="0"/>
+              <a:t>구현을 진행하였습니다</a:t>
             </a:r>
             <a:r>
               <a:rPr lang="en-US" altLang="ko-KR" dirty="0" smtClean="0"/>
               <a:t>.</a:t>
             </a:r>
-          </a:p>
-          <a:p>
             <a:endParaRPr lang="ko-KR" altLang="en-US" dirty="0"/>
           </a:p>
         </p:txBody>
       </p:sp>
       <p:sp>
         <p:nvSpPr>
-          <p:cNvPr id="4" name="슬라이드 번호 개체 틀 3"/>
+          <p:cNvPr id="4" name="Slide Number Placeholder 3"/>
           <p:cNvSpPr>
             <a:spLocks noGrp="1"/>
           </p:cNvSpPr>
@@ -9113,7 +9074,7 @@
     </p:spTree>
     <p:extLst>
       <p:ext uri="{BB962C8B-B14F-4D97-AF65-F5344CB8AC3E}">
-        <p14:creationId xmlns:p14="http://schemas.microsoft.com/office/powerpoint/2010/main" val="4113203609"/>
+        <p14:creationId xmlns:p14="http://schemas.microsoft.com/office/powerpoint/2010/main" val="3861093231"/>
       </p:ext>
     </p:extLst>
   </p:cSld>
@@ -9142,7 +9103,7 @@
       </p:grpSpPr>
       <p:sp>
         <p:nvSpPr>
-          <p:cNvPr id="2" name="Slide Image Placeholder 1"/>
+          <p:cNvPr id="2" name="슬라이드 이미지 개체 틀 1"/>
           <p:cNvSpPr>
             <a:spLocks noGrp="1" noRot="1" noChangeAspect="1"/>
           </p:cNvSpPr>
@@ -9154,7 +9115,7 @@
       </p:sp>
       <p:sp>
         <p:nvSpPr>
-          <p:cNvPr id="3" name="Notes Placeholder 2"/>
+          <p:cNvPr id="3" name="슬라이드 노트 개체 틀 2"/>
           <p:cNvSpPr>
             <a:spLocks noGrp="1"/>
           </p:cNvSpPr>
@@ -9167,13 +9128,27 @@
           <a:bodyPr/>
           <a:lstStyle/>
           <a:p>
+            <a:r>
+              <a:rPr lang="ko-KR" altLang="en-US" dirty="0" err="1" smtClean="0"/>
+              <a:t>소셜로그인</a:t>
+            </a:r>
+            <a:r>
+              <a:rPr lang="ko-KR" altLang="en-US" dirty="0" smtClean="0"/>
+              <a:t> 기능 그리고 전체적이 인증을 구현하였습니다</a:t>
+            </a:r>
+            <a:r>
+              <a:rPr lang="en-US" altLang="ko-KR" dirty="0" smtClean="0"/>
+              <a:t>.</a:t>
+            </a:r>
+          </a:p>
+          <a:p>
             <a:endParaRPr lang="ko-KR" altLang="en-US" dirty="0"/>
           </a:p>
         </p:txBody>
       </p:sp>
       <p:sp>
         <p:nvSpPr>
-          <p:cNvPr id="4" name="Slide Number Placeholder 3"/>
+          <p:cNvPr id="4" name="슬라이드 번호 개체 틀 3"/>
           <p:cNvSpPr>
             <a:spLocks noGrp="1"/>
           </p:cNvSpPr>
@@ -9197,7 +9172,7 @@
     </p:spTree>
     <p:extLst>
       <p:ext uri="{BB962C8B-B14F-4D97-AF65-F5344CB8AC3E}">
-        <p14:creationId xmlns:p14="http://schemas.microsoft.com/office/powerpoint/2010/main" val="2395605814"/>
+        <p14:creationId xmlns:p14="http://schemas.microsoft.com/office/powerpoint/2010/main" val="4113203609"/>
       </p:ext>
     </p:extLst>
   </p:cSld>
@@ -9226,7 +9201,7 @@
       </p:grpSpPr>
       <p:sp>
         <p:nvSpPr>
-          <p:cNvPr id="2" name="슬라이드 이미지 개체 틀 1"/>
+          <p:cNvPr id="2" name="Slide Image Placeholder 1"/>
           <p:cNvSpPr>
             <a:spLocks noGrp="1" noRot="1" noChangeAspect="1"/>
           </p:cNvSpPr>
@@ -9238,7 +9213,7 @@
       </p:sp>
       <p:sp>
         <p:nvSpPr>
-          <p:cNvPr id="3" name="슬라이드 노트 개체 틀 2"/>
+          <p:cNvPr id="3" name="Notes Placeholder 2"/>
           <p:cNvSpPr>
             <a:spLocks noGrp="1"/>
           </p:cNvSpPr>
@@ -9257,7 +9232,7 @@
       </p:sp>
       <p:sp>
         <p:nvSpPr>
-          <p:cNvPr id="4" name="슬라이드 번호 개체 틀 3"/>
+          <p:cNvPr id="4" name="Slide Number Placeholder 3"/>
           <p:cNvSpPr>
             <a:spLocks noGrp="1"/>
           </p:cNvSpPr>
@@ -9281,7 +9256,7 @@
     </p:spTree>
     <p:extLst>
       <p:ext uri="{BB962C8B-B14F-4D97-AF65-F5344CB8AC3E}">
-        <p14:creationId xmlns:p14="http://schemas.microsoft.com/office/powerpoint/2010/main" val="3159075952"/>
+        <p14:creationId xmlns:p14="http://schemas.microsoft.com/office/powerpoint/2010/main" val="2395605814"/>
       </p:ext>
     </p:extLst>
   </p:cSld>
@@ -12584,7 +12559,7 @@
           <p:cNvPr id="7" name="TextBox 6">
             <a:extLst>
               <a:ext uri="{FF2B5EF4-FFF2-40B4-BE49-F238E27FC236}">
-                <a16:creationId xmlns:a16="http://schemas.microsoft.com/office/drawing/2014/main" xmlns="" id="{691811B0-B48E-441A-87FD-055ECECA2FB0}"/>
+                <a16:creationId xmlns="" xmlns:a16="http://schemas.microsoft.com/office/drawing/2014/main" id="{691811B0-B48E-441A-87FD-055ECECA2FB0}"/>
               </a:ext>
             </a:extLst>
           </p:cNvPr>
@@ -14414,7 +14389,7 @@
         <p:spPr>
           <a:xfrm>
             <a:off x="1803399" y="1796291"/>
-            <a:ext cx="3883028" cy="4662815"/>
+            <a:ext cx="3883028" cy="3416320"/>
           </a:xfrm>
           <a:prstGeom prst="rect">
             <a:avLst/>
@@ -14613,7 +14588,7 @@
             </a:endParaRPr>
           </a:p>
           <a:p>
-            <a:pPr lvl="1">
+            <a:pPr>
               <a:lnSpc>
                 <a:spcPct val="150000"/>
               </a:lnSpc>
@@ -14623,83 +14598,6 @@
                 <a:schemeClr val="accent4"/>
               </a:solidFill>
             </a:endParaRPr>
-          </a:p>
-          <a:p>
-            <a:pPr marL="285750" indent="-285750">
-              <a:lnSpc>
-                <a:spcPct val="150000"/>
-              </a:lnSpc>
-              <a:buFont typeface="Arial" panose="020B0604020202020204" pitchFamily="34" charset="0"/>
-              <a:buChar char="•"/>
-            </a:pPr>
-            <a:r>
-              <a:rPr lang="en-US" altLang="ko-KR" b="1" dirty="0" smtClean="0">
-                <a:solidFill>
-                  <a:schemeClr val="accent4"/>
-                </a:solidFill>
-              </a:rPr>
-              <a:t>JPA </a:t>
-            </a:r>
-            <a:r>
-              <a:rPr lang="ko-KR" altLang="en-US" b="1" dirty="0" smtClean="0">
-                <a:solidFill>
-                  <a:schemeClr val="accent4"/>
-                </a:solidFill>
-              </a:rPr>
-              <a:t>사용후 좋은점</a:t>
-            </a:r>
-            <a:endParaRPr lang="en-US" altLang="ko-KR" b="1" dirty="0" smtClean="0">
-              <a:solidFill>
-                <a:schemeClr val="accent4"/>
-              </a:solidFill>
-            </a:endParaRPr>
-          </a:p>
-          <a:p>
-            <a:pPr marL="742950" lvl="1" indent="-285750">
-              <a:lnSpc>
-                <a:spcPct val="150000"/>
-              </a:lnSpc>
-              <a:buFont typeface="Arial" panose="020B0604020202020204" pitchFamily="34" charset="0"/>
-              <a:buChar char="•"/>
-            </a:pPr>
-            <a:r>
-              <a:rPr lang="ko-KR" altLang="en-US" b="1" dirty="0" smtClean="0">
-                <a:solidFill>
-                  <a:schemeClr val="accent4"/>
-                </a:solidFill>
-              </a:rPr>
-              <a:t>벤더변경에 자유롭다</a:t>
-            </a:r>
-            <a:endParaRPr lang="en-US" altLang="ko-KR" b="1" dirty="0" smtClean="0">
-              <a:solidFill>
-                <a:schemeClr val="accent4"/>
-              </a:solidFill>
-            </a:endParaRPr>
-          </a:p>
-          <a:p>
-            <a:pPr marL="742950" lvl="1" indent="-285750">
-              <a:lnSpc>
-                <a:spcPct val="150000"/>
-              </a:lnSpc>
-              <a:buFont typeface="Arial" panose="020B0604020202020204" pitchFamily="34" charset="0"/>
-              <a:buChar char="•"/>
-            </a:pPr>
-            <a:r>
-              <a:rPr lang="ko-KR" altLang="en-US" b="1" dirty="0" smtClean="0">
-                <a:solidFill>
-                  <a:schemeClr val="accent4"/>
-                </a:solidFill>
-              </a:rPr>
-              <a:t>객체지향적 코딩하기 가 쉽다</a:t>
-            </a:r>
-            <a:r>
-              <a:rPr lang="en-US" altLang="ko-KR" b="1" dirty="0" smtClean="0">
-                <a:solidFill>
-                  <a:schemeClr val="accent4"/>
-                </a:solidFill>
-              </a:rPr>
-              <a:t>.</a:t>
-            </a:r>
           </a:p>
         </p:txBody>
       </p:sp>
@@ -15410,7 +15308,7 @@
         <p:spPr>
           <a:xfrm>
             <a:off x="1803398" y="1807442"/>
-            <a:ext cx="10140951" cy="4247317"/>
+            <a:ext cx="10140951" cy="3831818"/>
           </a:xfrm>
           <a:prstGeom prst="rect">
             <a:avLst/>
@@ -15694,23 +15592,6 @@
               </a:rPr>
               <a:t>)</a:t>
             </a:r>
-          </a:p>
-          <a:p>
-            <a:pPr marL="285750" indent="-285750">
-              <a:lnSpc>
-                <a:spcPct val="150000"/>
-              </a:lnSpc>
-              <a:buFont typeface="Arial" panose="020B0604020202020204" pitchFamily="34" charset="0"/>
-              <a:buChar char="•"/>
-            </a:pPr>
-            <a:r>
-              <a:rPr lang="ko-KR" altLang="en-US" b="1" dirty="0" smtClean="0">
-                <a:solidFill>
-                  <a:schemeClr val="accent4"/>
-                </a:solidFill>
-              </a:rPr>
-              <a:t>좋은점</a:t>
-            </a:r>
             <a:endParaRPr lang="en-US" altLang="ko-KR" b="1" dirty="0" smtClean="0">
               <a:solidFill>
                 <a:schemeClr val="accent4"/>
@@ -15731,7 +15612,7 @@
                   <a:schemeClr val="accent4"/>
                 </a:solidFill>
               </a:rPr>
-              <a:t>리팩토링시 안정성</a:t>
+              <a:t>리팩토링시 안전성</a:t>
             </a:r>
             <a:endParaRPr lang="en-US" altLang="ko-KR" b="1" dirty="0" smtClean="0">
               <a:solidFill>
@@ -15753,7 +15634,7 @@
                   <a:schemeClr val="accent4"/>
                 </a:solidFill>
               </a:rPr>
-              <a:t>배포전 빌드시 검증을 통한 안정성</a:t>
+              <a:t>빌드시 테스트코드를 통한 안정성</a:t>
             </a:r>
             <a:endParaRPr lang="en-US" altLang="ko-KR" b="1" dirty="0" smtClean="0">
               <a:solidFill>
@@ -16305,15 +16186,7 @@
                   <a:schemeClr val="accent4"/>
                 </a:solidFill>
               </a:rPr>
-              <a:t> </a:t>
-            </a:r>
-            <a:r>
-              <a:rPr lang="ko-KR" altLang="en-US" b="1" dirty="0" smtClean="0">
-                <a:solidFill>
-                  <a:schemeClr val="accent4"/>
-                </a:solidFill>
-              </a:rPr>
-              <a:t>유효성 검증</a:t>
+              <a:t> 유효성 검증</a:t>
             </a:r>
             <a:endParaRPr lang="en-US" altLang="ko-KR" b="1" dirty="0" smtClean="0">
               <a:solidFill>
@@ -20818,7 +20691,7 @@
         <p:spPr>
           <a:xfrm>
             <a:off x="2259166" y="1755849"/>
-            <a:ext cx="3541394" cy="652486"/>
+            <a:ext cx="3541394" cy="932563"/>
           </a:xfrm>
           <a:prstGeom prst="rect">
             <a:avLst/>
@@ -20839,7 +20712,7 @@
               <a:buChar char="§"/>
             </a:pPr>
             <a:r>
-              <a:rPr lang="en-US" altLang="ko-KR" sz="1400" b="1" dirty="0">
+              <a:rPr lang="ko-KR" altLang="en-US" sz="1400" dirty="0" smtClean="0">
                 <a:solidFill>
                   <a:schemeClr val="bg1"/>
                 </a:solidFill>
@@ -20847,7 +20720,57 @@
                 <a:ea typeface="Noto Sans CJK KR Thin" panose="020B0200000000000000" pitchFamily="34" charset="-127"/>
                 <a:cs typeface="Arial" panose="020B0604020202020204" pitchFamily="34" charset="0"/>
               </a:rPr>
-              <a:t>Project architecture</a:t>
+              <a:t>기획</a:t>
+            </a:r>
+            <a:r>
+              <a:rPr lang="ko-KR" altLang="en-US" sz="1400" dirty="0">
+                <a:solidFill>
+                  <a:schemeClr val="bg1"/>
+                </a:solidFill>
+                <a:latin typeface="Noto Sans CJK KR Thin" panose="020B0200000000000000" pitchFamily="34" charset="-127"/>
+                <a:ea typeface="Noto Sans CJK KR Thin" panose="020B0200000000000000" pitchFamily="34" charset="-127"/>
+                <a:cs typeface="Arial" panose="020B0604020202020204" pitchFamily="34" charset="0"/>
+              </a:rPr>
+              <a:t>서</a:t>
+            </a:r>
+            <a:endParaRPr lang="en-US" altLang="ko-KR" sz="1400" dirty="0" smtClean="0">
+              <a:solidFill>
+                <a:schemeClr val="bg1"/>
+              </a:solidFill>
+              <a:latin typeface="Noto Sans CJK KR Thin" panose="020B0200000000000000" pitchFamily="34" charset="-127"/>
+              <a:ea typeface="Noto Sans CJK KR Thin" panose="020B0200000000000000" pitchFamily="34" charset="-127"/>
+              <a:cs typeface="Arial" panose="020B0604020202020204" pitchFamily="34" charset="0"/>
+            </a:endParaRPr>
+          </a:p>
+          <a:p>
+            <a:pPr marL="180975" indent="-180975">
+              <a:lnSpc>
+                <a:spcPct val="130000"/>
+              </a:lnSpc>
+              <a:buFont typeface="Wingdings" panose="05000000000000000000" pitchFamily="2" charset="2"/>
+              <a:buChar char="§"/>
+            </a:pPr>
+            <a:r>
+              <a:rPr lang="en-US" altLang="ko-KR" sz="1400" b="1" dirty="0" smtClean="0">
+                <a:solidFill>
+                  <a:schemeClr val="bg1"/>
+                </a:solidFill>
+                <a:latin typeface="Noto Sans CJK KR Thin" panose="020B0200000000000000" pitchFamily="34" charset="-127"/>
+                <a:ea typeface="Noto Sans CJK KR Thin" panose="020B0200000000000000" pitchFamily="34" charset="-127"/>
+                <a:cs typeface="Arial" panose="020B0604020202020204" pitchFamily="34" charset="0"/>
+              </a:rPr>
+              <a:t>Project </a:t>
+            </a:r>
+            <a:r>
+              <a:rPr lang="en-US" altLang="ko-KR" sz="1400" b="1" dirty="0">
+                <a:solidFill>
+                  <a:schemeClr val="bg1"/>
+                </a:solidFill>
+                <a:latin typeface="Noto Sans CJK KR Thin" panose="020B0200000000000000" pitchFamily="34" charset="-127"/>
+                <a:ea typeface="Noto Sans CJK KR Thin" panose="020B0200000000000000" pitchFamily="34" charset="-127"/>
+                <a:cs typeface="Arial" panose="020B0604020202020204" pitchFamily="34" charset="0"/>
+              </a:rPr>
+              <a:t>architecture</a:t>
             </a:r>
           </a:p>
           <a:p>
@@ -21625,7 +21548,31 @@
                   <a:schemeClr val="accent4"/>
                 </a:solidFill>
               </a:rPr>
-              <a:t>JWT vs Session</a:t>
+              <a:t>T</a:t>
+            </a:r>
+            <a:r>
+              <a:rPr lang="en-US" altLang="ko-KR" b="1" dirty="0" smtClean="0">
+                <a:solidFill>
+                  <a:schemeClr val="accent4"/>
+                </a:solidFill>
+              </a:rPr>
+              <a:t>oken</a:t>
+            </a:r>
+            <a:r>
+              <a:rPr lang="en-US" altLang="ko-KR" b="1" dirty="0" smtClean="0">
+                <a:solidFill>
+                  <a:schemeClr val="accent4"/>
+                </a:solidFill>
+              </a:rPr>
+              <a:t> </a:t>
+            </a:r>
+            <a:r>
+              <a:rPr lang="en-US" altLang="ko-KR" b="1" dirty="0" smtClean="0">
+                <a:solidFill>
+                  <a:schemeClr val="accent4"/>
+                </a:solidFill>
+              </a:rPr>
+              <a:t>vs Session</a:t>
             </a:r>
             <a:endParaRPr lang="en-US" altLang="ko-KR" b="1" dirty="0">
               <a:solidFill>
@@ -24631,6 +24578,420 @@
           <a:chExt cx="0" cy="0"/>
         </a:xfrm>
       </p:grpSpPr>
+      <p:sp>
+        <p:nvSpPr>
+          <p:cNvPr id="9" name="직사각형 8"/>
+          <p:cNvSpPr/>
+          <p:nvPr/>
+        </p:nvSpPr>
+        <p:spPr>
+          <a:xfrm>
+            <a:off x="0" y="0"/>
+            <a:ext cx="12192000" cy="1638300"/>
+          </a:xfrm>
+          <a:prstGeom prst="rect">
+            <a:avLst/>
+          </a:prstGeom>
+          <a:solidFill>
+            <a:schemeClr val="bg2"/>
+          </a:solidFill>
+          <a:ln>
+            <a:noFill/>
+          </a:ln>
+        </p:spPr>
+        <p:style>
+          <a:lnRef idx="2">
+            <a:schemeClr val="accent1">
+              <a:shade val="50000"/>
+            </a:schemeClr>
+          </a:lnRef>
+          <a:fillRef idx="1">
+            <a:schemeClr val="accent1"/>
+          </a:fillRef>
+          <a:effectRef idx="0">
+            <a:schemeClr val="accent1"/>
+          </a:effectRef>
+          <a:fontRef idx="minor">
+            <a:schemeClr val="lt1"/>
+          </a:fontRef>
+        </p:style>
+        <p:txBody>
+          <a:bodyPr rtlCol="0" anchor="ctr"/>
+          <a:lstStyle/>
+          <a:p>
+            <a:pPr algn="ctr"/>
+            <a:endParaRPr lang="ko-KR" altLang="en-US"/>
+          </a:p>
+        </p:txBody>
+      </p:sp>
+      <p:cxnSp>
+        <p:nvCxnSpPr>
+          <p:cNvPr id="2" name="직선 연결선 1"/>
+          <p:cNvCxnSpPr/>
+          <p:nvPr/>
+        </p:nvCxnSpPr>
+        <p:spPr>
+          <a:xfrm>
+            <a:off x="139700" y="491296"/>
+            <a:ext cx="1993900" cy="0"/>
+          </a:xfrm>
+          <a:prstGeom prst="line">
+            <a:avLst/>
+          </a:prstGeom>
+          <a:ln>
+            <a:solidFill>
+              <a:schemeClr val="accent4"/>
+            </a:solidFill>
+          </a:ln>
+        </p:spPr>
+        <p:style>
+          <a:lnRef idx="1">
+            <a:schemeClr val="accent1"/>
+          </a:lnRef>
+          <a:fillRef idx="0">
+            <a:schemeClr val="accent1"/>
+          </a:fillRef>
+          <a:effectRef idx="0">
+            <a:schemeClr val="accent1"/>
+          </a:effectRef>
+          <a:fontRef idx="minor">
+            <a:schemeClr val="tx1"/>
+          </a:fontRef>
+        </p:style>
+      </p:cxnSp>
+      <p:sp>
+        <p:nvSpPr>
+          <p:cNvPr id="4" name="TextBox 3"/>
+          <p:cNvSpPr txBox="1"/>
+          <p:nvPr/>
+        </p:nvSpPr>
+        <p:spPr>
+          <a:xfrm>
+            <a:off x="1481886" y="652394"/>
+            <a:ext cx="753732" cy="584775"/>
+          </a:xfrm>
+          <a:prstGeom prst="rect">
+            <a:avLst/>
+          </a:prstGeom>
+          <a:noFill/>
+        </p:spPr>
+        <p:txBody>
+          <a:bodyPr wrap="none" rtlCol="0">
+            <a:spAutoFit/>
+          </a:bodyPr>
+          <a:lstStyle/>
+          <a:p>
+            <a:pPr algn="r"/>
+            <a:r>
+              <a:rPr lang="en-US" altLang="ko-KR" sz="3200" b="1" dirty="0">
+                <a:solidFill>
+                  <a:schemeClr val="accent4"/>
+                </a:solidFill>
+              </a:rPr>
+              <a:t>2</a:t>
+            </a:r>
+            <a:r>
+              <a:rPr lang="en-US" altLang="ko-KR" sz="3200" b="1" dirty="0" smtClean="0">
+                <a:solidFill>
+                  <a:schemeClr val="accent4"/>
+                </a:solidFill>
+              </a:rPr>
+              <a:t>.1</a:t>
+            </a:r>
+            <a:endParaRPr lang="ko-KR" altLang="en-US" sz="3200" b="1" dirty="0">
+              <a:solidFill>
+                <a:schemeClr val="accent4"/>
+              </a:solidFill>
+            </a:endParaRPr>
+          </a:p>
+        </p:txBody>
+      </p:sp>
+      <p:sp>
+        <p:nvSpPr>
+          <p:cNvPr id="6" name="TextBox 5"/>
+          <p:cNvSpPr txBox="1"/>
+          <p:nvPr/>
+        </p:nvSpPr>
+        <p:spPr>
+          <a:xfrm>
+            <a:off x="2263852" y="645071"/>
+            <a:ext cx="3631122" cy="584775"/>
+          </a:xfrm>
+          <a:prstGeom prst="rect">
+            <a:avLst/>
+          </a:prstGeom>
+          <a:noFill/>
+        </p:spPr>
+        <p:txBody>
+          <a:bodyPr wrap="none" rtlCol="0">
+            <a:spAutoFit/>
+          </a:bodyPr>
+          <a:lstStyle/>
+          <a:p>
+            <a:r>
+              <a:rPr lang="ko-KR" altLang="en-US" sz="3200" b="1" dirty="0">
+                <a:solidFill>
+                  <a:srgbClr val="666666"/>
+                </a:solidFill>
+              </a:rPr>
+              <a:t>자리 배치 프로그램</a:t>
+            </a:r>
+          </a:p>
+        </p:txBody>
+      </p:sp>
+      <p:sp>
+        <p:nvSpPr>
+          <p:cNvPr id="15" name="TextBox 14"/>
+          <p:cNvSpPr txBox="1"/>
+          <p:nvPr/>
+        </p:nvSpPr>
+        <p:spPr>
+          <a:xfrm>
+            <a:off x="1803399" y="1695925"/>
+            <a:ext cx="9655175" cy="3970318"/>
+          </a:xfrm>
+          <a:prstGeom prst="rect">
+            <a:avLst/>
+          </a:prstGeom>
+          <a:noFill/>
+        </p:spPr>
+        <p:txBody>
+          <a:bodyPr wrap="square" rtlCol="0">
+            <a:spAutoFit/>
+          </a:bodyPr>
+          <a:lstStyle/>
+          <a:p>
+            <a:pPr marL="285750" indent="-285750">
+              <a:lnSpc>
+                <a:spcPct val="200000"/>
+              </a:lnSpc>
+              <a:buFont typeface="Arial" panose="020B0604020202020204" pitchFamily="34" charset="0"/>
+              <a:buChar char="•"/>
+            </a:pPr>
+            <a:r>
+              <a:rPr lang="ko-KR" altLang="en-US" b="1" dirty="0">
+                <a:solidFill>
+                  <a:schemeClr val="accent4"/>
+                </a:solidFill>
+              </a:rPr>
+              <a:t>자리 배치 정보 </a:t>
+            </a:r>
+            <a:r>
+              <a:rPr lang="ko-KR" altLang="en-US" b="1" dirty="0" smtClean="0">
+                <a:solidFill>
+                  <a:schemeClr val="accent4"/>
+                </a:solidFill>
+              </a:rPr>
+              <a:t>시각화</a:t>
+            </a:r>
+            <a:endParaRPr lang="en-US" altLang="ko-KR" b="1" dirty="0" smtClean="0">
+              <a:solidFill>
+                <a:schemeClr val="accent4"/>
+              </a:solidFill>
+            </a:endParaRPr>
+          </a:p>
+          <a:p>
+            <a:pPr marL="285750" indent="-285750">
+              <a:lnSpc>
+                <a:spcPct val="200000"/>
+              </a:lnSpc>
+              <a:buFont typeface="Arial" panose="020B0604020202020204" pitchFamily="34" charset="0"/>
+              <a:buChar char="•"/>
+            </a:pPr>
+            <a:r>
+              <a:rPr lang="ko-KR" altLang="en-US" b="1" dirty="0" smtClean="0">
+                <a:solidFill>
+                  <a:schemeClr val="accent4"/>
+                </a:solidFill>
+              </a:rPr>
+              <a:t>소셜 로그인</a:t>
+            </a:r>
+            <a:endParaRPr lang="en-US" altLang="ko-KR" b="1" dirty="0" smtClean="0">
+              <a:solidFill>
+                <a:schemeClr val="accent4"/>
+              </a:solidFill>
+            </a:endParaRPr>
+          </a:p>
+          <a:p>
+            <a:pPr marL="285750" indent="-285750">
+              <a:lnSpc>
+                <a:spcPct val="200000"/>
+              </a:lnSpc>
+              <a:buFont typeface="Arial" panose="020B0604020202020204" pitchFamily="34" charset="0"/>
+              <a:buChar char="•"/>
+            </a:pPr>
+            <a:r>
+              <a:rPr lang="ko-KR" altLang="en-US" b="1" dirty="0" smtClean="0">
+                <a:solidFill>
+                  <a:schemeClr val="accent4"/>
+                </a:solidFill>
+              </a:rPr>
+              <a:t>자리 검색 기능</a:t>
+            </a:r>
+            <a:endParaRPr lang="en-US" altLang="ko-KR" b="1" dirty="0" smtClean="0">
+              <a:solidFill>
+                <a:schemeClr val="accent4"/>
+              </a:solidFill>
+            </a:endParaRPr>
+          </a:p>
+          <a:p>
+            <a:pPr marL="285750" indent="-285750">
+              <a:lnSpc>
+                <a:spcPct val="200000"/>
+              </a:lnSpc>
+              <a:buFont typeface="Arial" panose="020B0604020202020204" pitchFamily="34" charset="0"/>
+              <a:buChar char="•"/>
+            </a:pPr>
+            <a:r>
+              <a:rPr lang="ko-KR" altLang="en-US" b="1" dirty="0" smtClean="0">
+                <a:solidFill>
+                  <a:schemeClr val="accent4"/>
+                </a:solidFill>
+              </a:rPr>
+              <a:t>회의실 예약 기능</a:t>
+            </a:r>
+            <a:endParaRPr lang="en-US" altLang="ko-KR" b="1" dirty="0" smtClean="0">
+              <a:solidFill>
+                <a:schemeClr val="accent4"/>
+              </a:solidFill>
+            </a:endParaRPr>
+          </a:p>
+          <a:p>
+            <a:pPr marL="285750" indent="-285750">
+              <a:lnSpc>
+                <a:spcPct val="200000"/>
+              </a:lnSpc>
+              <a:buFont typeface="Arial" panose="020B0604020202020204" pitchFamily="34" charset="0"/>
+              <a:buChar char="•"/>
+            </a:pPr>
+            <a:r>
+              <a:rPr lang="ko-KR" altLang="en-US" b="1" dirty="0" smtClean="0">
+                <a:solidFill>
+                  <a:schemeClr val="accent4"/>
+                </a:solidFill>
+              </a:rPr>
+              <a:t>자리 변경 기능</a:t>
+            </a:r>
+            <a:endParaRPr lang="en-US" altLang="ko-KR" b="1" dirty="0" smtClean="0">
+              <a:solidFill>
+                <a:schemeClr val="accent4"/>
+              </a:solidFill>
+            </a:endParaRPr>
+          </a:p>
+          <a:p>
+            <a:pPr marL="285750" indent="-285750">
+              <a:lnSpc>
+                <a:spcPct val="200000"/>
+              </a:lnSpc>
+              <a:buFont typeface="Arial" panose="020B0604020202020204" pitchFamily="34" charset="0"/>
+              <a:buChar char="•"/>
+            </a:pPr>
+            <a:r>
+              <a:rPr lang="ko-KR" altLang="en-US" b="1" dirty="0" smtClean="0">
+                <a:solidFill>
+                  <a:schemeClr val="accent4"/>
+                </a:solidFill>
+              </a:rPr>
+              <a:t>자리 변경 히스토리 조회 기능</a:t>
+            </a:r>
+            <a:endParaRPr lang="en-US" altLang="ko-KR" b="1" dirty="0" smtClean="0">
+              <a:solidFill>
+                <a:schemeClr val="accent4"/>
+              </a:solidFill>
+            </a:endParaRPr>
+          </a:p>
+          <a:p>
+            <a:pPr marL="285750" indent="-285750">
+              <a:lnSpc>
+                <a:spcPct val="200000"/>
+              </a:lnSpc>
+              <a:buFont typeface="Arial" panose="020B0604020202020204" pitchFamily="34" charset="0"/>
+              <a:buChar char="•"/>
+            </a:pPr>
+            <a:endParaRPr lang="ko-KR" altLang="en-US" b="1" dirty="0">
+              <a:solidFill>
+                <a:schemeClr val="accent4"/>
+              </a:solidFill>
+            </a:endParaRPr>
+          </a:p>
+        </p:txBody>
+      </p:sp>
+      <p:sp>
+        <p:nvSpPr>
+          <p:cNvPr id="10" name="TextBox 9"/>
+          <p:cNvSpPr txBox="1"/>
+          <p:nvPr/>
+        </p:nvSpPr>
+        <p:spPr>
+          <a:xfrm>
+            <a:off x="83938" y="169136"/>
+            <a:ext cx="1189749" cy="307777"/>
+          </a:xfrm>
+          <a:prstGeom prst="rect">
+            <a:avLst/>
+          </a:prstGeom>
+          <a:noFill/>
+        </p:spPr>
+        <p:txBody>
+          <a:bodyPr wrap="none" rtlCol="0">
+            <a:spAutoFit/>
+          </a:bodyPr>
+          <a:lstStyle/>
+          <a:p>
+            <a:pPr algn="dist"/>
+            <a:r>
+              <a:rPr lang="en-US" altLang="ko-KR" sz="1400" dirty="0" smtClean="0">
+                <a:solidFill>
+                  <a:schemeClr val="accent4"/>
+                </a:solidFill>
+              </a:rPr>
+              <a:t>Seating Map</a:t>
+            </a:r>
+            <a:endParaRPr lang="en-US" altLang="ko-KR" sz="1400" dirty="0">
+              <a:solidFill>
+                <a:schemeClr val="accent4"/>
+              </a:solidFill>
+            </a:endParaRPr>
+          </a:p>
+        </p:txBody>
+      </p:sp>
+    </p:spTree>
+    <p:extLst>
+      <p:ext uri="{BB962C8B-B14F-4D97-AF65-F5344CB8AC3E}">
+        <p14:creationId xmlns:p14="http://schemas.microsoft.com/office/powerpoint/2010/main" val="1645995101"/>
+      </p:ext>
+    </p:extLst>
+  </p:cSld>
+  <p:clrMapOvr>
+    <a:masterClrMapping/>
+  </p:clrMapOvr>
+  <p:timing>
+    <p:tnLst>
+      <p:par>
+        <p:cTn id="1" dur="indefinite" restart="never" nodeType="tmRoot"/>
+      </p:par>
+    </p:tnLst>
+  </p:timing>
+</p:sld>
+</file>
+
+<file path=ppt/slides/slide5.xml><?xml version="1.0" encoding="utf-8"?>
+<p:sld xmlns:a="http://schemas.openxmlformats.org/drawingml/2006/main" xmlns:r="http://schemas.openxmlformats.org/officeDocument/2006/relationships" xmlns:p="http://schemas.openxmlformats.org/presentationml/2006/main">
+  <p:cSld>
+    <p:spTree>
+      <p:nvGrpSpPr>
+        <p:cNvPr id="1" name=""/>
+        <p:cNvGrpSpPr/>
+        <p:nvPr/>
+      </p:nvGrpSpPr>
+      <p:grpSpPr>
+        <a:xfrm>
+          <a:off x="0" y="0"/>
+          <a:ext cx="0" cy="0"/>
+          <a:chOff x="0" y="0"/>
+          <a:chExt cx="0" cy="0"/>
+        </a:xfrm>
+      </p:grpSpPr>
       <p:pic>
         <p:nvPicPr>
           <p:cNvPr id="41" name="그림 7"/>
@@ -26134,7 +26495,7 @@
 </p:sld>
 </file>
 
-<file path=ppt/slides/slide5.xml><?xml version="1.0" encoding="utf-8"?>
+<file path=ppt/slides/slide6.xml><?xml version="1.0" encoding="utf-8"?>
 <p:sld xmlns:a="http://schemas.openxmlformats.org/drawingml/2006/main" xmlns:r="http://schemas.openxmlformats.org/officeDocument/2006/relationships" xmlns:p="http://schemas.openxmlformats.org/presentationml/2006/main">
   <p:cSld>
     <p:bg>
@@ -27140,7 +27501,7 @@
 </p:sld>
 </file>
 
-<file path=ppt/slides/slide6.xml><?xml version="1.0" encoding="utf-8"?>
+<file path=ppt/slides/slide7.xml><?xml version="1.0" encoding="utf-8"?>
 <p:sld xmlns:a="http://schemas.openxmlformats.org/drawingml/2006/main" xmlns:r="http://schemas.openxmlformats.org/officeDocument/2006/relationships" xmlns:p="http://schemas.openxmlformats.org/presentationml/2006/main">
   <p:cSld>
     <p:spTree>
@@ -27765,7 +28126,7 @@
 </p:sld>
 </file>
 
-<file path=ppt/slides/slide7.xml><?xml version="1.0" encoding="utf-8"?>
+<file path=ppt/slides/slide8.xml><?xml version="1.0" encoding="utf-8"?>
 <p:sld xmlns:a="http://schemas.openxmlformats.org/drawingml/2006/main" xmlns:r="http://schemas.openxmlformats.org/officeDocument/2006/relationships" xmlns:p="http://schemas.openxmlformats.org/presentationml/2006/main">
   <p:cSld>
     <p:bg>
@@ -28234,420 +28595,6 @@
     <p:extLst>
       <p:ext uri="{BB962C8B-B14F-4D97-AF65-F5344CB8AC3E}">
         <p14:creationId xmlns:p14="http://schemas.microsoft.com/office/powerpoint/2010/main" val="3006817506"/>
-      </p:ext>
-    </p:extLst>
-  </p:cSld>
-  <p:clrMapOvr>
-    <a:masterClrMapping/>
-  </p:clrMapOvr>
-  <p:timing>
-    <p:tnLst>
-      <p:par>
-        <p:cTn id="1" dur="indefinite" restart="never" nodeType="tmRoot"/>
-      </p:par>
-    </p:tnLst>
-  </p:timing>
-</p:sld>
-</file>
-
-<file path=ppt/slides/slide8.xml><?xml version="1.0" encoding="utf-8"?>
-<p:sld xmlns:a="http://schemas.openxmlformats.org/drawingml/2006/main" xmlns:r="http://schemas.openxmlformats.org/officeDocument/2006/relationships" xmlns:p="http://schemas.openxmlformats.org/presentationml/2006/main">
-  <p:cSld>
-    <p:spTree>
-      <p:nvGrpSpPr>
-        <p:cNvPr id="1" name=""/>
-        <p:cNvGrpSpPr/>
-        <p:nvPr/>
-      </p:nvGrpSpPr>
-      <p:grpSpPr>
-        <a:xfrm>
-          <a:off x="0" y="0"/>
-          <a:ext cx="0" cy="0"/>
-          <a:chOff x="0" y="0"/>
-          <a:chExt cx="0" cy="0"/>
-        </a:xfrm>
-      </p:grpSpPr>
-      <p:sp>
-        <p:nvSpPr>
-          <p:cNvPr id="9" name="직사각형 8"/>
-          <p:cNvSpPr/>
-          <p:nvPr/>
-        </p:nvSpPr>
-        <p:spPr>
-          <a:xfrm>
-            <a:off x="0" y="0"/>
-            <a:ext cx="12192000" cy="1638300"/>
-          </a:xfrm>
-          <a:prstGeom prst="rect">
-            <a:avLst/>
-          </a:prstGeom>
-          <a:solidFill>
-            <a:schemeClr val="bg2"/>
-          </a:solidFill>
-          <a:ln>
-            <a:noFill/>
-          </a:ln>
-        </p:spPr>
-        <p:style>
-          <a:lnRef idx="2">
-            <a:schemeClr val="accent1">
-              <a:shade val="50000"/>
-            </a:schemeClr>
-          </a:lnRef>
-          <a:fillRef idx="1">
-            <a:schemeClr val="accent1"/>
-          </a:fillRef>
-          <a:effectRef idx="0">
-            <a:schemeClr val="accent1"/>
-          </a:effectRef>
-          <a:fontRef idx="minor">
-            <a:schemeClr val="lt1"/>
-          </a:fontRef>
-        </p:style>
-        <p:txBody>
-          <a:bodyPr rtlCol="0" anchor="ctr"/>
-          <a:lstStyle/>
-          <a:p>
-            <a:pPr algn="ctr"/>
-            <a:endParaRPr lang="ko-KR" altLang="en-US"/>
-          </a:p>
-        </p:txBody>
-      </p:sp>
-      <p:cxnSp>
-        <p:nvCxnSpPr>
-          <p:cNvPr id="2" name="직선 연결선 1"/>
-          <p:cNvCxnSpPr/>
-          <p:nvPr/>
-        </p:nvCxnSpPr>
-        <p:spPr>
-          <a:xfrm>
-            <a:off x="139700" y="491296"/>
-            <a:ext cx="1993900" cy="0"/>
-          </a:xfrm>
-          <a:prstGeom prst="line">
-            <a:avLst/>
-          </a:prstGeom>
-          <a:ln>
-            <a:solidFill>
-              <a:schemeClr val="accent4"/>
-            </a:solidFill>
-          </a:ln>
-        </p:spPr>
-        <p:style>
-          <a:lnRef idx="1">
-            <a:schemeClr val="accent1"/>
-          </a:lnRef>
-          <a:fillRef idx="0">
-            <a:schemeClr val="accent1"/>
-          </a:fillRef>
-          <a:effectRef idx="0">
-            <a:schemeClr val="accent1"/>
-          </a:effectRef>
-          <a:fontRef idx="minor">
-            <a:schemeClr val="tx1"/>
-          </a:fontRef>
-        </p:style>
-      </p:cxnSp>
-      <p:sp>
-        <p:nvSpPr>
-          <p:cNvPr id="4" name="TextBox 3"/>
-          <p:cNvSpPr txBox="1"/>
-          <p:nvPr/>
-        </p:nvSpPr>
-        <p:spPr>
-          <a:xfrm>
-            <a:off x="1481886" y="652394"/>
-            <a:ext cx="753732" cy="584775"/>
-          </a:xfrm>
-          <a:prstGeom prst="rect">
-            <a:avLst/>
-          </a:prstGeom>
-          <a:noFill/>
-        </p:spPr>
-        <p:txBody>
-          <a:bodyPr wrap="none" rtlCol="0">
-            <a:spAutoFit/>
-          </a:bodyPr>
-          <a:lstStyle/>
-          <a:p>
-            <a:pPr algn="r"/>
-            <a:r>
-              <a:rPr lang="en-US" altLang="ko-KR" sz="3200" b="1" dirty="0">
-                <a:solidFill>
-                  <a:schemeClr val="accent4"/>
-                </a:solidFill>
-              </a:rPr>
-              <a:t>2</a:t>
-            </a:r>
-            <a:r>
-              <a:rPr lang="en-US" altLang="ko-KR" sz="3200" b="1" dirty="0" smtClean="0">
-                <a:solidFill>
-                  <a:schemeClr val="accent4"/>
-                </a:solidFill>
-              </a:rPr>
-              <a:t>.1</a:t>
-            </a:r>
-            <a:endParaRPr lang="ko-KR" altLang="en-US" sz="3200" b="1" dirty="0">
-              <a:solidFill>
-                <a:schemeClr val="accent4"/>
-              </a:solidFill>
-            </a:endParaRPr>
-          </a:p>
-        </p:txBody>
-      </p:sp>
-      <p:sp>
-        <p:nvSpPr>
-          <p:cNvPr id="6" name="TextBox 5"/>
-          <p:cNvSpPr txBox="1"/>
-          <p:nvPr/>
-        </p:nvSpPr>
-        <p:spPr>
-          <a:xfrm>
-            <a:off x="2263852" y="645071"/>
-            <a:ext cx="3631122" cy="584775"/>
-          </a:xfrm>
-          <a:prstGeom prst="rect">
-            <a:avLst/>
-          </a:prstGeom>
-          <a:noFill/>
-        </p:spPr>
-        <p:txBody>
-          <a:bodyPr wrap="none" rtlCol="0">
-            <a:spAutoFit/>
-          </a:bodyPr>
-          <a:lstStyle/>
-          <a:p>
-            <a:r>
-              <a:rPr lang="ko-KR" altLang="en-US" sz="3200" b="1" dirty="0">
-                <a:solidFill>
-                  <a:srgbClr val="666666"/>
-                </a:solidFill>
-              </a:rPr>
-              <a:t>자리 배치 프로그램</a:t>
-            </a:r>
-          </a:p>
-        </p:txBody>
-      </p:sp>
-      <p:sp>
-        <p:nvSpPr>
-          <p:cNvPr id="15" name="TextBox 14"/>
-          <p:cNvSpPr txBox="1"/>
-          <p:nvPr/>
-        </p:nvSpPr>
-        <p:spPr>
-          <a:xfrm>
-            <a:off x="1803399" y="1695925"/>
-            <a:ext cx="9655175" cy="3970318"/>
-          </a:xfrm>
-          <a:prstGeom prst="rect">
-            <a:avLst/>
-          </a:prstGeom>
-          <a:noFill/>
-        </p:spPr>
-        <p:txBody>
-          <a:bodyPr wrap="square" rtlCol="0">
-            <a:spAutoFit/>
-          </a:bodyPr>
-          <a:lstStyle/>
-          <a:p>
-            <a:pPr marL="285750" indent="-285750">
-              <a:lnSpc>
-                <a:spcPct val="200000"/>
-              </a:lnSpc>
-              <a:buFont typeface="Arial" panose="020B0604020202020204" pitchFamily="34" charset="0"/>
-              <a:buChar char="•"/>
-            </a:pPr>
-            <a:r>
-              <a:rPr lang="ko-KR" altLang="en-US" b="1" dirty="0">
-                <a:solidFill>
-                  <a:schemeClr val="accent4"/>
-                </a:solidFill>
-              </a:rPr>
-              <a:t>자리 배치 정보 </a:t>
-            </a:r>
-            <a:r>
-              <a:rPr lang="ko-KR" altLang="en-US" b="1" dirty="0" smtClean="0">
-                <a:solidFill>
-                  <a:schemeClr val="accent4"/>
-                </a:solidFill>
-              </a:rPr>
-              <a:t>시각화</a:t>
-            </a:r>
-            <a:endParaRPr lang="en-US" altLang="ko-KR" b="1" dirty="0" smtClean="0">
-              <a:solidFill>
-                <a:schemeClr val="accent4"/>
-              </a:solidFill>
-            </a:endParaRPr>
-          </a:p>
-          <a:p>
-            <a:pPr marL="285750" indent="-285750">
-              <a:lnSpc>
-                <a:spcPct val="200000"/>
-              </a:lnSpc>
-              <a:buFont typeface="Arial" panose="020B0604020202020204" pitchFamily="34" charset="0"/>
-              <a:buChar char="•"/>
-            </a:pPr>
-            <a:r>
-              <a:rPr lang="ko-KR" altLang="en-US" b="1" dirty="0" smtClean="0">
-                <a:solidFill>
-                  <a:schemeClr val="accent4"/>
-                </a:solidFill>
-              </a:rPr>
-              <a:t>소셜 로그인</a:t>
-            </a:r>
-            <a:endParaRPr lang="en-US" altLang="ko-KR" b="1" dirty="0" smtClean="0">
-              <a:solidFill>
-                <a:schemeClr val="accent4"/>
-              </a:solidFill>
-            </a:endParaRPr>
-          </a:p>
-          <a:p>
-            <a:pPr marL="285750" indent="-285750">
-              <a:lnSpc>
-                <a:spcPct val="200000"/>
-              </a:lnSpc>
-              <a:buFont typeface="Arial" panose="020B0604020202020204" pitchFamily="34" charset="0"/>
-              <a:buChar char="•"/>
-            </a:pPr>
-            <a:r>
-              <a:rPr lang="ko-KR" altLang="en-US" b="1" dirty="0" smtClean="0">
-                <a:solidFill>
-                  <a:schemeClr val="accent4"/>
-                </a:solidFill>
-              </a:rPr>
-              <a:t>자리 검색 기능</a:t>
-            </a:r>
-            <a:endParaRPr lang="en-US" altLang="ko-KR" b="1" dirty="0" smtClean="0">
-              <a:solidFill>
-                <a:schemeClr val="accent4"/>
-              </a:solidFill>
-            </a:endParaRPr>
-          </a:p>
-          <a:p>
-            <a:pPr marL="285750" indent="-285750">
-              <a:lnSpc>
-                <a:spcPct val="200000"/>
-              </a:lnSpc>
-              <a:buFont typeface="Arial" panose="020B0604020202020204" pitchFamily="34" charset="0"/>
-              <a:buChar char="•"/>
-            </a:pPr>
-            <a:r>
-              <a:rPr lang="ko-KR" altLang="en-US" b="1" dirty="0" smtClean="0">
-                <a:solidFill>
-                  <a:schemeClr val="accent4"/>
-                </a:solidFill>
-              </a:rPr>
-              <a:t>회의실 예약 기능</a:t>
-            </a:r>
-            <a:endParaRPr lang="en-US" altLang="ko-KR" b="1" dirty="0" smtClean="0">
-              <a:solidFill>
-                <a:schemeClr val="accent4"/>
-              </a:solidFill>
-            </a:endParaRPr>
-          </a:p>
-          <a:p>
-            <a:pPr marL="285750" indent="-285750">
-              <a:lnSpc>
-                <a:spcPct val="200000"/>
-              </a:lnSpc>
-              <a:buFont typeface="Arial" panose="020B0604020202020204" pitchFamily="34" charset="0"/>
-              <a:buChar char="•"/>
-            </a:pPr>
-            <a:r>
-              <a:rPr lang="ko-KR" altLang="en-US" b="1" dirty="0" smtClean="0">
-                <a:solidFill>
-                  <a:schemeClr val="accent4"/>
-                </a:solidFill>
-              </a:rPr>
-              <a:t>자리 변경 기능</a:t>
-            </a:r>
-            <a:endParaRPr lang="en-US" altLang="ko-KR" b="1" dirty="0" smtClean="0">
-              <a:solidFill>
-                <a:schemeClr val="accent4"/>
-              </a:solidFill>
-            </a:endParaRPr>
-          </a:p>
-          <a:p>
-            <a:pPr marL="285750" indent="-285750">
-              <a:lnSpc>
-                <a:spcPct val="200000"/>
-              </a:lnSpc>
-              <a:buFont typeface="Arial" panose="020B0604020202020204" pitchFamily="34" charset="0"/>
-              <a:buChar char="•"/>
-            </a:pPr>
-            <a:r>
-              <a:rPr lang="ko-KR" altLang="en-US" b="1" dirty="0" smtClean="0">
-                <a:solidFill>
-                  <a:schemeClr val="accent4"/>
-                </a:solidFill>
-              </a:rPr>
-              <a:t>자리 변경 히스토리 조회 기능</a:t>
-            </a:r>
-            <a:endParaRPr lang="en-US" altLang="ko-KR" b="1" dirty="0" smtClean="0">
-              <a:solidFill>
-                <a:schemeClr val="accent4"/>
-              </a:solidFill>
-            </a:endParaRPr>
-          </a:p>
-          <a:p>
-            <a:pPr marL="285750" indent="-285750">
-              <a:lnSpc>
-                <a:spcPct val="200000"/>
-              </a:lnSpc>
-              <a:buFont typeface="Arial" panose="020B0604020202020204" pitchFamily="34" charset="0"/>
-              <a:buChar char="•"/>
-            </a:pPr>
-            <a:endParaRPr lang="ko-KR" altLang="en-US" b="1" dirty="0">
-              <a:solidFill>
-                <a:schemeClr val="accent4"/>
-              </a:solidFill>
-            </a:endParaRPr>
-          </a:p>
-        </p:txBody>
-      </p:sp>
-      <p:sp>
-        <p:nvSpPr>
-          <p:cNvPr id="10" name="TextBox 9"/>
-          <p:cNvSpPr txBox="1"/>
-          <p:nvPr/>
-        </p:nvSpPr>
-        <p:spPr>
-          <a:xfrm>
-            <a:off x="83938" y="169136"/>
-            <a:ext cx="1189749" cy="307777"/>
-          </a:xfrm>
-          <a:prstGeom prst="rect">
-            <a:avLst/>
-          </a:prstGeom>
-          <a:noFill/>
-        </p:spPr>
-        <p:txBody>
-          <a:bodyPr wrap="none" rtlCol="0">
-            <a:spAutoFit/>
-          </a:bodyPr>
-          <a:lstStyle/>
-          <a:p>
-            <a:pPr algn="dist"/>
-            <a:r>
-              <a:rPr lang="en-US" altLang="ko-KR" sz="1400" dirty="0" smtClean="0">
-                <a:solidFill>
-                  <a:schemeClr val="accent4"/>
-                </a:solidFill>
-              </a:rPr>
-              <a:t>Seating Map</a:t>
-            </a:r>
-            <a:endParaRPr lang="en-US" altLang="ko-KR" sz="1400" dirty="0">
-              <a:solidFill>
-                <a:schemeClr val="accent4"/>
-              </a:solidFill>
-            </a:endParaRPr>
-          </a:p>
-        </p:txBody>
-      </p:sp>
-    </p:spTree>
-    <p:extLst>
-      <p:ext uri="{BB962C8B-B14F-4D97-AF65-F5344CB8AC3E}">
-        <p14:creationId xmlns:p14="http://schemas.microsoft.com/office/powerpoint/2010/main" val="1645995101"/>
       </p:ext>
     </p:extLst>
   </p:cSld>
@@ -29742,7 +29689,7 @@
   <a:extraClrSchemeLst/>
   <a:extLst>
     <a:ext uri="{05A4C25C-085E-4340-85A3-A5531E510DB2}">
-      <thm15:themeFamily xmlns:thm15="http://schemas.microsoft.com/office/thememl/2012/main" name="Office Theme" id="{62F939B6-93AF-4DB8-9C6B-D6C7DFDC589F}" vid="{4A3C46E8-61CC-4603-A589-7422A47A8E4A}"/>
+      <thm15:themeFamily xmlns:thm15="http://schemas.microsoft.com/office/thememl/2012/main" xmlns="" name="Office Theme" id="{62F939B6-93AF-4DB8-9C6B-D6C7DFDC589F}" vid="{4A3C46E8-61CC-4603-A589-7422A47A8E4A}"/>
     </a:ext>
   </a:extLst>
 </a:theme>
@@ -30003,7 +29950,7 @@
   <a:extraClrSchemeLst/>
   <a:extLst>
     <a:ext uri="{05A4C25C-085E-4340-85A3-A5531E510DB2}">
-      <thm15:themeFamily xmlns:thm15="http://schemas.microsoft.com/office/thememl/2012/main" name="Office Theme" id="{62F939B6-93AF-4DB8-9C6B-D6C7DFDC589F}" vid="{4A3C46E8-61CC-4603-A589-7422A47A8E4A}"/>
+      <thm15:themeFamily xmlns:thm15="http://schemas.microsoft.com/office/thememl/2012/main" xmlns="" name="Office Theme" id="{62F939B6-93AF-4DB8-9C6B-D6C7DFDC589F}" vid="{4A3C46E8-61CC-4603-A589-7422A47A8E4A}"/>
     </a:ext>
   </a:extLst>
 </a:theme>
